--- a/졸업작품_구현환경 및 시스템 설명서_김다빈, 이상규, 차혜연.pptx
+++ b/졸업작품_구현환경 및 시스템 설명서_김다빈, 이상규, 차혜연.pptx
@@ -5,7 +5,7 @@
     <p:sldMasterId id="2147483648" r:id="rId1"/>
   </p:sldMasterIdLst>
   <p:notesMasterIdLst>
-    <p:notesMasterId r:id="rId17"/>
+    <p:notesMasterId r:id="rId20"/>
   </p:notesMasterIdLst>
   <p:sldIdLst>
     <p:sldId id="256" r:id="rId2"/>
@@ -20,9 +20,12 @@
     <p:sldId id="273" r:id="rId11"/>
     <p:sldId id="265" r:id="rId12"/>
     <p:sldId id="263" r:id="rId13"/>
-    <p:sldId id="266" r:id="rId14"/>
-    <p:sldId id="268" r:id="rId15"/>
-    <p:sldId id="269" r:id="rId16"/>
+    <p:sldId id="275" r:id="rId14"/>
+    <p:sldId id="276" r:id="rId15"/>
+    <p:sldId id="274" r:id="rId16"/>
+    <p:sldId id="266" r:id="rId17"/>
+    <p:sldId id="268" r:id="rId18"/>
+    <p:sldId id="269" r:id="rId19"/>
   </p:sldIdLst>
   <p:sldSz cx="12192000" cy="6858000"/>
   <p:notesSz cx="6858000" cy="9144000"/>
@@ -1863,7 +1866,7 @@
           </a:ln>
           <a:extLst>
             <a:ext uri="{C572A759-6A51-4108-AA02-DFA0A04FC94B}">
-              <ma14:wrappingTextBoxFlag xmlns:ma14="http://schemas.microsoft.com/office/mac/drawingml/2011/main" xmlns:a14="http://schemas.microsoft.com/office/drawing/2010/main" xmlns:m="http://schemas.openxmlformats.org/officeDocument/2006/math" xmlns="" val="1"/>
+              <ma14:wrappingTextBoxFlag xmlns="" xmlns:m="http://schemas.openxmlformats.org/officeDocument/2006/math" xmlns:a14="http://schemas.microsoft.com/office/drawing/2010/main" xmlns:ma14="http://schemas.microsoft.com/office/mac/drawingml/2011/main" val="1"/>
             </a:ext>
           </a:extLst>
         </p:spPr>
@@ -1914,7 +1917,7 @@
           </a:ln>
           <a:extLst>
             <a:ext uri="{C572A759-6A51-4108-AA02-DFA0A04FC94B}">
-              <ma14:wrappingTextBoxFlag xmlns:ma14="http://schemas.microsoft.com/office/mac/drawingml/2011/main" xmlns:a14="http://schemas.microsoft.com/office/drawing/2010/main" xmlns:m="http://schemas.openxmlformats.org/officeDocument/2006/math" xmlns="" val="1"/>
+              <ma14:wrappingTextBoxFlag xmlns="" xmlns:m="http://schemas.openxmlformats.org/officeDocument/2006/math" xmlns:a14="http://schemas.microsoft.com/office/drawing/2010/main" xmlns:ma14="http://schemas.microsoft.com/office/mac/drawingml/2011/main" val="1"/>
             </a:ext>
           </a:extLst>
         </p:spPr>
@@ -1953,7 +1956,7 @@
           </a:ln>
           <a:extLst>
             <a:ext uri="{C572A759-6A51-4108-AA02-DFA0A04FC94B}">
-              <ma14:wrappingTextBoxFlag xmlns:ma14="http://schemas.microsoft.com/office/mac/drawingml/2011/main" xmlns:a14="http://schemas.microsoft.com/office/drawing/2010/main" xmlns:m="http://schemas.openxmlformats.org/officeDocument/2006/math" xmlns="" val="1"/>
+              <ma14:wrappingTextBoxFlag xmlns="" xmlns:m="http://schemas.openxmlformats.org/officeDocument/2006/math" xmlns:a14="http://schemas.microsoft.com/office/drawing/2010/main" xmlns:ma14="http://schemas.microsoft.com/office/mac/drawingml/2011/main" val="1"/>
             </a:ext>
           </a:extLst>
         </p:spPr>
@@ -2898,7 +2901,7 @@
             <a:effectLst/>
             <a:extLst>
               <a:ext uri="{C572A759-6A51-4108-AA02-DFA0A04FC94B}">
-                <ma14:wrappingTextBoxFlag xmlns:ma14="http://schemas.microsoft.com/office/mac/drawingml/2011/main" xmlns:a14="http://schemas.microsoft.com/office/drawing/2010/main" xmlns:m="http://schemas.openxmlformats.org/officeDocument/2006/math" xmlns="" val="1"/>
+                <ma14:wrappingTextBoxFlag xmlns="" xmlns:m="http://schemas.openxmlformats.org/officeDocument/2006/math" xmlns:a14="http://schemas.microsoft.com/office/drawing/2010/main" xmlns:ma14="http://schemas.microsoft.com/office/mac/drawingml/2011/main" val="1"/>
               </a:ext>
             </a:extLst>
           </p:spPr>
@@ -2991,7 +2994,7 @@
             <a:effectLst/>
             <a:extLst>
               <a:ext uri="{C572A759-6A51-4108-AA02-DFA0A04FC94B}">
-                <ma14:wrappingTextBoxFlag xmlns:ma14="http://schemas.microsoft.com/office/mac/drawingml/2011/main" xmlns:a14="http://schemas.microsoft.com/office/drawing/2010/main" xmlns:m="http://schemas.openxmlformats.org/officeDocument/2006/math" xmlns="" val="1"/>
+                <ma14:wrappingTextBoxFlag xmlns="" xmlns:m="http://schemas.openxmlformats.org/officeDocument/2006/math" xmlns:a14="http://schemas.microsoft.com/office/drawing/2010/main" xmlns:ma14="http://schemas.microsoft.com/office/mac/drawingml/2011/main" val="1"/>
               </a:ext>
             </a:extLst>
           </p:spPr>
@@ -3085,7 +3088,7 @@
           </a:ln>
           <a:extLst>
             <a:ext uri="{C572A759-6A51-4108-AA02-DFA0A04FC94B}">
-              <ma14:wrappingTextBoxFlag xmlns:ma14="http://schemas.microsoft.com/office/mac/drawingml/2011/main" xmlns:a14="http://schemas.microsoft.com/office/drawing/2010/main" xmlns:m="http://schemas.openxmlformats.org/officeDocument/2006/math" xmlns="" val="1"/>
+              <ma14:wrappingTextBoxFlag xmlns="" xmlns:m="http://schemas.openxmlformats.org/officeDocument/2006/math" xmlns:a14="http://schemas.microsoft.com/office/drawing/2010/main" xmlns:ma14="http://schemas.microsoft.com/office/mac/drawingml/2011/main" val="1"/>
             </a:ext>
           </a:extLst>
         </p:spPr>
@@ -3231,7 +3234,7 @@
           </a:ln>
           <a:extLst>
             <a:ext uri="{C572A759-6A51-4108-AA02-DFA0A04FC94B}">
-              <ma14:wrappingTextBoxFlag xmlns:ma14="http://schemas.microsoft.com/office/mac/drawingml/2011/main" xmlns:a14="http://schemas.microsoft.com/office/drawing/2010/main" xmlns:m="http://schemas.openxmlformats.org/officeDocument/2006/math" xmlns="" val="1"/>
+              <ma14:wrappingTextBoxFlag xmlns="" xmlns:m="http://schemas.openxmlformats.org/officeDocument/2006/math" xmlns:a14="http://schemas.microsoft.com/office/drawing/2010/main" xmlns:ma14="http://schemas.microsoft.com/office/mac/drawingml/2011/main" val="1"/>
             </a:ext>
           </a:extLst>
         </p:spPr>
@@ -3263,7 +3266,7 @@
           <p:cNvPr id="2" name="TextBox 1">
             <a:extLst>
               <a:ext uri="{FF2B5EF4-FFF2-40B4-BE49-F238E27FC236}">
-                <a16:creationId xmlns:a16="http://schemas.microsoft.com/office/drawing/2014/main" id="{980C68D5-E815-4250-95DB-DB8517E26E9F}"/>
+                <a16:creationId xmlns:a16="http://schemas.microsoft.com/office/drawing/2014/main" xmlns="" id="{980C68D5-E815-4250-95DB-DB8517E26E9F}"/>
               </a:ext>
             </a:extLst>
           </p:cNvPr>
@@ -3385,7 +3388,7 @@
           </a:ln>
           <a:extLst>
             <a:ext uri="{C572A759-6A51-4108-AA02-DFA0A04FC94B}">
-              <ma14:wrappingTextBoxFlag xmlns:ma14="http://schemas.microsoft.com/office/mac/drawingml/2011/main" xmlns:a14="http://schemas.microsoft.com/office/drawing/2010/main" xmlns:m="http://schemas.openxmlformats.org/officeDocument/2006/math" xmlns="" val="1"/>
+              <ma14:wrappingTextBoxFlag xmlns="" xmlns:m="http://schemas.openxmlformats.org/officeDocument/2006/math" xmlns:a14="http://schemas.microsoft.com/office/drawing/2010/main" xmlns:ma14="http://schemas.microsoft.com/office/mac/drawingml/2011/main" val="1"/>
             </a:ext>
           </a:extLst>
         </p:spPr>
@@ -3497,7 +3500,7 @@
           </a:ln>
           <a:extLst>
             <a:ext uri="{C572A759-6A51-4108-AA02-DFA0A04FC94B}">
-              <ma14:wrappingTextBoxFlag xmlns:ma14="http://schemas.microsoft.com/office/mac/drawingml/2011/main" xmlns:a14="http://schemas.microsoft.com/office/drawing/2010/main" xmlns:m="http://schemas.openxmlformats.org/officeDocument/2006/math" xmlns="" val="1"/>
+              <ma14:wrappingTextBoxFlag xmlns="" xmlns:m="http://schemas.openxmlformats.org/officeDocument/2006/math" xmlns:a14="http://schemas.microsoft.com/office/drawing/2010/main" xmlns:ma14="http://schemas.microsoft.com/office/mac/drawingml/2011/main" val="1"/>
             </a:ext>
           </a:extLst>
         </p:spPr>
@@ -3559,7 +3562,7 @@
             <a:effectLst/>
             <a:extLst>
               <a:ext uri="{C572A759-6A51-4108-AA02-DFA0A04FC94B}">
-                <ma14:wrappingTextBoxFlag xmlns:ma14="http://schemas.microsoft.com/office/mac/drawingml/2011/main" xmlns:a14="http://schemas.microsoft.com/office/drawing/2010/main" xmlns:m="http://schemas.openxmlformats.org/officeDocument/2006/math" xmlns="" val="1"/>
+                <ma14:wrappingTextBoxFlag xmlns="" xmlns:m="http://schemas.openxmlformats.org/officeDocument/2006/math" xmlns:a14="http://schemas.microsoft.com/office/drawing/2010/main" xmlns:ma14="http://schemas.microsoft.com/office/mac/drawingml/2011/main" val="1"/>
               </a:ext>
             </a:extLst>
           </p:spPr>
@@ -3622,7 +3625,7 @@
             <a:effectLst/>
             <a:extLst>
               <a:ext uri="{C572A759-6A51-4108-AA02-DFA0A04FC94B}">
-                <ma14:wrappingTextBoxFlag xmlns:ma14="http://schemas.microsoft.com/office/mac/drawingml/2011/main" xmlns:a14="http://schemas.microsoft.com/office/drawing/2010/main" xmlns:m="http://schemas.openxmlformats.org/officeDocument/2006/math" xmlns="" val="1"/>
+                <ma14:wrappingTextBoxFlag xmlns="" xmlns:m="http://schemas.openxmlformats.org/officeDocument/2006/math" xmlns:a14="http://schemas.microsoft.com/office/drawing/2010/main" xmlns:ma14="http://schemas.microsoft.com/office/mac/drawingml/2011/main" val="1"/>
               </a:ext>
             </a:extLst>
           </p:spPr>
@@ -3673,7 +3676,7 @@
           <p:cNvPr id="3" name="표 2">
             <a:extLst>
               <a:ext uri="{FF2B5EF4-FFF2-40B4-BE49-F238E27FC236}">
-                <a16:creationId xmlns:a16="http://schemas.microsoft.com/office/drawing/2014/main" id="{A0762A3C-62EF-4EE4-8584-0AD76B4133B9}"/>
+                <a16:creationId xmlns:a16="http://schemas.microsoft.com/office/drawing/2014/main" xmlns="" id="{A0762A3C-62EF-4EE4-8584-0AD76B4133B9}"/>
               </a:ext>
             </a:extLst>
           </p:cNvPr>
@@ -3683,14 +3686,14 @@
           <p:nvPr>
             <p:extLst>
               <p:ext uri="{D42A27DB-BD31-4B8C-83A1-F6EECF244321}">
-                <p14:modId xmlns:p14="http://schemas.microsoft.com/office/powerpoint/2010/main" val="2319464357"/>
+                <p14:modId xmlns:p14="http://schemas.microsoft.com/office/powerpoint/2010/main" val="1747869165"/>
               </p:ext>
             </p:extLst>
           </p:nvPr>
         </p:nvGraphicFramePr>
         <p:xfrm>
           <a:off x="490138" y="1241787"/>
-          <a:ext cx="10902796" cy="4987765"/>
+          <a:ext cx="10902796" cy="5333185"/>
         </p:xfrm>
         <a:graphic>
           <a:graphicData uri="http://schemas.openxmlformats.org/drawingml/2006/table">
@@ -3700,14 +3703,14 @@
                 <a:gridCol w="1070272">
                   <a:extLst>
                     <a:ext uri="{9D8B030D-6E8A-4147-A177-3AD203B41FA5}">
-                      <a16:colId xmlns:a16="http://schemas.microsoft.com/office/drawing/2014/main" val="3418167760"/>
+                      <a16:colId xmlns:a16="http://schemas.microsoft.com/office/drawing/2014/main" xmlns="" val="3418167760"/>
                     </a:ext>
                   </a:extLst>
                 </a:gridCol>
                 <a:gridCol w="9832524">
                   <a:extLst>
                     <a:ext uri="{9D8B030D-6E8A-4147-A177-3AD203B41FA5}">
-                      <a16:colId xmlns:a16="http://schemas.microsoft.com/office/drawing/2014/main" val="4062239330"/>
+                      <a16:colId xmlns:a16="http://schemas.microsoft.com/office/drawing/2014/main" xmlns="" val="4062239330"/>
                     </a:ext>
                   </a:extLst>
                 </a:gridCol>
@@ -3730,7 +3733,7 @@
                         </a:spcAft>
                       </a:pPr>
                       <a:r>
-                        <a:rPr lang="ko-KR" altLang="en-US" sz="1600" b="1" kern="0" spc="0">
+                        <a:rPr lang="ko-KR" altLang="en-US" sz="1600" b="1" kern="0" spc="0" dirty="0">
                           <a:solidFill>
                             <a:srgbClr val="000000"/>
                           </a:solidFill>
@@ -3740,7 +3743,7 @@
                         </a:rPr>
                         <a:t>주</a:t>
                       </a:r>
-                      <a:endParaRPr lang="ko-KR" altLang="en-US" sz="4400" b="1" kern="0" spc="0">
+                      <a:endParaRPr lang="ko-KR" altLang="en-US" sz="4400" b="1" kern="0" spc="0" dirty="0">
                         <a:solidFill>
                           <a:srgbClr val="000000"/>
                         </a:solidFill>
@@ -3859,7 +3862,7 @@
                 </a:tc>
                 <a:extLst>
                   <a:ext uri="{0D108BD9-81ED-4DB2-BD59-A6C34878D82A}">
-                    <a16:rowId xmlns:a16="http://schemas.microsoft.com/office/drawing/2014/main" val="4186682237"/>
+                    <a16:rowId xmlns:a16="http://schemas.microsoft.com/office/drawing/2014/main" xmlns="" val="4186682237"/>
                   </a:ext>
                 </a:extLst>
               </a:tr>
@@ -4048,7 +4051,7 @@
                 </a:tc>
                 <a:extLst>
                   <a:ext uri="{0D108BD9-81ED-4DB2-BD59-A6C34878D82A}">
-                    <a16:rowId xmlns:a16="http://schemas.microsoft.com/office/drawing/2014/main" val="1409265322"/>
+                    <a16:rowId xmlns:a16="http://schemas.microsoft.com/office/drawing/2014/main" xmlns="" val="1409265322"/>
                   </a:ext>
                 </a:extLst>
               </a:tr>
@@ -4270,7 +4273,7 @@
                 </a:tc>
                 <a:extLst>
                   <a:ext uri="{0D108BD9-81ED-4DB2-BD59-A6C34878D82A}">
-                    <a16:rowId xmlns:a16="http://schemas.microsoft.com/office/drawing/2014/main" val="4230519475"/>
+                    <a16:rowId xmlns:a16="http://schemas.microsoft.com/office/drawing/2014/main" xmlns="" val="4230519475"/>
                   </a:ext>
                 </a:extLst>
               </a:tr>
@@ -4481,7 +4484,7 @@
                 </a:tc>
                 <a:extLst>
                   <a:ext uri="{0D108BD9-81ED-4DB2-BD59-A6C34878D82A}">
-                    <a16:rowId xmlns:a16="http://schemas.microsoft.com/office/drawing/2014/main" val="1945485398"/>
+                    <a16:rowId xmlns:a16="http://schemas.microsoft.com/office/drawing/2014/main" xmlns="" val="1945485398"/>
                   </a:ext>
                 </a:extLst>
               </a:tr>
@@ -4626,7 +4629,7 @@
                 </a:tc>
                 <a:extLst>
                   <a:ext uri="{0D108BD9-81ED-4DB2-BD59-A6C34878D82A}">
-                    <a16:rowId xmlns:a16="http://schemas.microsoft.com/office/drawing/2014/main" val="2283638117"/>
+                    <a16:rowId xmlns:a16="http://schemas.microsoft.com/office/drawing/2014/main" xmlns="" val="2283638117"/>
                   </a:ext>
                 </a:extLst>
               </a:tr>
@@ -4771,7 +4774,7 @@
                 </a:tc>
                 <a:extLst>
                   <a:ext uri="{0D108BD9-81ED-4DB2-BD59-A6C34878D82A}">
-                    <a16:rowId xmlns:a16="http://schemas.microsoft.com/office/drawing/2014/main" val="185733533"/>
+                    <a16:rowId xmlns:a16="http://schemas.microsoft.com/office/drawing/2014/main" xmlns="" val="185733533"/>
                   </a:ext>
                 </a:extLst>
               </a:tr>
@@ -4793,7 +4796,7 @@
                         </a:spcAft>
                       </a:pPr>
                       <a:r>
-                        <a:rPr lang="en-US" sz="1400" kern="0" spc="-70">
+                        <a:rPr lang="en-US" sz="1400" kern="0" spc="-70" dirty="0">
                           <a:solidFill>
                             <a:srgbClr val="000000"/>
                           </a:solidFill>
@@ -4803,7 +4806,7 @@
                         </a:rPr>
                         <a:t>14</a:t>
                       </a:r>
-                      <a:endParaRPr lang="en-US" sz="1600" kern="0" spc="0">
+                      <a:endParaRPr lang="en-US" sz="1600" kern="0" spc="0" dirty="0">
                         <a:solidFill>
                           <a:srgbClr val="000000"/>
                         </a:solidFill>
@@ -4862,7 +4865,7 @@
                         </a:spcAft>
                       </a:pPr>
                       <a:r>
-                        <a:rPr lang="ko-KR" altLang="en-US" sz="1400" kern="0" spc="-70">
+                        <a:rPr lang="ko-KR" altLang="en-US" sz="1400" kern="0" spc="-70" dirty="0">
                           <a:solidFill>
                             <a:srgbClr val="000000"/>
                           </a:solidFill>
@@ -4870,10 +4873,32 @@
                           <a:latin typeface="한컴바탕"/>
                           <a:ea typeface="한컴바탕"/>
                         </a:rPr>
-                        <a:t>로그인 시스템이 불필요하다고 판단하여 파이어베이스 인증기능을 제거하고 </a:t>
+                        <a:t>로그인 시스템이 불필요하다고 판단하여 </a:t>
                       </a:r>
                       <a:r>
-                        <a:rPr lang="en-US" altLang="ko-KR" sz="1400" kern="0" spc="-70">
+                        <a:rPr lang="ko-KR" altLang="en-US" sz="1400" kern="0" spc="-70" dirty="0" err="1">
+                          <a:solidFill>
+                            <a:srgbClr val="000000"/>
+                          </a:solidFill>
+                          <a:effectLst/>
+                          <a:latin typeface="한컴바탕"/>
+                          <a:ea typeface="한컴바탕"/>
+                        </a:rPr>
+                        <a:t>파이어베이스</a:t>
+                      </a:r>
+                      <a:r>
+                        <a:rPr lang="ko-KR" altLang="en-US" sz="1400" kern="0" spc="-70" dirty="0">
+                          <a:solidFill>
+                            <a:srgbClr val="000000"/>
+                          </a:solidFill>
+                          <a:effectLst/>
+                          <a:latin typeface="한컴바탕"/>
+                          <a:ea typeface="한컴바탕"/>
+                        </a:rPr>
+                        <a:t> 인증기능을 제거하고 </a:t>
+                      </a:r>
+                      <a:r>
+                        <a:rPr lang="en-US" altLang="ko-KR" sz="1400" kern="0" spc="-70" dirty="0">
                           <a:solidFill>
                             <a:srgbClr val="000000"/>
                           </a:solidFill>
@@ -4884,7 +4909,7 @@
                         <a:t>API</a:t>
                       </a:r>
                       <a:r>
-                        <a:rPr lang="ko-KR" altLang="en-US" sz="1400" kern="0" spc="-70">
+                        <a:rPr lang="ko-KR" altLang="en-US" sz="1400" kern="0" spc="-70" dirty="0">
                           <a:solidFill>
                             <a:srgbClr val="000000"/>
                           </a:solidFill>
@@ -4895,7 +4920,7 @@
                         <a:t>정보를 </a:t>
                       </a:r>
                       <a:r>
-                        <a:rPr lang="en-US" altLang="ko-KR" sz="1400" kern="0" spc="-70">
+                        <a:rPr lang="en-US" altLang="ko-KR" sz="1400" kern="0" spc="-70" dirty="0">
                           <a:solidFill>
                             <a:srgbClr val="000000"/>
                           </a:solidFill>
@@ -4906,7 +4931,7 @@
                         <a:t>DB</a:t>
                       </a:r>
                       <a:r>
-                        <a:rPr lang="ko-KR" altLang="en-US" sz="1400" kern="0" spc="-70">
+                        <a:rPr lang="ko-KR" altLang="en-US" sz="1400" kern="0" spc="-70" dirty="0">
                           <a:solidFill>
                             <a:srgbClr val="000000"/>
                           </a:solidFill>
@@ -4916,7 +4941,7 @@
                         </a:rPr>
                         <a:t>화하여 받아오는 형식으로 사용하는 방향으로 수정</a:t>
                       </a:r>
-                      <a:endParaRPr lang="ko-KR" altLang="en-US" sz="1600" kern="0" spc="0">
+                      <a:endParaRPr lang="ko-KR" altLang="en-US" sz="1600" kern="0" spc="0" dirty="0">
                         <a:solidFill>
                           <a:srgbClr val="000000"/>
                         </a:solidFill>
@@ -4960,11 +4985,11 @@
                 </a:tc>
                 <a:extLst>
                   <a:ext uri="{0D108BD9-81ED-4DB2-BD59-A6C34878D82A}">
-                    <a16:rowId xmlns:a16="http://schemas.microsoft.com/office/drawing/2014/main" val="3215638020"/>
+                    <a16:rowId xmlns:a16="http://schemas.microsoft.com/office/drawing/2014/main" xmlns="" val="3215638020"/>
                   </a:ext>
                 </a:extLst>
               </a:tr>
-              <a:tr h="508139">
+              <a:tr h="444256">
                 <a:tc>
                   <a:txBody>
                     <a:bodyPr/>
@@ -4982,7 +5007,7 @@
                         </a:spcAft>
                       </a:pPr>
                       <a:r>
-                        <a:rPr lang="en-US" sz="1400" kern="0" spc="-70">
+                        <a:rPr lang="en-US" sz="1400" kern="0" spc="-70" dirty="0">
                           <a:solidFill>
                             <a:srgbClr val="000000"/>
                           </a:solidFill>
@@ -4992,7 +5017,7 @@
                         </a:rPr>
                         <a:t>15</a:t>
                       </a:r>
-                      <a:endParaRPr lang="en-US" sz="1600" kern="0" spc="0">
+                      <a:endParaRPr lang="en-US" sz="1600" kern="0" spc="0" dirty="0">
                         <a:solidFill>
                           <a:srgbClr val="000000"/>
                         </a:solidFill>
@@ -5023,9 +5048,9 @@
                       <a:headEnd type="none" w="med" len="med"/>
                       <a:tailEnd type="none" w="med" len="med"/>
                     </a:lnT>
-                    <a:lnB w="21590" cap="flat" cmpd="sng" algn="ctr">
+                    <a:lnB w="12700" cap="flat" cmpd="sng" algn="ctr">
                       <a:solidFill>
-                        <a:srgbClr val="808080"/>
+                        <a:schemeClr val="tx1"/>
                       </a:solidFill>
                       <a:prstDash val="solid"/>
                       <a:round/>
@@ -5051,7 +5076,7 @@
                         </a:spcAft>
                       </a:pPr>
                       <a:r>
-                        <a:rPr lang="en-US" altLang="ko-KR" sz="1400" kern="0" spc="-70">
+                        <a:rPr lang="en-US" altLang="ko-KR" sz="1400" kern="0" spc="-70" dirty="0">
                           <a:solidFill>
                             <a:srgbClr val="000000"/>
                           </a:solidFill>
@@ -5062,7 +5087,7 @@
                         <a:t>API</a:t>
                       </a:r>
                       <a:r>
-                        <a:rPr lang="ko-KR" altLang="en-US" sz="1400" kern="0" spc="-70">
+                        <a:rPr lang="ko-KR" altLang="en-US" sz="1400" kern="0" spc="-70" dirty="0">
                           <a:solidFill>
                             <a:srgbClr val="000000"/>
                           </a:solidFill>
@@ -5073,7 +5098,7 @@
                         <a:t>의 정보를 </a:t>
                       </a:r>
                       <a:r>
-                        <a:rPr lang="en-US" altLang="ko-KR" sz="1400" kern="0" spc="-70">
+                        <a:rPr lang="en-US" altLang="ko-KR" sz="1400" kern="0" spc="-70" dirty="0">
                           <a:solidFill>
                             <a:srgbClr val="000000"/>
                           </a:solidFill>
@@ -5084,7 +5109,7 @@
                         <a:t>DB</a:t>
                       </a:r>
                       <a:r>
-                        <a:rPr lang="ko-KR" altLang="en-US" sz="1400" kern="0" spc="-70">
+                        <a:rPr lang="ko-KR" altLang="en-US" sz="1400" kern="0" spc="-70" dirty="0">
                           <a:solidFill>
                             <a:srgbClr val="000000"/>
                           </a:solidFill>
@@ -5095,7 +5120,7 @@
                         <a:t>화하여 </a:t>
                       </a:r>
                       <a:r>
-                        <a:rPr lang="en-US" altLang="ko-KR" sz="1400" kern="0" spc="-70">
+                        <a:rPr lang="en-US" altLang="ko-KR" sz="1400" kern="0" spc="-70" dirty="0">
                           <a:solidFill>
                             <a:srgbClr val="000000"/>
                           </a:solidFill>
@@ -5106,7 +5131,7 @@
                         <a:t>Firebase</a:t>
                       </a:r>
                       <a:r>
-                        <a:rPr lang="ko-KR" altLang="en-US" sz="1400" kern="0" spc="-70">
+                        <a:rPr lang="ko-KR" altLang="en-US" sz="1400" kern="0" spc="-70" dirty="0">
                           <a:solidFill>
                             <a:srgbClr val="000000"/>
                           </a:solidFill>
@@ -5114,9 +5139,42 @@
                           <a:latin typeface="맑은 고딕" panose="020B0503020000020004" pitchFamily="50" charset="-127"/>
                           <a:ea typeface="맑은 고딕" panose="020B0503020000020004" pitchFamily="50" charset="-127"/>
                         </a:rPr>
-                        <a:t>에 저장하고 어플 최종 시연 및 디버깅 진행</a:t>
+                        <a:t>에 저장하고 </a:t>
                       </a:r>
-                      <a:endParaRPr lang="ko-KR" altLang="en-US" sz="1600" kern="0" spc="0">
+                      <a:r>
+                        <a:rPr lang="ko-KR" altLang="en-US" sz="1400" kern="0" spc="-70" dirty="0" err="1">
+                          <a:solidFill>
+                            <a:srgbClr val="000000"/>
+                          </a:solidFill>
+                          <a:effectLst/>
+                          <a:latin typeface="맑은 고딕" panose="020B0503020000020004" pitchFamily="50" charset="-127"/>
+                          <a:ea typeface="맑은 고딕" panose="020B0503020000020004" pitchFamily="50" charset="-127"/>
+                        </a:rPr>
+                        <a:t>어플</a:t>
+                      </a:r>
+                      <a:r>
+                        <a:rPr lang="ko-KR" altLang="en-US" sz="1400" kern="0" spc="-70" dirty="0">
+                          <a:solidFill>
+                            <a:srgbClr val="000000"/>
+                          </a:solidFill>
+                          <a:effectLst/>
+                          <a:latin typeface="맑은 고딕" panose="020B0503020000020004" pitchFamily="50" charset="-127"/>
+                          <a:ea typeface="맑은 고딕" panose="020B0503020000020004" pitchFamily="50" charset="-127"/>
+                        </a:rPr>
+                        <a:t> 최종 시연 및 디버깅 </a:t>
+                      </a:r>
+                      <a:r>
+                        <a:rPr lang="ko-KR" altLang="en-US" sz="1400" kern="0" spc="-70" dirty="0" smtClean="0">
+                          <a:solidFill>
+                            <a:srgbClr val="000000"/>
+                          </a:solidFill>
+                          <a:effectLst/>
+                          <a:latin typeface="맑은 고딕" panose="020B0503020000020004" pitchFamily="50" charset="-127"/>
+                          <a:ea typeface="맑은 고딕" panose="020B0503020000020004" pitchFamily="50" charset="-127"/>
+                        </a:rPr>
+                        <a:t>진행</a:t>
+                      </a:r>
+                      <a:endParaRPr lang="ko-KR" altLang="en-US" sz="1600" kern="0" spc="0" dirty="0">
                         <a:solidFill>
                           <a:srgbClr val="000000"/>
                         </a:solidFill>
@@ -5147,9 +5205,9 @@
                       <a:headEnd type="none" w="med" len="med"/>
                       <a:tailEnd type="none" w="med" len="med"/>
                     </a:lnT>
-                    <a:lnB w="21590" cap="flat" cmpd="sng" algn="ctr">
+                    <a:lnB w="12700" cap="flat" cmpd="sng" algn="ctr">
                       <a:solidFill>
-                        <a:srgbClr val="808080"/>
+                        <a:schemeClr val="tx1"/>
                       </a:solidFill>
                       <a:prstDash val="solid"/>
                       <a:round/>
@@ -5160,9 +5218,216 @@
                 </a:tc>
                 <a:extLst>
                   <a:ext uri="{0D108BD9-81ED-4DB2-BD59-A6C34878D82A}">
-                    <a16:rowId xmlns:a16="http://schemas.microsoft.com/office/drawing/2014/main" val="1996921101"/>
+                    <a16:rowId xmlns:a16="http://schemas.microsoft.com/office/drawing/2014/main" xmlns="" val="1996921101"/>
                   </a:ext>
                 </a:extLst>
+              </a:tr>
+              <a:tr h="409303">
+                <a:tc>
+                  <a:txBody>
+                    <a:bodyPr/>
+                    <a:lstStyle/>
+                    <a:p>
+                      <a:pPr marL="177800" marR="0" indent="-88900" algn="ctr" fontAlgn="base" latinLnBrk="0">
+                        <a:lnSpc>
+                          <a:spcPct val="130000"/>
+                        </a:lnSpc>
+                        <a:spcBef>
+                          <a:spcPts val="0"/>
+                        </a:spcBef>
+                        <a:spcAft>
+                          <a:spcPts val="300"/>
+                        </a:spcAft>
+                      </a:pPr>
+                      <a:r>
+                        <a:rPr lang="en-US" sz="1400" kern="0" spc="-70" dirty="0" smtClean="0">
+                          <a:solidFill>
+                            <a:srgbClr val="000000"/>
+                          </a:solidFill>
+                          <a:effectLst/>
+                          <a:latin typeface="맑은 고딕" panose="020B0503020000020004" pitchFamily="50" charset="-127"/>
+                          <a:ea typeface="맑은 고딕" panose="020B0503020000020004" pitchFamily="50" charset="-127"/>
+                        </a:rPr>
+                        <a:t>16</a:t>
+                      </a:r>
+                      <a:endParaRPr lang="en-US" sz="1600" kern="0" spc="0" dirty="0">
+                        <a:solidFill>
+                          <a:srgbClr val="000000"/>
+                        </a:solidFill>
+                        <a:effectLst/>
+                        <a:latin typeface="휴먼명조"/>
+                      </a:endParaRPr>
+                    </a:p>
+                  </a:txBody>
+                  <a:tcPr marL="43299" marR="43299" marT="11971" marB="11971" anchor="ctr">
+                    <a:lnL>
+                      <a:noFill/>
+                    </a:lnL>
+                    <a:lnR w="3556" cap="flat" cmpd="sng" algn="ctr">
+                      <a:solidFill>
+                        <a:srgbClr val="7F7F7F"/>
+                      </a:solidFill>
+                      <a:prstDash val="solid"/>
+                      <a:round/>
+                      <a:headEnd type="none" w="med" len="med"/>
+                      <a:tailEnd type="none" w="med" len="med"/>
+                    </a:lnR>
+                    <a:lnT w="12700" cap="flat" cmpd="sng" algn="ctr">
+                      <a:solidFill>
+                        <a:schemeClr val="tx1"/>
+                      </a:solidFill>
+                      <a:prstDash val="solid"/>
+                      <a:round/>
+                      <a:headEnd type="none" w="med" len="med"/>
+                      <a:tailEnd type="none" w="med" len="med"/>
+                    </a:lnT>
+                    <a:lnB w="21590" cap="flat" cmpd="sng" algn="ctr">
+                      <a:solidFill>
+                        <a:srgbClr val="808080"/>
+                      </a:solidFill>
+                      <a:prstDash val="solid"/>
+                      <a:round/>
+                      <a:headEnd type="none" w="med" len="med"/>
+                      <a:tailEnd type="none" w="med" len="med"/>
+                    </a:lnB>
+                    <a:solidFill>
+                      <a:schemeClr val="tx2">
+                        <a:lumMod val="40000"/>
+                        <a:lumOff val="60000"/>
+                      </a:schemeClr>
+                    </a:solidFill>
+                  </a:tcPr>
+                </a:tc>
+                <a:tc>
+                  <a:txBody>
+                    <a:bodyPr/>
+                    <a:lstStyle/>
+                    <a:p>
+                      <a:pPr marL="177800" marR="0" indent="-88900" algn="l" fontAlgn="base" latinLnBrk="0">
+                        <a:lnSpc>
+                          <a:spcPct val="130000"/>
+                        </a:lnSpc>
+                        <a:spcBef>
+                          <a:spcPts val="0"/>
+                        </a:spcBef>
+                        <a:spcAft>
+                          <a:spcPts val="300"/>
+                        </a:spcAft>
+                      </a:pPr>
+                      <a:r>
+                        <a:rPr lang="ko-KR" altLang="en-US" sz="1400" kern="0" spc="-70" dirty="0" smtClean="0">
+                          <a:solidFill>
+                            <a:srgbClr val="000000"/>
+                          </a:solidFill>
+                          <a:effectLst/>
+                          <a:latin typeface="맑은 고딕" panose="020B0503020000020004" pitchFamily="50" charset="-127"/>
+                          <a:ea typeface="맑은 고딕" panose="020B0503020000020004" pitchFamily="50" charset="-127"/>
+                        </a:rPr>
+                        <a:t>로그인 다시 생성</a:t>
+                      </a:r>
+                      <a:r>
+                        <a:rPr lang="en-US" altLang="ko-KR" sz="1400" kern="0" spc="-70" dirty="0" smtClean="0">
+                          <a:solidFill>
+                            <a:srgbClr val="000000"/>
+                          </a:solidFill>
+                          <a:effectLst/>
+                          <a:latin typeface="맑은 고딕" panose="020B0503020000020004" pitchFamily="50" charset="-127"/>
+                          <a:ea typeface="맑은 고딕" panose="020B0503020000020004" pitchFamily="50" charset="-127"/>
+                        </a:rPr>
+                        <a:t>,</a:t>
+                      </a:r>
+                      <a:r>
+                        <a:rPr lang="en-US" altLang="ko-KR" sz="1400" kern="0" spc="-70" baseline="0" dirty="0" smtClean="0">
+                          <a:solidFill>
+                            <a:srgbClr val="000000"/>
+                          </a:solidFill>
+                          <a:effectLst/>
+                          <a:latin typeface="맑은 고딕" panose="020B0503020000020004" pitchFamily="50" charset="-127"/>
+                          <a:ea typeface="맑은 고딕" panose="020B0503020000020004" pitchFamily="50" charset="-127"/>
+                        </a:rPr>
+                        <a:t> </a:t>
+                      </a:r>
+                      <a:r>
+                        <a:rPr lang="ko-KR" altLang="en-US" sz="1400" kern="0" spc="-70" baseline="0" dirty="0" smtClean="0">
+                          <a:solidFill>
+                            <a:srgbClr val="000000"/>
+                          </a:solidFill>
+                          <a:effectLst/>
+                          <a:latin typeface="맑은 고딕" panose="020B0503020000020004" pitchFamily="50" charset="-127"/>
+                          <a:ea typeface="맑은 고딕" panose="020B0503020000020004" pitchFamily="50" charset="-127"/>
+                        </a:rPr>
+                        <a:t>지도 페이지 </a:t>
+                      </a:r>
+                      <a:r>
+                        <a:rPr lang="en-US" altLang="ko-KR" sz="1400" kern="0" spc="-70" baseline="0" dirty="0" smtClean="0">
+                          <a:solidFill>
+                            <a:srgbClr val="000000"/>
+                          </a:solidFill>
+                          <a:effectLst/>
+                          <a:latin typeface="맑은 고딕" panose="020B0503020000020004" pitchFamily="50" charset="-127"/>
+                          <a:ea typeface="맑은 고딕" panose="020B0503020000020004" pitchFamily="50" charset="-127"/>
+                        </a:rPr>
+                        <a:t>&gt;&gt; </a:t>
+                      </a:r>
+                      <a:r>
+                        <a:rPr lang="ko-KR" altLang="en-US" sz="1400" kern="0" spc="-70" baseline="0" dirty="0" smtClean="0">
+                          <a:solidFill>
+                            <a:srgbClr val="000000"/>
+                          </a:solidFill>
+                          <a:effectLst/>
+                          <a:latin typeface="맑은 고딕" panose="020B0503020000020004" pitchFamily="50" charset="-127"/>
+                          <a:ea typeface="맑은 고딕" panose="020B0503020000020004" pitchFamily="50" charset="-127"/>
+                        </a:rPr>
+                        <a:t>지역 선택 페이지로 변경 </a:t>
+                      </a:r>
+                      <a:endParaRPr lang="ko-KR" altLang="en-US" sz="1600" kern="0" spc="0" dirty="0">
+                        <a:solidFill>
+                          <a:srgbClr val="000000"/>
+                        </a:solidFill>
+                        <a:effectLst/>
+                        <a:latin typeface="휴먼명조"/>
+                      </a:endParaRPr>
+                    </a:p>
+                  </a:txBody>
+                  <a:tcPr marL="43299" marR="43299" marT="11971" marB="11971" anchor="ctr">
+                    <a:lnL w="3556" cap="flat" cmpd="sng" algn="ctr">
+                      <a:solidFill>
+                        <a:srgbClr val="7F7F7F"/>
+                      </a:solidFill>
+                      <a:prstDash val="solid"/>
+                      <a:round/>
+                      <a:headEnd type="none" w="med" len="med"/>
+                      <a:tailEnd type="none" w="med" len="med"/>
+                    </a:lnL>
+                    <a:lnR>
+                      <a:noFill/>
+                    </a:lnR>
+                    <a:lnT w="12700" cap="flat" cmpd="sng" algn="ctr">
+                      <a:solidFill>
+                        <a:schemeClr val="tx1"/>
+                      </a:solidFill>
+                      <a:prstDash val="solid"/>
+                      <a:round/>
+                      <a:headEnd type="none" w="med" len="med"/>
+                      <a:tailEnd type="none" w="med" len="med"/>
+                    </a:lnT>
+                    <a:lnB w="21590" cap="flat" cmpd="sng" algn="ctr">
+                      <a:solidFill>
+                        <a:srgbClr val="808080"/>
+                      </a:solidFill>
+                      <a:prstDash val="solid"/>
+                      <a:round/>
+                      <a:headEnd type="none" w="med" len="med"/>
+                      <a:tailEnd type="none" w="med" len="med"/>
+                    </a:lnB>
+                    <a:solidFill>
+                      <a:schemeClr val="tx2">
+                        <a:lumMod val="40000"/>
+                        <a:lumOff val="60000"/>
+                      </a:schemeClr>
+                    </a:solidFill>
+                  </a:tcPr>
+                </a:tc>
               </a:tr>
             </a:tbl>
           </a:graphicData>
@@ -5218,7 +5483,7 @@
           </a:ln>
           <a:extLst>
             <a:ext uri="{C572A759-6A51-4108-AA02-DFA0A04FC94B}">
-              <ma14:wrappingTextBoxFlag xmlns:ma14="http://schemas.microsoft.com/office/mac/drawingml/2011/main" xmlns:a14="http://schemas.microsoft.com/office/drawing/2010/main" xmlns:m="http://schemas.openxmlformats.org/officeDocument/2006/math" xmlns="" val="1"/>
+              <ma14:wrappingTextBoxFlag xmlns="" xmlns:m="http://schemas.openxmlformats.org/officeDocument/2006/math" xmlns:a14="http://schemas.microsoft.com/office/drawing/2010/main" xmlns:ma14="http://schemas.microsoft.com/office/mac/drawingml/2011/main" val="1"/>
             </a:ext>
           </a:extLst>
         </p:spPr>
@@ -5261,7 +5526,7 @@
           </a:ln>
           <a:extLst>
             <a:ext uri="{C572A759-6A51-4108-AA02-DFA0A04FC94B}">
-              <ma14:wrappingTextBoxFlag xmlns:ma14="http://schemas.microsoft.com/office/mac/drawingml/2011/main" xmlns:a14="http://schemas.microsoft.com/office/drawing/2010/main" xmlns:m="http://schemas.openxmlformats.org/officeDocument/2006/math" xmlns="" val="1"/>
+              <ma14:wrappingTextBoxFlag xmlns="" xmlns:m="http://schemas.openxmlformats.org/officeDocument/2006/math" xmlns:a14="http://schemas.microsoft.com/office/drawing/2010/main" xmlns:ma14="http://schemas.microsoft.com/office/mac/drawingml/2011/main" val="1"/>
             </a:ext>
           </a:extLst>
         </p:spPr>
@@ -5310,7 +5575,7 @@
           </a:ln>
           <a:extLst>
             <a:ext uri="{C572A759-6A51-4108-AA02-DFA0A04FC94B}">
-              <ma14:wrappingTextBoxFlag xmlns:ma14="http://schemas.microsoft.com/office/mac/drawingml/2011/main" xmlns:a14="http://schemas.microsoft.com/office/drawing/2010/main" xmlns:m="http://schemas.openxmlformats.org/officeDocument/2006/math" xmlns="" val="1"/>
+              <ma14:wrappingTextBoxFlag xmlns="" xmlns:m="http://schemas.openxmlformats.org/officeDocument/2006/math" xmlns:a14="http://schemas.microsoft.com/office/drawing/2010/main" xmlns:ma14="http://schemas.microsoft.com/office/mac/drawingml/2011/main" val="1"/>
             </a:ext>
           </a:extLst>
         </p:spPr>
@@ -5386,7 +5651,7 @@
           </a:ln>
           <a:extLst>
             <a:ext uri="{C572A759-6A51-4108-AA02-DFA0A04FC94B}">
-              <ma14:wrappingTextBoxFlag xmlns:ma14="http://schemas.microsoft.com/office/mac/drawingml/2011/main" xmlns:a14="http://schemas.microsoft.com/office/drawing/2010/main" xmlns:m="http://schemas.openxmlformats.org/officeDocument/2006/math" xmlns="" val="1"/>
+              <ma14:wrappingTextBoxFlag xmlns="" xmlns:m="http://schemas.openxmlformats.org/officeDocument/2006/math" xmlns:a14="http://schemas.microsoft.com/office/drawing/2010/main" xmlns:ma14="http://schemas.microsoft.com/office/mac/drawingml/2011/main" val="1"/>
             </a:ext>
           </a:extLst>
         </p:spPr>
@@ -5537,7 +5802,7 @@
       </p:pic>
       <p:pic>
         <p:nvPicPr>
-          <p:cNvPr id="198" name="스크린샷 2019-04-24 오후 12.38.31.png" descr="스크린샷 2019-04-24 오후 12.38.31.png"/>
+          <p:cNvPr id="199" name="스크린샷 2019-04-24 오후 12.40.55.png" descr="스크린샷 2019-04-24 오후 12.40.55.png"/>
           <p:cNvPicPr>
             <a:picLocks noChangeAspect="1"/>
           </p:cNvPicPr>
@@ -5545,35 +5810,6 @@
         </p:nvPicPr>
         <p:blipFill>
           <a:blip r:embed="rId3">
-            <a:extLst/>
-          </a:blip>
-          <a:stretch>
-            <a:fillRect/>
-          </a:stretch>
-        </p:blipFill>
-        <p:spPr>
-          <a:xfrm>
-            <a:off x="8472712" y="897534"/>
-            <a:ext cx="3097233" cy="4778727"/>
-          </a:xfrm>
-          <a:prstGeom prst="rect">
-            <a:avLst/>
-          </a:prstGeom>
-          <a:ln w="12700">
-            <a:miter lim="400000"/>
-          </a:ln>
-        </p:spPr>
-      </p:pic>
-      <p:pic>
-        <p:nvPicPr>
-          <p:cNvPr id="199" name="스크린샷 2019-04-24 오후 12.40.55.png" descr="스크린샷 2019-04-24 오후 12.40.55.png"/>
-          <p:cNvPicPr>
-            <a:picLocks noChangeAspect="1"/>
-          </p:cNvPicPr>
-          <p:nvPr/>
-        </p:nvPicPr>
-        <p:blipFill>
-          <a:blip r:embed="rId4">
             <a:extLst/>
           </a:blip>
           <a:stretch>
@@ -5612,7 +5848,7 @@
           </a:ln>
           <a:extLst>
             <a:ext uri="{C572A759-6A51-4108-AA02-DFA0A04FC94B}">
-              <ma14:wrappingTextBoxFlag xmlns:ma14="http://schemas.microsoft.com/office/mac/drawingml/2011/main" xmlns:a14="http://schemas.microsoft.com/office/drawing/2010/main" xmlns:m="http://schemas.openxmlformats.org/officeDocument/2006/math" xmlns="" val="1"/>
+              <ma14:wrappingTextBoxFlag xmlns="" xmlns:m="http://schemas.openxmlformats.org/officeDocument/2006/math" xmlns:a14="http://schemas.microsoft.com/office/drawing/2010/main" xmlns:ma14="http://schemas.microsoft.com/office/mac/drawingml/2011/main" val="1"/>
             </a:ext>
           </a:extLst>
         </p:spPr>
@@ -5724,7 +5960,7 @@
           </a:ln>
           <a:extLst>
             <a:ext uri="{C572A759-6A51-4108-AA02-DFA0A04FC94B}">
-              <ma14:wrappingTextBoxFlag xmlns:ma14="http://schemas.microsoft.com/office/mac/drawingml/2011/main" xmlns:a14="http://schemas.microsoft.com/office/drawing/2010/main" xmlns:m="http://schemas.openxmlformats.org/officeDocument/2006/math" xmlns="" val="1"/>
+              <ma14:wrappingTextBoxFlag xmlns="" xmlns:m="http://schemas.openxmlformats.org/officeDocument/2006/math" xmlns:a14="http://schemas.microsoft.com/office/drawing/2010/main" xmlns:ma14="http://schemas.microsoft.com/office/mac/drawingml/2011/main" val="1"/>
             </a:ext>
           </a:extLst>
         </p:spPr>
@@ -5786,7 +6022,7 @@
             <a:effectLst/>
             <a:extLst>
               <a:ext uri="{C572A759-6A51-4108-AA02-DFA0A04FC94B}">
-                <ma14:wrappingTextBoxFlag xmlns:ma14="http://schemas.microsoft.com/office/mac/drawingml/2011/main" xmlns:a14="http://schemas.microsoft.com/office/drawing/2010/main" xmlns:m="http://schemas.openxmlformats.org/officeDocument/2006/math" xmlns="" val="1"/>
+                <ma14:wrappingTextBoxFlag xmlns="" xmlns:m="http://schemas.openxmlformats.org/officeDocument/2006/math" xmlns:a14="http://schemas.microsoft.com/office/drawing/2010/main" xmlns:ma14="http://schemas.microsoft.com/office/mac/drawingml/2011/main" val="1"/>
               </a:ext>
             </a:extLst>
           </p:spPr>
@@ -5841,7 +6077,7 @@
             <a:effectLst/>
             <a:extLst>
               <a:ext uri="{C572A759-6A51-4108-AA02-DFA0A04FC94B}">
-                <ma14:wrappingTextBoxFlag xmlns:ma14="http://schemas.microsoft.com/office/mac/drawingml/2011/main" xmlns:a14="http://schemas.microsoft.com/office/drawing/2010/main" xmlns:m="http://schemas.openxmlformats.org/officeDocument/2006/math" xmlns="" val="1"/>
+                <ma14:wrappingTextBoxFlag xmlns="" xmlns:m="http://schemas.openxmlformats.org/officeDocument/2006/math" xmlns:a14="http://schemas.microsoft.com/office/drawing/2010/main" xmlns:ma14="http://schemas.microsoft.com/office/mac/drawingml/2011/main" val="1"/>
               </a:ext>
             </a:extLst>
           </p:spPr>
@@ -5906,7 +6142,7 @@
           </a:ln>
           <a:extLst>
             <a:ext uri="{C572A759-6A51-4108-AA02-DFA0A04FC94B}">
-              <ma14:wrappingTextBoxFlag xmlns:ma14="http://schemas.microsoft.com/office/mac/drawingml/2011/main" xmlns:a14="http://schemas.microsoft.com/office/drawing/2010/main" xmlns:m="http://schemas.openxmlformats.org/officeDocument/2006/math" xmlns="" val="1"/>
+              <ma14:wrappingTextBoxFlag xmlns="" xmlns:m="http://schemas.openxmlformats.org/officeDocument/2006/math" xmlns:a14="http://schemas.microsoft.com/office/drawing/2010/main" xmlns:ma14="http://schemas.microsoft.com/office/mac/drawingml/2011/main" val="1"/>
             </a:ext>
           </a:extLst>
         </p:spPr>
@@ -5964,7 +6200,7 @@
           </a:ln>
           <a:extLst>
             <a:ext uri="{C572A759-6A51-4108-AA02-DFA0A04FC94B}">
-              <ma14:wrappingTextBoxFlag xmlns:ma14="http://schemas.microsoft.com/office/mac/drawingml/2011/main" xmlns:a14="http://schemas.microsoft.com/office/drawing/2010/main" xmlns:m="http://schemas.openxmlformats.org/officeDocument/2006/math" xmlns="" val="1"/>
+              <ma14:wrappingTextBoxFlag xmlns="" xmlns:m="http://schemas.openxmlformats.org/officeDocument/2006/math" xmlns:a14="http://schemas.microsoft.com/office/drawing/2010/main" xmlns:ma14="http://schemas.microsoft.com/office/mac/drawingml/2011/main" val="1"/>
             </a:ext>
           </a:extLst>
         </p:spPr>
@@ -6011,7 +6247,7 @@
         </p:nvSpPr>
         <p:spPr>
           <a:xfrm>
-            <a:off x="9529919" y="5439376"/>
+            <a:off x="9854729" y="5439376"/>
             <a:ext cx="1156349" cy="426733"/>
           </a:xfrm>
           <a:prstGeom prst="rect">
@@ -6022,7 +6258,7 @@
           </a:ln>
           <a:extLst>
             <a:ext uri="{C572A759-6A51-4108-AA02-DFA0A04FC94B}">
-              <ma14:wrappingTextBoxFlag xmlns:ma14="http://schemas.microsoft.com/office/mac/drawingml/2011/main" xmlns:a14="http://schemas.microsoft.com/office/drawing/2010/main" xmlns:m="http://schemas.openxmlformats.org/officeDocument/2006/math" xmlns="" val="1"/>
+              <ma14:wrappingTextBoxFlag xmlns="" xmlns:m="http://schemas.openxmlformats.org/officeDocument/2006/math" xmlns:a14="http://schemas.microsoft.com/office/drawing/2010/main" xmlns:ma14="http://schemas.microsoft.com/office/mac/drawingml/2011/main" val="1"/>
             </a:ext>
           </a:extLst>
         </p:spPr>
@@ -6058,6 +6294,1016 @@
               </a:rPr>
               <a:t>메인 페이지</a:t>
             </a:r>
+          </a:p>
+        </p:txBody>
+      </p:sp>
+      <p:sp>
+        <p:nvSpPr>
+          <p:cNvPr id="2" name="오른쪽 화살표 1"/>
+          <p:cNvSpPr/>
+          <p:nvPr/>
+        </p:nvSpPr>
+        <p:spPr>
+          <a:xfrm>
+            <a:off x="3882552" y="2807925"/>
+            <a:ext cx="896983" cy="478972"/>
+          </a:xfrm>
+          <a:prstGeom prst="rightArrow">
+            <a:avLst/>
+          </a:prstGeom>
+          <a:solidFill>
+            <a:srgbClr val="FFFFFF"/>
+          </a:solidFill>
+          <a:ln w="12700" cap="flat">
+            <a:solidFill>
+              <a:schemeClr val="accent1"/>
+            </a:solidFill>
+            <a:prstDash val="solid"/>
+            <a:miter lim="800000"/>
+          </a:ln>
+          <a:effectLst/>
+          <a:sp3d/>
+        </p:spPr>
+        <p:style>
+          <a:lnRef idx="0">
+            <a:scrgbClr r="0" g="0" b="0"/>
+          </a:lnRef>
+          <a:fillRef idx="0">
+            <a:scrgbClr r="0" g="0" b="0"/>
+          </a:fillRef>
+          <a:effectRef idx="0">
+            <a:scrgbClr r="0" g="0" b="0"/>
+          </a:effectRef>
+          <a:fontRef idx="none"/>
+        </p:style>
+        <p:txBody>
+          <a:bodyPr rot="0" spcFirstLastPara="1" vertOverflow="overflow" horzOverflow="overflow" vert="horz" wrap="square" lIns="45719" tIns="45719" rIns="45719" bIns="45719" numCol="1" spcCol="38100" rtlCol="0" anchor="ctr">
+            <a:spAutoFit/>
+          </a:bodyPr>
+          <a:lstStyle/>
+          <a:p>
+            <a:pPr marL="0" marR="0" indent="0" algn="l" defTabSz="914400" rtl="0" fontAlgn="auto" latinLnBrk="0" hangingPunct="0">
+              <a:lnSpc>
+                <a:spcPct val="100000"/>
+              </a:lnSpc>
+              <a:spcBef>
+                <a:spcPts val="0"/>
+              </a:spcBef>
+              <a:spcAft>
+                <a:spcPts val="0"/>
+              </a:spcAft>
+              <a:buClrTx/>
+              <a:buSzTx/>
+              <a:buFontTx/>
+              <a:buNone/>
+              <a:tabLst/>
+            </a:pPr>
+            <a:endParaRPr kumimoji="0" lang="ko-KR" altLang="en-US" sz="1800" b="0" i="0" u="none" strike="noStrike" cap="none" spc="0" normalizeH="0" baseline="0">
+              <a:ln>
+                <a:noFill/>
+              </a:ln>
+              <a:solidFill>
+                <a:srgbClr val="3A3838"/>
+              </a:solidFill>
+              <a:effectLst/>
+              <a:uFillTx/>
+              <a:latin typeface="Arial"/>
+              <a:ea typeface="Arial"/>
+              <a:cs typeface="Arial"/>
+              <a:sym typeface="Arial"/>
+            </a:endParaRPr>
+          </a:p>
+        </p:txBody>
+      </p:sp>
+      <p:sp>
+        <p:nvSpPr>
+          <p:cNvPr id="16" name="오른쪽 화살표 15"/>
+          <p:cNvSpPr/>
+          <p:nvPr/>
+        </p:nvSpPr>
+        <p:spPr>
+          <a:xfrm>
+            <a:off x="7732950" y="2807925"/>
+            <a:ext cx="896983" cy="478972"/>
+          </a:xfrm>
+          <a:prstGeom prst="rightArrow">
+            <a:avLst/>
+          </a:prstGeom>
+          <a:solidFill>
+            <a:srgbClr val="FFFFFF"/>
+          </a:solidFill>
+          <a:ln w="12700" cap="flat">
+            <a:solidFill>
+              <a:schemeClr val="accent1"/>
+            </a:solidFill>
+            <a:prstDash val="solid"/>
+            <a:miter lim="800000"/>
+          </a:ln>
+          <a:effectLst/>
+          <a:sp3d/>
+        </p:spPr>
+        <p:style>
+          <a:lnRef idx="0">
+            <a:scrgbClr r="0" g="0" b="0"/>
+          </a:lnRef>
+          <a:fillRef idx="0">
+            <a:scrgbClr r="0" g="0" b="0"/>
+          </a:fillRef>
+          <a:effectRef idx="0">
+            <a:scrgbClr r="0" g="0" b="0"/>
+          </a:effectRef>
+          <a:fontRef idx="none"/>
+        </p:style>
+        <p:txBody>
+          <a:bodyPr rot="0" spcFirstLastPara="1" vertOverflow="overflow" horzOverflow="overflow" vert="horz" wrap="square" lIns="45719" tIns="45719" rIns="45719" bIns="45719" numCol="1" spcCol="38100" rtlCol="0" anchor="ctr">
+            <a:spAutoFit/>
+          </a:bodyPr>
+          <a:lstStyle/>
+          <a:p>
+            <a:pPr marL="0" marR="0" indent="0" algn="l" defTabSz="914400" rtl="0" fontAlgn="auto" latinLnBrk="0" hangingPunct="0">
+              <a:lnSpc>
+                <a:spcPct val="100000"/>
+              </a:lnSpc>
+              <a:spcBef>
+                <a:spcPts val="0"/>
+              </a:spcBef>
+              <a:spcAft>
+                <a:spcPts val="0"/>
+              </a:spcAft>
+              <a:buClrTx/>
+              <a:buSzTx/>
+              <a:buFontTx/>
+              <a:buNone/>
+              <a:tabLst/>
+            </a:pPr>
+            <a:endParaRPr kumimoji="0" lang="ko-KR" altLang="en-US" sz="1800" b="0" i="0" u="none" strike="noStrike" cap="none" spc="0" normalizeH="0" baseline="0">
+              <a:ln>
+                <a:noFill/>
+              </a:ln>
+              <a:solidFill>
+                <a:srgbClr val="3A3838"/>
+              </a:solidFill>
+              <a:effectLst/>
+              <a:uFillTx/>
+              <a:latin typeface="Arial"/>
+              <a:ea typeface="Arial"/>
+              <a:cs typeface="Arial"/>
+              <a:sym typeface="Arial"/>
+            </a:endParaRPr>
+          </a:p>
+        </p:txBody>
+      </p:sp>
+      <p:sp>
+        <p:nvSpPr>
+          <p:cNvPr id="17" name="직사각형 16"/>
+          <p:cNvSpPr/>
+          <p:nvPr/>
+        </p:nvSpPr>
+        <p:spPr>
+          <a:xfrm>
+            <a:off x="9087064" y="1029073"/>
+            <a:ext cx="2691677" cy="4354948"/>
+          </a:xfrm>
+          <a:prstGeom prst="rect">
+            <a:avLst/>
+          </a:prstGeom>
+          <a:blipFill dpi="0" rotWithShape="1">
+            <a:blip r:embed="rId4">
+              <a:extLst>
+                <a:ext uri="{28A0092B-C50C-407E-A947-70E740481C1C}">
+                  <a14:useLocalDpi xmlns:a14="http://schemas.microsoft.com/office/drawing/2010/main" val="0"/>
+                </a:ext>
+              </a:extLst>
+            </a:blip>
+            <a:srcRect/>
+            <a:stretch>
+              <a:fillRect/>
+            </a:stretch>
+          </a:blipFill>
+          <a:ln w="12700" cap="flat">
+            <a:noFill/>
+            <a:prstDash val="solid"/>
+            <a:miter lim="800000"/>
+          </a:ln>
+          <a:effectLst/>
+          <a:sp3d/>
+        </p:spPr>
+        <p:style>
+          <a:lnRef idx="0">
+            <a:scrgbClr r="0" g="0" b="0"/>
+          </a:lnRef>
+          <a:fillRef idx="0">
+            <a:scrgbClr r="0" g="0" b="0"/>
+          </a:fillRef>
+          <a:effectRef idx="0">
+            <a:scrgbClr r="0" g="0" b="0"/>
+          </a:effectRef>
+          <a:fontRef idx="none"/>
+        </p:style>
+        <p:txBody>
+          <a:bodyPr rot="0" spcFirstLastPara="1" vertOverflow="overflow" horzOverflow="overflow" vert="horz" wrap="square" lIns="45719" tIns="45719" rIns="45719" bIns="45719" numCol="1" spcCol="38100" rtlCol="0" anchor="ctr">
+            <a:spAutoFit/>
+          </a:bodyPr>
+          <a:lstStyle/>
+          <a:p>
+            <a:pPr marL="0" marR="0" indent="0" algn="l" defTabSz="914400" rtl="0" fontAlgn="auto" latinLnBrk="0" hangingPunct="0">
+              <a:lnSpc>
+                <a:spcPct val="100000"/>
+              </a:lnSpc>
+              <a:spcBef>
+                <a:spcPts val="0"/>
+              </a:spcBef>
+              <a:spcAft>
+                <a:spcPts val="0"/>
+              </a:spcAft>
+              <a:buClrTx/>
+              <a:buSzTx/>
+              <a:buFontTx/>
+              <a:buNone/>
+              <a:tabLst/>
+            </a:pPr>
+            <a:endParaRPr kumimoji="0" lang="ko-KR" altLang="en-US" sz="1800" b="0" i="0" u="none" strike="noStrike" cap="none" spc="0" normalizeH="0" baseline="0">
+              <a:ln>
+                <a:noFill/>
+              </a:ln>
+              <a:solidFill>
+                <a:srgbClr val="3A3838"/>
+              </a:solidFill>
+              <a:effectLst/>
+              <a:uFillTx/>
+              <a:latin typeface="Arial"/>
+              <a:ea typeface="Arial"/>
+              <a:cs typeface="Arial"/>
+              <a:sym typeface="Arial"/>
+            </a:endParaRPr>
+          </a:p>
+        </p:txBody>
+      </p:sp>
+      <p:sp>
+        <p:nvSpPr>
+          <p:cNvPr id="3" name="타원 2"/>
+          <p:cNvSpPr/>
+          <p:nvPr/>
+        </p:nvSpPr>
+        <p:spPr>
+          <a:xfrm>
+            <a:off x="9344401" y="4667794"/>
+            <a:ext cx="400594" cy="357052"/>
+          </a:xfrm>
+          <a:prstGeom prst="ellipse">
+            <a:avLst/>
+          </a:prstGeom>
+          <a:noFill/>
+          <a:ln w="12700" cap="flat">
+            <a:solidFill>
+              <a:schemeClr val="accent1"/>
+            </a:solidFill>
+            <a:prstDash val="solid"/>
+            <a:miter lim="800000"/>
+          </a:ln>
+          <a:effectLst/>
+          <a:sp3d/>
+        </p:spPr>
+        <p:style>
+          <a:lnRef idx="0">
+            <a:scrgbClr r="0" g="0" b="0"/>
+          </a:lnRef>
+          <a:fillRef idx="0">
+            <a:scrgbClr r="0" g="0" b="0"/>
+          </a:fillRef>
+          <a:effectRef idx="0">
+            <a:scrgbClr r="0" g="0" b="0"/>
+          </a:effectRef>
+          <a:fontRef idx="none"/>
+        </p:style>
+        <p:txBody>
+          <a:bodyPr rot="0" spcFirstLastPara="1" vertOverflow="overflow" horzOverflow="overflow" vert="horz" wrap="square" lIns="45719" tIns="45719" rIns="45719" bIns="45719" numCol="1" spcCol="38100" rtlCol="0" anchor="ctr">
+            <a:spAutoFit/>
+          </a:bodyPr>
+          <a:lstStyle/>
+          <a:p>
+            <a:pPr marL="0" marR="0" indent="0" algn="l" defTabSz="914400" rtl="0" fontAlgn="auto" latinLnBrk="0" hangingPunct="0">
+              <a:lnSpc>
+                <a:spcPct val="100000"/>
+              </a:lnSpc>
+              <a:spcBef>
+                <a:spcPts val="0"/>
+              </a:spcBef>
+              <a:spcAft>
+                <a:spcPts val="0"/>
+              </a:spcAft>
+              <a:buClrTx/>
+              <a:buSzTx/>
+              <a:buFontTx/>
+              <a:buNone/>
+              <a:tabLst/>
+            </a:pPr>
+            <a:endParaRPr kumimoji="0" lang="ko-KR" altLang="en-US" sz="1800" b="0" i="0" u="none" strike="noStrike" cap="none" spc="0" normalizeH="0" baseline="0">
+              <a:ln>
+                <a:noFill/>
+              </a:ln>
+              <a:solidFill>
+                <a:srgbClr val="3A3838"/>
+              </a:solidFill>
+              <a:effectLst/>
+              <a:uFillTx/>
+              <a:latin typeface="Arial"/>
+              <a:ea typeface="Arial"/>
+              <a:cs typeface="Arial"/>
+              <a:sym typeface="Arial"/>
+            </a:endParaRPr>
+          </a:p>
+        </p:txBody>
+      </p:sp>
+      <p:sp>
+        <p:nvSpPr>
+          <p:cNvPr id="4" name="TextBox 3"/>
+          <p:cNvSpPr txBox="1"/>
+          <p:nvPr/>
+        </p:nvSpPr>
+        <p:spPr>
+          <a:xfrm>
+            <a:off x="8404400" y="4655516"/>
+            <a:ext cx="553996" cy="369330"/>
+          </a:xfrm>
+          <a:prstGeom prst="rect">
+            <a:avLst/>
+          </a:prstGeom>
+          <a:noFill/>
+          <a:ln w="12700" cap="flat">
+            <a:noFill/>
+            <a:miter lim="400000"/>
+          </a:ln>
+          <a:effectLst/>
+          <a:sp3d/>
+        </p:spPr>
+        <p:style>
+          <a:lnRef idx="0">
+            <a:scrgbClr r="0" g="0" b="0"/>
+          </a:lnRef>
+          <a:fillRef idx="0">
+            <a:scrgbClr r="0" g="0" b="0"/>
+          </a:fillRef>
+          <a:effectRef idx="0">
+            <a:scrgbClr r="0" g="0" b="0"/>
+          </a:effectRef>
+          <a:fontRef idx="none"/>
+        </p:style>
+        <p:txBody>
+          <a:bodyPr rot="0" spcFirstLastPara="1" vertOverflow="overflow" horzOverflow="overflow" vert="horz" wrap="none" lIns="45719" tIns="45719" rIns="45719" bIns="45719" numCol="1" spcCol="38100" rtlCol="0" anchor="t">
+            <a:spAutoFit/>
+          </a:bodyPr>
+          <a:lstStyle/>
+          <a:p>
+            <a:pPr marL="0" marR="0" indent="0" algn="l" defTabSz="914400" rtl="0" fontAlgn="auto" latinLnBrk="0" hangingPunct="0">
+              <a:lnSpc>
+                <a:spcPct val="100000"/>
+              </a:lnSpc>
+              <a:spcBef>
+                <a:spcPts val="0"/>
+              </a:spcBef>
+              <a:spcAft>
+                <a:spcPts val="0"/>
+              </a:spcAft>
+              <a:buClrTx/>
+              <a:buSzTx/>
+              <a:buFontTx/>
+              <a:buNone/>
+              <a:tabLst/>
+            </a:pPr>
+            <a:r>
+              <a:rPr kumimoji="0" lang="ko-KR" altLang="en-US" sz="1800" b="0" i="0" u="none" strike="noStrike" cap="none" spc="0" normalizeH="0" baseline="0" dirty="0" smtClean="0">
+                <a:ln>
+                  <a:noFill/>
+                </a:ln>
+                <a:solidFill>
+                  <a:srgbClr val="3A3838"/>
+                </a:solidFill>
+                <a:effectLst/>
+                <a:uFillTx/>
+                <a:latin typeface="Arial"/>
+                <a:ea typeface="Arial"/>
+                <a:cs typeface="Arial"/>
+                <a:sym typeface="Arial"/>
+              </a:rPr>
+              <a:t>클릭</a:t>
+            </a:r>
+            <a:endParaRPr kumimoji="0" lang="ko-KR" altLang="en-US" sz="1800" b="0" i="0" u="none" strike="noStrike" cap="none" spc="0" normalizeH="0" baseline="0" dirty="0">
+              <a:ln>
+                <a:noFill/>
+              </a:ln>
+              <a:solidFill>
+                <a:srgbClr val="3A3838"/>
+              </a:solidFill>
+              <a:effectLst/>
+              <a:uFillTx/>
+              <a:latin typeface="Arial"/>
+              <a:ea typeface="Arial"/>
+              <a:cs typeface="Arial"/>
+              <a:sym typeface="Arial"/>
+            </a:endParaRPr>
+          </a:p>
+        </p:txBody>
+      </p:sp>
+      <p:sp>
+        <p:nvSpPr>
+          <p:cNvPr id="5" name="직사각형 4"/>
+          <p:cNvSpPr/>
+          <p:nvPr/>
+        </p:nvSpPr>
+        <p:spPr>
+          <a:xfrm>
+            <a:off x="9239897" y="3013166"/>
+            <a:ext cx="467153" cy="164873"/>
+          </a:xfrm>
+          <a:prstGeom prst="rect">
+            <a:avLst/>
+          </a:prstGeom>
+          <a:noFill/>
+          <a:ln w="12700" cap="flat">
+            <a:solidFill>
+              <a:schemeClr val="accent1"/>
+            </a:solidFill>
+            <a:prstDash val="solid"/>
+            <a:miter lim="800000"/>
+          </a:ln>
+          <a:effectLst/>
+          <a:sp3d/>
+        </p:spPr>
+        <p:style>
+          <a:lnRef idx="0">
+            <a:scrgbClr r="0" g="0" b="0"/>
+          </a:lnRef>
+          <a:fillRef idx="0">
+            <a:scrgbClr r="0" g="0" b="0"/>
+          </a:fillRef>
+          <a:effectRef idx="0">
+            <a:scrgbClr r="0" g="0" b="0"/>
+          </a:effectRef>
+          <a:fontRef idx="none"/>
+        </p:style>
+        <p:txBody>
+          <a:bodyPr rot="0" spcFirstLastPara="1" vertOverflow="overflow" horzOverflow="overflow" vert="horz" wrap="square" lIns="45719" tIns="45719" rIns="45719" bIns="45719" numCol="1" spcCol="38100" rtlCol="0" anchor="ctr">
+            <a:spAutoFit/>
+          </a:bodyPr>
+          <a:lstStyle/>
+          <a:p>
+            <a:pPr marL="0" marR="0" indent="0" algn="l" defTabSz="914400" rtl="0" fontAlgn="auto" latinLnBrk="0" hangingPunct="0">
+              <a:lnSpc>
+                <a:spcPct val="100000"/>
+              </a:lnSpc>
+              <a:spcBef>
+                <a:spcPts val="0"/>
+              </a:spcBef>
+              <a:spcAft>
+                <a:spcPts val="0"/>
+              </a:spcAft>
+              <a:buClrTx/>
+              <a:buSzTx/>
+              <a:buFontTx/>
+              <a:buNone/>
+              <a:tabLst/>
+            </a:pPr>
+            <a:endParaRPr kumimoji="0" lang="ko-KR" altLang="en-US" sz="1800" b="0" i="0" u="none" strike="noStrike" cap="none" spc="0" normalizeH="0" baseline="0">
+              <a:ln>
+                <a:noFill/>
+              </a:ln>
+              <a:solidFill>
+                <a:srgbClr val="3A3838"/>
+              </a:solidFill>
+              <a:effectLst/>
+              <a:uFillTx/>
+              <a:latin typeface="Arial"/>
+              <a:ea typeface="Arial"/>
+              <a:cs typeface="Arial"/>
+              <a:sym typeface="Arial"/>
+            </a:endParaRPr>
+          </a:p>
+        </p:txBody>
+      </p:sp>
+      <p:cxnSp>
+        <p:nvCxnSpPr>
+          <p:cNvPr id="7" name="직선 화살표 연결선 6"/>
+          <p:cNvCxnSpPr/>
+          <p:nvPr/>
+        </p:nvCxnSpPr>
+        <p:spPr>
+          <a:xfrm flipH="1" flipV="1">
+            <a:off x="8789541" y="2429691"/>
+            <a:ext cx="450356" cy="583475"/>
+          </a:xfrm>
+          <a:prstGeom prst="straightConnector1">
+            <a:avLst/>
+          </a:prstGeom>
+          <a:noFill/>
+          <a:ln w="12700" cap="flat">
+            <a:solidFill>
+              <a:schemeClr val="accent1"/>
+            </a:solidFill>
+            <a:prstDash val="solid"/>
+            <a:miter lim="800000"/>
+            <a:tailEnd type="triangle"/>
+          </a:ln>
+          <a:effectLst/>
+          <a:sp3d/>
+        </p:spPr>
+        <p:style>
+          <a:lnRef idx="0">
+            <a:scrgbClr r="0" g="0" b="0"/>
+          </a:lnRef>
+          <a:fillRef idx="0">
+            <a:scrgbClr r="0" g="0" b="0"/>
+          </a:fillRef>
+          <a:effectRef idx="0">
+            <a:scrgbClr r="0" g="0" b="0"/>
+          </a:effectRef>
+          <a:fontRef idx="none"/>
+        </p:style>
+      </p:cxnSp>
+      <p:sp>
+        <p:nvSpPr>
+          <p:cNvPr id="8" name="TextBox 7"/>
+          <p:cNvSpPr txBox="1"/>
+          <p:nvPr/>
+        </p:nvSpPr>
+        <p:spPr>
+          <a:xfrm>
+            <a:off x="7551665" y="1636784"/>
+            <a:ext cx="1541446" cy="923328"/>
+          </a:xfrm>
+          <a:prstGeom prst="rect">
+            <a:avLst/>
+          </a:prstGeom>
+          <a:noFill/>
+          <a:ln w="12700" cap="flat">
+            <a:noFill/>
+            <a:miter lim="400000"/>
+          </a:ln>
+          <a:effectLst/>
+          <a:sp3d/>
+        </p:spPr>
+        <p:style>
+          <a:lnRef idx="0">
+            <a:scrgbClr r="0" g="0" b="0"/>
+          </a:lnRef>
+          <a:fillRef idx="0">
+            <a:scrgbClr r="0" g="0" b="0"/>
+          </a:fillRef>
+          <a:effectRef idx="0">
+            <a:scrgbClr r="0" g="0" b="0"/>
+          </a:effectRef>
+          <a:fontRef idx="none"/>
+        </p:style>
+        <p:txBody>
+          <a:bodyPr rot="0" spcFirstLastPara="1" vertOverflow="overflow" horzOverflow="overflow" vert="horz" wrap="none" lIns="45719" tIns="45719" rIns="45719" bIns="45719" numCol="1" spcCol="38100" rtlCol="0" anchor="t">
+            <a:spAutoFit/>
+          </a:bodyPr>
+          <a:lstStyle/>
+          <a:p>
+            <a:pPr marL="0" marR="0" indent="0" algn="l" defTabSz="914400" rtl="0" fontAlgn="auto" latinLnBrk="0" hangingPunct="0">
+              <a:lnSpc>
+                <a:spcPct val="100000"/>
+              </a:lnSpc>
+              <a:spcBef>
+                <a:spcPts val="0"/>
+              </a:spcBef>
+              <a:spcAft>
+                <a:spcPts val="0"/>
+              </a:spcAft>
+              <a:buClrTx/>
+              <a:buSzTx/>
+              <a:buFontTx/>
+              <a:buNone/>
+              <a:tabLst/>
+            </a:pPr>
+            <a:r>
+              <a:rPr kumimoji="0" lang="ko-KR" altLang="en-US" sz="1800" b="0" i="0" u="none" strike="noStrike" cap="none" spc="0" normalizeH="0" baseline="0" dirty="0" smtClean="0">
+                <a:ln>
+                  <a:noFill/>
+                </a:ln>
+                <a:solidFill>
+                  <a:srgbClr val="3A3838"/>
+                </a:solidFill>
+                <a:effectLst/>
+                <a:uFillTx/>
+                <a:latin typeface="Arial"/>
+                <a:ea typeface="Arial"/>
+                <a:cs typeface="Arial"/>
+                <a:sym typeface="Arial"/>
+              </a:rPr>
+              <a:t>클릭 시</a:t>
+            </a:r>
+            <a:endParaRPr kumimoji="0" lang="en-US" altLang="ko-KR" sz="1800" b="0" i="0" u="none" strike="noStrike" cap="none" spc="0" normalizeH="0" baseline="0" dirty="0" smtClean="0">
+              <a:ln>
+                <a:noFill/>
+              </a:ln>
+              <a:solidFill>
+                <a:srgbClr val="3A3838"/>
+              </a:solidFill>
+              <a:effectLst/>
+              <a:uFillTx/>
+              <a:latin typeface="Arial"/>
+              <a:ea typeface="Arial"/>
+              <a:cs typeface="Arial"/>
+              <a:sym typeface="Arial"/>
+            </a:endParaRPr>
+          </a:p>
+          <a:p>
+            <a:pPr marL="0" marR="0" indent="0" algn="l" defTabSz="914400" rtl="0" fontAlgn="auto" latinLnBrk="0" hangingPunct="0">
+              <a:lnSpc>
+                <a:spcPct val="100000"/>
+              </a:lnSpc>
+              <a:spcBef>
+                <a:spcPts val="0"/>
+              </a:spcBef>
+              <a:spcAft>
+                <a:spcPts val="0"/>
+              </a:spcAft>
+              <a:buClrTx/>
+              <a:buSzTx/>
+              <a:buFontTx/>
+              <a:buNone/>
+              <a:tabLst/>
+            </a:pPr>
+            <a:r>
+              <a:rPr lang="ko-KR" altLang="en-US" dirty="0" smtClean="0"/>
+              <a:t>상세 페이지로</a:t>
+            </a:r>
+            <a:endParaRPr lang="en-US" altLang="ko-KR" dirty="0" smtClean="0"/>
+          </a:p>
+          <a:p>
+            <a:pPr marL="0" marR="0" indent="0" algn="l" defTabSz="914400" rtl="0" fontAlgn="auto" latinLnBrk="0" hangingPunct="0">
+              <a:lnSpc>
+                <a:spcPct val="100000"/>
+              </a:lnSpc>
+              <a:spcBef>
+                <a:spcPts val="0"/>
+              </a:spcBef>
+              <a:spcAft>
+                <a:spcPts val="0"/>
+              </a:spcAft>
+              <a:buClrTx/>
+              <a:buSzTx/>
+              <a:buFontTx/>
+              <a:buNone/>
+              <a:tabLst/>
+            </a:pPr>
+            <a:r>
+              <a:rPr kumimoji="0" lang="ko-KR" altLang="en-US" sz="1800" b="0" i="0" u="none" strike="noStrike" cap="none" spc="0" normalizeH="0" baseline="0" dirty="0" smtClean="0">
+                <a:ln>
+                  <a:noFill/>
+                </a:ln>
+                <a:solidFill>
+                  <a:srgbClr val="3A3838"/>
+                </a:solidFill>
+                <a:effectLst/>
+                <a:uFillTx/>
+                <a:latin typeface="Arial"/>
+                <a:ea typeface="Arial"/>
+                <a:cs typeface="Arial"/>
+                <a:sym typeface="Arial"/>
+              </a:rPr>
+              <a:t>이동</a:t>
+            </a:r>
+            <a:endParaRPr kumimoji="0" lang="ko-KR" altLang="en-US" sz="1800" b="0" i="0" u="none" strike="noStrike" cap="none" spc="0" normalizeH="0" baseline="0" dirty="0">
+              <a:ln>
+                <a:noFill/>
+              </a:ln>
+              <a:solidFill>
+                <a:srgbClr val="3A3838"/>
+              </a:solidFill>
+              <a:effectLst/>
+              <a:uFillTx/>
+              <a:latin typeface="Arial"/>
+              <a:ea typeface="Arial"/>
+              <a:cs typeface="Arial"/>
+              <a:sym typeface="Arial"/>
+            </a:endParaRPr>
+          </a:p>
+        </p:txBody>
+      </p:sp>
+      <p:sp>
+        <p:nvSpPr>
+          <p:cNvPr id="28" name="직사각형 27"/>
+          <p:cNvSpPr/>
+          <p:nvPr/>
+        </p:nvSpPr>
+        <p:spPr>
+          <a:xfrm>
+            <a:off x="9825270" y="3013166"/>
+            <a:ext cx="467153" cy="164873"/>
+          </a:xfrm>
+          <a:prstGeom prst="rect">
+            <a:avLst/>
+          </a:prstGeom>
+          <a:noFill/>
+          <a:ln w="12700" cap="flat">
+            <a:solidFill>
+              <a:schemeClr val="accent1"/>
+            </a:solidFill>
+            <a:prstDash val="solid"/>
+            <a:miter lim="800000"/>
+          </a:ln>
+          <a:effectLst/>
+          <a:sp3d/>
+        </p:spPr>
+        <p:style>
+          <a:lnRef idx="0">
+            <a:scrgbClr r="0" g="0" b="0"/>
+          </a:lnRef>
+          <a:fillRef idx="0">
+            <a:scrgbClr r="0" g="0" b="0"/>
+          </a:fillRef>
+          <a:effectRef idx="0">
+            <a:scrgbClr r="0" g="0" b="0"/>
+          </a:effectRef>
+          <a:fontRef idx="none"/>
+        </p:style>
+        <p:txBody>
+          <a:bodyPr rot="0" spcFirstLastPara="1" vertOverflow="overflow" horzOverflow="overflow" vert="horz" wrap="square" lIns="45719" tIns="45719" rIns="45719" bIns="45719" numCol="1" spcCol="38100" rtlCol="0" anchor="ctr">
+            <a:spAutoFit/>
+          </a:bodyPr>
+          <a:lstStyle/>
+          <a:p>
+            <a:pPr marL="0" marR="0" indent="0" algn="l" defTabSz="914400" rtl="0" fontAlgn="auto" latinLnBrk="0" hangingPunct="0">
+              <a:lnSpc>
+                <a:spcPct val="100000"/>
+              </a:lnSpc>
+              <a:spcBef>
+                <a:spcPts val="0"/>
+              </a:spcBef>
+              <a:spcAft>
+                <a:spcPts val="0"/>
+              </a:spcAft>
+              <a:buClrTx/>
+              <a:buSzTx/>
+              <a:buFontTx/>
+              <a:buNone/>
+              <a:tabLst/>
+            </a:pPr>
+            <a:endParaRPr kumimoji="0" lang="ko-KR" altLang="en-US" sz="1800" b="0" i="0" u="none" strike="noStrike" cap="none" spc="0" normalizeH="0" baseline="0">
+              <a:ln>
+                <a:noFill/>
+              </a:ln>
+              <a:solidFill>
+                <a:srgbClr val="3A3838"/>
+              </a:solidFill>
+              <a:effectLst/>
+              <a:uFillTx/>
+              <a:latin typeface="Arial"/>
+              <a:ea typeface="Arial"/>
+              <a:cs typeface="Arial"/>
+              <a:sym typeface="Arial"/>
+            </a:endParaRPr>
+          </a:p>
+        </p:txBody>
+      </p:sp>
+      <p:cxnSp>
+        <p:nvCxnSpPr>
+          <p:cNvPr id="10" name="직선 화살표 연결선 9"/>
+          <p:cNvCxnSpPr/>
+          <p:nvPr/>
+        </p:nvCxnSpPr>
+        <p:spPr>
+          <a:xfrm flipH="1">
+            <a:off x="8789541" y="3184521"/>
+            <a:ext cx="1035729" cy="201489"/>
+          </a:xfrm>
+          <a:prstGeom prst="straightConnector1">
+            <a:avLst/>
+          </a:prstGeom>
+          <a:noFill/>
+          <a:ln w="12700" cap="flat">
+            <a:solidFill>
+              <a:schemeClr val="accent1"/>
+            </a:solidFill>
+            <a:prstDash val="solid"/>
+            <a:miter lim="800000"/>
+            <a:tailEnd type="triangle"/>
+          </a:ln>
+          <a:effectLst/>
+          <a:sp3d/>
+        </p:spPr>
+        <p:style>
+          <a:lnRef idx="0">
+            <a:scrgbClr r="0" g="0" b="0"/>
+          </a:lnRef>
+          <a:fillRef idx="0">
+            <a:scrgbClr r="0" g="0" b="0"/>
+          </a:fillRef>
+          <a:effectRef idx="0">
+            <a:scrgbClr r="0" g="0" b="0"/>
+          </a:effectRef>
+          <a:fontRef idx="none"/>
+        </p:style>
+      </p:cxnSp>
+      <p:sp>
+        <p:nvSpPr>
+          <p:cNvPr id="11" name="TextBox 10"/>
+          <p:cNvSpPr txBox="1"/>
+          <p:nvPr/>
+        </p:nvSpPr>
+        <p:spPr>
+          <a:xfrm>
+            <a:off x="7666147" y="3353019"/>
+            <a:ext cx="1233669" cy="1200327"/>
+          </a:xfrm>
+          <a:prstGeom prst="rect">
+            <a:avLst/>
+          </a:prstGeom>
+          <a:noFill/>
+          <a:ln w="12700" cap="flat">
+            <a:noFill/>
+            <a:miter lim="400000"/>
+          </a:ln>
+          <a:effectLst/>
+          <a:sp3d/>
+        </p:spPr>
+        <p:style>
+          <a:lnRef idx="0">
+            <a:scrgbClr r="0" g="0" b="0"/>
+          </a:lnRef>
+          <a:fillRef idx="0">
+            <a:scrgbClr r="0" g="0" b="0"/>
+          </a:fillRef>
+          <a:effectRef idx="0">
+            <a:scrgbClr r="0" g="0" b="0"/>
+          </a:effectRef>
+          <a:fontRef idx="none"/>
+        </p:style>
+        <p:txBody>
+          <a:bodyPr rot="0" spcFirstLastPara="1" vertOverflow="overflow" horzOverflow="overflow" vert="horz" wrap="none" lIns="45719" tIns="45719" rIns="45719" bIns="45719" numCol="1" spcCol="38100" rtlCol="0" anchor="t">
+            <a:spAutoFit/>
+          </a:bodyPr>
+          <a:lstStyle/>
+          <a:p>
+            <a:pPr marL="0" marR="0" indent="0" algn="l" defTabSz="914400" rtl="0" fontAlgn="auto" latinLnBrk="0" hangingPunct="0">
+              <a:lnSpc>
+                <a:spcPct val="100000"/>
+              </a:lnSpc>
+              <a:spcBef>
+                <a:spcPts val="0"/>
+              </a:spcBef>
+              <a:spcAft>
+                <a:spcPts val="0"/>
+              </a:spcAft>
+              <a:buClrTx/>
+              <a:buSzTx/>
+              <a:buFontTx/>
+              <a:buNone/>
+              <a:tabLst/>
+            </a:pPr>
+            <a:r>
+              <a:rPr kumimoji="0" lang="ko-KR" altLang="en-US" sz="1800" b="0" i="0" u="none" strike="noStrike" cap="none" spc="0" normalizeH="0" baseline="0" dirty="0" smtClean="0">
+                <a:ln>
+                  <a:noFill/>
+                </a:ln>
+                <a:solidFill>
+                  <a:srgbClr val="3A3838"/>
+                </a:solidFill>
+                <a:effectLst/>
+                <a:uFillTx/>
+                <a:latin typeface="Arial"/>
+                <a:ea typeface="Arial"/>
+                <a:cs typeface="Arial"/>
+                <a:sym typeface="Arial"/>
+              </a:rPr>
+              <a:t>클릭 시</a:t>
+            </a:r>
+            <a:endParaRPr kumimoji="0" lang="en-US" altLang="ko-KR" sz="1800" b="0" i="0" u="none" strike="noStrike" cap="none" spc="0" normalizeH="0" baseline="0" dirty="0" smtClean="0">
+              <a:ln>
+                <a:noFill/>
+              </a:ln>
+              <a:solidFill>
+                <a:srgbClr val="3A3838"/>
+              </a:solidFill>
+              <a:effectLst/>
+              <a:uFillTx/>
+              <a:latin typeface="Arial"/>
+              <a:ea typeface="Arial"/>
+              <a:cs typeface="Arial"/>
+              <a:sym typeface="Arial"/>
+            </a:endParaRPr>
+          </a:p>
+          <a:p>
+            <a:pPr marL="0" marR="0" indent="0" algn="l" defTabSz="914400" rtl="0" fontAlgn="auto" latinLnBrk="0" hangingPunct="0">
+              <a:lnSpc>
+                <a:spcPct val="100000"/>
+              </a:lnSpc>
+              <a:spcBef>
+                <a:spcPts val="0"/>
+              </a:spcBef>
+              <a:spcAft>
+                <a:spcPts val="0"/>
+              </a:spcAft>
+              <a:buClrTx/>
+              <a:buSzTx/>
+              <a:buFontTx/>
+              <a:buNone/>
+              <a:tabLst/>
+            </a:pPr>
+            <a:r>
+              <a:rPr lang="en-US" altLang="ko-KR" dirty="0" smtClean="0"/>
+              <a:t>(</a:t>
+            </a:r>
+            <a:r>
+              <a:rPr lang="ko-KR" altLang="en-US" dirty="0" smtClean="0"/>
+              <a:t>붉게 변경</a:t>
+            </a:r>
+            <a:r>
+              <a:rPr lang="en-US" altLang="ko-KR" dirty="0" smtClean="0"/>
+              <a:t>)</a:t>
+            </a:r>
+            <a:endParaRPr kumimoji="0" lang="en-US" altLang="ko-KR" sz="1800" b="0" i="0" u="none" strike="noStrike" cap="none" spc="0" normalizeH="0" baseline="0" dirty="0" smtClean="0">
+              <a:ln>
+                <a:noFill/>
+              </a:ln>
+              <a:solidFill>
+                <a:srgbClr val="3A3838"/>
+              </a:solidFill>
+              <a:effectLst/>
+              <a:uFillTx/>
+              <a:latin typeface="Arial"/>
+              <a:ea typeface="Arial"/>
+              <a:cs typeface="Arial"/>
+              <a:sym typeface="Arial"/>
+            </a:endParaRPr>
+          </a:p>
+          <a:p>
+            <a:pPr marL="0" marR="0" indent="0" algn="l" defTabSz="914400" rtl="0" fontAlgn="auto" latinLnBrk="0" hangingPunct="0">
+              <a:lnSpc>
+                <a:spcPct val="100000"/>
+              </a:lnSpc>
+              <a:spcBef>
+                <a:spcPts val="0"/>
+              </a:spcBef>
+              <a:spcAft>
+                <a:spcPts val="0"/>
+              </a:spcAft>
+              <a:buClrTx/>
+              <a:buSzTx/>
+              <a:buFontTx/>
+              <a:buNone/>
+              <a:tabLst/>
+            </a:pPr>
+            <a:r>
+              <a:rPr lang="en-US" altLang="ko-KR" dirty="0" err="1" smtClean="0"/>
+              <a:t>Firestore</a:t>
+            </a:r>
+            <a:r>
+              <a:rPr lang="ko-KR" altLang="en-US" dirty="0" smtClean="0"/>
+              <a:t>에</a:t>
+            </a:r>
+            <a:endParaRPr lang="en-US" altLang="ko-KR" dirty="0" smtClean="0"/>
+          </a:p>
+          <a:p>
+            <a:pPr marL="0" marR="0" indent="0" algn="l" defTabSz="914400" rtl="0" fontAlgn="auto" latinLnBrk="0" hangingPunct="0">
+              <a:lnSpc>
+                <a:spcPct val="100000"/>
+              </a:lnSpc>
+              <a:spcBef>
+                <a:spcPts val="0"/>
+              </a:spcBef>
+              <a:spcAft>
+                <a:spcPts val="0"/>
+              </a:spcAft>
+              <a:buClrTx/>
+              <a:buSzTx/>
+              <a:buFontTx/>
+              <a:buNone/>
+              <a:tabLst/>
+            </a:pPr>
+            <a:r>
+              <a:rPr kumimoji="0" lang="ko-KR" altLang="en-US" sz="1800" b="0" i="0" u="none" strike="noStrike" cap="none" spc="0" normalizeH="0" baseline="0" dirty="0" smtClean="0">
+                <a:ln>
+                  <a:noFill/>
+                </a:ln>
+                <a:solidFill>
+                  <a:srgbClr val="3A3838"/>
+                </a:solidFill>
+                <a:effectLst/>
+                <a:uFillTx/>
+                <a:latin typeface="Arial"/>
+                <a:ea typeface="Arial"/>
+                <a:cs typeface="Arial"/>
+                <a:sym typeface="Arial"/>
+              </a:rPr>
+              <a:t>저장</a:t>
+            </a:r>
+            <a:endParaRPr kumimoji="0" lang="ko-KR" altLang="en-US" sz="1800" b="0" i="0" u="none" strike="noStrike" cap="none" spc="0" normalizeH="0" baseline="0" dirty="0">
+              <a:ln>
+                <a:noFill/>
+              </a:ln>
+              <a:solidFill>
+                <a:srgbClr val="3A3838"/>
+              </a:solidFill>
+              <a:effectLst/>
+              <a:uFillTx/>
+              <a:latin typeface="Arial"/>
+              <a:ea typeface="Arial"/>
+              <a:cs typeface="Arial"/>
+              <a:sym typeface="Arial"/>
+            </a:endParaRPr>
           </a:p>
         </p:txBody>
       </p:sp>
@@ -6089,7 +7335,7 @@
       </p:grpSpPr>
       <p:sp>
         <p:nvSpPr>
-          <p:cNvPr id="231" name="TextBox 15"/>
+          <p:cNvPr id="200" name="TextBox 15"/>
           <p:cNvSpPr txBox="1"/>
           <p:nvPr/>
         </p:nvSpPr>
@@ -6106,7 +7352,7 @@
           </a:ln>
           <a:extLst>
             <a:ext uri="{C572A759-6A51-4108-AA02-DFA0A04FC94B}">
-              <ma14:wrappingTextBoxFlag xmlns:ma14="http://schemas.microsoft.com/office/mac/drawingml/2011/main" xmlns:a14="http://schemas.microsoft.com/office/drawing/2010/main" xmlns:m="http://schemas.openxmlformats.org/officeDocument/2006/math" xmlns="" val="1"/>
+              <ma14:wrappingTextBoxFlag xmlns="" xmlns:m="http://schemas.openxmlformats.org/officeDocument/2006/math" xmlns:a14="http://schemas.microsoft.com/office/drawing/2010/main" xmlns:ma14="http://schemas.microsoft.com/office/mac/drawingml/2011/main" val="1"/>
             </a:ext>
           </a:extLst>
         </p:spPr>
@@ -6136,813 +7382,7 @@
       </p:sp>
       <p:sp>
         <p:nvSpPr>
-          <p:cNvPr id="232" name="다이아몬드 22"/>
-          <p:cNvSpPr/>
-          <p:nvPr/>
-        </p:nvSpPr>
-        <p:spPr>
-          <a:xfrm>
-            <a:off x="2034040" y="1758225"/>
-            <a:ext cx="2547791" cy="2547792"/>
-          </a:xfrm>
-          <a:prstGeom prst="diamond">
-            <a:avLst/>
-          </a:prstGeom>
-          <a:solidFill>
-            <a:schemeClr val="accent1">
-              <a:alpha val="70000"/>
-            </a:schemeClr>
-          </a:solidFill>
-          <a:ln w="12700">
-            <a:miter lim="400000"/>
-          </a:ln>
-        </p:spPr>
-        <p:txBody>
-          <a:bodyPr lIns="45719" rIns="45719" anchor="ctr"/>
-          <a:lstStyle/>
-          <a:p>
-            <a:pPr algn="ctr">
-              <a:defRPr>
-                <a:solidFill>
-                  <a:srgbClr val="FFFFFF"/>
-                </a:solidFill>
-              </a:defRPr>
-            </a:pPr>
-            <a:endParaRPr/>
-          </a:p>
-        </p:txBody>
-      </p:sp>
-      <p:sp>
-        <p:nvSpPr>
-          <p:cNvPr id="233" name="다이아몬드 23"/>
-          <p:cNvSpPr/>
-          <p:nvPr/>
-        </p:nvSpPr>
-        <p:spPr>
-          <a:xfrm>
-            <a:off x="5855725" y="3162331"/>
-            <a:ext cx="2547792" cy="2547792"/>
-          </a:xfrm>
-          <a:prstGeom prst="diamond">
-            <a:avLst/>
-          </a:prstGeom>
-          <a:solidFill>
-            <a:schemeClr val="accent2">
-              <a:alpha val="30000"/>
-            </a:schemeClr>
-          </a:solidFill>
-          <a:ln w="12700">
-            <a:solidFill>
-              <a:schemeClr val="accent2"/>
-            </a:solidFill>
-            <a:miter/>
-          </a:ln>
-        </p:spPr>
-        <p:txBody>
-          <a:bodyPr lIns="45719" rIns="45719" anchor="ctr"/>
-          <a:lstStyle/>
-          <a:p>
-            <a:pPr algn="ctr">
-              <a:defRPr>
-                <a:solidFill>
-                  <a:srgbClr val="FFFFFF"/>
-                </a:solidFill>
-              </a:defRPr>
-            </a:pPr>
-            <a:endParaRPr/>
-          </a:p>
-        </p:txBody>
-      </p:sp>
-      <p:sp>
-        <p:nvSpPr>
-          <p:cNvPr id="234" name="다이아몬드 24"/>
-          <p:cNvSpPr/>
-          <p:nvPr/>
-        </p:nvSpPr>
-        <p:spPr>
-          <a:xfrm>
-            <a:off x="4581831" y="1766513"/>
-            <a:ext cx="2547792" cy="2547792"/>
-          </a:xfrm>
-          <a:prstGeom prst="diamond">
-            <a:avLst/>
-          </a:prstGeom>
-          <a:solidFill>
-            <a:schemeClr val="accent4">
-              <a:alpha val="30000"/>
-            </a:schemeClr>
-          </a:solidFill>
-          <a:ln w="12700">
-            <a:solidFill>
-              <a:srgbClr val="FFFFFF"/>
-            </a:solidFill>
-            <a:miter/>
-          </a:ln>
-        </p:spPr>
-        <p:txBody>
-          <a:bodyPr lIns="45719" rIns="45719" anchor="ctr"/>
-          <a:lstStyle/>
-          <a:p>
-            <a:pPr algn="ctr">
-              <a:defRPr>
-                <a:solidFill>
-                  <a:srgbClr val="FFFFFF"/>
-                </a:solidFill>
-              </a:defRPr>
-            </a:pPr>
-            <a:endParaRPr/>
-          </a:p>
-        </p:txBody>
-      </p:sp>
-      <p:sp>
-        <p:nvSpPr>
-          <p:cNvPr id="235" name="다이아몬드 25"/>
-          <p:cNvSpPr/>
-          <p:nvPr/>
-        </p:nvSpPr>
-        <p:spPr>
-          <a:xfrm>
-            <a:off x="3307936" y="3112929"/>
-            <a:ext cx="2547792" cy="2547792"/>
-          </a:xfrm>
-          <a:prstGeom prst="diamond">
-            <a:avLst/>
-          </a:prstGeom>
-          <a:solidFill>
-            <a:srgbClr val="FFFFFF">
-              <a:alpha val="70000"/>
-            </a:srgbClr>
-          </a:solidFill>
-          <a:ln w="12700">
-            <a:solidFill>
-              <a:schemeClr val="accent1"/>
-            </a:solidFill>
-            <a:miter/>
-          </a:ln>
-        </p:spPr>
-        <p:txBody>
-          <a:bodyPr lIns="45719" rIns="45719" anchor="ctr"/>
-          <a:lstStyle/>
-          <a:p>
-            <a:pPr algn="ctr">
-              <a:defRPr>
-                <a:solidFill>
-                  <a:srgbClr val="FFFFFF"/>
-                </a:solidFill>
-              </a:defRPr>
-            </a:pPr>
-            <a:endParaRPr/>
-          </a:p>
-        </p:txBody>
-      </p:sp>
-      <p:sp>
-        <p:nvSpPr>
-          <p:cNvPr id="236" name="다이아몬드 16"/>
-          <p:cNvSpPr/>
-          <p:nvPr/>
-        </p:nvSpPr>
-        <p:spPr>
-          <a:xfrm>
-            <a:off x="7129622" y="1771368"/>
-            <a:ext cx="2547791" cy="2547792"/>
-          </a:xfrm>
-          <a:prstGeom prst="diamond">
-            <a:avLst/>
-          </a:prstGeom>
-          <a:solidFill>
-            <a:schemeClr val="accent6">
-              <a:alpha val="70000"/>
-            </a:schemeClr>
-          </a:solidFill>
-          <a:ln w="12700">
-            <a:miter lim="400000"/>
-          </a:ln>
-        </p:spPr>
-        <p:txBody>
-          <a:bodyPr lIns="45719" rIns="45719" anchor="ctr"/>
-          <a:lstStyle/>
-          <a:p>
-            <a:pPr algn="ctr">
-              <a:defRPr>
-                <a:solidFill>
-                  <a:srgbClr val="FFFFFF"/>
-                </a:solidFill>
-              </a:defRPr>
-            </a:pPr>
-            <a:endParaRPr/>
-          </a:p>
-        </p:txBody>
-      </p:sp>
-      <p:sp>
-        <p:nvSpPr>
-          <p:cNvPr id="237" name="TextBox 17"/>
-          <p:cNvSpPr txBox="1"/>
-          <p:nvPr/>
-        </p:nvSpPr>
-        <p:spPr>
-          <a:xfrm>
-            <a:off x="5004421" y="2431956"/>
-            <a:ext cx="1640832" cy="1200329"/>
-          </a:xfrm>
-          <a:prstGeom prst="rect">
-            <a:avLst/>
-          </a:prstGeom>
-          <a:ln w="12700">
-            <a:miter lim="400000"/>
-          </a:ln>
-          <a:extLst>
-            <a:ext uri="{C572A759-6A51-4108-AA02-DFA0A04FC94B}">
-              <ma14:wrappingTextBoxFlag xmlns:ma14="http://schemas.microsoft.com/office/mac/drawingml/2011/main" xmlns:a14="http://schemas.microsoft.com/office/drawing/2010/main" xmlns:m="http://schemas.openxmlformats.org/officeDocument/2006/math" xmlns="" val="1"/>
-            </a:ext>
-          </a:extLst>
-        </p:spPr>
-        <p:txBody>
-          <a:bodyPr wrap="none" lIns="45719" rIns="45719">
-            <a:spAutoFit/>
-          </a:bodyPr>
-          <a:lstStyle/>
-          <a:p>
-            <a:pPr algn="ctr">
-              <a:defRPr b="1">
-                <a:solidFill>
-                  <a:srgbClr val="FFFFFF"/>
-                </a:solidFill>
-              </a:defRPr>
-            </a:pPr>
-            <a:r>
-              <a:rPr lang="ko-KR" altLang="en-US">
-                <a:latin typeface="나눔스퀘어라운드 Regular"/>
-                <a:ea typeface="나눔스퀘어라운드 Regular"/>
-                <a:cs typeface="나눔스퀘어라운드 Regular"/>
-                <a:sym typeface="나눔스퀘어라운드 Regular"/>
-              </a:rPr>
-              <a:t>지역별 화면</a:t>
-            </a:r>
-            <a:endParaRPr lang="en-US" altLang="ko-KR">
-              <a:latin typeface="나눔스퀘어라운드 Regular"/>
-              <a:ea typeface="나눔스퀘어라운드 Regular"/>
-              <a:cs typeface="나눔스퀘어라운드 Regular"/>
-              <a:sym typeface="나눔스퀘어라운드 Regular"/>
-            </a:endParaRPr>
-          </a:p>
-          <a:p>
-            <a:pPr algn="ctr">
-              <a:defRPr b="1">
-                <a:solidFill>
-                  <a:srgbClr val="FFFFFF"/>
-                </a:solidFill>
-              </a:defRPr>
-            </a:pPr>
-            <a:endParaRPr lang="en-US" altLang="ko-KR">
-              <a:latin typeface="나눔스퀘어라운드 Regular"/>
-              <a:ea typeface="나눔스퀘어라운드 Regular"/>
-              <a:cs typeface="나눔스퀘어라운드 Regular"/>
-              <a:sym typeface="나눔스퀘어라운드 Regular"/>
-            </a:endParaRPr>
-          </a:p>
-          <a:p>
-            <a:pPr algn="ctr">
-              <a:defRPr b="1">
-                <a:solidFill>
-                  <a:srgbClr val="FFFFFF"/>
-                </a:solidFill>
-              </a:defRPr>
-            </a:pPr>
-            <a:r>
-              <a:rPr lang="ko-KR" altLang="en-US">
-                <a:latin typeface="나눔스퀘어라운드 Regular"/>
-                <a:ea typeface="나눔스퀘어라운드 Regular"/>
-                <a:cs typeface="나눔스퀘어라운드 Regular"/>
-                <a:sym typeface="나눔스퀘어라운드 Regular"/>
-              </a:rPr>
-              <a:t>지역 위치 기반</a:t>
-            </a:r>
-            <a:endParaRPr lang="en-US" altLang="ko-KR">
-              <a:latin typeface="나눔스퀘어라운드 Regular"/>
-              <a:ea typeface="나눔스퀘어라운드 Regular"/>
-              <a:cs typeface="나눔스퀘어라운드 Regular"/>
-              <a:sym typeface="나눔스퀘어라운드 Regular"/>
-            </a:endParaRPr>
-          </a:p>
-          <a:p>
-            <a:pPr algn="ctr">
-              <a:defRPr b="1">
-                <a:solidFill>
-                  <a:srgbClr val="FFFFFF"/>
-                </a:solidFill>
-              </a:defRPr>
-            </a:pPr>
-            <a:r>
-              <a:rPr lang="ko-KR" altLang="en-US">
-                <a:latin typeface="나눔스퀘어라운드 Regular"/>
-                <a:ea typeface="나눔스퀘어라운드 Regular"/>
-                <a:cs typeface="나눔스퀘어라운드 Regular"/>
-                <a:sym typeface="나눔스퀘어라운드 Regular"/>
-              </a:rPr>
-              <a:t>정보 제공</a:t>
-            </a:r>
-            <a:endParaRPr>
-              <a:latin typeface="나눔스퀘어라운드 Regular"/>
-              <a:ea typeface="나눔스퀘어라운드 Regular"/>
-              <a:cs typeface="나눔스퀘어라운드 Regular"/>
-              <a:sym typeface="나눔스퀘어라운드 Regular"/>
-            </a:endParaRPr>
-          </a:p>
-        </p:txBody>
-      </p:sp>
-      <p:sp>
-        <p:nvSpPr>
-          <p:cNvPr id="238" name="TextBox 18"/>
-          <p:cNvSpPr txBox="1"/>
-          <p:nvPr/>
-        </p:nvSpPr>
-        <p:spPr>
-          <a:xfrm>
-            <a:off x="7993214" y="5449741"/>
-            <a:ext cx="92396" cy="369332"/>
-          </a:xfrm>
-          <a:prstGeom prst="rect">
-            <a:avLst/>
-          </a:prstGeom>
-          <a:ln w="12700">
-            <a:miter lim="400000"/>
-          </a:ln>
-          <a:extLst>
-            <a:ext uri="{C572A759-6A51-4108-AA02-DFA0A04FC94B}">
-              <ma14:wrappingTextBoxFlag xmlns:ma14="http://schemas.microsoft.com/office/mac/drawingml/2011/main" xmlns:a14="http://schemas.microsoft.com/office/drawing/2010/main" xmlns:m="http://schemas.openxmlformats.org/officeDocument/2006/math" xmlns="" val="1"/>
-            </a:ext>
-          </a:extLst>
-        </p:spPr>
-        <p:txBody>
-          <a:bodyPr wrap="none" lIns="45719" rIns="45719">
-            <a:spAutoFit/>
-          </a:bodyPr>
-          <a:lstStyle/>
-          <a:p>
-            <a:pPr algn="ctr">
-              <a:defRPr b="1">
-                <a:solidFill>
-                  <a:srgbClr val="5D5B5B"/>
-                </a:solidFill>
-              </a:defRPr>
-            </a:pPr>
-            <a:endParaRPr>
-              <a:latin typeface="나눔스퀘어라운드 Regular"/>
-              <a:ea typeface="나눔스퀘어라운드 Regular"/>
-              <a:cs typeface="나눔스퀘어라운드 Regular"/>
-              <a:sym typeface="나눔스퀘어라운드 Regular"/>
-            </a:endParaRPr>
-          </a:p>
-        </p:txBody>
-      </p:sp>
-      <p:sp>
-        <p:nvSpPr>
-          <p:cNvPr id="239" name="TextBox 19"/>
-          <p:cNvSpPr txBox="1"/>
-          <p:nvPr/>
-        </p:nvSpPr>
-        <p:spPr>
-          <a:xfrm>
-            <a:off x="7636002" y="2293456"/>
-            <a:ext cx="1535035" cy="1477328"/>
-          </a:xfrm>
-          <a:prstGeom prst="rect">
-            <a:avLst/>
-          </a:prstGeom>
-          <a:ln w="12700">
-            <a:miter lim="400000"/>
-          </a:ln>
-          <a:extLst>
-            <a:ext uri="{C572A759-6A51-4108-AA02-DFA0A04FC94B}">
-              <ma14:wrappingTextBoxFlag xmlns:ma14="http://schemas.microsoft.com/office/mac/drawingml/2011/main" xmlns:a14="http://schemas.microsoft.com/office/drawing/2010/main" xmlns:m="http://schemas.openxmlformats.org/officeDocument/2006/math" xmlns="" val="1"/>
-            </a:ext>
-          </a:extLst>
-        </p:spPr>
-        <p:txBody>
-          <a:bodyPr wrap="none" lIns="45719" rIns="45719">
-            <a:spAutoFit/>
-          </a:bodyPr>
-          <a:lstStyle/>
-          <a:p>
-            <a:pPr algn="ctr">
-              <a:defRPr b="1">
-                <a:solidFill>
-                  <a:srgbClr val="FFFFFF"/>
-                </a:solidFill>
-              </a:defRPr>
-            </a:pPr>
-            <a:r>
-              <a:rPr lang="ko-KR" altLang="en-US"/>
-              <a:t>캘린더</a:t>
-            </a:r>
-            <a:endParaRPr lang="en-US" altLang="ko-KR"/>
-          </a:p>
-          <a:p>
-            <a:pPr algn="ctr">
-              <a:defRPr b="1">
-                <a:solidFill>
-                  <a:srgbClr val="FFFFFF"/>
-                </a:solidFill>
-              </a:defRPr>
-            </a:pPr>
-            <a:r>
-              <a:rPr lang="ko-KR" altLang="en-US"/>
-              <a:t>화면</a:t>
-            </a:r>
-            <a:endParaRPr lang="en-US" altLang="ko-KR"/>
-          </a:p>
-          <a:p>
-            <a:pPr algn="ctr">
-              <a:defRPr b="1">
-                <a:solidFill>
-                  <a:srgbClr val="FFFFFF"/>
-                </a:solidFill>
-              </a:defRPr>
-            </a:pPr>
-            <a:endParaRPr lang="en-US" altLang="ko-KR">
-              <a:latin typeface="나눔스퀘어라운드 Regular"/>
-              <a:ea typeface="나눔스퀘어라운드 Regular"/>
-              <a:cs typeface="나눔스퀘어라운드 Regular"/>
-              <a:sym typeface="나눔스퀘어라운드 Regular"/>
-            </a:endParaRPr>
-          </a:p>
-          <a:p>
-            <a:pPr algn="ctr">
-              <a:defRPr b="1">
-                <a:solidFill>
-                  <a:srgbClr val="FFFFFF"/>
-                </a:solidFill>
-              </a:defRPr>
-            </a:pPr>
-            <a:r>
-              <a:rPr lang="ko-KR" altLang="en-US">
-                <a:latin typeface="나눔스퀘어라운드 Regular"/>
-                <a:ea typeface="나눔스퀘어라운드 Regular"/>
-                <a:cs typeface="나눔스퀘어라운드 Regular"/>
-                <a:sym typeface="나눔스퀘어라운드 Regular"/>
-              </a:rPr>
-              <a:t>사용자의 </a:t>
-            </a:r>
-            <a:r>
-              <a:rPr lang="en-US" altLang="ko-KR">
-                <a:latin typeface="나눔스퀘어라운드 Regular"/>
-                <a:ea typeface="나눔스퀘어라운드 Regular"/>
-                <a:cs typeface="나눔스퀘어라운드 Regular"/>
-                <a:sym typeface="나눔스퀘어라운드 Regular"/>
-              </a:rPr>
-              <a:t>Like</a:t>
-            </a:r>
-          </a:p>
-          <a:p>
-            <a:pPr algn="ctr">
-              <a:defRPr b="1">
-                <a:solidFill>
-                  <a:srgbClr val="FFFFFF"/>
-                </a:solidFill>
-              </a:defRPr>
-            </a:pPr>
-            <a:r>
-              <a:rPr lang="ko-KR" altLang="en-US">
-                <a:latin typeface="나눔스퀘어라운드 Regular"/>
-                <a:ea typeface="나눔스퀘어라운드 Regular"/>
-                <a:cs typeface="나눔스퀘어라운드 Regular"/>
-                <a:sym typeface="나눔스퀘어라운드 Regular"/>
-              </a:rPr>
-              <a:t>정보 받아옴</a:t>
-            </a:r>
-            <a:endParaRPr>
-              <a:latin typeface="나눔스퀘어라운드 Regular"/>
-              <a:ea typeface="나눔스퀘어라운드 Regular"/>
-              <a:cs typeface="나눔스퀘어라운드 Regular"/>
-              <a:sym typeface="나눔스퀘어라운드 Regular"/>
-            </a:endParaRPr>
-          </a:p>
-        </p:txBody>
-      </p:sp>
-      <p:sp>
-        <p:nvSpPr>
-          <p:cNvPr id="240" name="TextBox 20"/>
-          <p:cNvSpPr txBox="1"/>
-          <p:nvPr/>
-        </p:nvSpPr>
-        <p:spPr>
-          <a:xfrm>
-            <a:off x="2372103" y="2072769"/>
-            <a:ext cx="1871664" cy="1754326"/>
-          </a:xfrm>
-          <a:prstGeom prst="rect">
-            <a:avLst/>
-          </a:prstGeom>
-          <a:ln w="12700">
-            <a:miter lim="400000"/>
-          </a:ln>
-          <a:extLst>
-            <a:ext uri="{C572A759-6A51-4108-AA02-DFA0A04FC94B}">
-              <ma14:wrappingTextBoxFlag xmlns:ma14="http://schemas.microsoft.com/office/mac/drawingml/2011/main" xmlns:a14="http://schemas.microsoft.com/office/drawing/2010/main" xmlns:m="http://schemas.openxmlformats.org/officeDocument/2006/math" xmlns="" val="1"/>
-            </a:ext>
-          </a:extLst>
-        </p:spPr>
-        <p:txBody>
-          <a:bodyPr wrap="none" lIns="45719" rIns="45719">
-            <a:spAutoFit/>
-          </a:bodyPr>
-          <a:lstStyle/>
-          <a:p>
-            <a:pPr algn="ctr">
-              <a:defRPr b="1">
-                <a:solidFill>
-                  <a:srgbClr val="FFFFFF"/>
-                </a:solidFill>
-              </a:defRPr>
-            </a:pPr>
-            <a:r>
-              <a:rPr lang="ko-KR" altLang="en-US">
-                <a:latin typeface="나눔스퀘어라운드 Regular"/>
-                <a:ea typeface="나눔스퀘어라운드 Regular"/>
-                <a:cs typeface="나눔스퀘어라운드 Regular"/>
-                <a:sym typeface="나눔스퀘어라운드 Regular"/>
-              </a:rPr>
-              <a:t>홈 화면</a:t>
-            </a:r>
-            <a:endParaRPr lang="en-US" altLang="ko-KR">
-              <a:latin typeface="나눔스퀘어라운드 Regular"/>
-              <a:ea typeface="나눔스퀘어라운드 Regular"/>
-              <a:cs typeface="나눔스퀘어라운드 Regular"/>
-              <a:sym typeface="나눔스퀘어라운드 Regular"/>
-            </a:endParaRPr>
-          </a:p>
-          <a:p>
-            <a:pPr algn="ctr">
-              <a:defRPr b="1">
-                <a:solidFill>
-                  <a:srgbClr val="FFFFFF"/>
-                </a:solidFill>
-              </a:defRPr>
-            </a:pPr>
-            <a:endParaRPr lang="en-US" altLang="ko-KR">
-              <a:latin typeface="나눔스퀘어라운드 Regular"/>
-              <a:ea typeface="나눔스퀘어라운드 Regular"/>
-              <a:cs typeface="나눔스퀘어라운드 Regular"/>
-              <a:sym typeface="나눔스퀘어라운드 Regular"/>
-            </a:endParaRPr>
-          </a:p>
-          <a:p>
-            <a:pPr algn="ctr">
-              <a:defRPr b="1">
-                <a:solidFill>
-                  <a:srgbClr val="FFFFFF"/>
-                </a:solidFill>
-              </a:defRPr>
-            </a:pPr>
-            <a:r>
-              <a:rPr lang="ko-KR" altLang="en-US">
-                <a:latin typeface="나눔스퀘어라운드 Regular"/>
-                <a:ea typeface="나눔스퀘어라운드 Regular"/>
-                <a:cs typeface="나눔스퀘어라운드 Regular"/>
-                <a:sym typeface="나눔스퀘어라운드 Regular"/>
-              </a:rPr>
-              <a:t>어플의 메인화면</a:t>
-            </a:r>
-            <a:endParaRPr lang="en-US" altLang="ko-KR">
-              <a:latin typeface="나눔스퀘어라운드 Regular"/>
-              <a:ea typeface="나눔스퀘어라운드 Regular"/>
-              <a:cs typeface="나눔스퀘어라운드 Regular"/>
-              <a:sym typeface="나눔스퀘어라운드 Regular"/>
-            </a:endParaRPr>
-          </a:p>
-          <a:p>
-            <a:pPr algn="ctr">
-              <a:defRPr b="1">
-                <a:solidFill>
-                  <a:srgbClr val="FFFFFF"/>
-                </a:solidFill>
-              </a:defRPr>
-            </a:pPr>
-            <a:r>
-              <a:rPr lang="ko-KR" altLang="en-US">
-                <a:latin typeface="나눔스퀘어라운드 Regular"/>
-                <a:ea typeface="나눔스퀘어라운드 Regular"/>
-                <a:cs typeface="나눔스퀘어라운드 Regular"/>
-                <a:sym typeface="나눔스퀘어라운드 Regular"/>
-              </a:rPr>
-              <a:t>전국의 모든 </a:t>
-            </a:r>
-            <a:endParaRPr lang="en-US" altLang="ko-KR">
-              <a:latin typeface="나눔스퀘어라운드 Regular"/>
-              <a:ea typeface="나눔스퀘어라운드 Regular"/>
-              <a:cs typeface="나눔스퀘어라운드 Regular"/>
-              <a:sym typeface="나눔스퀘어라운드 Regular"/>
-            </a:endParaRPr>
-          </a:p>
-          <a:p>
-            <a:pPr algn="ctr">
-              <a:defRPr b="1">
-                <a:solidFill>
-                  <a:srgbClr val="FFFFFF"/>
-                </a:solidFill>
-              </a:defRPr>
-            </a:pPr>
-            <a:r>
-              <a:rPr lang="ko-KR" altLang="en-US">
-                <a:latin typeface="나눔스퀘어라운드 Regular"/>
-                <a:ea typeface="나눔스퀘어라운드 Regular"/>
-                <a:cs typeface="나눔스퀘어라운드 Regular"/>
-                <a:sym typeface="나눔스퀘어라운드 Regular"/>
-              </a:rPr>
-              <a:t>축제 정보 띄워줌</a:t>
-            </a:r>
-            <a:endParaRPr lang="en-US" altLang="ko-KR">
-              <a:latin typeface="나눔스퀘어라운드 Regular"/>
-              <a:ea typeface="나눔스퀘어라운드 Regular"/>
-              <a:cs typeface="나눔스퀘어라운드 Regular"/>
-              <a:sym typeface="나눔스퀘어라운드 Regular"/>
-            </a:endParaRPr>
-          </a:p>
-          <a:p>
-            <a:pPr algn="ctr">
-              <a:defRPr b="1">
-                <a:solidFill>
-                  <a:srgbClr val="FFFFFF"/>
-                </a:solidFill>
-              </a:defRPr>
-            </a:pPr>
-            <a:endParaRPr>
-              <a:latin typeface="나눔스퀘어라운드 Regular"/>
-              <a:ea typeface="나눔스퀘어라운드 Regular"/>
-              <a:cs typeface="나눔스퀘어라운드 Regular"/>
-              <a:sym typeface="나눔스퀘어라운드 Regular"/>
-            </a:endParaRPr>
-          </a:p>
-        </p:txBody>
-      </p:sp>
-      <p:sp>
-        <p:nvSpPr>
-          <p:cNvPr id="241" name="TextBox 21"/>
-          <p:cNvSpPr txBox="1"/>
-          <p:nvPr/>
-        </p:nvSpPr>
-        <p:spPr>
-          <a:xfrm>
-            <a:off x="3958585" y="3430320"/>
-            <a:ext cx="1246494" cy="1754326"/>
-          </a:xfrm>
-          <a:prstGeom prst="rect">
-            <a:avLst/>
-          </a:prstGeom>
-          <a:ln w="12700">
-            <a:miter lim="400000"/>
-          </a:ln>
-          <a:extLst>
-            <a:ext uri="{C572A759-6A51-4108-AA02-DFA0A04FC94B}">
-              <ma14:wrappingTextBoxFlag xmlns:ma14="http://schemas.microsoft.com/office/mac/drawingml/2011/main" xmlns:a14="http://schemas.microsoft.com/office/drawing/2010/main" xmlns:m="http://schemas.openxmlformats.org/officeDocument/2006/math" xmlns="" val="1"/>
-            </a:ext>
-          </a:extLst>
-        </p:spPr>
-        <p:txBody>
-          <a:bodyPr wrap="none" lIns="45719" rIns="45719">
-            <a:spAutoFit/>
-          </a:bodyPr>
-          <a:lstStyle/>
-          <a:p>
-            <a:pPr algn="ctr">
-              <a:defRPr b="1">
-                <a:solidFill>
-                  <a:srgbClr val="5D5B5B"/>
-                </a:solidFill>
-              </a:defRPr>
-            </a:pPr>
-            <a:r>
-              <a:rPr lang="ko-KR" altLang="en-US">
-                <a:latin typeface="나눔스퀘어라운드 Regular"/>
-                <a:ea typeface="나눔스퀘어라운드 Regular"/>
-                <a:cs typeface="나눔스퀘어라운드 Regular"/>
-                <a:sym typeface="나눔스퀘어라운드 Regular"/>
-              </a:rPr>
-              <a:t>드로어</a:t>
-            </a:r>
-            <a:endParaRPr lang="en-US" altLang="ko-KR">
-              <a:latin typeface="나눔스퀘어라운드 Regular"/>
-              <a:ea typeface="나눔스퀘어라운드 Regular"/>
-              <a:cs typeface="나눔스퀘어라운드 Regular"/>
-              <a:sym typeface="나눔스퀘어라운드 Regular"/>
-            </a:endParaRPr>
-          </a:p>
-          <a:p>
-            <a:pPr algn="ctr">
-              <a:defRPr b="1">
-                <a:solidFill>
-                  <a:srgbClr val="5D5B5B"/>
-                </a:solidFill>
-              </a:defRPr>
-            </a:pPr>
-            <a:r>
-              <a:rPr lang="ko-KR" altLang="en-US">
-                <a:latin typeface="나눔스퀘어라운드 Regular"/>
-                <a:ea typeface="나눔스퀘어라운드 Regular"/>
-                <a:cs typeface="나눔스퀘어라운드 Regular"/>
-                <a:sym typeface="나눔스퀘어라운드 Regular"/>
-              </a:rPr>
-              <a:t>메뉴</a:t>
-            </a:r>
-            <a:endParaRPr lang="en-US" altLang="ko-KR">
-              <a:latin typeface="나눔스퀘어라운드 Regular"/>
-              <a:ea typeface="나눔스퀘어라운드 Regular"/>
-              <a:cs typeface="나눔스퀘어라운드 Regular"/>
-              <a:sym typeface="나눔스퀘어라운드 Regular"/>
-            </a:endParaRPr>
-          </a:p>
-          <a:p>
-            <a:pPr algn="ctr">
-              <a:defRPr b="1">
-                <a:solidFill>
-                  <a:srgbClr val="5D5B5B"/>
-                </a:solidFill>
-              </a:defRPr>
-            </a:pPr>
-            <a:endParaRPr lang="en-US" altLang="ko-KR">
-              <a:latin typeface="나눔스퀘어라운드 Regular"/>
-              <a:ea typeface="나눔스퀘어라운드 Regular"/>
-              <a:cs typeface="나눔스퀘어라운드 Regular"/>
-              <a:sym typeface="나눔스퀘어라운드 Regular"/>
-            </a:endParaRPr>
-          </a:p>
-          <a:p>
-            <a:pPr algn="ctr">
-              <a:defRPr b="1">
-                <a:solidFill>
-                  <a:srgbClr val="5D5B5B"/>
-                </a:solidFill>
-              </a:defRPr>
-            </a:pPr>
-            <a:r>
-              <a:rPr lang="ko-KR" altLang="en-US">
-                <a:latin typeface="나눔스퀘어라운드 Regular"/>
-                <a:ea typeface="나눔스퀘어라운드 Regular"/>
-                <a:cs typeface="나눔스퀘어라운드 Regular"/>
-                <a:sym typeface="나눔스퀘어라운드 Regular"/>
-              </a:rPr>
-              <a:t>왼쪽에서 </a:t>
-            </a:r>
-            <a:endParaRPr lang="en-US" altLang="ko-KR">
-              <a:latin typeface="나눔스퀘어라운드 Regular"/>
-              <a:ea typeface="나눔스퀘어라운드 Regular"/>
-              <a:cs typeface="나눔스퀘어라운드 Regular"/>
-              <a:sym typeface="나눔스퀘어라운드 Regular"/>
-            </a:endParaRPr>
-          </a:p>
-          <a:p>
-            <a:pPr algn="ctr">
-              <a:defRPr b="1">
-                <a:solidFill>
-                  <a:srgbClr val="5D5B5B"/>
-                </a:solidFill>
-              </a:defRPr>
-            </a:pPr>
-            <a:r>
-              <a:rPr lang="ko-KR" altLang="en-US">
-                <a:latin typeface="나눔스퀘어라운드 Regular"/>
-                <a:ea typeface="나눔스퀘어라운드 Regular"/>
-                <a:cs typeface="나눔스퀘어라운드 Regular"/>
-                <a:sym typeface="나눔스퀘어라운드 Regular"/>
-              </a:rPr>
-              <a:t>열리는 </a:t>
-            </a:r>
-            <a:endParaRPr lang="en-US" altLang="ko-KR">
-              <a:latin typeface="나눔스퀘어라운드 Regular"/>
-              <a:ea typeface="나눔스퀘어라운드 Regular"/>
-              <a:cs typeface="나눔스퀘어라운드 Regular"/>
-              <a:sym typeface="나눔스퀘어라운드 Regular"/>
-            </a:endParaRPr>
-          </a:p>
-          <a:p>
-            <a:pPr algn="ctr">
-              <a:defRPr b="1">
-                <a:solidFill>
-                  <a:srgbClr val="5D5B5B"/>
-                </a:solidFill>
-              </a:defRPr>
-            </a:pPr>
-            <a:r>
-              <a:rPr lang="ko-KR" altLang="en-US">
-                <a:latin typeface="나눔스퀘어라운드 Regular"/>
-                <a:ea typeface="나눔스퀘어라운드 Regular"/>
-                <a:cs typeface="나눔스퀘어라운드 Regular"/>
-                <a:sym typeface="나눔스퀘어라운드 Regular"/>
-              </a:rPr>
-              <a:t>사용자메뉴</a:t>
-            </a:r>
-            <a:endParaRPr>
-              <a:latin typeface="나눔스퀘어라운드 Regular"/>
-              <a:ea typeface="나눔스퀘어라운드 Regular"/>
-              <a:cs typeface="나눔스퀘어라운드 Regular"/>
-              <a:sym typeface="나눔스퀘어라운드 Regular"/>
-            </a:endParaRPr>
-          </a:p>
-        </p:txBody>
-      </p:sp>
-      <p:sp>
-        <p:nvSpPr>
-          <p:cNvPr id="242" name="직선 연결선 26"/>
+          <p:cNvPr id="201" name="직선 연결선 22"/>
           <p:cNvSpPr/>
           <p:nvPr/>
         </p:nvSpPr>
@@ -6971,7 +7411,7 @@
       </p:sp>
       <p:sp>
         <p:nvSpPr>
-          <p:cNvPr id="243" name="직사각형 27"/>
+          <p:cNvPr id="202" name="직사각형 23"/>
           <p:cNvSpPr/>
           <p:nvPr/>
         </p:nvSpPr>
@@ -7007,14 +7447,14 @@
       </p:sp>
       <p:sp>
         <p:nvSpPr>
-          <p:cNvPr id="244" name="TextBox 28"/>
+          <p:cNvPr id="203" name="TextBox 24"/>
           <p:cNvSpPr txBox="1"/>
           <p:nvPr/>
         </p:nvSpPr>
         <p:spPr>
           <a:xfrm>
             <a:off x="490138" y="323244"/>
-            <a:ext cx="259303" cy="548045"/>
+            <a:ext cx="259303" cy="584775"/>
           </a:xfrm>
           <a:prstGeom prst="rect">
             <a:avLst/>
@@ -7024,7 +7464,7 @@
           </a:ln>
           <a:extLst>
             <a:ext uri="{C572A759-6A51-4108-AA02-DFA0A04FC94B}">
-              <ma14:wrappingTextBoxFlag xmlns:ma14="http://schemas.microsoft.com/office/mac/drawingml/2011/main" xmlns:a14="http://schemas.microsoft.com/office/drawing/2010/main" xmlns:m="http://schemas.openxmlformats.org/officeDocument/2006/math" xmlns="" val="1"/>
+              <ma14:wrappingTextBoxFlag xmlns="" xmlns:m="http://schemas.openxmlformats.org/officeDocument/2006/math" xmlns:a14="http://schemas.microsoft.com/office/drawing/2010/main" xmlns:ma14="http://schemas.microsoft.com/office/mac/drawingml/2011/main" val="1"/>
             </a:ext>
           </a:extLst>
         </p:spPr>
@@ -7043,14 +7483,16 @@
           </a:lstStyle>
           <a:p>
             <a:r>
+              <a:rPr lang="en-US" altLang="ko-KR"/>
               <a:t>3</a:t>
             </a:r>
+            <a:endParaRPr/>
           </a:p>
         </p:txBody>
       </p:sp>
       <p:grpSp>
         <p:nvGrpSpPr>
-          <p:cNvPr id="247" name="그룹 29"/>
+          <p:cNvPr id="206" name="그룹 25"/>
           <p:cNvGrpSpPr/>
           <p:nvPr/>
         </p:nvGrpSpPr>
@@ -7064,14 +7506,14 @@
         </p:grpSpPr>
         <p:sp>
           <p:nvSpPr>
-            <p:cNvPr id="245" name="TextBox 30"/>
+            <p:cNvPr id="204" name="TextBox 26"/>
             <p:cNvSpPr txBox="1"/>
             <p:nvPr/>
           </p:nvSpPr>
           <p:spPr>
             <a:xfrm>
               <a:off x="0" y="0"/>
-              <a:ext cx="1368320" cy="276996"/>
+              <a:ext cx="1357100" cy="276996"/>
             </a:xfrm>
             <a:prstGeom prst="rect">
               <a:avLst/>
@@ -7084,7 +7526,7 @@
             <a:effectLst/>
             <a:extLst>
               <a:ext uri="{C572A759-6A51-4108-AA02-DFA0A04FC94B}">
-                <ma14:wrappingTextBoxFlag xmlns:ma14="http://schemas.microsoft.com/office/mac/drawingml/2011/main" xmlns:a14="http://schemas.microsoft.com/office/drawing/2010/main" xmlns:m="http://schemas.openxmlformats.org/officeDocument/2006/math" xmlns="" val="1"/>
+                <ma14:wrappingTextBoxFlag xmlns="" xmlns:m="http://schemas.openxmlformats.org/officeDocument/2006/math" xmlns:a14="http://schemas.microsoft.com/office/drawing/2010/main" xmlns:ma14="http://schemas.microsoft.com/office/mac/drawingml/2011/main" val="1"/>
               </a:ext>
             </a:extLst>
           </p:spPr>
@@ -7098,15 +7540,14 @@
                 <a:defRPr sz="1200"/>
               </a:pPr>
               <a:r>
-                <a:t>003 </a:t>
+                <a:t>00</a:t>
               </a:r>
               <a:r>
-                <a:rPr lang="ko-KR" altLang="en-US">
-                  <a:latin typeface="나눔스퀘어라운드 Regular"/>
-                  <a:ea typeface="나눔스퀘어라운드 Regular"/>
-                  <a:cs typeface="나눔스퀘어라운드 Regular"/>
-                  <a:sym typeface="나눔스퀘어라운드 Regular"/>
-                </a:rPr>
+                <a:rPr lang="en-US" altLang="ko-KR"/>
+                <a:t>3 </a:t>
+              </a:r>
+              <a:r>
+                <a:rPr lang="ko-KR" altLang="en-US"/>
                 <a:t>시스템 설명서</a:t>
               </a:r>
               <a:endParaRPr>
@@ -7120,7 +7561,7 @@
         </p:sp>
         <p:sp>
           <p:nvSpPr>
-            <p:cNvPr id="246" name="TextBox 31"/>
+            <p:cNvPr id="205" name="TextBox 27"/>
             <p:cNvSpPr txBox="1"/>
             <p:nvPr/>
           </p:nvSpPr>
@@ -7140,7 +7581,7 @@
             <a:effectLst/>
             <a:extLst>
               <a:ext uri="{C572A759-6A51-4108-AA02-DFA0A04FC94B}">
-                <ma14:wrappingTextBoxFlag xmlns:ma14="http://schemas.microsoft.com/office/mac/drawingml/2011/main" xmlns:a14="http://schemas.microsoft.com/office/drawing/2010/main" xmlns:m="http://schemas.openxmlformats.org/officeDocument/2006/math" xmlns="" val="1"/>
+                <ma14:wrappingTextBoxFlag xmlns="" xmlns:m="http://schemas.openxmlformats.org/officeDocument/2006/math" xmlns:a14="http://schemas.microsoft.com/office/drawing/2010/main" xmlns:ma14="http://schemas.microsoft.com/office/mac/drawingml/2011/main" val="1"/>
               </a:ext>
             </a:extLst>
           </p:spPr>
@@ -7186,12 +7627,3979 @@
           </p:txBody>
         </p:sp>
       </p:grpSp>
+      <p:pic>
+        <p:nvPicPr>
+          <p:cNvPr id="9" name="스크린샷 2019-04-24 오후 12.33.32.png"/>
+          <p:cNvPicPr>
+            <a:picLocks noChangeAspect="1"/>
+          </p:cNvPicPr>
+          <p:nvPr/>
+        </p:nvPicPr>
+        <p:blipFill>
+          <a:blip r:embed="rId2">
+            <a:extLst>
+              <a:ext uri="{28A0092B-C50C-407E-A947-70E740481C1C}">
+                <a14:useLocalDpi xmlns:a14="http://schemas.microsoft.com/office/drawing/2010/main" val="0"/>
+              </a:ext>
+            </a:extLst>
+          </a:blip>
+          <a:stretch>
+            <a:fillRect/>
+          </a:stretch>
+        </p:blipFill>
+        <p:spPr>
+          <a:xfrm>
+            <a:off x="1093907" y="1194091"/>
+            <a:ext cx="2680748" cy="4778726"/>
+          </a:xfrm>
+          <a:prstGeom prst="rect">
+            <a:avLst/>
+          </a:prstGeom>
+          <a:ln w="12700">
+            <a:miter lim="400000"/>
+          </a:ln>
+        </p:spPr>
+      </p:pic>
+      <p:pic>
+        <p:nvPicPr>
+          <p:cNvPr id="10" name="스크린샷 2019-04-24 오후 12.40.55.png"/>
+          <p:cNvPicPr>
+            <a:picLocks noChangeAspect="1"/>
+          </p:cNvPicPr>
+          <p:nvPr/>
+        </p:nvPicPr>
+        <p:blipFill>
+          <a:blip r:embed="rId3">
+            <a:extLst>
+              <a:ext uri="{28A0092B-C50C-407E-A947-70E740481C1C}">
+                <a14:useLocalDpi xmlns:a14="http://schemas.microsoft.com/office/drawing/2010/main" val="0"/>
+              </a:ext>
+            </a:extLst>
+          </a:blip>
+          <a:stretch>
+            <a:fillRect/>
+          </a:stretch>
+        </p:blipFill>
+        <p:spPr>
+          <a:xfrm>
+            <a:off x="4884651" y="1194090"/>
+            <a:ext cx="2686307" cy="4778727"/>
+          </a:xfrm>
+          <a:prstGeom prst="rect">
+            <a:avLst/>
+          </a:prstGeom>
+          <a:ln w="12700">
+            <a:miter lim="400000"/>
+          </a:ln>
+        </p:spPr>
+      </p:pic>
+      <p:sp>
+        <p:nvSpPr>
+          <p:cNvPr id="11" name="TextBox 9"/>
+          <p:cNvSpPr txBox="1"/>
+          <p:nvPr/>
+        </p:nvSpPr>
+        <p:spPr>
+          <a:xfrm>
+            <a:off x="1904810" y="6041285"/>
+            <a:ext cx="1058942" cy="369332"/>
+          </a:xfrm>
+          <a:prstGeom prst="rect">
+            <a:avLst/>
+          </a:prstGeom>
+          <a:ln w="12700">
+            <a:miter lim="400000"/>
+          </a:ln>
+          <a:extLst>
+            <a:ext uri="{C572A759-6A51-4108-AA02-DFA0A04FC94B}">
+              <ma14:wrappingTextBoxFlag xmlns="" xmlns:m="http://schemas.openxmlformats.org/officeDocument/2006/math" xmlns:a14="http://schemas.microsoft.com/office/drawing/2010/main" xmlns:ma14="http://schemas.microsoft.com/office/mac/drawingml/2011/main" val="1"/>
+            </a:ext>
+          </a:extLst>
+        </p:spPr>
+        <p:txBody>
+          <a:bodyPr wrap="none" lIns="45719" rIns="45719">
+            <a:spAutoFit/>
+          </a:bodyPr>
+          <a:lstStyle>
+            <a:lvl1pPr>
+              <a:defRPr>
+                <a:latin typeface="나눔스퀘어라운드 Regular"/>
+                <a:ea typeface="나눔스퀘어라운드 Regular"/>
+                <a:cs typeface="나눔스퀘어라운드 Regular"/>
+                <a:sym typeface="나눔스퀘어라운드 Regular"/>
+              </a:defRPr>
+            </a:lvl1pPr>
+          </a:lstStyle>
+          <a:p>
+            <a:pPr>
+              <a:defRPr>
+                <a:latin typeface="Arial"/>
+                <a:ea typeface="Arial"/>
+                <a:cs typeface="Arial"/>
+                <a:sym typeface="Arial"/>
+              </a:defRPr>
+            </a:pPr>
+            <a:r>
+              <a:rPr lang="en-US" altLang="ko-KR" dirty="0" smtClean="0">
+                <a:latin typeface="나눔스퀘어라운드 Regular"/>
+                <a:ea typeface="나눔스퀘어라운드 Regular"/>
+                <a:cs typeface="나눔스퀘어라운드 Regular"/>
+                <a:sym typeface="나눔스퀘어라운드 Regular"/>
+              </a:rPr>
+              <a:t>Like </a:t>
+            </a:r>
+            <a:r>
+              <a:rPr lang="ko-KR" altLang="en-US" dirty="0" smtClean="0">
+                <a:latin typeface="나눔스퀘어라운드 Regular"/>
+                <a:ea typeface="나눔스퀘어라운드 Regular"/>
+                <a:cs typeface="나눔스퀘어라운드 Regular"/>
+                <a:sym typeface="나눔스퀘어라운드 Regular"/>
+              </a:rPr>
+              <a:t>클릭</a:t>
+            </a:r>
+            <a:endParaRPr dirty="0">
+              <a:latin typeface="나눔스퀘어라운드 Regular"/>
+              <a:ea typeface="나눔스퀘어라운드 Regular"/>
+              <a:cs typeface="나눔스퀘어라운드 Regular"/>
+              <a:sym typeface="나눔스퀘어라운드 Regular"/>
+            </a:endParaRPr>
+          </a:p>
+        </p:txBody>
+      </p:sp>
+      <p:sp>
+        <p:nvSpPr>
+          <p:cNvPr id="12" name="TextBox 36"/>
+          <p:cNvSpPr txBox="1"/>
+          <p:nvPr/>
+        </p:nvSpPr>
+        <p:spPr>
+          <a:xfrm>
+            <a:off x="5526330" y="6081813"/>
+            <a:ext cx="1143901" cy="369332"/>
+          </a:xfrm>
+          <a:prstGeom prst="rect">
+            <a:avLst/>
+          </a:prstGeom>
+          <a:ln w="12700">
+            <a:miter lim="400000"/>
+          </a:ln>
+          <a:extLst>
+            <a:ext uri="{C572A759-6A51-4108-AA02-DFA0A04FC94B}">
+              <ma14:wrappingTextBoxFlag xmlns="" xmlns:m="http://schemas.openxmlformats.org/officeDocument/2006/math" xmlns:a14="http://schemas.microsoft.com/office/drawing/2010/main" xmlns:ma14="http://schemas.microsoft.com/office/mac/drawingml/2011/main" val="1"/>
+            </a:ext>
+          </a:extLst>
+        </p:spPr>
+        <p:txBody>
+          <a:bodyPr wrap="none" lIns="45719" rIns="45719">
+            <a:spAutoFit/>
+          </a:bodyPr>
+          <a:lstStyle>
+            <a:lvl1pPr>
+              <a:defRPr>
+                <a:latin typeface="나눔스퀘어라운드 Regular"/>
+                <a:ea typeface="나눔스퀘어라운드 Regular"/>
+                <a:cs typeface="나눔스퀘어라운드 Regular"/>
+                <a:sym typeface="나눔스퀘어라운드 Regular"/>
+              </a:defRPr>
+            </a:lvl1pPr>
+          </a:lstStyle>
+          <a:p>
+            <a:pPr>
+              <a:defRPr>
+                <a:latin typeface="Arial"/>
+                <a:ea typeface="Arial"/>
+                <a:cs typeface="Arial"/>
+                <a:sym typeface="Arial"/>
+              </a:defRPr>
+            </a:pPr>
+            <a:r>
+              <a:rPr lang="en-US" dirty="0" smtClean="0"/>
+              <a:t>More </a:t>
+            </a:r>
+            <a:r>
+              <a:rPr lang="ko-KR" altLang="en-US" dirty="0" smtClean="0"/>
+              <a:t>클릭</a:t>
+            </a:r>
+            <a:endParaRPr dirty="0">
+              <a:latin typeface="나눔스퀘어라운드 Regular"/>
+              <a:ea typeface="나눔스퀘어라운드 Regular"/>
+              <a:cs typeface="나눔스퀘어라운드 Regular"/>
+              <a:sym typeface="나눔스퀘어라운드 Regular"/>
+            </a:endParaRPr>
+          </a:p>
+        </p:txBody>
+      </p:sp>
+      <p:sp>
+        <p:nvSpPr>
+          <p:cNvPr id="13" name="TextBox 37"/>
+          <p:cNvSpPr txBox="1"/>
+          <p:nvPr/>
+        </p:nvSpPr>
+        <p:spPr>
+          <a:xfrm>
+            <a:off x="9232809" y="6081813"/>
+            <a:ext cx="1926166" cy="369332"/>
+          </a:xfrm>
+          <a:prstGeom prst="rect">
+            <a:avLst/>
+          </a:prstGeom>
+          <a:ln w="12700">
+            <a:miter lim="400000"/>
+          </a:ln>
+          <a:extLst>
+            <a:ext uri="{C572A759-6A51-4108-AA02-DFA0A04FC94B}">
+              <ma14:wrappingTextBoxFlag xmlns="" xmlns:m="http://schemas.openxmlformats.org/officeDocument/2006/math" xmlns:a14="http://schemas.microsoft.com/office/drawing/2010/main" xmlns:ma14="http://schemas.microsoft.com/office/mac/drawingml/2011/main" val="1"/>
+            </a:ext>
+          </a:extLst>
+        </p:spPr>
+        <p:txBody>
+          <a:bodyPr wrap="none" lIns="45719" rIns="45719">
+            <a:spAutoFit/>
+          </a:bodyPr>
+          <a:lstStyle>
+            <a:lvl1pPr>
+              <a:defRPr>
+                <a:latin typeface="나눔스퀘어라운드 Regular"/>
+                <a:ea typeface="나눔스퀘어라운드 Regular"/>
+                <a:cs typeface="나눔스퀘어라운드 Regular"/>
+                <a:sym typeface="나눔스퀘어라운드 Regular"/>
+              </a:defRPr>
+            </a:lvl1pPr>
+          </a:lstStyle>
+          <a:p>
+            <a:pPr>
+              <a:defRPr>
+                <a:latin typeface="Arial"/>
+                <a:ea typeface="Arial"/>
+                <a:cs typeface="Arial"/>
+                <a:sym typeface="Arial"/>
+              </a:defRPr>
+            </a:pPr>
+            <a:r>
+              <a:rPr lang="en-US" altLang="ko-KR" dirty="0" err="1" smtClean="0"/>
+              <a:t>NavigationDrawar</a:t>
+            </a:r>
+            <a:endParaRPr dirty="0">
+              <a:latin typeface="나눔스퀘어라운드 Regular"/>
+              <a:ea typeface="나눔스퀘어라운드 Regular"/>
+              <a:cs typeface="나눔스퀘어라운드 Regular"/>
+              <a:sym typeface="나눔스퀘어라운드 Regular"/>
+            </a:endParaRPr>
+          </a:p>
+        </p:txBody>
+      </p:sp>
+      <p:sp>
+        <p:nvSpPr>
+          <p:cNvPr id="14" name="직사각형 13"/>
+          <p:cNvSpPr/>
+          <p:nvPr/>
+        </p:nvSpPr>
+        <p:spPr>
+          <a:xfrm>
+            <a:off x="8684523" y="1194089"/>
+            <a:ext cx="2828207" cy="4778727"/>
+          </a:xfrm>
+          <a:prstGeom prst="rect">
+            <a:avLst/>
+          </a:prstGeom>
+          <a:blipFill dpi="0" rotWithShape="1">
+            <a:blip r:embed="rId4">
+              <a:extLst>
+                <a:ext uri="{28A0092B-C50C-407E-A947-70E740481C1C}">
+                  <a14:useLocalDpi xmlns:a14="http://schemas.microsoft.com/office/drawing/2010/main" val="0"/>
+                </a:ext>
+              </a:extLst>
+            </a:blip>
+            <a:srcRect/>
+            <a:stretch>
+              <a:fillRect/>
+            </a:stretch>
+          </a:blipFill>
+          <a:ln w="12700" cap="flat">
+            <a:noFill/>
+            <a:prstDash val="solid"/>
+            <a:miter lim="800000"/>
+          </a:ln>
+          <a:effectLst/>
+          <a:sp3d/>
+        </p:spPr>
+        <p:style>
+          <a:lnRef idx="0">
+            <a:scrgbClr r="0" g="0" b="0"/>
+          </a:lnRef>
+          <a:fillRef idx="0">
+            <a:scrgbClr r="0" g="0" b="0"/>
+          </a:fillRef>
+          <a:effectRef idx="0">
+            <a:scrgbClr r="0" g="0" b="0"/>
+          </a:effectRef>
+          <a:fontRef idx="none"/>
+        </p:style>
+        <p:txBody>
+          <a:bodyPr rot="0" spcFirstLastPara="1" vertOverflow="overflow" horzOverflow="overflow" vert="horz" wrap="square" lIns="45719" tIns="45719" rIns="45719" bIns="45719" numCol="1" spcCol="38100" rtlCol="0" anchor="ctr">
+            <a:spAutoFit/>
+          </a:bodyPr>
+          <a:lstStyle/>
+          <a:p>
+            <a:pPr marL="0" marR="0" indent="0" algn="l" defTabSz="914400" rtl="0" fontAlgn="auto" latinLnBrk="0" hangingPunct="0">
+              <a:lnSpc>
+                <a:spcPct val="100000"/>
+              </a:lnSpc>
+              <a:spcBef>
+                <a:spcPts val="0"/>
+              </a:spcBef>
+              <a:spcAft>
+                <a:spcPts val="0"/>
+              </a:spcAft>
+              <a:buClrTx/>
+              <a:buSzTx/>
+              <a:buFontTx/>
+              <a:buNone/>
+              <a:tabLst/>
+            </a:pPr>
+            <a:endParaRPr kumimoji="0" lang="ko-KR" altLang="en-US" sz="1800" b="0" i="0" u="none" strike="noStrike" cap="none" spc="0" normalizeH="0" baseline="0">
+              <a:ln>
+                <a:noFill/>
+              </a:ln>
+              <a:solidFill>
+                <a:srgbClr val="3A3838"/>
+              </a:solidFill>
+              <a:effectLst/>
+              <a:uFillTx/>
+              <a:latin typeface="Arial"/>
+              <a:ea typeface="Arial"/>
+              <a:cs typeface="Arial"/>
+              <a:sym typeface="Arial"/>
+            </a:endParaRPr>
+          </a:p>
+        </p:txBody>
+      </p:sp>
+    </p:spTree>
+    <p:extLst>
+      <p:ext uri="{BB962C8B-B14F-4D97-AF65-F5344CB8AC3E}">
+        <p14:creationId xmlns:p14="http://schemas.microsoft.com/office/powerpoint/2010/main" val="1204619892"/>
+      </p:ext>
+    </p:extLst>
+  </p:cSld>
+  <p:clrMapOvr>
+    <a:masterClrMapping/>
+  </p:clrMapOvr>
+  <p:transition spd="med"/>
+</p:sld>
+</file>
+
+<file path=ppt/slides/slide14.xml><?xml version="1.0" encoding="utf-8"?>
+<p:sld xmlns:a="http://schemas.openxmlformats.org/drawingml/2006/main" xmlns:r="http://schemas.openxmlformats.org/officeDocument/2006/relationships" xmlns:p="http://schemas.openxmlformats.org/presentationml/2006/main">
+  <p:cSld>
+    <p:spTree>
+      <p:nvGrpSpPr>
+        <p:cNvPr id="1" name=""/>
+        <p:cNvGrpSpPr/>
+        <p:nvPr/>
+      </p:nvGrpSpPr>
+      <p:grpSpPr>
+        <a:xfrm>
+          <a:off x="0" y="0"/>
+          <a:ext cx="0" cy="0"/>
+          <a:chOff x="0" y="0"/>
+          <a:chExt cx="0" cy="0"/>
+        </a:xfrm>
+      </p:grpSpPr>
+      <p:sp>
+        <p:nvSpPr>
+          <p:cNvPr id="200" name="TextBox 15"/>
+          <p:cNvSpPr txBox="1"/>
+          <p:nvPr/>
+        </p:nvSpPr>
+        <p:spPr>
+          <a:xfrm>
+            <a:off x="9885601" y="6505575"/>
+            <a:ext cx="2236328" cy="239048"/>
+          </a:xfrm>
+          <a:prstGeom prst="rect">
+            <a:avLst/>
+          </a:prstGeom>
+          <a:ln w="12700">
+            <a:miter lim="400000"/>
+          </a:ln>
+          <a:extLst>
+            <a:ext uri="{C572A759-6A51-4108-AA02-DFA0A04FC94B}">
+              <ma14:wrappingTextBoxFlag xmlns="" xmlns:m="http://schemas.openxmlformats.org/officeDocument/2006/math" xmlns:a14="http://schemas.microsoft.com/office/drawing/2010/main" xmlns:ma14="http://schemas.microsoft.com/office/mac/drawingml/2011/main" val="1"/>
+            </a:ext>
+          </a:extLst>
+        </p:spPr>
+        <p:txBody>
+          <a:bodyPr wrap="none" lIns="45719" rIns="45719">
+            <a:spAutoFit/>
+          </a:bodyPr>
+          <a:lstStyle>
+            <a:lvl1pPr algn="r">
+              <a:defRPr sz="800">
+                <a:solidFill>
+                  <a:schemeClr val="accent6"/>
+                </a:solidFill>
+                <a:latin typeface="나눔스퀘어라운드 Regular"/>
+                <a:ea typeface="나눔스퀘어라운드 Regular"/>
+                <a:cs typeface="나눔스퀘어라운드 Regular"/>
+                <a:sym typeface="나눔스퀘어라운드 Regular"/>
+              </a:defRPr>
+            </a:lvl1pPr>
+          </a:lstStyle>
+          <a:p>
+            <a:r>
+              <a:t>Copyrightⓒ. Saebyeol Yu. All Rights Reserved.</a:t>
+            </a:r>
+          </a:p>
+        </p:txBody>
+      </p:sp>
+      <p:sp>
+        <p:nvSpPr>
+          <p:cNvPr id="201" name="직선 연결선 22"/>
+          <p:cNvSpPr/>
+          <p:nvPr/>
+        </p:nvSpPr>
+        <p:spPr>
+          <a:xfrm>
+            <a:off x="1188881" y="273124"/>
+            <a:ext cx="10666422" cy="1"/>
+          </a:xfrm>
+          <a:prstGeom prst="line">
+            <a:avLst/>
+          </a:prstGeom>
+          <a:ln w="19050">
+            <a:solidFill>
+              <a:schemeClr val="accent6"/>
+            </a:solidFill>
+            <a:miter/>
+          </a:ln>
+        </p:spPr>
+        <p:txBody>
+          <a:bodyPr lIns="45719" rIns="45719"/>
+          <a:lstStyle/>
+          <a:p>
+            <a:endParaRPr/>
+          </a:p>
+        </p:txBody>
+      </p:sp>
+      <p:sp>
+        <p:nvSpPr>
+          <p:cNvPr id="202" name="직사각형 23"/>
+          <p:cNvSpPr/>
+          <p:nvPr/>
+        </p:nvSpPr>
+        <p:spPr>
+          <a:xfrm>
+            <a:off x="265814" y="244548"/>
+            <a:ext cx="720001" cy="720001"/>
+          </a:xfrm>
+          <a:prstGeom prst="rect">
+            <a:avLst/>
+          </a:prstGeom>
+          <a:solidFill>
+            <a:srgbClr val="B8BCBB"/>
+          </a:solidFill>
+          <a:ln w="12700">
+            <a:miter lim="400000"/>
+          </a:ln>
+        </p:spPr>
+        <p:txBody>
+          <a:bodyPr lIns="45719" rIns="45719" anchor="ctr"/>
+          <a:lstStyle/>
+          <a:p>
+            <a:pPr algn="ctr">
+              <a:defRPr>
+                <a:solidFill>
+                  <a:srgbClr val="FFFFFF"/>
+                </a:solidFill>
+              </a:defRPr>
+            </a:pPr>
+            <a:endParaRPr/>
+          </a:p>
+        </p:txBody>
+      </p:sp>
+      <p:sp>
+        <p:nvSpPr>
+          <p:cNvPr id="203" name="TextBox 24"/>
+          <p:cNvSpPr txBox="1"/>
+          <p:nvPr/>
+        </p:nvSpPr>
+        <p:spPr>
+          <a:xfrm>
+            <a:off x="490138" y="323244"/>
+            <a:ext cx="259303" cy="584775"/>
+          </a:xfrm>
+          <a:prstGeom prst="rect">
+            <a:avLst/>
+          </a:prstGeom>
+          <a:ln w="12700">
+            <a:miter lim="400000"/>
+          </a:ln>
+          <a:extLst>
+            <a:ext uri="{C572A759-6A51-4108-AA02-DFA0A04FC94B}">
+              <ma14:wrappingTextBoxFlag xmlns="" xmlns:m="http://schemas.openxmlformats.org/officeDocument/2006/math" xmlns:a14="http://schemas.microsoft.com/office/drawing/2010/main" xmlns:ma14="http://schemas.microsoft.com/office/mac/drawingml/2011/main" val="1"/>
+            </a:ext>
+          </a:extLst>
+        </p:spPr>
+        <p:txBody>
+          <a:bodyPr lIns="45719" rIns="45719">
+            <a:spAutoFit/>
+          </a:bodyPr>
+          <a:lstStyle>
+            <a:lvl1pPr algn="ctr">
+              <a:defRPr sz="3200" b="1">
+                <a:solidFill>
+                  <a:srgbClr val="FFFFFF"/>
+                </a:solidFill>
+              </a:defRPr>
+            </a:lvl1pPr>
+          </a:lstStyle>
+          <a:p>
+            <a:r>
+              <a:rPr lang="en-US" altLang="ko-KR"/>
+              <a:t>3</a:t>
+            </a:r>
+            <a:endParaRPr/>
+          </a:p>
+        </p:txBody>
+      </p:sp>
+      <p:grpSp>
+        <p:nvGrpSpPr>
+          <p:cNvPr id="206" name="그룹 25"/>
+          <p:cNvGrpSpPr/>
+          <p:nvPr/>
+        </p:nvGrpSpPr>
+        <p:grpSpPr>
+          <a:xfrm>
+            <a:off x="1188881" y="351818"/>
+            <a:ext cx="1884488" cy="660427"/>
+            <a:chOff x="0" y="0"/>
+            <a:chExt cx="1884487" cy="660425"/>
+          </a:xfrm>
+        </p:grpSpPr>
+        <p:sp>
+          <p:nvSpPr>
+            <p:cNvPr id="204" name="TextBox 26"/>
+            <p:cNvSpPr txBox="1"/>
+            <p:nvPr/>
+          </p:nvSpPr>
+          <p:spPr>
+            <a:xfrm>
+              <a:off x="0" y="0"/>
+              <a:ext cx="1357100" cy="276996"/>
+            </a:xfrm>
+            <a:prstGeom prst="rect">
+              <a:avLst/>
+            </a:prstGeom>
+            <a:noFill/>
+            <a:ln w="12700" cap="flat">
+              <a:noFill/>
+              <a:miter lim="400000"/>
+            </a:ln>
+            <a:effectLst/>
+            <a:extLst>
+              <a:ext uri="{C572A759-6A51-4108-AA02-DFA0A04FC94B}">
+                <ma14:wrappingTextBoxFlag xmlns="" xmlns:m="http://schemas.openxmlformats.org/officeDocument/2006/math" xmlns:a14="http://schemas.microsoft.com/office/drawing/2010/main" xmlns:ma14="http://schemas.microsoft.com/office/mac/drawingml/2011/main" val="1"/>
+              </a:ext>
+            </a:extLst>
+          </p:spPr>
+          <p:txBody>
+            <a:bodyPr wrap="none" lIns="45719" tIns="45719" rIns="45719" bIns="45719" numCol="1" anchor="t">
+              <a:spAutoFit/>
+            </a:bodyPr>
+            <a:lstStyle/>
+            <a:p>
+              <a:pPr>
+                <a:defRPr sz="1200"/>
+              </a:pPr>
+              <a:r>
+                <a:t>00</a:t>
+              </a:r>
+              <a:r>
+                <a:rPr lang="en-US" altLang="ko-KR"/>
+                <a:t>3 </a:t>
+              </a:r>
+              <a:r>
+                <a:rPr lang="ko-KR" altLang="en-US"/>
+                <a:t>시스템 설명서</a:t>
+              </a:r>
+              <a:endParaRPr>
+                <a:latin typeface="나눔스퀘어라운드 Regular"/>
+                <a:ea typeface="나눔스퀘어라운드 Regular"/>
+                <a:cs typeface="나눔스퀘어라운드 Regular"/>
+                <a:sym typeface="나눔스퀘어라운드 Regular"/>
+              </a:endParaRPr>
+            </a:p>
+          </p:txBody>
+        </p:sp>
+        <p:sp>
+          <p:nvSpPr>
+            <p:cNvPr id="205" name="TextBox 27"/>
+            <p:cNvSpPr txBox="1"/>
+            <p:nvPr/>
+          </p:nvSpPr>
+          <p:spPr>
+            <a:xfrm>
+              <a:off x="0" y="229541"/>
+              <a:ext cx="1884487" cy="430884"/>
+            </a:xfrm>
+            <a:prstGeom prst="rect">
+              <a:avLst/>
+            </a:prstGeom>
+            <a:noFill/>
+            <a:ln w="12700" cap="flat">
+              <a:noFill/>
+              <a:miter lim="400000"/>
+            </a:ln>
+            <a:effectLst/>
+            <a:extLst>
+              <a:ext uri="{C572A759-6A51-4108-AA02-DFA0A04FC94B}">
+                <ma14:wrappingTextBoxFlag xmlns="" xmlns:m="http://schemas.openxmlformats.org/officeDocument/2006/math" xmlns:a14="http://schemas.microsoft.com/office/drawing/2010/main" xmlns:ma14="http://schemas.microsoft.com/office/mac/drawingml/2011/main" val="1"/>
+              </a:ext>
+            </a:extLst>
+          </p:spPr>
+          <p:txBody>
+            <a:bodyPr wrap="none" lIns="45719" tIns="45719" rIns="45719" bIns="45719" numCol="1" anchor="t">
+              <a:spAutoFit/>
+            </a:bodyPr>
+            <a:lstStyle>
+              <a:lvl1pPr>
+                <a:defRPr sz="2200">
+                  <a:latin typeface="나눔스퀘어라운드 Regular"/>
+                  <a:ea typeface="나눔스퀘어라운드 Regular"/>
+                  <a:cs typeface="나눔스퀘어라운드 Regular"/>
+                  <a:sym typeface="나눔스퀘어라운드 Regular"/>
+                </a:defRPr>
+              </a:lvl1pPr>
+            </a:lstStyle>
+            <a:p>
+              <a:pPr>
+                <a:defRPr>
+                  <a:latin typeface="Arial"/>
+                  <a:ea typeface="Arial"/>
+                  <a:cs typeface="Arial"/>
+                  <a:sym typeface="Arial"/>
+                </a:defRPr>
+              </a:pPr>
+              <a:r>
+                <a:rPr lang="ko-KR" altLang="en-US">
+                  <a:latin typeface="나눔스퀘어라운드 Regular"/>
+                  <a:ea typeface="나눔스퀘어라운드 Regular"/>
+                  <a:cs typeface="나눔스퀘어라운드 Regular"/>
+                  <a:sym typeface="나눔스퀘어라운드 Regular"/>
+                </a:rPr>
+                <a:t>시스템 설명서</a:t>
+              </a:r>
+              <a:endParaRPr>
+                <a:latin typeface="나눔스퀘어라운드 Regular"/>
+                <a:ea typeface="나눔스퀘어라운드 Regular"/>
+                <a:cs typeface="나눔스퀘어라운드 Regular"/>
+                <a:sym typeface="나눔스퀘어라운드 Regular"/>
+              </a:endParaRPr>
+            </a:p>
+          </p:txBody>
+        </p:sp>
+      </p:grpSp>
+      <p:pic>
+        <p:nvPicPr>
+          <p:cNvPr id="9" name="스크린샷 2019-04-24 오후 12.33.32.png"/>
+          <p:cNvPicPr>
+            <a:picLocks noChangeAspect="1"/>
+          </p:cNvPicPr>
+          <p:nvPr/>
+        </p:nvPicPr>
+        <p:blipFill>
+          <a:blip r:embed="rId2">
+            <a:extLst>
+              <a:ext uri="{28A0092B-C50C-407E-A947-70E740481C1C}">
+                <a14:useLocalDpi xmlns:a14="http://schemas.microsoft.com/office/drawing/2010/main" val="0"/>
+              </a:ext>
+            </a:extLst>
+          </a:blip>
+          <a:stretch>
+            <a:fillRect/>
+          </a:stretch>
+        </p:blipFill>
+        <p:spPr>
+          <a:xfrm>
+            <a:off x="2173770" y="1236099"/>
+            <a:ext cx="2680748" cy="4694710"/>
+          </a:xfrm>
+          <a:prstGeom prst="rect">
+            <a:avLst/>
+          </a:prstGeom>
+          <a:ln w="12700">
+            <a:miter lim="400000"/>
+          </a:ln>
+        </p:spPr>
+      </p:pic>
+      <p:pic>
+        <p:nvPicPr>
+          <p:cNvPr id="10" name="스크린샷 2019-04-24 오후 12.40.55.png"/>
+          <p:cNvPicPr>
+            <a:picLocks noChangeAspect="1"/>
+          </p:cNvPicPr>
+          <p:nvPr/>
+        </p:nvPicPr>
+        <p:blipFill>
+          <a:blip r:embed="rId3">
+            <a:extLst>
+              <a:ext uri="{28A0092B-C50C-407E-A947-70E740481C1C}">
+                <a14:useLocalDpi xmlns:a14="http://schemas.microsoft.com/office/drawing/2010/main" val="0"/>
+              </a:ext>
+            </a:extLst>
+          </a:blip>
+          <a:stretch>
+            <a:fillRect/>
+          </a:stretch>
+        </p:blipFill>
+        <p:spPr>
+          <a:xfrm>
+            <a:off x="7000834" y="1210549"/>
+            <a:ext cx="2686307" cy="4745809"/>
+          </a:xfrm>
+          <a:prstGeom prst="rect">
+            <a:avLst/>
+          </a:prstGeom>
+          <a:ln w="12700">
+            <a:miter lim="400000"/>
+          </a:ln>
+        </p:spPr>
+      </p:pic>
+      <p:sp>
+        <p:nvSpPr>
+          <p:cNvPr id="11" name="TextBox 9"/>
+          <p:cNvSpPr txBox="1"/>
+          <p:nvPr/>
+        </p:nvSpPr>
+        <p:spPr>
+          <a:xfrm>
+            <a:off x="2907728" y="6041285"/>
+            <a:ext cx="1212831" cy="369332"/>
+          </a:xfrm>
+          <a:prstGeom prst="rect">
+            <a:avLst/>
+          </a:prstGeom>
+          <a:ln w="12700">
+            <a:miter lim="400000"/>
+          </a:ln>
+          <a:extLst>
+            <a:ext uri="{C572A759-6A51-4108-AA02-DFA0A04FC94B}">
+              <ma14:wrappingTextBoxFlag xmlns="" xmlns:m="http://schemas.openxmlformats.org/officeDocument/2006/math" xmlns:a14="http://schemas.microsoft.com/office/drawing/2010/main" xmlns:ma14="http://schemas.microsoft.com/office/mac/drawingml/2011/main" val="1"/>
+            </a:ext>
+          </a:extLst>
+        </p:spPr>
+        <p:txBody>
+          <a:bodyPr wrap="none" lIns="45719" rIns="45719">
+            <a:spAutoFit/>
+          </a:bodyPr>
+          <a:lstStyle>
+            <a:lvl1pPr>
+              <a:defRPr>
+                <a:latin typeface="나눔스퀘어라운드 Regular"/>
+                <a:ea typeface="나눔스퀘어라운드 Regular"/>
+                <a:cs typeface="나눔스퀘어라운드 Regular"/>
+                <a:sym typeface="나눔스퀘어라운드 Regular"/>
+              </a:defRPr>
+            </a:lvl1pPr>
+          </a:lstStyle>
+          <a:p>
+            <a:pPr>
+              <a:defRPr>
+                <a:latin typeface="Arial"/>
+                <a:ea typeface="Arial"/>
+                <a:cs typeface="Arial"/>
+                <a:sym typeface="Arial"/>
+              </a:defRPr>
+            </a:pPr>
+            <a:r>
+              <a:rPr lang="en-US" altLang="ko-KR" dirty="0" err="1" smtClean="0">
+                <a:latin typeface="나눔스퀘어라운드 Regular"/>
+                <a:ea typeface="나눔스퀘어라운드 Regular"/>
+                <a:cs typeface="나눔스퀘어라운드 Regular"/>
+                <a:sym typeface="나눔스퀘어라운드 Regular"/>
+              </a:rPr>
+              <a:t>MyFestival</a:t>
+            </a:r>
+            <a:endParaRPr dirty="0">
+              <a:latin typeface="나눔스퀘어라운드 Regular"/>
+              <a:ea typeface="나눔스퀘어라운드 Regular"/>
+              <a:cs typeface="나눔스퀘어라운드 Regular"/>
+              <a:sym typeface="나눔스퀘어라운드 Regular"/>
+            </a:endParaRPr>
+          </a:p>
+        </p:txBody>
+      </p:sp>
+      <p:sp>
+        <p:nvSpPr>
+          <p:cNvPr id="12" name="TextBox 36"/>
+          <p:cNvSpPr txBox="1"/>
+          <p:nvPr/>
+        </p:nvSpPr>
+        <p:spPr>
+          <a:xfrm>
+            <a:off x="7668639" y="6041285"/>
+            <a:ext cx="1541446" cy="369332"/>
+          </a:xfrm>
+          <a:prstGeom prst="rect">
+            <a:avLst/>
+          </a:prstGeom>
+          <a:ln w="12700">
+            <a:miter lim="400000"/>
+          </a:ln>
+          <a:extLst>
+            <a:ext uri="{C572A759-6A51-4108-AA02-DFA0A04FC94B}">
+              <ma14:wrappingTextBoxFlag xmlns="" xmlns:m="http://schemas.openxmlformats.org/officeDocument/2006/math" xmlns:a14="http://schemas.microsoft.com/office/drawing/2010/main" xmlns:ma14="http://schemas.microsoft.com/office/mac/drawingml/2011/main" val="1"/>
+            </a:ext>
+          </a:extLst>
+        </p:spPr>
+        <p:txBody>
+          <a:bodyPr wrap="none" lIns="45719" rIns="45719">
+            <a:spAutoFit/>
+          </a:bodyPr>
+          <a:lstStyle>
+            <a:lvl1pPr>
+              <a:defRPr>
+                <a:latin typeface="나눔스퀘어라운드 Regular"/>
+                <a:ea typeface="나눔스퀘어라운드 Regular"/>
+                <a:cs typeface="나눔스퀘어라운드 Regular"/>
+                <a:sym typeface="나눔스퀘어라운드 Regular"/>
+              </a:defRPr>
+            </a:lvl1pPr>
+          </a:lstStyle>
+          <a:p>
+            <a:pPr>
+              <a:defRPr>
+                <a:latin typeface="Arial"/>
+                <a:ea typeface="Arial"/>
+                <a:cs typeface="Arial"/>
+                <a:sym typeface="Arial"/>
+              </a:defRPr>
+            </a:pPr>
+            <a:r>
+              <a:rPr lang="ko-KR" altLang="en-US" dirty="0" smtClean="0">
+                <a:latin typeface="Arial"/>
+                <a:cs typeface="Arial"/>
+                <a:sym typeface="Arial"/>
+              </a:rPr>
+              <a:t>로그아웃 클릭</a:t>
+            </a:r>
+            <a:endParaRPr dirty="0">
+              <a:latin typeface="나눔스퀘어라운드 Regular"/>
+              <a:ea typeface="나눔스퀘어라운드 Regular"/>
+              <a:cs typeface="나눔스퀘어라운드 Regular"/>
+              <a:sym typeface="나눔스퀘어라운드 Regular"/>
+            </a:endParaRPr>
+          </a:p>
+        </p:txBody>
+      </p:sp>
+    </p:spTree>
+    <p:extLst>
+      <p:ext uri="{BB962C8B-B14F-4D97-AF65-F5344CB8AC3E}">
+        <p14:creationId xmlns:p14="http://schemas.microsoft.com/office/powerpoint/2010/main" val="1782943745"/>
+      </p:ext>
+    </p:extLst>
+  </p:cSld>
+  <p:clrMapOvr>
+    <a:masterClrMapping/>
+  </p:clrMapOvr>
+  <p:transition spd="med"/>
+</p:sld>
+</file>
+
+<file path=ppt/slides/slide15.xml><?xml version="1.0" encoding="utf-8"?>
+<p:sld xmlns:a="http://schemas.openxmlformats.org/drawingml/2006/main" xmlns:r="http://schemas.openxmlformats.org/officeDocument/2006/relationships" xmlns:p="http://schemas.openxmlformats.org/presentationml/2006/main">
+  <p:cSld>
+    <p:spTree>
+      <p:nvGrpSpPr>
+        <p:cNvPr id="1" name=""/>
+        <p:cNvGrpSpPr/>
+        <p:nvPr/>
+      </p:nvGrpSpPr>
+      <p:grpSpPr>
+        <a:xfrm>
+          <a:off x="0" y="0"/>
+          <a:ext cx="0" cy="0"/>
+          <a:chOff x="0" y="0"/>
+          <a:chExt cx="0" cy="0"/>
+        </a:xfrm>
+      </p:grpSpPr>
+      <p:sp>
+        <p:nvSpPr>
+          <p:cNvPr id="200" name="TextBox 15"/>
+          <p:cNvSpPr txBox="1"/>
+          <p:nvPr/>
+        </p:nvSpPr>
+        <p:spPr>
+          <a:xfrm>
+            <a:off x="9885601" y="6505575"/>
+            <a:ext cx="2236328" cy="239048"/>
+          </a:xfrm>
+          <a:prstGeom prst="rect">
+            <a:avLst/>
+          </a:prstGeom>
+          <a:ln w="12700">
+            <a:miter lim="400000"/>
+          </a:ln>
+          <a:extLst>
+            <a:ext uri="{C572A759-6A51-4108-AA02-DFA0A04FC94B}">
+              <ma14:wrappingTextBoxFlag xmlns="" xmlns:m="http://schemas.openxmlformats.org/officeDocument/2006/math" xmlns:a14="http://schemas.microsoft.com/office/drawing/2010/main" xmlns:ma14="http://schemas.microsoft.com/office/mac/drawingml/2011/main" val="1"/>
+            </a:ext>
+          </a:extLst>
+        </p:spPr>
+        <p:txBody>
+          <a:bodyPr wrap="none" lIns="45719" rIns="45719">
+            <a:spAutoFit/>
+          </a:bodyPr>
+          <a:lstStyle>
+            <a:lvl1pPr algn="r">
+              <a:defRPr sz="800">
+                <a:solidFill>
+                  <a:schemeClr val="accent6"/>
+                </a:solidFill>
+                <a:latin typeface="나눔스퀘어라운드 Regular"/>
+                <a:ea typeface="나눔스퀘어라운드 Regular"/>
+                <a:cs typeface="나눔스퀘어라운드 Regular"/>
+                <a:sym typeface="나눔스퀘어라운드 Regular"/>
+              </a:defRPr>
+            </a:lvl1pPr>
+          </a:lstStyle>
+          <a:p>
+            <a:r>
+              <a:t>Copyrightⓒ. Saebyeol Yu. All Rights Reserved.</a:t>
+            </a:r>
+          </a:p>
+        </p:txBody>
+      </p:sp>
+      <p:sp>
+        <p:nvSpPr>
+          <p:cNvPr id="201" name="직선 연결선 22"/>
+          <p:cNvSpPr/>
+          <p:nvPr/>
+        </p:nvSpPr>
+        <p:spPr>
+          <a:xfrm>
+            <a:off x="1188881" y="273124"/>
+            <a:ext cx="10666422" cy="1"/>
+          </a:xfrm>
+          <a:prstGeom prst="line">
+            <a:avLst/>
+          </a:prstGeom>
+          <a:ln w="19050">
+            <a:solidFill>
+              <a:schemeClr val="accent6"/>
+            </a:solidFill>
+            <a:miter/>
+          </a:ln>
+        </p:spPr>
+        <p:txBody>
+          <a:bodyPr lIns="45719" rIns="45719"/>
+          <a:lstStyle/>
+          <a:p>
+            <a:endParaRPr/>
+          </a:p>
+        </p:txBody>
+      </p:sp>
+      <p:sp>
+        <p:nvSpPr>
+          <p:cNvPr id="202" name="직사각형 23"/>
+          <p:cNvSpPr/>
+          <p:nvPr/>
+        </p:nvSpPr>
+        <p:spPr>
+          <a:xfrm>
+            <a:off x="265814" y="244548"/>
+            <a:ext cx="720001" cy="720001"/>
+          </a:xfrm>
+          <a:prstGeom prst="rect">
+            <a:avLst/>
+          </a:prstGeom>
+          <a:solidFill>
+            <a:srgbClr val="B8BCBB"/>
+          </a:solidFill>
+          <a:ln w="12700">
+            <a:miter lim="400000"/>
+          </a:ln>
+        </p:spPr>
+        <p:txBody>
+          <a:bodyPr lIns="45719" rIns="45719" anchor="ctr"/>
+          <a:lstStyle/>
+          <a:p>
+            <a:pPr algn="ctr">
+              <a:defRPr>
+                <a:solidFill>
+                  <a:srgbClr val="FFFFFF"/>
+                </a:solidFill>
+              </a:defRPr>
+            </a:pPr>
+            <a:endParaRPr/>
+          </a:p>
+        </p:txBody>
+      </p:sp>
+      <p:sp>
+        <p:nvSpPr>
+          <p:cNvPr id="203" name="TextBox 24"/>
+          <p:cNvSpPr txBox="1"/>
+          <p:nvPr/>
+        </p:nvSpPr>
+        <p:spPr>
+          <a:xfrm>
+            <a:off x="490138" y="323244"/>
+            <a:ext cx="259303" cy="584775"/>
+          </a:xfrm>
+          <a:prstGeom prst="rect">
+            <a:avLst/>
+          </a:prstGeom>
+          <a:ln w="12700">
+            <a:miter lim="400000"/>
+          </a:ln>
+          <a:extLst>
+            <a:ext uri="{C572A759-6A51-4108-AA02-DFA0A04FC94B}">
+              <ma14:wrappingTextBoxFlag xmlns="" xmlns:m="http://schemas.openxmlformats.org/officeDocument/2006/math" xmlns:a14="http://schemas.microsoft.com/office/drawing/2010/main" xmlns:ma14="http://schemas.microsoft.com/office/mac/drawingml/2011/main" val="1"/>
+            </a:ext>
+          </a:extLst>
+        </p:spPr>
+        <p:txBody>
+          <a:bodyPr lIns="45719" rIns="45719">
+            <a:spAutoFit/>
+          </a:bodyPr>
+          <a:lstStyle>
+            <a:lvl1pPr algn="ctr">
+              <a:defRPr sz="3200" b="1">
+                <a:solidFill>
+                  <a:srgbClr val="FFFFFF"/>
+                </a:solidFill>
+              </a:defRPr>
+            </a:lvl1pPr>
+          </a:lstStyle>
+          <a:p>
+            <a:r>
+              <a:rPr lang="en-US" altLang="ko-KR"/>
+              <a:t>3</a:t>
+            </a:r>
+            <a:endParaRPr/>
+          </a:p>
+        </p:txBody>
+      </p:sp>
+      <p:grpSp>
+        <p:nvGrpSpPr>
+          <p:cNvPr id="206" name="그룹 25"/>
+          <p:cNvGrpSpPr/>
+          <p:nvPr/>
+        </p:nvGrpSpPr>
+        <p:grpSpPr>
+          <a:xfrm>
+            <a:off x="1188881" y="351818"/>
+            <a:ext cx="1884488" cy="660427"/>
+            <a:chOff x="0" y="0"/>
+            <a:chExt cx="1884487" cy="660425"/>
+          </a:xfrm>
+        </p:grpSpPr>
+        <p:sp>
+          <p:nvSpPr>
+            <p:cNvPr id="204" name="TextBox 26"/>
+            <p:cNvSpPr txBox="1"/>
+            <p:nvPr/>
+          </p:nvSpPr>
+          <p:spPr>
+            <a:xfrm>
+              <a:off x="0" y="0"/>
+              <a:ext cx="1357100" cy="276996"/>
+            </a:xfrm>
+            <a:prstGeom prst="rect">
+              <a:avLst/>
+            </a:prstGeom>
+            <a:noFill/>
+            <a:ln w="12700" cap="flat">
+              <a:noFill/>
+              <a:miter lim="400000"/>
+            </a:ln>
+            <a:effectLst/>
+            <a:extLst>
+              <a:ext uri="{C572A759-6A51-4108-AA02-DFA0A04FC94B}">
+                <ma14:wrappingTextBoxFlag xmlns="" xmlns:m="http://schemas.openxmlformats.org/officeDocument/2006/math" xmlns:a14="http://schemas.microsoft.com/office/drawing/2010/main" xmlns:ma14="http://schemas.microsoft.com/office/mac/drawingml/2011/main" val="1"/>
+              </a:ext>
+            </a:extLst>
+          </p:spPr>
+          <p:txBody>
+            <a:bodyPr wrap="none" lIns="45719" tIns="45719" rIns="45719" bIns="45719" numCol="1" anchor="t">
+              <a:spAutoFit/>
+            </a:bodyPr>
+            <a:lstStyle/>
+            <a:p>
+              <a:pPr>
+                <a:defRPr sz="1200"/>
+              </a:pPr>
+              <a:r>
+                <a:t>00</a:t>
+              </a:r>
+              <a:r>
+                <a:rPr lang="en-US" altLang="ko-KR"/>
+                <a:t>3 </a:t>
+              </a:r>
+              <a:r>
+                <a:rPr lang="ko-KR" altLang="en-US"/>
+                <a:t>시스템 설명서</a:t>
+              </a:r>
+              <a:endParaRPr>
+                <a:latin typeface="나눔스퀘어라운드 Regular"/>
+                <a:ea typeface="나눔스퀘어라운드 Regular"/>
+                <a:cs typeface="나눔스퀘어라운드 Regular"/>
+                <a:sym typeface="나눔스퀘어라운드 Regular"/>
+              </a:endParaRPr>
+            </a:p>
+          </p:txBody>
+        </p:sp>
+        <p:sp>
+          <p:nvSpPr>
+            <p:cNvPr id="205" name="TextBox 27"/>
+            <p:cNvSpPr txBox="1"/>
+            <p:nvPr/>
+          </p:nvSpPr>
+          <p:spPr>
+            <a:xfrm>
+              <a:off x="0" y="229541"/>
+              <a:ext cx="1884487" cy="430884"/>
+            </a:xfrm>
+            <a:prstGeom prst="rect">
+              <a:avLst/>
+            </a:prstGeom>
+            <a:noFill/>
+            <a:ln w="12700" cap="flat">
+              <a:noFill/>
+              <a:miter lim="400000"/>
+            </a:ln>
+            <a:effectLst/>
+            <a:extLst>
+              <a:ext uri="{C572A759-6A51-4108-AA02-DFA0A04FC94B}">
+                <ma14:wrappingTextBoxFlag xmlns="" xmlns:m="http://schemas.openxmlformats.org/officeDocument/2006/math" xmlns:a14="http://schemas.microsoft.com/office/drawing/2010/main" xmlns:ma14="http://schemas.microsoft.com/office/mac/drawingml/2011/main" val="1"/>
+              </a:ext>
+            </a:extLst>
+          </p:spPr>
+          <p:txBody>
+            <a:bodyPr wrap="none" lIns="45719" tIns="45719" rIns="45719" bIns="45719" numCol="1" anchor="t">
+              <a:spAutoFit/>
+            </a:bodyPr>
+            <a:lstStyle>
+              <a:lvl1pPr>
+                <a:defRPr sz="2200">
+                  <a:latin typeface="나눔스퀘어라운드 Regular"/>
+                  <a:ea typeface="나눔스퀘어라운드 Regular"/>
+                  <a:cs typeface="나눔스퀘어라운드 Regular"/>
+                  <a:sym typeface="나눔스퀘어라운드 Regular"/>
+                </a:defRPr>
+              </a:lvl1pPr>
+            </a:lstStyle>
+            <a:p>
+              <a:pPr>
+                <a:defRPr>
+                  <a:latin typeface="Arial"/>
+                  <a:ea typeface="Arial"/>
+                  <a:cs typeface="Arial"/>
+                  <a:sym typeface="Arial"/>
+                </a:defRPr>
+              </a:pPr>
+              <a:r>
+                <a:rPr lang="ko-KR" altLang="en-US">
+                  <a:latin typeface="나눔스퀘어라운드 Regular"/>
+                  <a:ea typeface="나눔스퀘어라운드 Regular"/>
+                  <a:cs typeface="나눔스퀘어라운드 Regular"/>
+                  <a:sym typeface="나눔스퀘어라운드 Regular"/>
+                </a:rPr>
+                <a:t>시스템 설명서</a:t>
+              </a:r>
+              <a:endParaRPr>
+                <a:latin typeface="나눔스퀘어라운드 Regular"/>
+                <a:ea typeface="나눔스퀘어라운드 Regular"/>
+                <a:cs typeface="나눔스퀘어라운드 Regular"/>
+                <a:sym typeface="나눔스퀘어라운드 Regular"/>
+              </a:endParaRPr>
+            </a:p>
+          </p:txBody>
+        </p:sp>
+      </p:grpSp>
+      <p:pic>
+        <p:nvPicPr>
+          <p:cNvPr id="15" name="스크린샷 2019-04-24 오후 12.33.32.png"/>
+          <p:cNvPicPr>
+            <a:picLocks noChangeAspect="1"/>
+          </p:cNvPicPr>
+          <p:nvPr/>
+        </p:nvPicPr>
+        <p:blipFill>
+          <a:blip r:embed="rId2">
+            <a:extLst>
+              <a:ext uri="{28A0092B-C50C-407E-A947-70E740481C1C}">
+                <a14:useLocalDpi xmlns:a14="http://schemas.microsoft.com/office/drawing/2010/main" val="0"/>
+              </a:ext>
+            </a:extLst>
+          </a:blip>
+          <a:stretch>
+            <a:fillRect/>
+          </a:stretch>
+        </p:blipFill>
+        <p:spPr>
+          <a:xfrm>
+            <a:off x="641417" y="1194091"/>
+            <a:ext cx="2714870" cy="4778726"/>
+          </a:xfrm>
+          <a:prstGeom prst="rect">
+            <a:avLst/>
+          </a:prstGeom>
+          <a:ln w="12700">
+            <a:miter lim="400000"/>
+          </a:ln>
+        </p:spPr>
+      </p:pic>
+      <p:pic>
+        <p:nvPicPr>
+          <p:cNvPr id="16" name="스크린샷 2019-04-24 오후 12.40.55.png"/>
+          <p:cNvPicPr>
+            <a:picLocks noChangeAspect="1"/>
+          </p:cNvPicPr>
+          <p:nvPr/>
+        </p:nvPicPr>
+        <p:blipFill>
+          <a:blip r:embed="rId3">
+            <a:extLst>
+              <a:ext uri="{28A0092B-C50C-407E-A947-70E740481C1C}">
+                <a14:useLocalDpi xmlns:a14="http://schemas.microsoft.com/office/drawing/2010/main" val="0"/>
+              </a:ext>
+            </a:extLst>
+          </a:blip>
+          <a:stretch>
+            <a:fillRect/>
+          </a:stretch>
+        </p:blipFill>
+        <p:spPr>
+          <a:xfrm>
+            <a:off x="4874751" y="1194090"/>
+            <a:ext cx="2706108" cy="4778727"/>
+          </a:xfrm>
+          <a:prstGeom prst="rect">
+            <a:avLst/>
+          </a:prstGeom>
+          <a:ln w="12700">
+            <a:miter lim="400000"/>
+          </a:ln>
+        </p:spPr>
+      </p:pic>
+      <p:sp>
+        <p:nvSpPr>
+          <p:cNvPr id="17" name="TextBox 9"/>
+          <p:cNvSpPr txBox="1"/>
+          <p:nvPr/>
+        </p:nvSpPr>
+        <p:spPr>
+          <a:xfrm>
+            <a:off x="952412" y="6084830"/>
+            <a:ext cx="2092879" cy="369332"/>
+          </a:xfrm>
+          <a:prstGeom prst="rect">
+            <a:avLst/>
+          </a:prstGeom>
+          <a:ln w="12700">
+            <a:miter lim="400000"/>
+          </a:ln>
+          <a:extLst>
+            <a:ext uri="{C572A759-6A51-4108-AA02-DFA0A04FC94B}">
+              <ma14:wrappingTextBoxFlag xmlns="" xmlns:m="http://schemas.openxmlformats.org/officeDocument/2006/math" xmlns:a14="http://schemas.microsoft.com/office/drawing/2010/main" xmlns:ma14="http://schemas.microsoft.com/office/mac/drawingml/2011/main" val="1"/>
+            </a:ext>
+          </a:extLst>
+        </p:spPr>
+        <p:txBody>
+          <a:bodyPr wrap="none" lIns="45719" rIns="45719">
+            <a:spAutoFit/>
+          </a:bodyPr>
+          <a:lstStyle>
+            <a:lvl1pPr>
+              <a:defRPr>
+                <a:latin typeface="나눔스퀘어라운드 Regular"/>
+                <a:ea typeface="나눔스퀘어라운드 Regular"/>
+                <a:cs typeface="나눔스퀘어라운드 Regular"/>
+                <a:sym typeface="나눔스퀘어라운드 Regular"/>
+              </a:defRPr>
+            </a:lvl1pPr>
+          </a:lstStyle>
+          <a:p>
+            <a:pPr>
+              <a:defRPr>
+                <a:latin typeface="Arial"/>
+                <a:ea typeface="Arial"/>
+                <a:cs typeface="Arial"/>
+                <a:sym typeface="Arial"/>
+              </a:defRPr>
+            </a:pPr>
+            <a:r>
+              <a:rPr lang="ko-KR" altLang="en-US" dirty="0" smtClean="0">
+                <a:latin typeface="나눔스퀘어라운드 Regular"/>
+                <a:ea typeface="나눔스퀘어라운드 Regular"/>
+                <a:cs typeface="나눔스퀘어라운드 Regular"/>
+                <a:sym typeface="나눔스퀘어라운드 Regular"/>
+              </a:rPr>
+              <a:t>지역별 선택 페이지</a:t>
+            </a:r>
+            <a:endParaRPr dirty="0">
+              <a:latin typeface="나눔스퀘어라운드 Regular"/>
+              <a:ea typeface="나눔스퀘어라운드 Regular"/>
+              <a:cs typeface="나눔스퀘어라운드 Regular"/>
+              <a:sym typeface="나눔스퀘어라운드 Regular"/>
+            </a:endParaRPr>
+          </a:p>
+        </p:txBody>
+      </p:sp>
+      <p:sp>
+        <p:nvSpPr>
+          <p:cNvPr id="18" name="TextBox 36"/>
+          <p:cNvSpPr txBox="1"/>
+          <p:nvPr/>
+        </p:nvSpPr>
+        <p:spPr>
+          <a:xfrm>
+            <a:off x="5526330" y="6081813"/>
+            <a:ext cx="1554270" cy="369332"/>
+          </a:xfrm>
+          <a:prstGeom prst="rect">
+            <a:avLst/>
+          </a:prstGeom>
+          <a:ln w="12700">
+            <a:miter lim="400000"/>
+          </a:ln>
+          <a:extLst>
+            <a:ext uri="{C572A759-6A51-4108-AA02-DFA0A04FC94B}">
+              <ma14:wrappingTextBoxFlag xmlns="" xmlns:m="http://schemas.openxmlformats.org/officeDocument/2006/math" xmlns:a14="http://schemas.microsoft.com/office/drawing/2010/main" xmlns:ma14="http://schemas.microsoft.com/office/mac/drawingml/2011/main" val="1"/>
+            </a:ext>
+          </a:extLst>
+        </p:spPr>
+        <p:txBody>
+          <a:bodyPr wrap="none" lIns="45719" rIns="45719">
+            <a:spAutoFit/>
+          </a:bodyPr>
+          <a:lstStyle>
+            <a:lvl1pPr>
+              <a:defRPr>
+                <a:latin typeface="나눔스퀘어라운드 Regular"/>
+                <a:ea typeface="나눔스퀘어라운드 Regular"/>
+                <a:cs typeface="나눔스퀘어라운드 Regular"/>
+                <a:sym typeface="나눔스퀘어라운드 Regular"/>
+              </a:defRPr>
+            </a:lvl1pPr>
+          </a:lstStyle>
+          <a:p>
+            <a:pPr>
+              <a:defRPr>
+                <a:latin typeface="Arial"/>
+                <a:ea typeface="Arial"/>
+                <a:cs typeface="Arial"/>
+                <a:sym typeface="Arial"/>
+              </a:defRPr>
+            </a:pPr>
+            <a:r>
+              <a:rPr lang="ko-KR" altLang="en-US" dirty="0" smtClean="0">
+                <a:latin typeface="나눔스퀘어라운드 Regular"/>
+                <a:ea typeface="나눔스퀘어라운드 Regular"/>
+                <a:cs typeface="나눔스퀘어라운드 Regular"/>
+                <a:sym typeface="나눔스퀘어라운드 Regular"/>
+              </a:rPr>
+              <a:t>캘린더 페이지</a:t>
+            </a:r>
+            <a:endParaRPr dirty="0">
+              <a:latin typeface="나눔스퀘어라운드 Regular"/>
+              <a:ea typeface="나눔스퀘어라운드 Regular"/>
+              <a:cs typeface="나눔스퀘어라운드 Regular"/>
+              <a:sym typeface="나눔스퀘어라운드 Regular"/>
+            </a:endParaRPr>
+          </a:p>
+        </p:txBody>
+      </p:sp>
+      <p:sp>
+        <p:nvSpPr>
+          <p:cNvPr id="19" name="TextBox 37"/>
+          <p:cNvSpPr txBox="1"/>
+          <p:nvPr/>
+        </p:nvSpPr>
+        <p:spPr>
+          <a:xfrm>
+            <a:off x="9529919" y="6081813"/>
+            <a:ext cx="1323437" cy="369332"/>
+          </a:xfrm>
+          <a:prstGeom prst="rect">
+            <a:avLst/>
+          </a:prstGeom>
+          <a:ln w="12700">
+            <a:miter lim="400000"/>
+          </a:ln>
+          <a:extLst>
+            <a:ext uri="{C572A759-6A51-4108-AA02-DFA0A04FC94B}">
+              <ma14:wrappingTextBoxFlag xmlns="" xmlns:m="http://schemas.openxmlformats.org/officeDocument/2006/math" xmlns:a14="http://schemas.microsoft.com/office/drawing/2010/main" xmlns:ma14="http://schemas.microsoft.com/office/mac/drawingml/2011/main" val="1"/>
+            </a:ext>
+          </a:extLst>
+        </p:spPr>
+        <p:txBody>
+          <a:bodyPr wrap="none" lIns="45719" rIns="45719">
+            <a:spAutoFit/>
+          </a:bodyPr>
+          <a:lstStyle>
+            <a:lvl1pPr>
+              <a:defRPr>
+                <a:latin typeface="나눔스퀘어라운드 Regular"/>
+                <a:ea typeface="나눔스퀘어라운드 Regular"/>
+                <a:cs typeface="나눔스퀘어라운드 Regular"/>
+                <a:sym typeface="나눔스퀘어라운드 Regular"/>
+              </a:defRPr>
+            </a:lvl1pPr>
+          </a:lstStyle>
+          <a:p>
+            <a:pPr>
+              <a:defRPr>
+                <a:latin typeface="Arial"/>
+                <a:ea typeface="Arial"/>
+                <a:cs typeface="Arial"/>
+                <a:sym typeface="Arial"/>
+              </a:defRPr>
+            </a:pPr>
+            <a:r>
+              <a:rPr lang="ko-KR" altLang="en-US" dirty="0" smtClean="0">
+                <a:latin typeface="나눔스퀘어라운드 Regular"/>
+                <a:ea typeface="나눔스퀘어라운드 Regular"/>
+                <a:cs typeface="나눔스퀘어라운드 Regular"/>
+                <a:sym typeface="나눔스퀘어라운드 Regular"/>
+              </a:rPr>
+              <a:t>캘린더 클릭</a:t>
+            </a:r>
+            <a:endParaRPr dirty="0">
+              <a:latin typeface="나눔스퀘어라운드 Regular"/>
+              <a:ea typeface="나눔스퀘어라운드 Regular"/>
+              <a:cs typeface="나눔스퀘어라운드 Regular"/>
+              <a:sym typeface="나눔스퀘어라운드 Regular"/>
+            </a:endParaRPr>
+          </a:p>
+        </p:txBody>
+      </p:sp>
+      <p:sp>
+        <p:nvSpPr>
+          <p:cNvPr id="20" name="직사각형 19"/>
+          <p:cNvSpPr/>
+          <p:nvPr/>
+        </p:nvSpPr>
+        <p:spPr>
+          <a:xfrm>
+            <a:off x="8684523" y="1194089"/>
+            <a:ext cx="2828207" cy="4778727"/>
+          </a:xfrm>
+          <a:prstGeom prst="rect">
+            <a:avLst/>
+          </a:prstGeom>
+          <a:blipFill dpi="0" rotWithShape="1">
+            <a:blip r:embed="rId4">
+              <a:extLst>
+                <a:ext uri="{28A0092B-C50C-407E-A947-70E740481C1C}">
+                  <a14:useLocalDpi xmlns:a14="http://schemas.microsoft.com/office/drawing/2010/main" val="0"/>
+                </a:ext>
+              </a:extLst>
+            </a:blip>
+            <a:srcRect/>
+            <a:stretch>
+              <a:fillRect/>
+            </a:stretch>
+          </a:blipFill>
+          <a:ln w="12700" cap="flat">
+            <a:noFill/>
+            <a:prstDash val="solid"/>
+            <a:miter lim="800000"/>
+          </a:ln>
+          <a:effectLst/>
+          <a:sp3d/>
+        </p:spPr>
+        <p:style>
+          <a:lnRef idx="0">
+            <a:scrgbClr r="0" g="0" b="0"/>
+          </a:lnRef>
+          <a:fillRef idx="0">
+            <a:scrgbClr r="0" g="0" b="0"/>
+          </a:fillRef>
+          <a:effectRef idx="0">
+            <a:scrgbClr r="0" g="0" b="0"/>
+          </a:effectRef>
+          <a:fontRef idx="none"/>
+        </p:style>
+        <p:txBody>
+          <a:bodyPr rot="0" spcFirstLastPara="1" vertOverflow="overflow" horzOverflow="overflow" vert="horz" wrap="square" lIns="45719" tIns="45719" rIns="45719" bIns="45719" numCol="1" spcCol="38100" rtlCol="0" anchor="ctr">
+            <a:spAutoFit/>
+          </a:bodyPr>
+          <a:lstStyle/>
+          <a:p>
+            <a:pPr marL="0" marR="0" indent="0" algn="l" defTabSz="914400" rtl="0" fontAlgn="auto" latinLnBrk="0" hangingPunct="0">
+              <a:lnSpc>
+                <a:spcPct val="100000"/>
+              </a:lnSpc>
+              <a:spcBef>
+                <a:spcPts val="0"/>
+              </a:spcBef>
+              <a:spcAft>
+                <a:spcPts val="0"/>
+              </a:spcAft>
+              <a:buClrTx/>
+              <a:buSzTx/>
+              <a:buFontTx/>
+              <a:buNone/>
+              <a:tabLst/>
+            </a:pPr>
+            <a:endParaRPr kumimoji="0" lang="ko-KR" altLang="en-US" sz="1800" b="0" i="0" u="none" strike="noStrike" cap="none" spc="0" normalizeH="0" baseline="0">
+              <a:ln>
+                <a:noFill/>
+              </a:ln>
+              <a:solidFill>
+                <a:srgbClr val="3A3838"/>
+              </a:solidFill>
+              <a:effectLst/>
+              <a:uFillTx/>
+              <a:latin typeface="Arial"/>
+              <a:ea typeface="Arial"/>
+              <a:cs typeface="Arial"/>
+              <a:sym typeface="Arial"/>
+            </a:endParaRPr>
+          </a:p>
+        </p:txBody>
+      </p:sp>
+      <p:sp>
+        <p:nvSpPr>
+          <p:cNvPr id="22" name="타원 21"/>
+          <p:cNvSpPr/>
+          <p:nvPr/>
+        </p:nvSpPr>
+        <p:spPr>
+          <a:xfrm>
+            <a:off x="1792622" y="5225143"/>
+            <a:ext cx="400594" cy="357052"/>
+          </a:xfrm>
+          <a:prstGeom prst="ellipse">
+            <a:avLst/>
+          </a:prstGeom>
+          <a:noFill/>
+          <a:ln w="12700" cap="flat">
+            <a:solidFill>
+              <a:schemeClr val="accent1"/>
+            </a:solidFill>
+            <a:prstDash val="solid"/>
+            <a:miter lim="800000"/>
+          </a:ln>
+          <a:effectLst/>
+          <a:sp3d/>
+        </p:spPr>
+        <p:style>
+          <a:lnRef idx="0">
+            <a:scrgbClr r="0" g="0" b="0"/>
+          </a:lnRef>
+          <a:fillRef idx="0">
+            <a:scrgbClr r="0" g="0" b="0"/>
+          </a:fillRef>
+          <a:effectRef idx="0">
+            <a:scrgbClr r="0" g="0" b="0"/>
+          </a:effectRef>
+          <a:fontRef idx="none"/>
+        </p:style>
+        <p:txBody>
+          <a:bodyPr rot="0" spcFirstLastPara="1" vertOverflow="overflow" horzOverflow="overflow" vert="horz" wrap="square" lIns="45719" tIns="45719" rIns="45719" bIns="45719" numCol="1" spcCol="38100" rtlCol="0" anchor="ctr">
+            <a:spAutoFit/>
+          </a:bodyPr>
+          <a:lstStyle/>
+          <a:p>
+            <a:pPr marL="0" marR="0" indent="0" algn="l" defTabSz="914400" rtl="0" fontAlgn="auto" latinLnBrk="0" hangingPunct="0">
+              <a:lnSpc>
+                <a:spcPct val="100000"/>
+              </a:lnSpc>
+              <a:spcBef>
+                <a:spcPts val="0"/>
+              </a:spcBef>
+              <a:spcAft>
+                <a:spcPts val="0"/>
+              </a:spcAft>
+              <a:buClrTx/>
+              <a:buSzTx/>
+              <a:buFontTx/>
+              <a:buNone/>
+              <a:tabLst/>
+            </a:pPr>
+            <a:endParaRPr kumimoji="0" lang="ko-KR" altLang="en-US" sz="1800" b="0" i="0" u="none" strike="noStrike" cap="none" spc="0" normalizeH="0" baseline="0">
+              <a:ln>
+                <a:noFill/>
+              </a:ln>
+              <a:solidFill>
+                <a:srgbClr val="3A3838"/>
+              </a:solidFill>
+              <a:effectLst/>
+              <a:uFillTx/>
+              <a:latin typeface="Arial"/>
+              <a:ea typeface="Arial"/>
+              <a:cs typeface="Arial"/>
+              <a:sym typeface="Arial"/>
+            </a:endParaRPr>
+          </a:p>
+        </p:txBody>
+      </p:sp>
+      <p:sp>
+        <p:nvSpPr>
+          <p:cNvPr id="23" name="TextBox 22"/>
+          <p:cNvSpPr txBox="1"/>
+          <p:nvPr/>
+        </p:nvSpPr>
+        <p:spPr>
+          <a:xfrm>
+            <a:off x="1238626" y="5113130"/>
+            <a:ext cx="553996" cy="369330"/>
+          </a:xfrm>
+          <a:prstGeom prst="rect">
+            <a:avLst/>
+          </a:prstGeom>
+          <a:noFill/>
+          <a:ln w="12700" cap="flat">
+            <a:noFill/>
+            <a:miter lim="400000"/>
+          </a:ln>
+          <a:effectLst/>
+          <a:sp3d/>
+        </p:spPr>
+        <p:style>
+          <a:lnRef idx="0">
+            <a:scrgbClr r="0" g="0" b="0"/>
+          </a:lnRef>
+          <a:fillRef idx="0">
+            <a:scrgbClr r="0" g="0" b="0"/>
+          </a:fillRef>
+          <a:effectRef idx="0">
+            <a:scrgbClr r="0" g="0" b="0"/>
+          </a:effectRef>
+          <a:fontRef idx="none"/>
+        </p:style>
+        <p:txBody>
+          <a:bodyPr rot="0" spcFirstLastPara="1" vertOverflow="overflow" horzOverflow="overflow" vert="horz" wrap="none" lIns="45719" tIns="45719" rIns="45719" bIns="45719" numCol="1" spcCol="38100" rtlCol="0" anchor="t">
+            <a:spAutoFit/>
+          </a:bodyPr>
+          <a:lstStyle/>
+          <a:p>
+            <a:pPr marL="0" marR="0" indent="0" algn="l" defTabSz="914400" rtl="0" fontAlgn="auto" latinLnBrk="0" hangingPunct="0">
+              <a:lnSpc>
+                <a:spcPct val="100000"/>
+              </a:lnSpc>
+              <a:spcBef>
+                <a:spcPts val="0"/>
+              </a:spcBef>
+              <a:spcAft>
+                <a:spcPts val="0"/>
+              </a:spcAft>
+              <a:buClrTx/>
+              <a:buSzTx/>
+              <a:buFontTx/>
+              <a:buNone/>
+              <a:tabLst/>
+            </a:pPr>
+            <a:r>
+              <a:rPr kumimoji="0" lang="ko-KR" altLang="en-US" sz="1800" b="0" i="0" u="none" strike="noStrike" cap="none" spc="0" normalizeH="0" baseline="0" dirty="0" smtClean="0">
+                <a:ln>
+                  <a:noFill/>
+                </a:ln>
+                <a:solidFill>
+                  <a:srgbClr val="3A3838"/>
+                </a:solidFill>
+                <a:effectLst/>
+                <a:uFillTx/>
+                <a:latin typeface="Arial"/>
+                <a:ea typeface="Arial"/>
+                <a:cs typeface="Arial"/>
+                <a:sym typeface="Arial"/>
+              </a:rPr>
+              <a:t>클릭</a:t>
+            </a:r>
+            <a:endParaRPr kumimoji="0" lang="ko-KR" altLang="en-US" sz="1800" b="0" i="0" u="none" strike="noStrike" cap="none" spc="0" normalizeH="0" baseline="0" dirty="0">
+              <a:ln>
+                <a:noFill/>
+              </a:ln>
+              <a:solidFill>
+                <a:srgbClr val="3A3838"/>
+              </a:solidFill>
+              <a:effectLst/>
+              <a:uFillTx/>
+              <a:latin typeface="Arial"/>
+              <a:ea typeface="Arial"/>
+              <a:cs typeface="Arial"/>
+              <a:sym typeface="Arial"/>
+            </a:endParaRPr>
+          </a:p>
+        </p:txBody>
+      </p:sp>
+      <p:sp>
+        <p:nvSpPr>
+          <p:cNvPr id="3" name="직사각형 2"/>
+          <p:cNvSpPr/>
+          <p:nvPr/>
+        </p:nvSpPr>
+        <p:spPr>
+          <a:xfrm>
+            <a:off x="2420982" y="3065417"/>
+            <a:ext cx="470263" cy="182880"/>
+          </a:xfrm>
+          <a:prstGeom prst="rect">
+            <a:avLst/>
+          </a:prstGeom>
+          <a:noFill/>
+          <a:ln w="12700" cap="flat">
+            <a:solidFill>
+              <a:schemeClr val="accent1"/>
+            </a:solidFill>
+            <a:prstDash val="solid"/>
+            <a:miter lim="800000"/>
+          </a:ln>
+          <a:effectLst/>
+          <a:sp3d/>
+        </p:spPr>
+        <p:style>
+          <a:lnRef idx="0">
+            <a:scrgbClr r="0" g="0" b="0"/>
+          </a:lnRef>
+          <a:fillRef idx="0">
+            <a:scrgbClr r="0" g="0" b="0"/>
+          </a:fillRef>
+          <a:effectRef idx="0">
+            <a:scrgbClr r="0" g="0" b="0"/>
+          </a:effectRef>
+          <a:fontRef idx="none"/>
+        </p:style>
+        <p:txBody>
+          <a:bodyPr rot="0" spcFirstLastPara="1" vertOverflow="overflow" horzOverflow="overflow" vert="horz" wrap="square" lIns="45719" tIns="45719" rIns="45719" bIns="45719" numCol="1" spcCol="38100" rtlCol="0" anchor="ctr">
+            <a:spAutoFit/>
+          </a:bodyPr>
+          <a:lstStyle/>
+          <a:p>
+            <a:pPr marL="0" marR="0" indent="0" algn="l" defTabSz="914400" rtl="0" fontAlgn="auto" latinLnBrk="0" hangingPunct="0">
+              <a:lnSpc>
+                <a:spcPct val="100000"/>
+              </a:lnSpc>
+              <a:spcBef>
+                <a:spcPts val="0"/>
+              </a:spcBef>
+              <a:spcAft>
+                <a:spcPts val="0"/>
+              </a:spcAft>
+              <a:buClrTx/>
+              <a:buSzTx/>
+              <a:buFontTx/>
+              <a:buNone/>
+              <a:tabLst/>
+            </a:pPr>
+            <a:endParaRPr kumimoji="0" lang="ko-KR" altLang="en-US" sz="1800" b="0" i="0" u="none" strike="noStrike" cap="none" spc="0" normalizeH="0" baseline="0">
+              <a:ln>
+                <a:noFill/>
+              </a:ln>
+              <a:solidFill>
+                <a:srgbClr val="3A3838"/>
+              </a:solidFill>
+              <a:effectLst/>
+              <a:uFillTx/>
+              <a:latin typeface="Arial"/>
+              <a:ea typeface="Arial"/>
+              <a:cs typeface="Arial"/>
+              <a:sym typeface="Arial"/>
+            </a:endParaRPr>
+          </a:p>
+        </p:txBody>
+      </p:sp>
+      <p:sp>
+        <p:nvSpPr>
+          <p:cNvPr id="4" name="TextBox 3"/>
+          <p:cNvSpPr txBox="1"/>
+          <p:nvPr/>
+        </p:nvSpPr>
+        <p:spPr>
+          <a:xfrm>
+            <a:off x="3356287" y="2324969"/>
+            <a:ext cx="1605566" cy="923328"/>
+          </a:xfrm>
+          <a:prstGeom prst="rect">
+            <a:avLst/>
+          </a:prstGeom>
+          <a:noFill/>
+          <a:ln w="12700" cap="flat">
+            <a:noFill/>
+            <a:miter lim="400000"/>
+          </a:ln>
+          <a:effectLst/>
+          <a:sp3d/>
+        </p:spPr>
+        <p:style>
+          <a:lnRef idx="0">
+            <a:scrgbClr r="0" g="0" b="0"/>
+          </a:lnRef>
+          <a:fillRef idx="0">
+            <a:scrgbClr r="0" g="0" b="0"/>
+          </a:fillRef>
+          <a:effectRef idx="0">
+            <a:scrgbClr r="0" g="0" b="0"/>
+          </a:effectRef>
+          <a:fontRef idx="none"/>
+        </p:style>
+        <p:txBody>
+          <a:bodyPr rot="0" spcFirstLastPara="1" vertOverflow="overflow" horzOverflow="overflow" vert="horz" wrap="none" lIns="45719" tIns="45719" rIns="45719" bIns="45719" numCol="1" spcCol="38100" rtlCol="0" anchor="t">
+            <a:spAutoFit/>
+          </a:bodyPr>
+          <a:lstStyle/>
+          <a:p>
+            <a:pPr marL="0" marR="0" indent="0" algn="l" defTabSz="914400" rtl="0" fontAlgn="auto" latinLnBrk="0" hangingPunct="0">
+              <a:lnSpc>
+                <a:spcPct val="100000"/>
+              </a:lnSpc>
+              <a:spcBef>
+                <a:spcPts val="0"/>
+              </a:spcBef>
+              <a:spcAft>
+                <a:spcPts val="0"/>
+              </a:spcAft>
+              <a:buClrTx/>
+              <a:buSzTx/>
+              <a:buFontTx/>
+              <a:buNone/>
+              <a:tabLst/>
+            </a:pPr>
+            <a:r>
+              <a:rPr kumimoji="0" lang="ko-KR" altLang="en-US" sz="1800" b="0" i="0" u="none" strike="noStrike" cap="none" spc="0" normalizeH="0" baseline="0" dirty="0" smtClean="0">
+                <a:ln>
+                  <a:noFill/>
+                </a:ln>
+                <a:solidFill>
+                  <a:srgbClr val="3A3838"/>
+                </a:solidFill>
+                <a:effectLst/>
+                <a:uFillTx/>
+                <a:latin typeface="Arial"/>
+                <a:ea typeface="Arial"/>
+                <a:cs typeface="Arial"/>
+                <a:sym typeface="Arial"/>
+              </a:rPr>
+              <a:t>클릭 시 </a:t>
+            </a:r>
+            <a:endParaRPr kumimoji="0" lang="en-US" altLang="ko-KR" sz="1800" b="0" i="0" u="none" strike="noStrike" cap="none" spc="0" normalizeH="0" baseline="0" dirty="0" smtClean="0">
+              <a:ln>
+                <a:noFill/>
+              </a:ln>
+              <a:solidFill>
+                <a:srgbClr val="3A3838"/>
+              </a:solidFill>
+              <a:effectLst/>
+              <a:uFillTx/>
+              <a:latin typeface="Arial"/>
+              <a:ea typeface="Arial"/>
+              <a:cs typeface="Arial"/>
+              <a:sym typeface="Arial"/>
+            </a:endParaRPr>
+          </a:p>
+          <a:p>
+            <a:pPr marL="0" marR="0" indent="0" algn="l" defTabSz="914400" rtl="0" fontAlgn="auto" latinLnBrk="0" hangingPunct="0">
+              <a:lnSpc>
+                <a:spcPct val="100000"/>
+              </a:lnSpc>
+              <a:spcBef>
+                <a:spcPts val="0"/>
+              </a:spcBef>
+              <a:spcAft>
+                <a:spcPts val="0"/>
+              </a:spcAft>
+              <a:buClrTx/>
+              <a:buSzTx/>
+              <a:buFontTx/>
+              <a:buNone/>
+              <a:tabLst/>
+            </a:pPr>
+            <a:r>
+              <a:rPr lang="en-US" altLang="ko-KR" dirty="0" smtClean="0"/>
+              <a:t>More </a:t>
+            </a:r>
+            <a:r>
+              <a:rPr lang="ko-KR" altLang="en-US" dirty="0" smtClean="0"/>
+              <a:t>페이지로</a:t>
+            </a:r>
+            <a:endParaRPr lang="en-US" altLang="ko-KR" dirty="0" smtClean="0"/>
+          </a:p>
+          <a:p>
+            <a:pPr marL="0" marR="0" indent="0" algn="l" defTabSz="914400" rtl="0" fontAlgn="auto" latinLnBrk="0" hangingPunct="0">
+              <a:lnSpc>
+                <a:spcPct val="100000"/>
+              </a:lnSpc>
+              <a:spcBef>
+                <a:spcPts val="0"/>
+              </a:spcBef>
+              <a:spcAft>
+                <a:spcPts val="0"/>
+              </a:spcAft>
+              <a:buClrTx/>
+              <a:buSzTx/>
+              <a:buFontTx/>
+              <a:buNone/>
+              <a:tabLst/>
+            </a:pPr>
+            <a:r>
+              <a:rPr kumimoji="0" lang="ko-KR" altLang="en-US" sz="1800" b="0" i="0" u="none" strike="noStrike" cap="none" spc="0" normalizeH="0" baseline="0" dirty="0" smtClean="0">
+                <a:ln>
+                  <a:noFill/>
+                </a:ln>
+                <a:solidFill>
+                  <a:srgbClr val="3A3838"/>
+                </a:solidFill>
+                <a:effectLst/>
+                <a:uFillTx/>
+                <a:latin typeface="Arial"/>
+                <a:ea typeface="Arial"/>
+                <a:cs typeface="Arial"/>
+                <a:sym typeface="Arial"/>
+              </a:rPr>
+              <a:t>이동</a:t>
+            </a:r>
+            <a:endParaRPr kumimoji="0" lang="ko-KR" altLang="en-US" sz="1800" b="0" i="0" u="none" strike="noStrike" cap="none" spc="0" normalizeH="0" baseline="0" dirty="0">
+              <a:ln>
+                <a:noFill/>
+              </a:ln>
+              <a:solidFill>
+                <a:srgbClr val="3A3838"/>
+              </a:solidFill>
+              <a:effectLst/>
+              <a:uFillTx/>
+              <a:latin typeface="Arial"/>
+              <a:ea typeface="Arial"/>
+              <a:cs typeface="Arial"/>
+              <a:sym typeface="Arial"/>
+            </a:endParaRPr>
+          </a:p>
+        </p:txBody>
+      </p:sp>
+      <p:cxnSp>
+        <p:nvCxnSpPr>
+          <p:cNvPr id="6" name="직선 화살표 연결선 5"/>
+          <p:cNvCxnSpPr/>
+          <p:nvPr/>
+        </p:nvCxnSpPr>
+        <p:spPr>
+          <a:xfrm flipV="1">
+            <a:off x="3045291" y="2934789"/>
+            <a:ext cx="403303" cy="130628"/>
+          </a:xfrm>
+          <a:prstGeom prst="straightConnector1">
+            <a:avLst/>
+          </a:prstGeom>
+          <a:noFill/>
+          <a:ln w="12700" cap="flat">
+            <a:solidFill>
+              <a:schemeClr val="accent1"/>
+            </a:solidFill>
+            <a:prstDash val="solid"/>
+            <a:miter lim="800000"/>
+            <a:tailEnd type="triangle"/>
+          </a:ln>
+          <a:effectLst/>
+          <a:sp3d/>
+        </p:spPr>
+        <p:style>
+          <a:lnRef idx="0">
+            <a:scrgbClr r="0" g="0" b="0"/>
+          </a:lnRef>
+          <a:fillRef idx="0">
+            <a:scrgbClr r="0" g="0" b="0"/>
+          </a:fillRef>
+          <a:effectRef idx="0">
+            <a:scrgbClr r="0" g="0" b="0"/>
+          </a:effectRef>
+          <a:fontRef idx="none"/>
+        </p:style>
+      </p:cxnSp>
+      <p:sp>
+        <p:nvSpPr>
+          <p:cNvPr id="7" name="직사각형 6"/>
+          <p:cNvSpPr/>
+          <p:nvPr/>
+        </p:nvSpPr>
+        <p:spPr>
+          <a:xfrm>
+            <a:off x="952412" y="1802674"/>
+            <a:ext cx="763177" cy="226423"/>
+          </a:xfrm>
+          <a:prstGeom prst="rect">
+            <a:avLst/>
+          </a:prstGeom>
+          <a:noFill/>
+          <a:ln w="12700" cap="flat">
+            <a:solidFill>
+              <a:schemeClr val="accent1"/>
+            </a:solidFill>
+            <a:prstDash val="solid"/>
+            <a:miter lim="800000"/>
+          </a:ln>
+          <a:effectLst/>
+          <a:sp3d/>
+        </p:spPr>
+        <p:style>
+          <a:lnRef idx="0">
+            <a:scrgbClr r="0" g="0" b="0"/>
+          </a:lnRef>
+          <a:fillRef idx="0">
+            <a:scrgbClr r="0" g="0" b="0"/>
+          </a:fillRef>
+          <a:effectRef idx="0">
+            <a:scrgbClr r="0" g="0" b="0"/>
+          </a:effectRef>
+          <a:fontRef idx="none"/>
+        </p:style>
+        <p:txBody>
+          <a:bodyPr rot="0" spcFirstLastPara="1" vertOverflow="overflow" horzOverflow="overflow" vert="horz" wrap="square" lIns="45719" tIns="45719" rIns="45719" bIns="45719" numCol="1" spcCol="38100" rtlCol="0" anchor="ctr">
+            <a:spAutoFit/>
+          </a:bodyPr>
+          <a:lstStyle/>
+          <a:p>
+            <a:pPr marL="0" marR="0" indent="0" algn="l" defTabSz="914400" rtl="0" fontAlgn="auto" latinLnBrk="0" hangingPunct="0">
+              <a:lnSpc>
+                <a:spcPct val="100000"/>
+              </a:lnSpc>
+              <a:spcBef>
+                <a:spcPts val="0"/>
+              </a:spcBef>
+              <a:spcAft>
+                <a:spcPts val="0"/>
+              </a:spcAft>
+              <a:buClrTx/>
+              <a:buSzTx/>
+              <a:buFontTx/>
+              <a:buNone/>
+              <a:tabLst/>
+            </a:pPr>
+            <a:endParaRPr kumimoji="0" lang="ko-KR" altLang="en-US" sz="1800" b="0" i="0" u="none" strike="noStrike" cap="none" spc="0" normalizeH="0" baseline="0">
+              <a:ln>
+                <a:noFill/>
+              </a:ln>
+              <a:solidFill>
+                <a:srgbClr val="3A3838"/>
+              </a:solidFill>
+              <a:effectLst/>
+              <a:uFillTx/>
+              <a:latin typeface="Arial"/>
+              <a:ea typeface="Arial"/>
+              <a:cs typeface="Arial"/>
+              <a:sym typeface="Arial"/>
+            </a:endParaRPr>
+          </a:p>
+        </p:txBody>
+      </p:sp>
+      <p:cxnSp>
+        <p:nvCxnSpPr>
+          <p:cNvPr id="9" name="직선 화살표 연결선 8"/>
+          <p:cNvCxnSpPr/>
+          <p:nvPr/>
+        </p:nvCxnSpPr>
+        <p:spPr>
+          <a:xfrm flipV="1">
+            <a:off x="1715589" y="908019"/>
+            <a:ext cx="1733005" cy="894655"/>
+          </a:xfrm>
+          <a:prstGeom prst="straightConnector1">
+            <a:avLst/>
+          </a:prstGeom>
+          <a:noFill/>
+          <a:ln w="12700" cap="flat">
+            <a:solidFill>
+              <a:schemeClr val="accent1"/>
+            </a:solidFill>
+            <a:prstDash val="solid"/>
+            <a:miter lim="800000"/>
+            <a:tailEnd type="triangle"/>
+          </a:ln>
+          <a:effectLst/>
+          <a:sp3d/>
+        </p:spPr>
+        <p:style>
+          <a:lnRef idx="0">
+            <a:scrgbClr r="0" g="0" b="0"/>
+          </a:lnRef>
+          <a:fillRef idx="0">
+            <a:scrgbClr r="0" g="0" b="0"/>
+          </a:fillRef>
+          <a:effectRef idx="0">
+            <a:scrgbClr r="0" g="0" b="0"/>
+          </a:effectRef>
+          <a:fontRef idx="none"/>
+        </p:style>
+      </p:cxnSp>
+      <p:sp>
+        <p:nvSpPr>
+          <p:cNvPr id="10" name="TextBox 9"/>
+          <p:cNvSpPr txBox="1"/>
+          <p:nvPr/>
+        </p:nvSpPr>
+        <p:spPr>
+          <a:xfrm>
+            <a:off x="3448594" y="412008"/>
+            <a:ext cx="1644038" cy="923328"/>
+          </a:xfrm>
+          <a:prstGeom prst="rect">
+            <a:avLst/>
+          </a:prstGeom>
+          <a:noFill/>
+          <a:ln w="12700" cap="flat">
+            <a:noFill/>
+            <a:miter lim="400000"/>
+          </a:ln>
+          <a:effectLst/>
+          <a:sp3d/>
+        </p:spPr>
+        <p:style>
+          <a:lnRef idx="0">
+            <a:scrgbClr r="0" g="0" b="0"/>
+          </a:lnRef>
+          <a:fillRef idx="0">
+            <a:scrgbClr r="0" g="0" b="0"/>
+          </a:fillRef>
+          <a:effectRef idx="0">
+            <a:scrgbClr r="0" g="0" b="0"/>
+          </a:effectRef>
+          <a:fontRef idx="none"/>
+        </p:style>
+        <p:txBody>
+          <a:bodyPr rot="0" spcFirstLastPara="1" vertOverflow="overflow" horzOverflow="overflow" vert="horz" wrap="none" lIns="45719" tIns="45719" rIns="45719" bIns="45719" numCol="1" spcCol="38100" rtlCol="0" anchor="t">
+            <a:spAutoFit/>
+          </a:bodyPr>
+          <a:lstStyle/>
+          <a:p>
+            <a:pPr marL="0" marR="0" indent="0" algn="l" defTabSz="914400" rtl="0" fontAlgn="auto" latinLnBrk="0" hangingPunct="0">
+              <a:lnSpc>
+                <a:spcPct val="100000"/>
+              </a:lnSpc>
+              <a:spcBef>
+                <a:spcPts val="0"/>
+              </a:spcBef>
+              <a:spcAft>
+                <a:spcPts val="0"/>
+              </a:spcAft>
+              <a:buClrTx/>
+              <a:buSzTx/>
+              <a:buFontTx/>
+              <a:buNone/>
+              <a:tabLst/>
+            </a:pPr>
+            <a:r>
+              <a:rPr kumimoji="0" lang="ko-KR" altLang="en-US" sz="1800" b="0" i="0" u="none" strike="noStrike" cap="none" spc="0" normalizeH="0" baseline="0" dirty="0" smtClean="0">
+                <a:ln>
+                  <a:noFill/>
+                </a:ln>
+                <a:solidFill>
+                  <a:srgbClr val="3A3838"/>
+                </a:solidFill>
+                <a:effectLst/>
+                <a:uFillTx/>
+                <a:latin typeface="Arial"/>
+                <a:ea typeface="Arial"/>
+                <a:cs typeface="Arial"/>
+                <a:sym typeface="Arial"/>
+              </a:rPr>
+              <a:t>클릭 시 </a:t>
+            </a:r>
+            <a:endParaRPr kumimoji="0" lang="en-US" altLang="ko-KR" sz="1800" b="0" i="0" u="none" strike="noStrike" cap="none" spc="0" normalizeH="0" baseline="0" dirty="0" smtClean="0">
+              <a:ln>
+                <a:noFill/>
+              </a:ln>
+              <a:solidFill>
+                <a:srgbClr val="3A3838"/>
+              </a:solidFill>
+              <a:effectLst/>
+              <a:uFillTx/>
+              <a:latin typeface="Arial"/>
+              <a:ea typeface="Arial"/>
+              <a:cs typeface="Arial"/>
+              <a:sym typeface="Arial"/>
+            </a:endParaRPr>
+          </a:p>
+          <a:p>
+            <a:pPr marL="0" marR="0" indent="0" algn="l" defTabSz="914400" rtl="0" fontAlgn="auto" latinLnBrk="0" hangingPunct="0">
+              <a:lnSpc>
+                <a:spcPct val="100000"/>
+              </a:lnSpc>
+              <a:spcBef>
+                <a:spcPts val="0"/>
+              </a:spcBef>
+              <a:spcAft>
+                <a:spcPts val="0"/>
+              </a:spcAft>
+              <a:buClrTx/>
+              <a:buSzTx/>
+              <a:buFontTx/>
+              <a:buNone/>
+              <a:tabLst/>
+            </a:pPr>
+            <a:r>
+              <a:rPr lang="en-US" altLang="ko-KR" dirty="0" smtClean="0"/>
+              <a:t>‘</a:t>
+            </a:r>
+            <a:r>
+              <a:rPr lang="ko-KR" altLang="en-US" dirty="0" smtClean="0"/>
+              <a:t>서울</a:t>
+            </a:r>
+            <a:r>
+              <a:rPr lang="en-US" altLang="ko-KR" dirty="0" smtClean="0"/>
+              <a:t>’ </a:t>
+            </a:r>
+            <a:r>
+              <a:rPr lang="ko-KR" altLang="en-US" dirty="0" smtClean="0"/>
+              <a:t>지역별로</a:t>
+            </a:r>
+            <a:endParaRPr lang="en-US" altLang="ko-KR" dirty="0" smtClean="0"/>
+          </a:p>
+          <a:p>
+            <a:pPr marL="0" marR="0" indent="0" algn="l" defTabSz="914400" rtl="0" fontAlgn="auto" latinLnBrk="0" hangingPunct="0">
+              <a:lnSpc>
+                <a:spcPct val="100000"/>
+              </a:lnSpc>
+              <a:spcBef>
+                <a:spcPts val="0"/>
+              </a:spcBef>
+              <a:spcAft>
+                <a:spcPts val="0"/>
+              </a:spcAft>
+              <a:buClrTx/>
+              <a:buSzTx/>
+              <a:buFontTx/>
+              <a:buNone/>
+              <a:tabLst/>
+            </a:pPr>
+            <a:r>
+              <a:rPr lang="ko-KR" altLang="en-US" dirty="0" smtClean="0"/>
+              <a:t>데이터 분류</a:t>
+            </a:r>
+            <a:endParaRPr kumimoji="0" lang="ko-KR" altLang="en-US" sz="1800" b="0" i="0" u="none" strike="noStrike" cap="none" spc="0" normalizeH="0" baseline="0" dirty="0">
+              <a:ln>
+                <a:noFill/>
+              </a:ln>
+              <a:solidFill>
+                <a:srgbClr val="3A3838"/>
+              </a:solidFill>
+              <a:effectLst/>
+              <a:uFillTx/>
+              <a:latin typeface="Arial"/>
+              <a:ea typeface="Arial"/>
+              <a:cs typeface="Arial"/>
+              <a:sym typeface="Arial"/>
+            </a:endParaRPr>
+          </a:p>
+        </p:txBody>
+      </p:sp>
+      <p:sp>
+        <p:nvSpPr>
+          <p:cNvPr id="11" name="타원 10"/>
+          <p:cNvSpPr/>
+          <p:nvPr/>
+        </p:nvSpPr>
+        <p:spPr>
+          <a:xfrm>
+            <a:off x="5320936" y="2926080"/>
+            <a:ext cx="296091" cy="313508"/>
+          </a:xfrm>
+          <a:prstGeom prst="ellipse">
+            <a:avLst/>
+          </a:prstGeom>
+          <a:noFill/>
+          <a:ln w="12700" cap="flat">
+            <a:solidFill>
+              <a:schemeClr val="accent1"/>
+            </a:solidFill>
+            <a:prstDash val="solid"/>
+            <a:miter lim="800000"/>
+          </a:ln>
+          <a:effectLst/>
+          <a:sp3d/>
+        </p:spPr>
+        <p:style>
+          <a:lnRef idx="0">
+            <a:scrgbClr r="0" g="0" b="0"/>
+          </a:lnRef>
+          <a:fillRef idx="0">
+            <a:scrgbClr r="0" g="0" b="0"/>
+          </a:fillRef>
+          <a:effectRef idx="0">
+            <a:scrgbClr r="0" g="0" b="0"/>
+          </a:effectRef>
+          <a:fontRef idx="none"/>
+        </p:style>
+        <p:txBody>
+          <a:bodyPr rot="0" spcFirstLastPara="1" vertOverflow="overflow" horzOverflow="overflow" vert="horz" wrap="square" lIns="45719" tIns="45719" rIns="45719" bIns="45719" numCol="1" spcCol="38100" rtlCol="0" anchor="ctr">
+            <a:spAutoFit/>
+          </a:bodyPr>
+          <a:lstStyle/>
+          <a:p>
+            <a:pPr marL="0" marR="0" indent="0" algn="l" defTabSz="914400" rtl="0" fontAlgn="auto" latinLnBrk="0" hangingPunct="0">
+              <a:lnSpc>
+                <a:spcPct val="100000"/>
+              </a:lnSpc>
+              <a:spcBef>
+                <a:spcPts val="0"/>
+              </a:spcBef>
+              <a:spcAft>
+                <a:spcPts val="0"/>
+              </a:spcAft>
+              <a:buClrTx/>
+              <a:buSzTx/>
+              <a:buFontTx/>
+              <a:buNone/>
+              <a:tabLst/>
+            </a:pPr>
+            <a:endParaRPr kumimoji="0" lang="ko-KR" altLang="en-US" sz="1800" b="0" i="0" u="none" strike="noStrike" cap="none" spc="0" normalizeH="0" baseline="0">
+              <a:ln>
+                <a:noFill/>
+              </a:ln>
+              <a:solidFill>
+                <a:srgbClr val="3A3838"/>
+              </a:solidFill>
+              <a:effectLst/>
+              <a:uFillTx/>
+              <a:latin typeface="Arial"/>
+              <a:ea typeface="Arial"/>
+              <a:cs typeface="Arial"/>
+              <a:sym typeface="Arial"/>
+            </a:endParaRPr>
+          </a:p>
+        </p:txBody>
+      </p:sp>
+      <p:cxnSp>
+        <p:nvCxnSpPr>
+          <p:cNvPr id="13" name="직선 화살표 연결선 12"/>
+          <p:cNvCxnSpPr/>
+          <p:nvPr/>
+        </p:nvCxnSpPr>
+        <p:spPr>
+          <a:xfrm flipH="1">
+            <a:off x="4580709" y="3156857"/>
+            <a:ext cx="740227" cy="426595"/>
+          </a:xfrm>
+          <a:prstGeom prst="straightConnector1">
+            <a:avLst/>
+          </a:prstGeom>
+          <a:noFill/>
+          <a:ln w="12700" cap="flat">
+            <a:solidFill>
+              <a:schemeClr val="accent1"/>
+            </a:solidFill>
+            <a:prstDash val="solid"/>
+            <a:miter lim="800000"/>
+            <a:tailEnd type="triangle"/>
+          </a:ln>
+          <a:effectLst/>
+          <a:sp3d/>
+        </p:spPr>
+        <p:style>
+          <a:lnRef idx="0">
+            <a:scrgbClr r="0" g="0" b="0"/>
+          </a:lnRef>
+          <a:fillRef idx="0">
+            <a:scrgbClr r="0" g="0" b="0"/>
+          </a:fillRef>
+          <a:effectRef idx="0">
+            <a:scrgbClr r="0" g="0" b="0"/>
+          </a:effectRef>
+          <a:fontRef idx="none"/>
+        </p:style>
+      </p:cxnSp>
+      <p:sp>
+        <p:nvSpPr>
+          <p:cNvPr id="14" name="TextBox 13"/>
+          <p:cNvSpPr txBox="1"/>
+          <p:nvPr/>
+        </p:nvSpPr>
+        <p:spPr>
+          <a:xfrm>
+            <a:off x="3525602" y="3641063"/>
+            <a:ext cx="1272141" cy="646329"/>
+          </a:xfrm>
+          <a:prstGeom prst="rect">
+            <a:avLst/>
+          </a:prstGeom>
+          <a:noFill/>
+          <a:ln w="12700" cap="flat">
+            <a:noFill/>
+            <a:miter lim="400000"/>
+          </a:ln>
+          <a:effectLst/>
+          <a:sp3d/>
+        </p:spPr>
+        <p:style>
+          <a:lnRef idx="0">
+            <a:scrgbClr r="0" g="0" b="0"/>
+          </a:lnRef>
+          <a:fillRef idx="0">
+            <a:scrgbClr r="0" g="0" b="0"/>
+          </a:fillRef>
+          <a:effectRef idx="0">
+            <a:scrgbClr r="0" g="0" b="0"/>
+          </a:effectRef>
+          <a:fontRef idx="none"/>
+        </p:style>
+        <p:txBody>
+          <a:bodyPr rot="0" spcFirstLastPara="1" vertOverflow="overflow" horzOverflow="overflow" vert="horz" wrap="none" lIns="45719" tIns="45719" rIns="45719" bIns="45719" numCol="1" spcCol="38100" rtlCol="0" anchor="t">
+            <a:spAutoFit/>
+          </a:bodyPr>
+          <a:lstStyle/>
+          <a:p>
+            <a:pPr marL="0" marR="0" indent="0" algn="l" defTabSz="914400" rtl="0" fontAlgn="auto" latinLnBrk="0" hangingPunct="0">
+              <a:lnSpc>
+                <a:spcPct val="100000"/>
+              </a:lnSpc>
+              <a:spcBef>
+                <a:spcPts val="0"/>
+              </a:spcBef>
+              <a:spcAft>
+                <a:spcPts val="0"/>
+              </a:spcAft>
+              <a:buClrTx/>
+              <a:buSzTx/>
+              <a:buFontTx/>
+              <a:buNone/>
+              <a:tabLst/>
+            </a:pPr>
+            <a:r>
+              <a:rPr kumimoji="0" lang="en-US" altLang="ko-KR" sz="1800" b="0" i="0" u="none" strike="noStrike" cap="none" spc="0" normalizeH="0" baseline="0" dirty="0" smtClean="0">
+                <a:ln>
+                  <a:noFill/>
+                </a:ln>
+                <a:solidFill>
+                  <a:srgbClr val="3A3838"/>
+                </a:solidFill>
+                <a:effectLst/>
+                <a:uFillTx/>
+                <a:latin typeface="Arial"/>
+                <a:ea typeface="Arial"/>
+                <a:cs typeface="Arial"/>
+                <a:sym typeface="Arial"/>
+              </a:rPr>
+              <a:t>Like </a:t>
+            </a:r>
+            <a:r>
+              <a:rPr kumimoji="0" lang="ko-KR" altLang="en-US" sz="1800" b="0" i="0" u="none" strike="noStrike" cap="none" spc="0" normalizeH="0" baseline="0" dirty="0" smtClean="0">
+                <a:ln>
+                  <a:noFill/>
+                </a:ln>
+                <a:solidFill>
+                  <a:srgbClr val="3A3838"/>
+                </a:solidFill>
+                <a:effectLst/>
+                <a:uFillTx/>
+                <a:latin typeface="Arial"/>
+                <a:ea typeface="Arial"/>
+                <a:cs typeface="Arial"/>
+                <a:sym typeface="Arial"/>
+              </a:rPr>
+              <a:t>눌렀던</a:t>
+            </a:r>
+            <a:endParaRPr kumimoji="0" lang="en-US" altLang="ko-KR" sz="1800" b="0" i="0" u="none" strike="noStrike" cap="none" spc="0" normalizeH="0" baseline="0" dirty="0" smtClean="0">
+              <a:ln>
+                <a:noFill/>
+              </a:ln>
+              <a:solidFill>
+                <a:srgbClr val="3A3838"/>
+              </a:solidFill>
+              <a:effectLst/>
+              <a:uFillTx/>
+              <a:latin typeface="Arial"/>
+              <a:ea typeface="Arial"/>
+              <a:cs typeface="Arial"/>
+              <a:sym typeface="Arial"/>
+            </a:endParaRPr>
+          </a:p>
+          <a:p>
+            <a:pPr marL="0" marR="0" indent="0" algn="l" defTabSz="914400" rtl="0" fontAlgn="auto" latinLnBrk="0" hangingPunct="0">
+              <a:lnSpc>
+                <a:spcPct val="100000"/>
+              </a:lnSpc>
+              <a:spcBef>
+                <a:spcPts val="0"/>
+              </a:spcBef>
+              <a:spcAft>
+                <a:spcPts val="0"/>
+              </a:spcAft>
+              <a:buClrTx/>
+              <a:buSzTx/>
+              <a:buFontTx/>
+              <a:buNone/>
+              <a:tabLst/>
+            </a:pPr>
+            <a:r>
+              <a:rPr lang="ko-KR" altLang="en-US" dirty="0" smtClean="0"/>
+              <a:t>정보</a:t>
+            </a:r>
+            <a:endParaRPr kumimoji="0" lang="ko-KR" altLang="en-US" sz="1800" b="0" i="0" u="none" strike="noStrike" cap="none" spc="0" normalizeH="0" baseline="0" dirty="0">
+              <a:ln>
+                <a:noFill/>
+              </a:ln>
+              <a:solidFill>
+                <a:srgbClr val="3A3838"/>
+              </a:solidFill>
+              <a:effectLst/>
+              <a:uFillTx/>
+              <a:latin typeface="Arial"/>
+              <a:ea typeface="Arial"/>
+              <a:cs typeface="Arial"/>
+              <a:sym typeface="Arial"/>
+            </a:endParaRPr>
+          </a:p>
+        </p:txBody>
+      </p:sp>
+      <p:cxnSp>
+        <p:nvCxnSpPr>
+          <p:cNvPr id="24" name="직선 화살표 연결선 23"/>
+          <p:cNvCxnSpPr/>
+          <p:nvPr/>
+        </p:nvCxnSpPr>
+        <p:spPr>
+          <a:xfrm>
+            <a:off x="5617027" y="3000103"/>
+            <a:ext cx="2943499" cy="0"/>
+          </a:xfrm>
+          <a:prstGeom prst="straightConnector1">
+            <a:avLst/>
+          </a:prstGeom>
+          <a:noFill/>
+          <a:ln w="12700" cap="flat">
+            <a:solidFill>
+              <a:schemeClr val="accent1"/>
+            </a:solidFill>
+            <a:prstDash val="solid"/>
+            <a:miter lim="800000"/>
+            <a:tailEnd type="triangle"/>
+          </a:ln>
+          <a:effectLst/>
+          <a:sp3d/>
+        </p:spPr>
+        <p:style>
+          <a:lnRef idx="0">
+            <a:scrgbClr r="0" g="0" b="0"/>
+          </a:lnRef>
+          <a:fillRef idx="0">
+            <a:scrgbClr r="0" g="0" b="0"/>
+          </a:fillRef>
+          <a:effectRef idx="0">
+            <a:scrgbClr r="0" g="0" b="0"/>
+          </a:effectRef>
+          <a:fontRef idx="none"/>
+        </p:style>
+      </p:cxnSp>
+      <p:sp>
+        <p:nvSpPr>
+          <p:cNvPr id="25" name="TextBox 24"/>
+          <p:cNvSpPr txBox="1"/>
+          <p:nvPr/>
+        </p:nvSpPr>
+        <p:spPr>
+          <a:xfrm>
+            <a:off x="7794171" y="2621280"/>
+            <a:ext cx="553996" cy="369330"/>
+          </a:xfrm>
+          <a:prstGeom prst="rect">
+            <a:avLst/>
+          </a:prstGeom>
+          <a:noFill/>
+          <a:ln w="12700" cap="flat">
+            <a:noFill/>
+            <a:miter lim="400000"/>
+          </a:ln>
+          <a:effectLst/>
+          <a:sp3d/>
+        </p:spPr>
+        <p:style>
+          <a:lnRef idx="0">
+            <a:scrgbClr r="0" g="0" b="0"/>
+          </a:lnRef>
+          <a:fillRef idx="0">
+            <a:scrgbClr r="0" g="0" b="0"/>
+          </a:fillRef>
+          <a:effectRef idx="0">
+            <a:scrgbClr r="0" g="0" b="0"/>
+          </a:effectRef>
+          <a:fontRef idx="none"/>
+        </p:style>
+        <p:txBody>
+          <a:bodyPr rot="0" spcFirstLastPara="1" vertOverflow="overflow" horzOverflow="overflow" vert="horz" wrap="none" lIns="45719" tIns="45719" rIns="45719" bIns="45719" numCol="1" spcCol="38100" rtlCol="0" anchor="t">
+            <a:spAutoFit/>
+          </a:bodyPr>
+          <a:lstStyle/>
+          <a:p>
+            <a:pPr marL="0" marR="0" indent="0" algn="l" defTabSz="914400" rtl="0" fontAlgn="auto" latinLnBrk="0" hangingPunct="0">
+              <a:lnSpc>
+                <a:spcPct val="100000"/>
+              </a:lnSpc>
+              <a:spcBef>
+                <a:spcPts val="0"/>
+              </a:spcBef>
+              <a:spcAft>
+                <a:spcPts val="0"/>
+              </a:spcAft>
+              <a:buClrTx/>
+              <a:buSzTx/>
+              <a:buFontTx/>
+              <a:buNone/>
+              <a:tabLst/>
+            </a:pPr>
+            <a:r>
+              <a:rPr kumimoji="0" lang="ko-KR" altLang="en-US" sz="1800" b="0" i="0" u="none" strike="noStrike" cap="none" spc="0" normalizeH="0" baseline="0" dirty="0" smtClean="0">
+                <a:ln>
+                  <a:noFill/>
+                </a:ln>
+                <a:solidFill>
+                  <a:srgbClr val="3A3838"/>
+                </a:solidFill>
+                <a:effectLst/>
+                <a:uFillTx/>
+                <a:latin typeface="Arial"/>
+                <a:ea typeface="Arial"/>
+                <a:cs typeface="Arial"/>
+                <a:sym typeface="Arial"/>
+              </a:rPr>
+              <a:t>클릭</a:t>
+            </a:r>
+            <a:endParaRPr kumimoji="0" lang="ko-KR" altLang="en-US" sz="1800" b="0" i="0" u="none" strike="noStrike" cap="none" spc="0" normalizeH="0" baseline="0" dirty="0">
+              <a:ln>
+                <a:noFill/>
+              </a:ln>
+              <a:solidFill>
+                <a:srgbClr val="3A3838"/>
+              </a:solidFill>
+              <a:effectLst/>
+              <a:uFillTx/>
+              <a:latin typeface="Arial"/>
+              <a:ea typeface="Arial"/>
+              <a:cs typeface="Arial"/>
+              <a:sym typeface="Arial"/>
+            </a:endParaRPr>
+          </a:p>
+        </p:txBody>
+      </p:sp>
+      <p:sp>
+        <p:nvSpPr>
+          <p:cNvPr id="26" name="타원 25"/>
+          <p:cNvSpPr/>
+          <p:nvPr/>
+        </p:nvSpPr>
+        <p:spPr>
+          <a:xfrm>
+            <a:off x="6776065" y="5024846"/>
+            <a:ext cx="609069" cy="557349"/>
+          </a:xfrm>
+          <a:prstGeom prst="ellipse">
+            <a:avLst/>
+          </a:prstGeom>
+          <a:noFill/>
+          <a:ln w="12700" cap="flat">
+            <a:solidFill>
+              <a:schemeClr val="accent1"/>
+            </a:solidFill>
+            <a:prstDash val="solid"/>
+            <a:miter lim="800000"/>
+          </a:ln>
+          <a:effectLst/>
+          <a:sp3d/>
+        </p:spPr>
+        <p:style>
+          <a:lnRef idx="0">
+            <a:scrgbClr r="0" g="0" b="0"/>
+          </a:lnRef>
+          <a:fillRef idx="0">
+            <a:scrgbClr r="0" g="0" b="0"/>
+          </a:fillRef>
+          <a:effectRef idx="0">
+            <a:scrgbClr r="0" g="0" b="0"/>
+          </a:effectRef>
+          <a:fontRef idx="none"/>
+        </p:style>
+        <p:txBody>
+          <a:bodyPr rot="0" spcFirstLastPara="1" vertOverflow="overflow" horzOverflow="overflow" vert="horz" wrap="square" lIns="45719" tIns="45719" rIns="45719" bIns="45719" numCol="1" spcCol="38100" rtlCol="0" anchor="ctr">
+            <a:spAutoFit/>
+          </a:bodyPr>
+          <a:lstStyle/>
+          <a:p>
+            <a:pPr marL="0" marR="0" indent="0" algn="l" defTabSz="914400" rtl="0" fontAlgn="auto" latinLnBrk="0" hangingPunct="0">
+              <a:lnSpc>
+                <a:spcPct val="100000"/>
+              </a:lnSpc>
+              <a:spcBef>
+                <a:spcPts val="0"/>
+              </a:spcBef>
+              <a:spcAft>
+                <a:spcPts val="0"/>
+              </a:spcAft>
+              <a:buClrTx/>
+              <a:buSzTx/>
+              <a:buFontTx/>
+              <a:buNone/>
+              <a:tabLst/>
+            </a:pPr>
+            <a:endParaRPr kumimoji="0" lang="ko-KR" altLang="en-US" sz="1800" b="0" i="0" u="none" strike="noStrike" cap="none" spc="0" normalizeH="0" baseline="0">
+              <a:ln>
+                <a:noFill/>
+              </a:ln>
+              <a:solidFill>
+                <a:srgbClr val="3A3838"/>
+              </a:solidFill>
+              <a:effectLst/>
+              <a:uFillTx/>
+              <a:latin typeface="Arial"/>
+              <a:ea typeface="Arial"/>
+              <a:cs typeface="Arial"/>
+              <a:sym typeface="Arial"/>
+            </a:endParaRPr>
+          </a:p>
+        </p:txBody>
+      </p:sp>
+      <p:sp>
+        <p:nvSpPr>
+          <p:cNvPr id="40" name="TextBox 39"/>
+          <p:cNvSpPr txBox="1"/>
+          <p:nvPr/>
+        </p:nvSpPr>
+        <p:spPr>
+          <a:xfrm>
+            <a:off x="6811778" y="4670257"/>
+            <a:ext cx="553996" cy="369330"/>
+          </a:xfrm>
+          <a:prstGeom prst="rect">
+            <a:avLst/>
+          </a:prstGeom>
+          <a:noFill/>
+          <a:ln w="12700" cap="flat">
+            <a:noFill/>
+            <a:miter lim="400000"/>
+          </a:ln>
+          <a:effectLst/>
+          <a:sp3d/>
+        </p:spPr>
+        <p:style>
+          <a:lnRef idx="0">
+            <a:scrgbClr r="0" g="0" b="0"/>
+          </a:lnRef>
+          <a:fillRef idx="0">
+            <a:scrgbClr r="0" g="0" b="0"/>
+          </a:fillRef>
+          <a:effectRef idx="0">
+            <a:scrgbClr r="0" g="0" b="0"/>
+          </a:effectRef>
+          <a:fontRef idx="none"/>
+        </p:style>
+        <p:txBody>
+          <a:bodyPr rot="0" spcFirstLastPara="1" vertOverflow="overflow" horzOverflow="overflow" vert="horz" wrap="none" lIns="45719" tIns="45719" rIns="45719" bIns="45719" numCol="1" spcCol="38100" rtlCol="0" anchor="t">
+            <a:spAutoFit/>
+          </a:bodyPr>
+          <a:lstStyle/>
+          <a:p>
+            <a:pPr marL="0" marR="0" indent="0" algn="l" defTabSz="914400" rtl="0" fontAlgn="auto" latinLnBrk="0" hangingPunct="0">
+              <a:lnSpc>
+                <a:spcPct val="100000"/>
+              </a:lnSpc>
+              <a:spcBef>
+                <a:spcPts val="0"/>
+              </a:spcBef>
+              <a:spcAft>
+                <a:spcPts val="0"/>
+              </a:spcAft>
+              <a:buClrTx/>
+              <a:buSzTx/>
+              <a:buFontTx/>
+              <a:buNone/>
+              <a:tabLst/>
+            </a:pPr>
+            <a:r>
+              <a:rPr kumimoji="0" lang="ko-KR" altLang="en-US" sz="1800" b="0" i="0" u="none" strike="noStrike" cap="none" spc="0" normalizeH="0" baseline="0" dirty="0" smtClean="0">
+                <a:ln>
+                  <a:noFill/>
+                </a:ln>
+                <a:solidFill>
+                  <a:srgbClr val="3A3838"/>
+                </a:solidFill>
+                <a:effectLst/>
+                <a:uFillTx/>
+                <a:latin typeface="Arial"/>
+                <a:ea typeface="Arial"/>
+                <a:cs typeface="Arial"/>
+                <a:sym typeface="Arial"/>
+              </a:rPr>
+              <a:t>클릭</a:t>
+            </a:r>
+            <a:endParaRPr kumimoji="0" lang="ko-KR" altLang="en-US" sz="1800" b="0" i="0" u="none" strike="noStrike" cap="none" spc="0" normalizeH="0" baseline="0" dirty="0">
+              <a:ln>
+                <a:noFill/>
+              </a:ln>
+              <a:solidFill>
+                <a:srgbClr val="3A3838"/>
+              </a:solidFill>
+              <a:effectLst/>
+              <a:uFillTx/>
+              <a:latin typeface="Arial"/>
+              <a:ea typeface="Arial"/>
+              <a:cs typeface="Arial"/>
+              <a:sym typeface="Arial"/>
+            </a:endParaRPr>
+          </a:p>
+        </p:txBody>
+      </p:sp>
+    </p:spTree>
+    <p:extLst>
+      <p:ext uri="{BB962C8B-B14F-4D97-AF65-F5344CB8AC3E}">
+        <p14:creationId xmlns:p14="http://schemas.microsoft.com/office/powerpoint/2010/main" val="571235688"/>
+      </p:ext>
+    </p:extLst>
+  </p:cSld>
+  <p:clrMapOvr>
+    <a:masterClrMapping/>
+  </p:clrMapOvr>
+  <p:transition spd="med"/>
+</p:sld>
+</file>
+
+<file path=ppt/slides/slide16.xml><?xml version="1.0" encoding="utf-8"?>
+<p:sld xmlns:a="http://schemas.openxmlformats.org/drawingml/2006/main" xmlns:r="http://schemas.openxmlformats.org/officeDocument/2006/relationships" xmlns:p="http://schemas.openxmlformats.org/presentationml/2006/main">
+  <p:cSld>
+    <p:spTree>
+      <p:nvGrpSpPr>
+        <p:cNvPr id="1" name=""/>
+        <p:cNvGrpSpPr/>
+        <p:nvPr/>
+      </p:nvGrpSpPr>
+      <p:grpSpPr>
+        <a:xfrm>
+          <a:off x="0" y="0"/>
+          <a:ext cx="0" cy="0"/>
+          <a:chOff x="0" y="0"/>
+          <a:chExt cx="0" cy="0"/>
+        </a:xfrm>
+      </p:grpSpPr>
+      <p:sp>
+        <p:nvSpPr>
+          <p:cNvPr id="231" name="TextBox 15"/>
+          <p:cNvSpPr txBox="1"/>
+          <p:nvPr/>
+        </p:nvSpPr>
+        <p:spPr>
+          <a:xfrm>
+            <a:off x="9885601" y="6505575"/>
+            <a:ext cx="2236328" cy="239048"/>
+          </a:xfrm>
+          <a:prstGeom prst="rect">
+            <a:avLst/>
+          </a:prstGeom>
+          <a:ln w="12700">
+            <a:miter lim="400000"/>
+          </a:ln>
+          <a:extLst>
+            <a:ext uri="{C572A759-6A51-4108-AA02-DFA0A04FC94B}">
+              <ma14:wrappingTextBoxFlag xmlns="" xmlns:m="http://schemas.openxmlformats.org/officeDocument/2006/math" xmlns:a14="http://schemas.microsoft.com/office/drawing/2010/main" xmlns:ma14="http://schemas.microsoft.com/office/mac/drawingml/2011/main" val="1"/>
+            </a:ext>
+          </a:extLst>
+        </p:spPr>
+        <p:txBody>
+          <a:bodyPr wrap="none" lIns="45719" rIns="45719">
+            <a:spAutoFit/>
+          </a:bodyPr>
+          <a:lstStyle>
+            <a:lvl1pPr algn="r">
+              <a:defRPr sz="800">
+                <a:solidFill>
+                  <a:schemeClr val="accent6"/>
+                </a:solidFill>
+                <a:latin typeface="나눔스퀘어라운드 Regular"/>
+                <a:ea typeface="나눔스퀘어라운드 Regular"/>
+                <a:cs typeface="나눔스퀘어라운드 Regular"/>
+                <a:sym typeface="나눔스퀘어라운드 Regular"/>
+              </a:defRPr>
+            </a:lvl1pPr>
+          </a:lstStyle>
+          <a:p>
+            <a:r>
+              <a:t>Copyrightⓒ. Saebyeol Yu. All Rights Reserved.</a:t>
+            </a:r>
+          </a:p>
+        </p:txBody>
+      </p:sp>
+      <p:sp>
+        <p:nvSpPr>
+          <p:cNvPr id="232" name="다이아몬드 22"/>
+          <p:cNvSpPr/>
+          <p:nvPr/>
+        </p:nvSpPr>
+        <p:spPr>
+          <a:xfrm>
+            <a:off x="2034040" y="1758225"/>
+            <a:ext cx="2547791" cy="2547792"/>
+          </a:xfrm>
+          <a:prstGeom prst="diamond">
+            <a:avLst/>
+          </a:prstGeom>
+          <a:solidFill>
+            <a:schemeClr val="accent1">
+              <a:alpha val="70000"/>
+            </a:schemeClr>
+          </a:solidFill>
+          <a:ln w="12700">
+            <a:miter lim="400000"/>
+          </a:ln>
+        </p:spPr>
+        <p:txBody>
+          <a:bodyPr lIns="45719" rIns="45719" anchor="ctr"/>
+          <a:lstStyle/>
+          <a:p>
+            <a:pPr algn="ctr">
+              <a:defRPr>
+                <a:solidFill>
+                  <a:srgbClr val="FFFFFF"/>
+                </a:solidFill>
+              </a:defRPr>
+            </a:pPr>
+            <a:endParaRPr/>
+          </a:p>
+        </p:txBody>
+      </p:sp>
+      <p:sp>
+        <p:nvSpPr>
+          <p:cNvPr id="233" name="다이아몬드 23"/>
+          <p:cNvSpPr/>
+          <p:nvPr/>
+        </p:nvSpPr>
+        <p:spPr>
+          <a:xfrm>
+            <a:off x="5855725" y="3162331"/>
+            <a:ext cx="2547792" cy="2547792"/>
+          </a:xfrm>
+          <a:prstGeom prst="diamond">
+            <a:avLst/>
+          </a:prstGeom>
+          <a:solidFill>
+            <a:schemeClr val="accent2">
+              <a:alpha val="30000"/>
+            </a:schemeClr>
+          </a:solidFill>
+          <a:ln w="12700">
+            <a:solidFill>
+              <a:schemeClr val="accent2"/>
+            </a:solidFill>
+            <a:miter/>
+          </a:ln>
+        </p:spPr>
+        <p:txBody>
+          <a:bodyPr lIns="45719" rIns="45719" anchor="ctr"/>
+          <a:lstStyle/>
+          <a:p>
+            <a:pPr algn="ctr">
+              <a:defRPr>
+                <a:solidFill>
+                  <a:srgbClr val="FFFFFF"/>
+                </a:solidFill>
+              </a:defRPr>
+            </a:pPr>
+            <a:endParaRPr/>
+          </a:p>
+        </p:txBody>
+      </p:sp>
+      <p:sp>
+        <p:nvSpPr>
+          <p:cNvPr id="234" name="다이아몬드 24"/>
+          <p:cNvSpPr/>
+          <p:nvPr/>
+        </p:nvSpPr>
+        <p:spPr>
+          <a:xfrm>
+            <a:off x="4581831" y="1766513"/>
+            <a:ext cx="2547792" cy="2547792"/>
+          </a:xfrm>
+          <a:prstGeom prst="diamond">
+            <a:avLst/>
+          </a:prstGeom>
+          <a:solidFill>
+            <a:schemeClr val="accent4">
+              <a:alpha val="30000"/>
+            </a:schemeClr>
+          </a:solidFill>
+          <a:ln w="12700">
+            <a:solidFill>
+              <a:srgbClr val="FFFFFF"/>
+            </a:solidFill>
+            <a:miter/>
+          </a:ln>
+        </p:spPr>
+        <p:txBody>
+          <a:bodyPr lIns="45719" rIns="45719" anchor="ctr"/>
+          <a:lstStyle/>
+          <a:p>
+            <a:pPr algn="ctr">
+              <a:defRPr>
+                <a:solidFill>
+                  <a:srgbClr val="FFFFFF"/>
+                </a:solidFill>
+              </a:defRPr>
+            </a:pPr>
+            <a:endParaRPr/>
+          </a:p>
+        </p:txBody>
+      </p:sp>
+      <p:sp>
+        <p:nvSpPr>
+          <p:cNvPr id="235" name="다이아몬드 25"/>
+          <p:cNvSpPr/>
+          <p:nvPr/>
+        </p:nvSpPr>
+        <p:spPr>
+          <a:xfrm>
+            <a:off x="3307936" y="3112929"/>
+            <a:ext cx="2547792" cy="2547792"/>
+          </a:xfrm>
+          <a:prstGeom prst="diamond">
+            <a:avLst/>
+          </a:prstGeom>
+          <a:solidFill>
+            <a:srgbClr val="FFFFFF">
+              <a:alpha val="70000"/>
+            </a:srgbClr>
+          </a:solidFill>
+          <a:ln w="12700">
+            <a:solidFill>
+              <a:schemeClr val="accent1"/>
+            </a:solidFill>
+            <a:miter/>
+          </a:ln>
+        </p:spPr>
+        <p:txBody>
+          <a:bodyPr lIns="45719" rIns="45719" anchor="ctr"/>
+          <a:lstStyle/>
+          <a:p>
+            <a:pPr algn="ctr">
+              <a:defRPr>
+                <a:solidFill>
+                  <a:srgbClr val="FFFFFF"/>
+                </a:solidFill>
+              </a:defRPr>
+            </a:pPr>
+            <a:endParaRPr/>
+          </a:p>
+        </p:txBody>
+      </p:sp>
+      <p:sp>
+        <p:nvSpPr>
+          <p:cNvPr id="236" name="다이아몬드 16"/>
+          <p:cNvSpPr/>
+          <p:nvPr/>
+        </p:nvSpPr>
+        <p:spPr>
+          <a:xfrm>
+            <a:off x="7129622" y="1771368"/>
+            <a:ext cx="2547791" cy="2547792"/>
+          </a:xfrm>
+          <a:prstGeom prst="diamond">
+            <a:avLst/>
+          </a:prstGeom>
+          <a:solidFill>
+            <a:schemeClr val="accent6">
+              <a:alpha val="70000"/>
+            </a:schemeClr>
+          </a:solidFill>
+          <a:ln w="12700">
+            <a:miter lim="400000"/>
+          </a:ln>
+        </p:spPr>
+        <p:txBody>
+          <a:bodyPr lIns="45719" rIns="45719" anchor="ctr"/>
+          <a:lstStyle/>
+          <a:p>
+            <a:pPr algn="ctr">
+              <a:defRPr>
+                <a:solidFill>
+                  <a:srgbClr val="FFFFFF"/>
+                </a:solidFill>
+              </a:defRPr>
+            </a:pPr>
+            <a:endParaRPr/>
+          </a:p>
+        </p:txBody>
+      </p:sp>
+      <p:sp>
+        <p:nvSpPr>
+          <p:cNvPr id="237" name="TextBox 17"/>
+          <p:cNvSpPr txBox="1"/>
+          <p:nvPr/>
+        </p:nvSpPr>
+        <p:spPr>
+          <a:xfrm>
+            <a:off x="5004421" y="2431956"/>
+            <a:ext cx="1640832" cy="1200329"/>
+          </a:xfrm>
+          <a:prstGeom prst="rect">
+            <a:avLst/>
+          </a:prstGeom>
+          <a:ln w="12700">
+            <a:miter lim="400000"/>
+          </a:ln>
+          <a:extLst>
+            <a:ext uri="{C572A759-6A51-4108-AA02-DFA0A04FC94B}">
+              <ma14:wrappingTextBoxFlag xmlns="" xmlns:m="http://schemas.openxmlformats.org/officeDocument/2006/math" xmlns:a14="http://schemas.microsoft.com/office/drawing/2010/main" xmlns:ma14="http://schemas.microsoft.com/office/mac/drawingml/2011/main" val="1"/>
+            </a:ext>
+          </a:extLst>
+        </p:spPr>
+        <p:txBody>
+          <a:bodyPr wrap="none" lIns="45719" rIns="45719">
+            <a:spAutoFit/>
+          </a:bodyPr>
+          <a:lstStyle/>
+          <a:p>
+            <a:pPr algn="ctr">
+              <a:defRPr b="1">
+                <a:solidFill>
+                  <a:srgbClr val="FFFFFF"/>
+                </a:solidFill>
+              </a:defRPr>
+            </a:pPr>
+            <a:r>
+              <a:rPr lang="ko-KR" altLang="en-US">
+                <a:latin typeface="나눔스퀘어라운드 Regular"/>
+                <a:ea typeface="나눔스퀘어라운드 Regular"/>
+                <a:cs typeface="나눔스퀘어라운드 Regular"/>
+                <a:sym typeface="나눔스퀘어라운드 Regular"/>
+              </a:rPr>
+              <a:t>지역별 화면</a:t>
+            </a:r>
+            <a:endParaRPr lang="en-US" altLang="ko-KR">
+              <a:latin typeface="나눔스퀘어라운드 Regular"/>
+              <a:ea typeface="나눔스퀘어라운드 Regular"/>
+              <a:cs typeface="나눔스퀘어라운드 Regular"/>
+              <a:sym typeface="나눔스퀘어라운드 Regular"/>
+            </a:endParaRPr>
+          </a:p>
+          <a:p>
+            <a:pPr algn="ctr">
+              <a:defRPr b="1">
+                <a:solidFill>
+                  <a:srgbClr val="FFFFFF"/>
+                </a:solidFill>
+              </a:defRPr>
+            </a:pPr>
+            <a:endParaRPr lang="en-US" altLang="ko-KR">
+              <a:latin typeface="나눔스퀘어라운드 Regular"/>
+              <a:ea typeface="나눔스퀘어라운드 Regular"/>
+              <a:cs typeface="나눔스퀘어라운드 Regular"/>
+              <a:sym typeface="나눔스퀘어라운드 Regular"/>
+            </a:endParaRPr>
+          </a:p>
+          <a:p>
+            <a:pPr algn="ctr">
+              <a:defRPr b="1">
+                <a:solidFill>
+                  <a:srgbClr val="FFFFFF"/>
+                </a:solidFill>
+              </a:defRPr>
+            </a:pPr>
+            <a:r>
+              <a:rPr lang="ko-KR" altLang="en-US">
+                <a:latin typeface="나눔스퀘어라운드 Regular"/>
+                <a:ea typeface="나눔스퀘어라운드 Regular"/>
+                <a:cs typeface="나눔스퀘어라운드 Regular"/>
+                <a:sym typeface="나눔스퀘어라운드 Regular"/>
+              </a:rPr>
+              <a:t>지역 위치 기반</a:t>
+            </a:r>
+            <a:endParaRPr lang="en-US" altLang="ko-KR">
+              <a:latin typeface="나눔스퀘어라운드 Regular"/>
+              <a:ea typeface="나눔스퀘어라운드 Regular"/>
+              <a:cs typeface="나눔스퀘어라운드 Regular"/>
+              <a:sym typeface="나눔스퀘어라운드 Regular"/>
+            </a:endParaRPr>
+          </a:p>
+          <a:p>
+            <a:pPr algn="ctr">
+              <a:defRPr b="1">
+                <a:solidFill>
+                  <a:srgbClr val="FFFFFF"/>
+                </a:solidFill>
+              </a:defRPr>
+            </a:pPr>
+            <a:r>
+              <a:rPr lang="ko-KR" altLang="en-US">
+                <a:latin typeface="나눔스퀘어라운드 Regular"/>
+                <a:ea typeface="나눔스퀘어라운드 Regular"/>
+                <a:cs typeface="나눔스퀘어라운드 Regular"/>
+                <a:sym typeface="나눔스퀘어라운드 Regular"/>
+              </a:rPr>
+              <a:t>정보 제공</a:t>
+            </a:r>
+            <a:endParaRPr>
+              <a:latin typeface="나눔스퀘어라운드 Regular"/>
+              <a:ea typeface="나눔스퀘어라운드 Regular"/>
+              <a:cs typeface="나눔스퀘어라운드 Regular"/>
+              <a:sym typeface="나눔스퀘어라운드 Regular"/>
+            </a:endParaRPr>
+          </a:p>
+        </p:txBody>
+      </p:sp>
+      <p:sp>
+        <p:nvSpPr>
+          <p:cNvPr id="238" name="TextBox 18"/>
+          <p:cNvSpPr txBox="1"/>
+          <p:nvPr/>
+        </p:nvSpPr>
+        <p:spPr>
+          <a:xfrm>
+            <a:off x="7993214" y="5449741"/>
+            <a:ext cx="92396" cy="369332"/>
+          </a:xfrm>
+          <a:prstGeom prst="rect">
+            <a:avLst/>
+          </a:prstGeom>
+          <a:ln w="12700">
+            <a:miter lim="400000"/>
+          </a:ln>
+          <a:extLst>
+            <a:ext uri="{C572A759-6A51-4108-AA02-DFA0A04FC94B}">
+              <ma14:wrappingTextBoxFlag xmlns="" xmlns:m="http://schemas.openxmlformats.org/officeDocument/2006/math" xmlns:a14="http://schemas.microsoft.com/office/drawing/2010/main" xmlns:ma14="http://schemas.microsoft.com/office/mac/drawingml/2011/main" val="1"/>
+            </a:ext>
+          </a:extLst>
+        </p:spPr>
+        <p:txBody>
+          <a:bodyPr wrap="none" lIns="45719" rIns="45719">
+            <a:spAutoFit/>
+          </a:bodyPr>
+          <a:lstStyle/>
+          <a:p>
+            <a:pPr algn="ctr">
+              <a:defRPr b="1">
+                <a:solidFill>
+                  <a:srgbClr val="5D5B5B"/>
+                </a:solidFill>
+              </a:defRPr>
+            </a:pPr>
+            <a:endParaRPr>
+              <a:latin typeface="나눔스퀘어라운드 Regular"/>
+              <a:ea typeface="나눔스퀘어라운드 Regular"/>
+              <a:cs typeface="나눔스퀘어라운드 Regular"/>
+              <a:sym typeface="나눔스퀘어라운드 Regular"/>
+            </a:endParaRPr>
+          </a:p>
+        </p:txBody>
+      </p:sp>
+      <p:sp>
+        <p:nvSpPr>
+          <p:cNvPr id="239" name="TextBox 19"/>
+          <p:cNvSpPr txBox="1"/>
+          <p:nvPr/>
+        </p:nvSpPr>
+        <p:spPr>
+          <a:xfrm>
+            <a:off x="7636002" y="2293456"/>
+            <a:ext cx="1535035" cy="1477328"/>
+          </a:xfrm>
+          <a:prstGeom prst="rect">
+            <a:avLst/>
+          </a:prstGeom>
+          <a:ln w="12700">
+            <a:miter lim="400000"/>
+          </a:ln>
+          <a:extLst>
+            <a:ext uri="{C572A759-6A51-4108-AA02-DFA0A04FC94B}">
+              <ma14:wrappingTextBoxFlag xmlns="" xmlns:m="http://schemas.openxmlformats.org/officeDocument/2006/math" xmlns:a14="http://schemas.microsoft.com/office/drawing/2010/main" xmlns:ma14="http://schemas.microsoft.com/office/mac/drawingml/2011/main" val="1"/>
+            </a:ext>
+          </a:extLst>
+        </p:spPr>
+        <p:txBody>
+          <a:bodyPr wrap="none" lIns="45719" rIns="45719">
+            <a:spAutoFit/>
+          </a:bodyPr>
+          <a:lstStyle/>
+          <a:p>
+            <a:pPr algn="ctr">
+              <a:defRPr b="1">
+                <a:solidFill>
+                  <a:srgbClr val="FFFFFF"/>
+                </a:solidFill>
+              </a:defRPr>
+            </a:pPr>
+            <a:r>
+              <a:rPr lang="ko-KR" altLang="en-US"/>
+              <a:t>캘린더</a:t>
+            </a:r>
+            <a:endParaRPr lang="en-US" altLang="ko-KR"/>
+          </a:p>
+          <a:p>
+            <a:pPr algn="ctr">
+              <a:defRPr b="1">
+                <a:solidFill>
+                  <a:srgbClr val="FFFFFF"/>
+                </a:solidFill>
+              </a:defRPr>
+            </a:pPr>
+            <a:r>
+              <a:rPr lang="ko-KR" altLang="en-US"/>
+              <a:t>화면</a:t>
+            </a:r>
+            <a:endParaRPr lang="en-US" altLang="ko-KR"/>
+          </a:p>
+          <a:p>
+            <a:pPr algn="ctr">
+              <a:defRPr b="1">
+                <a:solidFill>
+                  <a:srgbClr val="FFFFFF"/>
+                </a:solidFill>
+              </a:defRPr>
+            </a:pPr>
+            <a:endParaRPr lang="en-US" altLang="ko-KR">
+              <a:latin typeface="나눔스퀘어라운드 Regular"/>
+              <a:ea typeface="나눔스퀘어라운드 Regular"/>
+              <a:cs typeface="나눔스퀘어라운드 Regular"/>
+              <a:sym typeface="나눔스퀘어라운드 Regular"/>
+            </a:endParaRPr>
+          </a:p>
+          <a:p>
+            <a:pPr algn="ctr">
+              <a:defRPr b="1">
+                <a:solidFill>
+                  <a:srgbClr val="FFFFFF"/>
+                </a:solidFill>
+              </a:defRPr>
+            </a:pPr>
+            <a:r>
+              <a:rPr lang="ko-KR" altLang="en-US">
+                <a:latin typeface="나눔스퀘어라운드 Regular"/>
+                <a:ea typeface="나눔스퀘어라운드 Regular"/>
+                <a:cs typeface="나눔스퀘어라운드 Regular"/>
+                <a:sym typeface="나눔스퀘어라운드 Regular"/>
+              </a:rPr>
+              <a:t>사용자의 </a:t>
+            </a:r>
+            <a:r>
+              <a:rPr lang="en-US" altLang="ko-KR">
+                <a:latin typeface="나눔스퀘어라운드 Regular"/>
+                <a:ea typeface="나눔스퀘어라운드 Regular"/>
+                <a:cs typeface="나눔스퀘어라운드 Regular"/>
+                <a:sym typeface="나눔스퀘어라운드 Regular"/>
+              </a:rPr>
+              <a:t>Like</a:t>
+            </a:r>
+          </a:p>
+          <a:p>
+            <a:pPr algn="ctr">
+              <a:defRPr b="1">
+                <a:solidFill>
+                  <a:srgbClr val="FFFFFF"/>
+                </a:solidFill>
+              </a:defRPr>
+            </a:pPr>
+            <a:r>
+              <a:rPr lang="ko-KR" altLang="en-US">
+                <a:latin typeface="나눔스퀘어라운드 Regular"/>
+                <a:ea typeface="나눔스퀘어라운드 Regular"/>
+                <a:cs typeface="나눔스퀘어라운드 Regular"/>
+                <a:sym typeface="나눔스퀘어라운드 Regular"/>
+              </a:rPr>
+              <a:t>정보 받아옴</a:t>
+            </a:r>
+            <a:endParaRPr>
+              <a:latin typeface="나눔스퀘어라운드 Regular"/>
+              <a:ea typeface="나눔스퀘어라운드 Regular"/>
+              <a:cs typeface="나눔스퀘어라운드 Regular"/>
+              <a:sym typeface="나눔스퀘어라운드 Regular"/>
+            </a:endParaRPr>
+          </a:p>
+        </p:txBody>
+      </p:sp>
+      <p:sp>
+        <p:nvSpPr>
+          <p:cNvPr id="240" name="TextBox 20"/>
+          <p:cNvSpPr txBox="1"/>
+          <p:nvPr/>
+        </p:nvSpPr>
+        <p:spPr>
+          <a:xfrm>
+            <a:off x="2372103" y="2072769"/>
+            <a:ext cx="1871664" cy="1754326"/>
+          </a:xfrm>
+          <a:prstGeom prst="rect">
+            <a:avLst/>
+          </a:prstGeom>
+          <a:ln w="12700">
+            <a:miter lim="400000"/>
+          </a:ln>
+          <a:extLst>
+            <a:ext uri="{C572A759-6A51-4108-AA02-DFA0A04FC94B}">
+              <ma14:wrappingTextBoxFlag xmlns="" xmlns:m="http://schemas.openxmlformats.org/officeDocument/2006/math" xmlns:a14="http://schemas.microsoft.com/office/drawing/2010/main" xmlns:ma14="http://schemas.microsoft.com/office/mac/drawingml/2011/main" val="1"/>
+            </a:ext>
+          </a:extLst>
+        </p:spPr>
+        <p:txBody>
+          <a:bodyPr wrap="none" lIns="45719" rIns="45719">
+            <a:spAutoFit/>
+          </a:bodyPr>
+          <a:lstStyle/>
+          <a:p>
+            <a:pPr algn="ctr">
+              <a:defRPr b="1">
+                <a:solidFill>
+                  <a:srgbClr val="FFFFFF"/>
+                </a:solidFill>
+              </a:defRPr>
+            </a:pPr>
+            <a:r>
+              <a:rPr lang="ko-KR" altLang="en-US">
+                <a:latin typeface="나눔스퀘어라운드 Regular"/>
+                <a:ea typeface="나눔스퀘어라운드 Regular"/>
+                <a:cs typeface="나눔스퀘어라운드 Regular"/>
+                <a:sym typeface="나눔스퀘어라운드 Regular"/>
+              </a:rPr>
+              <a:t>홈 화면</a:t>
+            </a:r>
+            <a:endParaRPr lang="en-US" altLang="ko-KR">
+              <a:latin typeface="나눔스퀘어라운드 Regular"/>
+              <a:ea typeface="나눔스퀘어라운드 Regular"/>
+              <a:cs typeface="나눔스퀘어라운드 Regular"/>
+              <a:sym typeface="나눔스퀘어라운드 Regular"/>
+            </a:endParaRPr>
+          </a:p>
+          <a:p>
+            <a:pPr algn="ctr">
+              <a:defRPr b="1">
+                <a:solidFill>
+                  <a:srgbClr val="FFFFFF"/>
+                </a:solidFill>
+              </a:defRPr>
+            </a:pPr>
+            <a:endParaRPr lang="en-US" altLang="ko-KR">
+              <a:latin typeface="나눔스퀘어라운드 Regular"/>
+              <a:ea typeface="나눔스퀘어라운드 Regular"/>
+              <a:cs typeface="나눔스퀘어라운드 Regular"/>
+              <a:sym typeface="나눔스퀘어라운드 Regular"/>
+            </a:endParaRPr>
+          </a:p>
+          <a:p>
+            <a:pPr algn="ctr">
+              <a:defRPr b="1">
+                <a:solidFill>
+                  <a:srgbClr val="FFFFFF"/>
+                </a:solidFill>
+              </a:defRPr>
+            </a:pPr>
+            <a:r>
+              <a:rPr lang="ko-KR" altLang="en-US">
+                <a:latin typeface="나눔스퀘어라운드 Regular"/>
+                <a:ea typeface="나눔스퀘어라운드 Regular"/>
+                <a:cs typeface="나눔스퀘어라운드 Regular"/>
+                <a:sym typeface="나눔스퀘어라운드 Regular"/>
+              </a:rPr>
+              <a:t>어플의 메인화면</a:t>
+            </a:r>
+            <a:endParaRPr lang="en-US" altLang="ko-KR">
+              <a:latin typeface="나눔스퀘어라운드 Regular"/>
+              <a:ea typeface="나눔스퀘어라운드 Regular"/>
+              <a:cs typeface="나눔스퀘어라운드 Regular"/>
+              <a:sym typeface="나눔스퀘어라운드 Regular"/>
+            </a:endParaRPr>
+          </a:p>
+          <a:p>
+            <a:pPr algn="ctr">
+              <a:defRPr b="1">
+                <a:solidFill>
+                  <a:srgbClr val="FFFFFF"/>
+                </a:solidFill>
+              </a:defRPr>
+            </a:pPr>
+            <a:r>
+              <a:rPr lang="ko-KR" altLang="en-US">
+                <a:latin typeface="나눔스퀘어라운드 Regular"/>
+                <a:ea typeface="나눔스퀘어라운드 Regular"/>
+                <a:cs typeface="나눔스퀘어라운드 Regular"/>
+                <a:sym typeface="나눔스퀘어라운드 Regular"/>
+              </a:rPr>
+              <a:t>전국의 모든 </a:t>
+            </a:r>
+            <a:endParaRPr lang="en-US" altLang="ko-KR">
+              <a:latin typeface="나눔스퀘어라운드 Regular"/>
+              <a:ea typeface="나눔스퀘어라운드 Regular"/>
+              <a:cs typeface="나눔스퀘어라운드 Regular"/>
+              <a:sym typeface="나눔스퀘어라운드 Regular"/>
+            </a:endParaRPr>
+          </a:p>
+          <a:p>
+            <a:pPr algn="ctr">
+              <a:defRPr b="1">
+                <a:solidFill>
+                  <a:srgbClr val="FFFFFF"/>
+                </a:solidFill>
+              </a:defRPr>
+            </a:pPr>
+            <a:r>
+              <a:rPr lang="ko-KR" altLang="en-US">
+                <a:latin typeface="나눔스퀘어라운드 Regular"/>
+                <a:ea typeface="나눔스퀘어라운드 Regular"/>
+                <a:cs typeface="나눔스퀘어라운드 Regular"/>
+                <a:sym typeface="나눔스퀘어라운드 Regular"/>
+              </a:rPr>
+              <a:t>축제 정보 띄워줌</a:t>
+            </a:r>
+            <a:endParaRPr lang="en-US" altLang="ko-KR">
+              <a:latin typeface="나눔스퀘어라운드 Regular"/>
+              <a:ea typeface="나눔스퀘어라운드 Regular"/>
+              <a:cs typeface="나눔스퀘어라운드 Regular"/>
+              <a:sym typeface="나눔스퀘어라운드 Regular"/>
+            </a:endParaRPr>
+          </a:p>
+          <a:p>
+            <a:pPr algn="ctr">
+              <a:defRPr b="1">
+                <a:solidFill>
+                  <a:srgbClr val="FFFFFF"/>
+                </a:solidFill>
+              </a:defRPr>
+            </a:pPr>
+            <a:endParaRPr>
+              <a:latin typeface="나눔스퀘어라운드 Regular"/>
+              <a:ea typeface="나눔스퀘어라운드 Regular"/>
+              <a:cs typeface="나눔스퀘어라운드 Regular"/>
+              <a:sym typeface="나눔스퀘어라운드 Regular"/>
+            </a:endParaRPr>
+          </a:p>
+        </p:txBody>
+      </p:sp>
+      <p:sp>
+        <p:nvSpPr>
+          <p:cNvPr id="241" name="TextBox 21"/>
+          <p:cNvSpPr txBox="1"/>
+          <p:nvPr/>
+        </p:nvSpPr>
+        <p:spPr>
+          <a:xfrm>
+            <a:off x="3958585" y="3430320"/>
+            <a:ext cx="1246494" cy="1754326"/>
+          </a:xfrm>
+          <a:prstGeom prst="rect">
+            <a:avLst/>
+          </a:prstGeom>
+          <a:ln w="12700">
+            <a:miter lim="400000"/>
+          </a:ln>
+          <a:extLst>
+            <a:ext uri="{C572A759-6A51-4108-AA02-DFA0A04FC94B}">
+              <ma14:wrappingTextBoxFlag xmlns="" xmlns:m="http://schemas.openxmlformats.org/officeDocument/2006/math" xmlns:a14="http://schemas.microsoft.com/office/drawing/2010/main" xmlns:ma14="http://schemas.microsoft.com/office/mac/drawingml/2011/main" val="1"/>
+            </a:ext>
+          </a:extLst>
+        </p:spPr>
+        <p:txBody>
+          <a:bodyPr wrap="none" lIns="45719" rIns="45719">
+            <a:spAutoFit/>
+          </a:bodyPr>
+          <a:lstStyle/>
+          <a:p>
+            <a:pPr algn="ctr">
+              <a:defRPr b="1">
+                <a:solidFill>
+                  <a:srgbClr val="5D5B5B"/>
+                </a:solidFill>
+              </a:defRPr>
+            </a:pPr>
+            <a:r>
+              <a:rPr lang="ko-KR" altLang="en-US">
+                <a:latin typeface="나눔스퀘어라운드 Regular"/>
+                <a:ea typeface="나눔스퀘어라운드 Regular"/>
+                <a:cs typeface="나눔스퀘어라운드 Regular"/>
+                <a:sym typeface="나눔스퀘어라운드 Regular"/>
+              </a:rPr>
+              <a:t>드로어</a:t>
+            </a:r>
+            <a:endParaRPr lang="en-US" altLang="ko-KR">
+              <a:latin typeface="나눔스퀘어라운드 Regular"/>
+              <a:ea typeface="나눔스퀘어라운드 Regular"/>
+              <a:cs typeface="나눔스퀘어라운드 Regular"/>
+              <a:sym typeface="나눔스퀘어라운드 Regular"/>
+            </a:endParaRPr>
+          </a:p>
+          <a:p>
+            <a:pPr algn="ctr">
+              <a:defRPr b="1">
+                <a:solidFill>
+                  <a:srgbClr val="5D5B5B"/>
+                </a:solidFill>
+              </a:defRPr>
+            </a:pPr>
+            <a:r>
+              <a:rPr lang="ko-KR" altLang="en-US">
+                <a:latin typeface="나눔스퀘어라운드 Regular"/>
+                <a:ea typeface="나눔스퀘어라운드 Regular"/>
+                <a:cs typeface="나눔스퀘어라운드 Regular"/>
+                <a:sym typeface="나눔스퀘어라운드 Regular"/>
+              </a:rPr>
+              <a:t>메뉴</a:t>
+            </a:r>
+            <a:endParaRPr lang="en-US" altLang="ko-KR">
+              <a:latin typeface="나눔스퀘어라운드 Regular"/>
+              <a:ea typeface="나눔스퀘어라운드 Regular"/>
+              <a:cs typeface="나눔스퀘어라운드 Regular"/>
+              <a:sym typeface="나눔스퀘어라운드 Regular"/>
+            </a:endParaRPr>
+          </a:p>
+          <a:p>
+            <a:pPr algn="ctr">
+              <a:defRPr b="1">
+                <a:solidFill>
+                  <a:srgbClr val="5D5B5B"/>
+                </a:solidFill>
+              </a:defRPr>
+            </a:pPr>
+            <a:endParaRPr lang="en-US" altLang="ko-KR">
+              <a:latin typeface="나눔스퀘어라운드 Regular"/>
+              <a:ea typeface="나눔스퀘어라운드 Regular"/>
+              <a:cs typeface="나눔스퀘어라운드 Regular"/>
+              <a:sym typeface="나눔스퀘어라운드 Regular"/>
+            </a:endParaRPr>
+          </a:p>
+          <a:p>
+            <a:pPr algn="ctr">
+              <a:defRPr b="1">
+                <a:solidFill>
+                  <a:srgbClr val="5D5B5B"/>
+                </a:solidFill>
+              </a:defRPr>
+            </a:pPr>
+            <a:r>
+              <a:rPr lang="ko-KR" altLang="en-US">
+                <a:latin typeface="나눔스퀘어라운드 Regular"/>
+                <a:ea typeface="나눔스퀘어라운드 Regular"/>
+                <a:cs typeface="나눔스퀘어라운드 Regular"/>
+                <a:sym typeface="나눔스퀘어라운드 Regular"/>
+              </a:rPr>
+              <a:t>왼쪽에서 </a:t>
+            </a:r>
+            <a:endParaRPr lang="en-US" altLang="ko-KR">
+              <a:latin typeface="나눔스퀘어라운드 Regular"/>
+              <a:ea typeface="나눔스퀘어라운드 Regular"/>
+              <a:cs typeface="나눔스퀘어라운드 Regular"/>
+              <a:sym typeface="나눔스퀘어라운드 Regular"/>
+            </a:endParaRPr>
+          </a:p>
+          <a:p>
+            <a:pPr algn="ctr">
+              <a:defRPr b="1">
+                <a:solidFill>
+                  <a:srgbClr val="5D5B5B"/>
+                </a:solidFill>
+              </a:defRPr>
+            </a:pPr>
+            <a:r>
+              <a:rPr lang="ko-KR" altLang="en-US">
+                <a:latin typeface="나눔스퀘어라운드 Regular"/>
+                <a:ea typeface="나눔스퀘어라운드 Regular"/>
+                <a:cs typeface="나눔스퀘어라운드 Regular"/>
+                <a:sym typeface="나눔스퀘어라운드 Regular"/>
+              </a:rPr>
+              <a:t>열리는 </a:t>
+            </a:r>
+            <a:endParaRPr lang="en-US" altLang="ko-KR">
+              <a:latin typeface="나눔스퀘어라운드 Regular"/>
+              <a:ea typeface="나눔스퀘어라운드 Regular"/>
+              <a:cs typeface="나눔스퀘어라운드 Regular"/>
+              <a:sym typeface="나눔스퀘어라운드 Regular"/>
+            </a:endParaRPr>
+          </a:p>
+          <a:p>
+            <a:pPr algn="ctr">
+              <a:defRPr b="1">
+                <a:solidFill>
+                  <a:srgbClr val="5D5B5B"/>
+                </a:solidFill>
+              </a:defRPr>
+            </a:pPr>
+            <a:r>
+              <a:rPr lang="ko-KR" altLang="en-US">
+                <a:latin typeface="나눔스퀘어라운드 Regular"/>
+                <a:ea typeface="나눔스퀘어라운드 Regular"/>
+                <a:cs typeface="나눔스퀘어라운드 Regular"/>
+                <a:sym typeface="나눔스퀘어라운드 Regular"/>
+              </a:rPr>
+              <a:t>사용자메뉴</a:t>
+            </a:r>
+            <a:endParaRPr>
+              <a:latin typeface="나눔스퀘어라운드 Regular"/>
+              <a:ea typeface="나눔스퀘어라운드 Regular"/>
+              <a:cs typeface="나눔스퀘어라운드 Regular"/>
+              <a:sym typeface="나눔스퀘어라운드 Regular"/>
+            </a:endParaRPr>
+          </a:p>
+        </p:txBody>
+      </p:sp>
+      <p:sp>
+        <p:nvSpPr>
+          <p:cNvPr id="242" name="직선 연결선 26"/>
+          <p:cNvSpPr/>
+          <p:nvPr/>
+        </p:nvSpPr>
+        <p:spPr>
+          <a:xfrm>
+            <a:off x="1188881" y="273124"/>
+            <a:ext cx="10666422" cy="1"/>
+          </a:xfrm>
+          <a:prstGeom prst="line">
+            <a:avLst/>
+          </a:prstGeom>
+          <a:ln w="19050">
+            <a:solidFill>
+              <a:schemeClr val="accent6"/>
+            </a:solidFill>
+            <a:miter/>
+          </a:ln>
+        </p:spPr>
+        <p:txBody>
+          <a:bodyPr lIns="45719" rIns="45719"/>
+          <a:lstStyle/>
+          <a:p>
+            <a:endParaRPr/>
+          </a:p>
+        </p:txBody>
+      </p:sp>
+      <p:sp>
+        <p:nvSpPr>
+          <p:cNvPr id="243" name="직사각형 27"/>
+          <p:cNvSpPr/>
+          <p:nvPr/>
+        </p:nvSpPr>
+        <p:spPr>
+          <a:xfrm>
+            <a:off x="265814" y="244548"/>
+            <a:ext cx="720001" cy="720001"/>
+          </a:xfrm>
+          <a:prstGeom prst="rect">
+            <a:avLst/>
+          </a:prstGeom>
+          <a:solidFill>
+            <a:srgbClr val="B8BCBB"/>
+          </a:solidFill>
+          <a:ln w="12700">
+            <a:miter lim="400000"/>
+          </a:ln>
+        </p:spPr>
+        <p:txBody>
+          <a:bodyPr lIns="45719" rIns="45719" anchor="ctr"/>
+          <a:lstStyle/>
+          <a:p>
+            <a:pPr algn="ctr">
+              <a:defRPr>
+                <a:solidFill>
+                  <a:srgbClr val="FFFFFF"/>
+                </a:solidFill>
+              </a:defRPr>
+            </a:pPr>
+            <a:endParaRPr/>
+          </a:p>
+        </p:txBody>
+      </p:sp>
+      <p:sp>
+        <p:nvSpPr>
+          <p:cNvPr id="244" name="TextBox 28"/>
+          <p:cNvSpPr txBox="1"/>
+          <p:nvPr/>
+        </p:nvSpPr>
+        <p:spPr>
+          <a:xfrm>
+            <a:off x="490138" y="323244"/>
+            <a:ext cx="259303" cy="548045"/>
+          </a:xfrm>
+          <a:prstGeom prst="rect">
+            <a:avLst/>
+          </a:prstGeom>
+          <a:ln w="12700">
+            <a:miter lim="400000"/>
+          </a:ln>
+          <a:extLst>
+            <a:ext uri="{C572A759-6A51-4108-AA02-DFA0A04FC94B}">
+              <ma14:wrappingTextBoxFlag xmlns="" xmlns:m="http://schemas.openxmlformats.org/officeDocument/2006/math" xmlns:a14="http://schemas.microsoft.com/office/drawing/2010/main" xmlns:ma14="http://schemas.microsoft.com/office/mac/drawingml/2011/main" val="1"/>
+            </a:ext>
+          </a:extLst>
+        </p:spPr>
+        <p:txBody>
+          <a:bodyPr lIns="45719" rIns="45719">
+            <a:spAutoFit/>
+          </a:bodyPr>
+          <a:lstStyle>
+            <a:lvl1pPr algn="ctr">
+              <a:defRPr sz="3200" b="1">
+                <a:solidFill>
+                  <a:srgbClr val="FFFFFF"/>
+                </a:solidFill>
+              </a:defRPr>
+            </a:lvl1pPr>
+          </a:lstStyle>
+          <a:p>
+            <a:r>
+              <a:t>3</a:t>
+            </a:r>
+          </a:p>
+        </p:txBody>
+      </p:sp>
+      <p:grpSp>
+        <p:nvGrpSpPr>
+          <p:cNvPr id="247" name="그룹 29"/>
+          <p:cNvGrpSpPr/>
+          <p:nvPr/>
+        </p:nvGrpSpPr>
+        <p:grpSpPr>
+          <a:xfrm>
+            <a:off x="1188881" y="351818"/>
+            <a:ext cx="2585001" cy="660427"/>
+            <a:chOff x="0" y="0"/>
+            <a:chExt cx="2585000" cy="660425"/>
+          </a:xfrm>
+        </p:grpSpPr>
+        <p:sp>
+          <p:nvSpPr>
+            <p:cNvPr id="245" name="TextBox 30"/>
+            <p:cNvSpPr txBox="1"/>
+            <p:nvPr/>
+          </p:nvSpPr>
+          <p:spPr>
+            <a:xfrm>
+              <a:off x="0" y="0"/>
+              <a:ext cx="1368320" cy="276996"/>
+            </a:xfrm>
+            <a:prstGeom prst="rect">
+              <a:avLst/>
+            </a:prstGeom>
+            <a:noFill/>
+            <a:ln w="12700" cap="flat">
+              <a:noFill/>
+              <a:miter lim="400000"/>
+            </a:ln>
+            <a:effectLst/>
+            <a:extLst>
+              <a:ext uri="{C572A759-6A51-4108-AA02-DFA0A04FC94B}">
+                <ma14:wrappingTextBoxFlag xmlns="" xmlns:m="http://schemas.openxmlformats.org/officeDocument/2006/math" xmlns:a14="http://schemas.microsoft.com/office/drawing/2010/main" xmlns:ma14="http://schemas.microsoft.com/office/mac/drawingml/2011/main" val="1"/>
+              </a:ext>
+            </a:extLst>
+          </p:spPr>
+          <p:txBody>
+            <a:bodyPr wrap="none" lIns="45719" tIns="45719" rIns="45719" bIns="45719" numCol="1" anchor="t">
+              <a:spAutoFit/>
+            </a:bodyPr>
+            <a:lstStyle/>
+            <a:p>
+              <a:pPr>
+                <a:defRPr sz="1200"/>
+              </a:pPr>
+              <a:r>
+                <a:t>003 </a:t>
+              </a:r>
+              <a:r>
+                <a:rPr lang="ko-KR" altLang="en-US">
+                  <a:latin typeface="나눔스퀘어라운드 Regular"/>
+                  <a:ea typeface="나눔스퀘어라운드 Regular"/>
+                  <a:cs typeface="나눔스퀘어라운드 Regular"/>
+                  <a:sym typeface="나눔스퀘어라운드 Regular"/>
+                </a:rPr>
+                <a:t>시스템 설명서</a:t>
+              </a:r>
+              <a:endParaRPr>
+                <a:latin typeface="나눔스퀘어라운드 Regular"/>
+                <a:ea typeface="나눔스퀘어라운드 Regular"/>
+                <a:cs typeface="나눔스퀘어라운드 Regular"/>
+                <a:sym typeface="나눔스퀘어라운드 Regular"/>
+              </a:endParaRPr>
+            </a:p>
+          </p:txBody>
+        </p:sp>
+        <p:sp>
+          <p:nvSpPr>
+            <p:cNvPr id="246" name="TextBox 31"/>
+            <p:cNvSpPr txBox="1"/>
+            <p:nvPr/>
+          </p:nvSpPr>
+          <p:spPr>
+            <a:xfrm>
+              <a:off x="0" y="229541"/>
+              <a:ext cx="2585000" cy="430884"/>
+            </a:xfrm>
+            <a:prstGeom prst="rect">
+              <a:avLst/>
+            </a:prstGeom>
+            <a:noFill/>
+            <a:ln w="12700" cap="flat">
+              <a:noFill/>
+              <a:miter lim="400000"/>
+            </a:ln>
+            <a:effectLst/>
+            <a:extLst>
+              <a:ext uri="{C572A759-6A51-4108-AA02-DFA0A04FC94B}">
+                <ma14:wrappingTextBoxFlag xmlns="" xmlns:m="http://schemas.openxmlformats.org/officeDocument/2006/math" xmlns:a14="http://schemas.microsoft.com/office/drawing/2010/main" xmlns:ma14="http://schemas.microsoft.com/office/mac/drawingml/2011/main" val="1"/>
+              </a:ext>
+            </a:extLst>
+          </p:spPr>
+          <p:txBody>
+            <a:bodyPr wrap="none" lIns="45719" tIns="45719" rIns="45719" bIns="45719" numCol="1" anchor="t">
+              <a:spAutoFit/>
+            </a:bodyPr>
+            <a:lstStyle>
+              <a:lvl1pPr>
+                <a:defRPr sz="2200">
+                  <a:latin typeface="나눔스퀘어라운드 Regular"/>
+                  <a:ea typeface="나눔스퀘어라운드 Regular"/>
+                  <a:cs typeface="나눔스퀘어라운드 Regular"/>
+                  <a:sym typeface="나눔스퀘어라운드 Regular"/>
+                </a:defRPr>
+              </a:lvl1pPr>
+            </a:lstStyle>
+            <a:p>
+              <a:pPr>
+                <a:defRPr>
+                  <a:latin typeface="Arial"/>
+                  <a:ea typeface="Arial"/>
+                  <a:cs typeface="Arial"/>
+                  <a:sym typeface="Arial"/>
+                </a:defRPr>
+              </a:pPr>
+              <a:r>
+                <a:rPr lang="ko-KR" altLang="en-US" dirty="0">
+                  <a:latin typeface="나눔스퀘어라운드 Regular"/>
+                  <a:ea typeface="나눔스퀘어라운드 Regular"/>
+                  <a:cs typeface="나눔스퀘어라운드 Regular"/>
+                  <a:sym typeface="나눔스퀘어라운드 Regular"/>
+                </a:rPr>
+                <a:t>시스템 </a:t>
+              </a:r>
+              <a:r>
+                <a:rPr lang="ko-KR" altLang="en-US" dirty="0" smtClean="0">
+                  <a:latin typeface="나눔스퀘어라운드 Regular"/>
+                  <a:ea typeface="나눔스퀘어라운드 Regular"/>
+                  <a:cs typeface="나눔스퀘어라운드 Regular"/>
+                  <a:sym typeface="나눔스퀘어라운드 Regular"/>
+                </a:rPr>
+                <a:t>설명서</a:t>
+              </a:r>
+              <a:r>
+                <a:rPr lang="en-US" altLang="ko-KR" dirty="0" smtClean="0">
+                  <a:latin typeface="나눔스퀘어라운드 Regular"/>
+                  <a:ea typeface="나눔스퀘어라운드 Regular"/>
+                  <a:cs typeface="나눔스퀘어라운드 Regular"/>
+                  <a:sym typeface="나눔스퀘어라운드 Regular"/>
+                </a:rPr>
+                <a:t>_</a:t>
+              </a:r>
+              <a:r>
+                <a:rPr lang="ko-KR" altLang="en-US" dirty="0" smtClean="0">
+                  <a:latin typeface="나눔스퀘어라운드 Regular"/>
+                  <a:ea typeface="나눔스퀘어라운드 Regular"/>
+                  <a:cs typeface="나눔스퀘어라운드 Regular"/>
+                  <a:sym typeface="나눔스퀘어라운드 Regular"/>
+                </a:rPr>
+                <a:t>정리</a:t>
+              </a:r>
+              <a:endParaRPr dirty="0">
+                <a:latin typeface="나눔스퀘어라운드 Regular"/>
+                <a:ea typeface="나눔스퀘어라운드 Regular"/>
+                <a:cs typeface="나눔스퀘어라운드 Regular"/>
+                <a:sym typeface="나눔스퀘어라운드 Regular"/>
+              </a:endParaRPr>
+            </a:p>
+          </p:txBody>
+        </p:sp>
+      </p:grpSp>
       <p:sp>
         <p:nvSpPr>
           <p:cNvPr id="23" name="TextBox 21">
             <a:extLst>
               <a:ext uri="{FF2B5EF4-FFF2-40B4-BE49-F238E27FC236}">
-                <a16:creationId xmlns:a16="http://schemas.microsoft.com/office/drawing/2014/main" id="{5139C88C-041B-4EFA-8802-566364E01A67}"/>
+                <a16:creationId xmlns:a16="http://schemas.microsoft.com/office/drawing/2014/main" xmlns="" id="{5139C88C-041B-4EFA-8802-566364E01A67}"/>
               </a:ext>
             </a:extLst>
           </p:cNvPr>
@@ -7211,7 +11619,7 @@
           </a:ln>
           <a:extLst>
             <a:ext uri="{C572A759-6A51-4108-AA02-DFA0A04FC94B}">
-              <ma14:wrappingTextBoxFlag xmlns:ma14="http://schemas.microsoft.com/office/mac/drawingml/2011/main" xmlns:a14="http://schemas.microsoft.com/office/drawing/2010/main" xmlns:m="http://schemas.openxmlformats.org/officeDocument/2006/math" xmlns="" val="1"/>
+              <ma14:wrappingTextBoxFlag xmlns="" xmlns:m="http://schemas.openxmlformats.org/officeDocument/2006/math" xmlns:a14="http://schemas.microsoft.com/office/drawing/2010/main" xmlns:ma14="http://schemas.microsoft.com/office/mac/drawingml/2011/main" val="1"/>
             </a:ext>
           </a:extLst>
         </p:spPr>
@@ -7363,7 +11771,7 @@
 </p:sld>
 </file>
 
-<file path=ppt/slides/slide14.xml><?xml version="1.0" encoding="utf-8"?>
+<file path=ppt/slides/slide17.xml><?xml version="1.0" encoding="utf-8"?>
 <p:sld xmlns:a="http://schemas.openxmlformats.org/drawingml/2006/main" xmlns:r="http://schemas.openxmlformats.org/officeDocument/2006/relationships" xmlns:p="http://schemas.openxmlformats.org/presentationml/2006/main">
   <p:cSld>
     <p:spTree>
@@ -7416,7 +11824,7 @@
             <a:effectLst/>
             <a:extLst>
               <a:ext uri="{C572A759-6A51-4108-AA02-DFA0A04FC94B}">
-                <ma14:wrappingTextBoxFlag xmlns:ma14="http://schemas.microsoft.com/office/mac/drawingml/2011/main" xmlns:a14="http://schemas.microsoft.com/office/drawing/2010/main" xmlns:m="http://schemas.openxmlformats.org/officeDocument/2006/math" xmlns="" val="1"/>
+                <ma14:wrappingTextBoxFlag xmlns="" xmlns:m="http://schemas.openxmlformats.org/officeDocument/2006/math" xmlns:a14="http://schemas.microsoft.com/office/drawing/2010/main" xmlns:ma14="http://schemas.microsoft.com/office/mac/drawingml/2011/main" val="1"/>
               </a:ext>
             </a:extLst>
           </p:spPr>
@@ -7464,7 +11872,7 @@
             <a:effectLst/>
             <a:extLst>
               <a:ext uri="{C572A759-6A51-4108-AA02-DFA0A04FC94B}">
-                <ma14:wrappingTextBoxFlag xmlns:ma14="http://schemas.microsoft.com/office/mac/drawingml/2011/main" xmlns:a14="http://schemas.microsoft.com/office/drawing/2010/main" xmlns:m="http://schemas.openxmlformats.org/officeDocument/2006/math" xmlns="" val="1"/>
+                <ma14:wrappingTextBoxFlag xmlns="" xmlns:m="http://schemas.openxmlformats.org/officeDocument/2006/math" xmlns:a14="http://schemas.microsoft.com/office/drawing/2010/main" xmlns:ma14="http://schemas.microsoft.com/office/mac/drawingml/2011/main" val="1"/>
               </a:ext>
             </a:extLst>
           </p:spPr>
@@ -7510,7 +11918,7 @@
           </a:ln>
           <a:extLst>
             <a:ext uri="{C572A759-6A51-4108-AA02-DFA0A04FC94B}">
-              <ma14:wrappingTextBoxFlag xmlns:ma14="http://schemas.microsoft.com/office/mac/drawingml/2011/main" xmlns:a14="http://schemas.microsoft.com/office/drawing/2010/main" xmlns:m="http://schemas.openxmlformats.org/officeDocument/2006/math" xmlns="" val="1"/>
+              <ma14:wrappingTextBoxFlag xmlns="" xmlns:m="http://schemas.openxmlformats.org/officeDocument/2006/math" xmlns:a14="http://schemas.microsoft.com/office/drawing/2010/main" xmlns:ma14="http://schemas.microsoft.com/office/mac/drawingml/2011/main" val="1"/>
             </a:ext>
           </a:extLst>
         </p:spPr>
@@ -7558,7 +11966,7 @@
           </a:ln>
           <a:extLst>
             <a:ext uri="{C572A759-6A51-4108-AA02-DFA0A04FC94B}">
-              <ma14:wrappingTextBoxFlag xmlns:ma14="http://schemas.microsoft.com/office/mac/drawingml/2011/main" xmlns:a14="http://schemas.microsoft.com/office/drawing/2010/main" xmlns:m="http://schemas.openxmlformats.org/officeDocument/2006/math" xmlns="" val="1"/>
+              <ma14:wrappingTextBoxFlag xmlns="" xmlns:m="http://schemas.openxmlformats.org/officeDocument/2006/math" xmlns:a14="http://schemas.microsoft.com/office/drawing/2010/main" xmlns:ma14="http://schemas.microsoft.com/office/mac/drawingml/2011/main" val="1"/>
             </a:ext>
           </a:extLst>
         </p:spPr>
@@ -7605,7 +12013,7 @@
           </a:ln>
           <a:extLst>
             <a:ext uri="{C572A759-6A51-4108-AA02-DFA0A04FC94B}">
-              <ma14:wrappingTextBoxFlag xmlns:ma14="http://schemas.microsoft.com/office/mac/drawingml/2011/main" xmlns:a14="http://schemas.microsoft.com/office/drawing/2010/main" xmlns:m="http://schemas.openxmlformats.org/officeDocument/2006/math" xmlns="" val="1"/>
+              <ma14:wrappingTextBoxFlag xmlns="" xmlns:m="http://schemas.openxmlformats.org/officeDocument/2006/math" xmlns:a14="http://schemas.microsoft.com/office/drawing/2010/main" xmlns:ma14="http://schemas.microsoft.com/office/mac/drawingml/2011/main" val="1"/>
             </a:ext>
           </a:extLst>
         </p:spPr>
@@ -7681,7 +12089,7 @@
           </a:ln>
           <a:extLst>
             <a:ext uri="{C572A759-6A51-4108-AA02-DFA0A04FC94B}">
-              <ma14:wrappingTextBoxFlag xmlns:ma14="http://schemas.microsoft.com/office/mac/drawingml/2011/main" xmlns:a14="http://schemas.microsoft.com/office/drawing/2010/main" xmlns:m="http://schemas.openxmlformats.org/officeDocument/2006/math" xmlns="" val="1"/>
+              <ma14:wrappingTextBoxFlag xmlns="" xmlns:m="http://schemas.openxmlformats.org/officeDocument/2006/math" xmlns:a14="http://schemas.microsoft.com/office/drawing/2010/main" xmlns:ma14="http://schemas.microsoft.com/office/mac/drawingml/2011/main" val="1"/>
             </a:ext>
           </a:extLst>
         </p:spPr>
@@ -7708,7 +12116,7 @@
 </p:sld>
 </file>
 
-<file path=ppt/slides/slide15.xml><?xml version="1.0" encoding="utf-8"?>
+<file path=ppt/slides/slide18.xml><?xml version="1.0" encoding="utf-8"?>
 <p:sld xmlns:a="http://schemas.openxmlformats.org/drawingml/2006/main" xmlns:r="http://schemas.openxmlformats.org/officeDocument/2006/relationships" xmlns:p="http://schemas.openxmlformats.org/presentationml/2006/main">
   <p:cSld>
     <p:spTree>
@@ -7761,7 +12169,7 @@
             <a:effectLst/>
             <a:extLst>
               <a:ext uri="{C572A759-6A51-4108-AA02-DFA0A04FC94B}">
-                <ma14:wrappingTextBoxFlag xmlns:ma14="http://schemas.microsoft.com/office/mac/drawingml/2011/main" xmlns:a14="http://schemas.microsoft.com/office/drawing/2010/main" xmlns:m="http://schemas.openxmlformats.org/officeDocument/2006/math" xmlns="" val="1"/>
+                <ma14:wrappingTextBoxFlag xmlns="" xmlns:m="http://schemas.openxmlformats.org/officeDocument/2006/math" xmlns:a14="http://schemas.microsoft.com/office/drawing/2010/main" xmlns:ma14="http://schemas.microsoft.com/office/mac/drawingml/2011/main" val="1"/>
               </a:ext>
             </a:extLst>
           </p:spPr>
@@ -7827,7 +12235,7 @@
             <a:effectLst/>
             <a:extLst>
               <a:ext uri="{C572A759-6A51-4108-AA02-DFA0A04FC94B}">
-                <ma14:wrappingTextBoxFlag xmlns:ma14="http://schemas.microsoft.com/office/mac/drawingml/2011/main" xmlns:a14="http://schemas.microsoft.com/office/drawing/2010/main" xmlns:m="http://schemas.openxmlformats.org/officeDocument/2006/math" xmlns="" val="1"/>
+                <ma14:wrappingTextBoxFlag xmlns="" xmlns:m="http://schemas.openxmlformats.org/officeDocument/2006/math" xmlns:a14="http://schemas.microsoft.com/office/drawing/2010/main" xmlns:ma14="http://schemas.microsoft.com/office/mac/drawingml/2011/main" val="1"/>
               </a:ext>
             </a:extLst>
           </p:spPr>
@@ -7891,7 +12299,7 @@
           </a:ln>
           <a:extLst>
             <a:ext uri="{C572A759-6A51-4108-AA02-DFA0A04FC94B}">
-              <ma14:wrappingTextBoxFlag xmlns:ma14="http://schemas.microsoft.com/office/mac/drawingml/2011/main" xmlns:a14="http://schemas.microsoft.com/office/drawing/2010/main" xmlns:m="http://schemas.openxmlformats.org/officeDocument/2006/math" xmlns="" val="1"/>
+              <ma14:wrappingTextBoxFlag xmlns="" xmlns:m="http://schemas.openxmlformats.org/officeDocument/2006/math" xmlns:a14="http://schemas.microsoft.com/office/drawing/2010/main" xmlns:ma14="http://schemas.microsoft.com/office/mac/drawingml/2011/main" val="1"/>
             </a:ext>
           </a:extLst>
         </p:spPr>
@@ -7972,7 +12380,7 @@
           </a:ln>
           <a:extLst>
             <a:ext uri="{C572A759-6A51-4108-AA02-DFA0A04FC94B}">
-              <ma14:wrappingTextBoxFlag xmlns:ma14="http://schemas.microsoft.com/office/mac/drawingml/2011/main" xmlns:a14="http://schemas.microsoft.com/office/drawing/2010/main" xmlns:m="http://schemas.openxmlformats.org/officeDocument/2006/math" xmlns="" val="1"/>
+              <ma14:wrappingTextBoxFlag xmlns="" xmlns:m="http://schemas.openxmlformats.org/officeDocument/2006/math" xmlns:a14="http://schemas.microsoft.com/office/drawing/2010/main" xmlns:ma14="http://schemas.microsoft.com/office/mac/drawingml/2011/main" val="1"/>
             </a:ext>
           </a:extLst>
         </p:spPr>
@@ -8032,7 +12440,7 @@
             <a:effectLst/>
             <a:extLst>
               <a:ext uri="{C572A759-6A51-4108-AA02-DFA0A04FC94B}">
-                <ma14:wrappingTextBoxFlag xmlns:ma14="http://schemas.microsoft.com/office/mac/drawingml/2011/main" xmlns:a14="http://schemas.microsoft.com/office/drawing/2010/main" xmlns:m="http://schemas.openxmlformats.org/officeDocument/2006/math" xmlns="" val="1"/>
+                <ma14:wrappingTextBoxFlag xmlns="" xmlns:m="http://schemas.openxmlformats.org/officeDocument/2006/math" xmlns:a14="http://schemas.microsoft.com/office/drawing/2010/main" xmlns:ma14="http://schemas.microsoft.com/office/mac/drawingml/2011/main" val="1"/>
               </a:ext>
             </a:extLst>
           </p:spPr>
@@ -8148,7 +12556,7 @@
             <a:effectLst/>
             <a:extLst>
               <a:ext uri="{C572A759-6A51-4108-AA02-DFA0A04FC94B}">
-                <ma14:wrappingTextBoxFlag xmlns:ma14="http://schemas.microsoft.com/office/mac/drawingml/2011/main" xmlns:a14="http://schemas.microsoft.com/office/drawing/2010/main" xmlns:m="http://schemas.openxmlformats.org/officeDocument/2006/math" xmlns="" val="1"/>
+                <ma14:wrappingTextBoxFlag xmlns="" xmlns:m="http://schemas.openxmlformats.org/officeDocument/2006/math" xmlns:a14="http://schemas.microsoft.com/office/drawing/2010/main" xmlns:ma14="http://schemas.microsoft.com/office/mac/drawingml/2011/main" val="1"/>
               </a:ext>
             </a:extLst>
           </p:spPr>
@@ -8218,7 +12626,7 @@
               <a:effectLst/>
               <a:extLst>
                 <a:ext uri="{C572A759-6A51-4108-AA02-DFA0A04FC94B}">
-                  <ma14:wrappingTextBoxFlag xmlns:ma14="http://schemas.microsoft.com/office/mac/drawingml/2011/main" xmlns:a14="http://schemas.microsoft.com/office/drawing/2010/main" xmlns:m="http://schemas.openxmlformats.org/officeDocument/2006/math" xmlns="" val="1"/>
+                  <ma14:wrappingTextBoxFlag xmlns="" xmlns:m="http://schemas.openxmlformats.org/officeDocument/2006/math" xmlns:a14="http://schemas.microsoft.com/office/drawing/2010/main" xmlns:ma14="http://schemas.microsoft.com/office/mac/drawingml/2011/main" val="1"/>
                 </a:ext>
               </a:extLst>
             </p:spPr>
@@ -8265,7 +12673,7 @@
               <a:effectLst/>
               <a:extLst>
                 <a:ext uri="{C572A759-6A51-4108-AA02-DFA0A04FC94B}">
-                  <ma14:wrappingTextBoxFlag xmlns:ma14="http://schemas.microsoft.com/office/mac/drawingml/2011/main" xmlns:a14="http://schemas.microsoft.com/office/drawing/2010/main" xmlns:m="http://schemas.openxmlformats.org/officeDocument/2006/math" xmlns="" val="1"/>
+                  <ma14:wrappingTextBoxFlag xmlns="" xmlns:m="http://schemas.openxmlformats.org/officeDocument/2006/math" xmlns:a14="http://schemas.microsoft.com/office/drawing/2010/main" xmlns:ma14="http://schemas.microsoft.com/office/mac/drawingml/2011/main" val="1"/>
                 </a:ext>
               </a:extLst>
             </p:spPr>
@@ -8344,7 +12752,7 @@
               <a:effectLst/>
               <a:extLst>
                 <a:ext uri="{C572A759-6A51-4108-AA02-DFA0A04FC94B}">
-                  <ma14:wrappingTextBoxFlag xmlns:ma14="http://schemas.microsoft.com/office/mac/drawingml/2011/main" xmlns:a14="http://schemas.microsoft.com/office/drawing/2010/main" xmlns:m="http://schemas.openxmlformats.org/officeDocument/2006/math" xmlns="" val="1"/>
+                  <ma14:wrappingTextBoxFlag xmlns="" xmlns:m="http://schemas.openxmlformats.org/officeDocument/2006/math" xmlns:a14="http://schemas.microsoft.com/office/drawing/2010/main" xmlns:ma14="http://schemas.microsoft.com/office/mac/drawingml/2011/main" val="1"/>
                 </a:ext>
               </a:extLst>
             </p:spPr>
@@ -8391,7 +12799,7 @@
               <a:effectLst/>
               <a:extLst>
                 <a:ext uri="{C572A759-6A51-4108-AA02-DFA0A04FC94B}">
-                  <ma14:wrappingTextBoxFlag xmlns:ma14="http://schemas.microsoft.com/office/mac/drawingml/2011/main" xmlns:a14="http://schemas.microsoft.com/office/drawing/2010/main" xmlns:m="http://schemas.openxmlformats.org/officeDocument/2006/math" xmlns="" val="1"/>
+                  <ma14:wrappingTextBoxFlag xmlns="" xmlns:m="http://schemas.openxmlformats.org/officeDocument/2006/math" xmlns:a14="http://schemas.microsoft.com/office/drawing/2010/main" xmlns:ma14="http://schemas.microsoft.com/office/mac/drawingml/2011/main" val="1"/>
                 </a:ext>
               </a:extLst>
             </p:spPr>
@@ -8480,7 +12888,7 @@
               <a:effectLst/>
               <a:extLst>
                 <a:ext uri="{C572A759-6A51-4108-AA02-DFA0A04FC94B}">
-                  <ma14:wrappingTextBoxFlag xmlns:ma14="http://schemas.microsoft.com/office/mac/drawingml/2011/main" xmlns:a14="http://schemas.microsoft.com/office/drawing/2010/main" xmlns:m="http://schemas.openxmlformats.org/officeDocument/2006/math" xmlns="" val="1"/>
+                  <ma14:wrappingTextBoxFlag xmlns="" xmlns:m="http://schemas.openxmlformats.org/officeDocument/2006/math" xmlns:a14="http://schemas.microsoft.com/office/drawing/2010/main" xmlns:ma14="http://schemas.microsoft.com/office/mac/drawingml/2011/main" val="1"/>
                 </a:ext>
               </a:extLst>
             </p:spPr>
@@ -8527,7 +12935,7 @@
               <a:effectLst/>
               <a:extLst>
                 <a:ext uri="{C572A759-6A51-4108-AA02-DFA0A04FC94B}">
-                  <ma14:wrappingTextBoxFlag xmlns:ma14="http://schemas.microsoft.com/office/mac/drawingml/2011/main" xmlns:a14="http://schemas.microsoft.com/office/drawing/2010/main" xmlns:m="http://schemas.openxmlformats.org/officeDocument/2006/math" xmlns="" val="1"/>
+                  <ma14:wrappingTextBoxFlag xmlns="" xmlns:m="http://schemas.openxmlformats.org/officeDocument/2006/math" xmlns:a14="http://schemas.microsoft.com/office/drawing/2010/main" xmlns:ma14="http://schemas.microsoft.com/office/mac/drawingml/2011/main" val="1"/>
                 </a:ext>
               </a:extLst>
             </p:spPr>
@@ -8593,7 +13001,7 @@
             <a:effectLst/>
             <a:extLst>
               <a:ext uri="{C572A759-6A51-4108-AA02-DFA0A04FC94B}">
-                <ma14:wrappingTextBoxFlag xmlns:ma14="http://schemas.microsoft.com/office/mac/drawingml/2011/main" xmlns:a14="http://schemas.microsoft.com/office/drawing/2010/main" xmlns:m="http://schemas.openxmlformats.org/officeDocument/2006/math" xmlns="" val="1"/>
+                <ma14:wrappingTextBoxFlag xmlns="" xmlns:m="http://schemas.openxmlformats.org/officeDocument/2006/math" xmlns:a14="http://schemas.microsoft.com/office/drawing/2010/main" xmlns:ma14="http://schemas.microsoft.com/office/mac/drawingml/2011/main" val="1"/>
               </a:ext>
             </a:extLst>
           </p:spPr>
@@ -8837,7 +13245,7 @@
           </a:ln>
           <a:extLst>
             <a:ext uri="{C572A759-6A51-4108-AA02-DFA0A04FC94B}">
-              <ma14:wrappingTextBoxFlag xmlns:ma14="http://schemas.microsoft.com/office/mac/drawingml/2011/main" xmlns:a14="http://schemas.microsoft.com/office/drawing/2010/main" xmlns:m="http://schemas.openxmlformats.org/officeDocument/2006/math" xmlns="" val="1"/>
+              <ma14:wrappingTextBoxFlag xmlns="" xmlns:m="http://schemas.openxmlformats.org/officeDocument/2006/math" xmlns:a14="http://schemas.microsoft.com/office/drawing/2010/main" xmlns:ma14="http://schemas.microsoft.com/office/mac/drawingml/2011/main" val="1"/>
             </a:ext>
           </a:extLst>
         </p:spPr>
@@ -8880,7 +13288,7 @@
           </a:ln>
           <a:extLst>
             <a:ext uri="{C572A759-6A51-4108-AA02-DFA0A04FC94B}">
-              <ma14:wrappingTextBoxFlag xmlns:ma14="http://schemas.microsoft.com/office/mac/drawingml/2011/main" xmlns:a14="http://schemas.microsoft.com/office/drawing/2010/main" xmlns:m="http://schemas.openxmlformats.org/officeDocument/2006/math" xmlns="" val="1"/>
+              <ma14:wrappingTextBoxFlag xmlns="" xmlns:m="http://schemas.openxmlformats.org/officeDocument/2006/math" xmlns:a14="http://schemas.microsoft.com/office/drawing/2010/main" xmlns:ma14="http://schemas.microsoft.com/office/mac/drawingml/2011/main" val="1"/>
             </a:ext>
           </a:extLst>
         </p:spPr>
@@ -8927,7 +13335,7 @@
           </a:ln>
           <a:extLst>
             <a:ext uri="{C572A759-6A51-4108-AA02-DFA0A04FC94B}">
-              <ma14:wrappingTextBoxFlag xmlns:ma14="http://schemas.microsoft.com/office/mac/drawingml/2011/main" xmlns:a14="http://schemas.microsoft.com/office/drawing/2010/main" xmlns:m="http://schemas.openxmlformats.org/officeDocument/2006/math" xmlns="" val="1"/>
+              <ma14:wrappingTextBoxFlag xmlns="" xmlns:m="http://schemas.openxmlformats.org/officeDocument/2006/math" xmlns:a14="http://schemas.microsoft.com/office/drawing/2010/main" xmlns:ma14="http://schemas.microsoft.com/office/mac/drawingml/2011/main" val="1"/>
             </a:ext>
           </a:extLst>
         </p:spPr>
@@ -9003,7 +13411,7 @@
           </a:ln>
           <a:extLst>
             <a:ext uri="{C572A759-6A51-4108-AA02-DFA0A04FC94B}">
-              <ma14:wrappingTextBoxFlag xmlns:ma14="http://schemas.microsoft.com/office/mac/drawingml/2011/main" xmlns:a14="http://schemas.microsoft.com/office/drawing/2010/main" xmlns:m="http://schemas.openxmlformats.org/officeDocument/2006/math" xmlns="" val="1"/>
+              <ma14:wrappingTextBoxFlag xmlns="" xmlns:m="http://schemas.openxmlformats.org/officeDocument/2006/math" xmlns:a14="http://schemas.microsoft.com/office/drawing/2010/main" xmlns:ma14="http://schemas.microsoft.com/office/mac/drawingml/2011/main" val="1"/>
             </a:ext>
           </a:extLst>
         </p:spPr>
@@ -9186,7 +13594,7 @@
           </a:ln>
           <a:extLst>
             <a:ext uri="{C572A759-6A51-4108-AA02-DFA0A04FC94B}">
-              <ma14:wrappingTextBoxFlag xmlns:ma14="http://schemas.microsoft.com/office/mac/drawingml/2011/main" xmlns:a14="http://schemas.microsoft.com/office/drawing/2010/main" xmlns:m="http://schemas.openxmlformats.org/officeDocument/2006/math" xmlns="" val="1"/>
+              <ma14:wrappingTextBoxFlag xmlns="" xmlns:m="http://schemas.openxmlformats.org/officeDocument/2006/math" xmlns:a14="http://schemas.microsoft.com/office/drawing/2010/main" xmlns:ma14="http://schemas.microsoft.com/office/mac/drawingml/2011/main" val="1"/>
             </a:ext>
           </a:extLst>
         </p:spPr>
@@ -9300,7 +13708,7 @@
           </a:ln>
           <a:extLst>
             <a:ext uri="{C572A759-6A51-4108-AA02-DFA0A04FC94B}">
-              <ma14:wrappingTextBoxFlag xmlns:ma14="http://schemas.microsoft.com/office/mac/drawingml/2011/main" xmlns:a14="http://schemas.microsoft.com/office/drawing/2010/main" xmlns:m="http://schemas.openxmlformats.org/officeDocument/2006/math" xmlns="" val="1"/>
+              <ma14:wrappingTextBoxFlag xmlns="" xmlns:m="http://schemas.openxmlformats.org/officeDocument/2006/math" xmlns:a14="http://schemas.microsoft.com/office/drawing/2010/main" xmlns:ma14="http://schemas.microsoft.com/office/mac/drawingml/2011/main" val="1"/>
             </a:ext>
           </a:extLst>
         </p:spPr>
@@ -9497,7 +13905,7 @@
           </a:ln>
           <a:extLst>
             <a:ext uri="{C572A759-6A51-4108-AA02-DFA0A04FC94B}">
-              <ma14:wrappingTextBoxFlag xmlns:ma14="http://schemas.microsoft.com/office/mac/drawingml/2011/main" xmlns:a14="http://schemas.microsoft.com/office/drawing/2010/main" xmlns:m="http://schemas.openxmlformats.org/officeDocument/2006/math" xmlns="" val="1"/>
+              <ma14:wrappingTextBoxFlag xmlns="" xmlns:m="http://schemas.openxmlformats.org/officeDocument/2006/math" xmlns:a14="http://schemas.microsoft.com/office/drawing/2010/main" xmlns:ma14="http://schemas.microsoft.com/office/mac/drawingml/2011/main" val="1"/>
             </a:ext>
           </a:extLst>
         </p:spPr>
@@ -9664,7 +14072,7 @@
           </a:ln>
           <a:extLst>
             <a:ext uri="{C572A759-6A51-4108-AA02-DFA0A04FC94B}">
-              <ma14:wrappingTextBoxFlag xmlns:ma14="http://schemas.microsoft.com/office/mac/drawingml/2011/main" xmlns:a14="http://schemas.microsoft.com/office/drawing/2010/main" xmlns:m="http://schemas.openxmlformats.org/officeDocument/2006/math" xmlns="" val="1"/>
+              <ma14:wrappingTextBoxFlag xmlns="" xmlns:m="http://schemas.openxmlformats.org/officeDocument/2006/math" xmlns:a14="http://schemas.microsoft.com/office/drawing/2010/main" xmlns:ma14="http://schemas.microsoft.com/office/mac/drawingml/2011/main" val="1"/>
             </a:ext>
           </a:extLst>
         </p:spPr>
@@ -9724,7 +14132,7 @@
             <a:effectLst/>
             <a:extLst>
               <a:ext uri="{C572A759-6A51-4108-AA02-DFA0A04FC94B}">
-                <ma14:wrappingTextBoxFlag xmlns:ma14="http://schemas.microsoft.com/office/mac/drawingml/2011/main" xmlns:a14="http://schemas.microsoft.com/office/drawing/2010/main" xmlns:m="http://schemas.openxmlformats.org/officeDocument/2006/math" xmlns="" val="1"/>
+                <ma14:wrappingTextBoxFlag xmlns="" xmlns:m="http://schemas.openxmlformats.org/officeDocument/2006/math" xmlns:a14="http://schemas.microsoft.com/office/drawing/2010/main" xmlns:ma14="http://schemas.microsoft.com/office/mac/drawingml/2011/main" val="1"/>
               </a:ext>
             </a:extLst>
           </p:spPr>
@@ -9781,7 +14189,7 @@
             <a:effectLst/>
             <a:extLst>
               <a:ext uri="{C572A759-6A51-4108-AA02-DFA0A04FC94B}">
-                <ma14:wrappingTextBoxFlag xmlns:ma14="http://schemas.microsoft.com/office/mac/drawingml/2011/main" xmlns:a14="http://schemas.microsoft.com/office/drawing/2010/main" xmlns:m="http://schemas.openxmlformats.org/officeDocument/2006/math" xmlns="" val="1"/>
+                <ma14:wrappingTextBoxFlag xmlns="" xmlns:m="http://schemas.openxmlformats.org/officeDocument/2006/math" xmlns:a14="http://schemas.microsoft.com/office/drawing/2010/main" xmlns:ma14="http://schemas.microsoft.com/office/mac/drawingml/2011/main" val="1"/>
               </a:ext>
             </a:extLst>
           </p:spPr>
@@ -9841,7 +14249,7 @@
           </a:ln>
           <a:extLst>
             <a:ext uri="{C572A759-6A51-4108-AA02-DFA0A04FC94B}">
-              <ma14:wrappingTextBoxFlag xmlns:ma14="http://schemas.microsoft.com/office/mac/drawingml/2011/main" xmlns:a14="http://schemas.microsoft.com/office/drawing/2010/main" xmlns:m="http://schemas.openxmlformats.org/officeDocument/2006/math" xmlns="" val="1"/>
+              <ma14:wrappingTextBoxFlag xmlns="" xmlns:m="http://schemas.openxmlformats.org/officeDocument/2006/math" xmlns:a14="http://schemas.microsoft.com/office/drawing/2010/main" xmlns:ma14="http://schemas.microsoft.com/office/mac/drawingml/2011/main" val="1"/>
             </a:ext>
           </a:extLst>
         </p:spPr>
@@ -9991,7 +14399,7 @@
           </a:ln>
           <a:extLst>
             <a:ext uri="{C572A759-6A51-4108-AA02-DFA0A04FC94B}">
-              <ma14:wrappingTextBoxFlag xmlns:ma14="http://schemas.microsoft.com/office/mac/drawingml/2011/main" xmlns:a14="http://schemas.microsoft.com/office/drawing/2010/main" xmlns:m="http://schemas.openxmlformats.org/officeDocument/2006/math" xmlns="" val="1"/>
+              <ma14:wrappingTextBoxFlag xmlns="" xmlns:m="http://schemas.openxmlformats.org/officeDocument/2006/math" xmlns:a14="http://schemas.microsoft.com/office/drawing/2010/main" xmlns:ma14="http://schemas.microsoft.com/office/mac/drawingml/2011/main" val="1"/>
             </a:ext>
           </a:extLst>
         </p:spPr>
@@ -10062,7 +14470,7 @@
           </a:ln>
           <a:extLst>
             <a:ext uri="{C572A759-6A51-4108-AA02-DFA0A04FC94B}">
-              <ma14:wrappingTextBoxFlag xmlns:ma14="http://schemas.microsoft.com/office/mac/drawingml/2011/main" xmlns:a14="http://schemas.microsoft.com/office/drawing/2010/main" xmlns:m="http://schemas.openxmlformats.org/officeDocument/2006/math" xmlns="" val="1"/>
+              <ma14:wrappingTextBoxFlag xmlns="" xmlns:m="http://schemas.openxmlformats.org/officeDocument/2006/math" xmlns:a14="http://schemas.microsoft.com/office/drawing/2010/main" xmlns:ma14="http://schemas.microsoft.com/office/mac/drawingml/2011/main" val="1"/>
             </a:ext>
           </a:extLst>
         </p:spPr>
@@ -10311,7 +14719,7 @@
           </a:ln>
           <a:extLst>
             <a:ext uri="{C572A759-6A51-4108-AA02-DFA0A04FC94B}">
-              <ma14:wrappingTextBoxFlag xmlns:ma14="http://schemas.microsoft.com/office/mac/drawingml/2011/main" xmlns:a14="http://schemas.microsoft.com/office/drawing/2010/main" xmlns:m="http://schemas.openxmlformats.org/officeDocument/2006/math" xmlns="" val="1"/>
+              <ma14:wrappingTextBoxFlag xmlns="" xmlns:m="http://schemas.openxmlformats.org/officeDocument/2006/math" xmlns:a14="http://schemas.microsoft.com/office/drawing/2010/main" xmlns:ma14="http://schemas.microsoft.com/office/mac/drawingml/2011/main" val="1"/>
             </a:ext>
           </a:extLst>
         </p:spPr>
@@ -10372,7 +14780,7 @@
           </a:ln>
           <a:extLst>
             <a:ext uri="{C572A759-6A51-4108-AA02-DFA0A04FC94B}">
-              <ma14:wrappingTextBoxFlag xmlns:ma14="http://schemas.microsoft.com/office/mac/drawingml/2011/main" xmlns:a14="http://schemas.microsoft.com/office/drawing/2010/main" xmlns:m="http://schemas.openxmlformats.org/officeDocument/2006/math" xmlns="" val="1"/>
+              <ma14:wrappingTextBoxFlag xmlns="" xmlns:m="http://schemas.openxmlformats.org/officeDocument/2006/math" xmlns:a14="http://schemas.microsoft.com/office/drawing/2010/main" xmlns:ma14="http://schemas.microsoft.com/office/mac/drawingml/2011/main" val="1"/>
             </a:ext>
           </a:extLst>
         </p:spPr>
@@ -10433,7 +14841,7 @@
           </a:ln>
           <a:extLst>
             <a:ext uri="{C572A759-6A51-4108-AA02-DFA0A04FC94B}">
-              <ma14:wrappingTextBoxFlag xmlns:ma14="http://schemas.microsoft.com/office/mac/drawingml/2011/main" xmlns:a14="http://schemas.microsoft.com/office/drawing/2010/main" xmlns:m="http://schemas.openxmlformats.org/officeDocument/2006/math" xmlns="" val="1"/>
+              <ma14:wrappingTextBoxFlag xmlns="" xmlns:m="http://schemas.openxmlformats.org/officeDocument/2006/math" xmlns:a14="http://schemas.microsoft.com/office/drawing/2010/main" xmlns:ma14="http://schemas.microsoft.com/office/mac/drawingml/2011/main" val="1"/>
             </a:ext>
           </a:extLst>
         </p:spPr>
@@ -10554,7 +14962,7 @@
           </a:ln>
           <a:extLst>
             <a:ext uri="{C572A759-6A51-4108-AA02-DFA0A04FC94B}">
-              <ma14:wrappingTextBoxFlag xmlns:ma14="http://schemas.microsoft.com/office/mac/drawingml/2011/main" xmlns:a14="http://schemas.microsoft.com/office/drawing/2010/main" xmlns:m="http://schemas.openxmlformats.org/officeDocument/2006/math" xmlns="" val="1"/>
+              <ma14:wrappingTextBoxFlag xmlns="" xmlns:m="http://schemas.openxmlformats.org/officeDocument/2006/math" xmlns:a14="http://schemas.microsoft.com/office/drawing/2010/main" xmlns:ma14="http://schemas.microsoft.com/office/mac/drawingml/2011/main" val="1"/>
             </a:ext>
           </a:extLst>
         </p:spPr>
@@ -10632,7 +15040,7 @@
           </a:ln>
           <a:extLst>
             <a:ext uri="{C572A759-6A51-4108-AA02-DFA0A04FC94B}">
-              <ma14:wrappingTextBoxFlag xmlns:ma14="http://schemas.microsoft.com/office/mac/drawingml/2011/main" xmlns:a14="http://schemas.microsoft.com/office/drawing/2010/main" xmlns:m="http://schemas.openxmlformats.org/officeDocument/2006/math" xmlns="" val="1"/>
+              <ma14:wrappingTextBoxFlag xmlns="" xmlns:m="http://schemas.openxmlformats.org/officeDocument/2006/math" xmlns:a14="http://schemas.microsoft.com/office/drawing/2010/main" xmlns:ma14="http://schemas.microsoft.com/office/mac/drawingml/2011/main" val="1"/>
             </a:ext>
           </a:extLst>
         </p:spPr>
@@ -10684,7 +15092,7 @@
           </a:ln>
           <a:extLst>
             <a:ext uri="{C572A759-6A51-4108-AA02-DFA0A04FC94B}">
-              <ma14:wrappingTextBoxFlag xmlns:ma14="http://schemas.microsoft.com/office/mac/drawingml/2011/main" xmlns:a14="http://schemas.microsoft.com/office/drawing/2010/main" xmlns:m="http://schemas.openxmlformats.org/officeDocument/2006/math" xmlns="" val="1"/>
+              <ma14:wrappingTextBoxFlag xmlns="" xmlns:m="http://schemas.openxmlformats.org/officeDocument/2006/math" xmlns:a14="http://schemas.microsoft.com/office/drawing/2010/main" xmlns:ma14="http://schemas.microsoft.com/office/mac/drawingml/2011/main" val="1"/>
             </a:ext>
           </a:extLst>
         </p:spPr>
@@ -10814,7 +15222,7 @@
           </a:ln>
           <a:extLst>
             <a:ext uri="{C572A759-6A51-4108-AA02-DFA0A04FC94B}">
-              <ma14:wrappingTextBoxFlag xmlns:ma14="http://schemas.microsoft.com/office/mac/drawingml/2011/main" xmlns:a14="http://schemas.microsoft.com/office/drawing/2010/main" xmlns:m="http://schemas.openxmlformats.org/officeDocument/2006/math" xmlns="" val="1"/>
+              <ma14:wrappingTextBoxFlag xmlns="" xmlns:m="http://schemas.openxmlformats.org/officeDocument/2006/math" xmlns:a14="http://schemas.microsoft.com/office/drawing/2010/main" xmlns:ma14="http://schemas.microsoft.com/office/mac/drawingml/2011/main" val="1"/>
             </a:ext>
           </a:extLst>
         </p:spPr>
@@ -10874,7 +15282,7 @@
             <a:effectLst/>
             <a:extLst>
               <a:ext uri="{C572A759-6A51-4108-AA02-DFA0A04FC94B}">
-                <ma14:wrappingTextBoxFlag xmlns:ma14="http://schemas.microsoft.com/office/mac/drawingml/2011/main" xmlns:a14="http://schemas.microsoft.com/office/drawing/2010/main" xmlns:m="http://schemas.openxmlformats.org/officeDocument/2006/math" xmlns="" val="1"/>
+                <ma14:wrappingTextBoxFlag xmlns="" xmlns:m="http://schemas.openxmlformats.org/officeDocument/2006/math" xmlns:a14="http://schemas.microsoft.com/office/drawing/2010/main" xmlns:ma14="http://schemas.microsoft.com/office/mac/drawingml/2011/main" val="1"/>
               </a:ext>
             </a:extLst>
           </p:spPr>
@@ -10924,7 +15332,7 @@
             <a:effectLst/>
             <a:extLst>
               <a:ext uri="{C572A759-6A51-4108-AA02-DFA0A04FC94B}">
-                <ma14:wrappingTextBoxFlag xmlns:ma14="http://schemas.microsoft.com/office/mac/drawingml/2011/main" xmlns:a14="http://schemas.microsoft.com/office/drawing/2010/main" xmlns:m="http://schemas.openxmlformats.org/officeDocument/2006/math" xmlns="" val="1"/>
+                <ma14:wrappingTextBoxFlag xmlns="" xmlns:m="http://schemas.openxmlformats.org/officeDocument/2006/math" xmlns:a14="http://schemas.microsoft.com/office/drawing/2010/main" xmlns:ma14="http://schemas.microsoft.com/office/mac/drawingml/2011/main" val="1"/>
               </a:ext>
             </a:extLst>
           </p:spPr>
@@ -10983,7 +15391,7 @@
           </a:ln>
           <a:extLst>
             <a:ext uri="{C572A759-6A51-4108-AA02-DFA0A04FC94B}">
-              <ma14:wrappingTextBoxFlag xmlns:ma14="http://schemas.microsoft.com/office/mac/drawingml/2011/main" xmlns:a14="http://schemas.microsoft.com/office/drawing/2010/main" xmlns:m="http://schemas.openxmlformats.org/officeDocument/2006/math" xmlns="" val="1"/>
+              <ma14:wrappingTextBoxFlag xmlns="" xmlns:m="http://schemas.openxmlformats.org/officeDocument/2006/math" xmlns:a14="http://schemas.microsoft.com/office/drawing/2010/main" xmlns:ma14="http://schemas.microsoft.com/office/mac/drawingml/2011/main" val="1"/>
             </a:ext>
           </a:extLst>
         </p:spPr>
@@ -11026,7 +15434,7 @@
           </a:ln>
           <a:extLst>
             <a:ext uri="{C572A759-6A51-4108-AA02-DFA0A04FC94B}">
-              <ma14:wrappingTextBoxFlag xmlns:ma14="http://schemas.microsoft.com/office/mac/drawingml/2011/main" xmlns:a14="http://schemas.microsoft.com/office/drawing/2010/main" xmlns:m="http://schemas.openxmlformats.org/officeDocument/2006/math" xmlns="" val="1"/>
+              <ma14:wrappingTextBoxFlag xmlns="" xmlns:m="http://schemas.openxmlformats.org/officeDocument/2006/math" xmlns:a14="http://schemas.microsoft.com/office/drawing/2010/main" xmlns:ma14="http://schemas.microsoft.com/office/mac/drawingml/2011/main" val="1"/>
             </a:ext>
           </a:extLst>
         </p:spPr>
@@ -11069,7 +15477,7 @@
           </a:ln>
           <a:extLst>
             <a:ext uri="{C572A759-6A51-4108-AA02-DFA0A04FC94B}">
-              <ma14:wrappingTextBoxFlag xmlns:ma14="http://schemas.microsoft.com/office/mac/drawingml/2011/main" xmlns:a14="http://schemas.microsoft.com/office/drawing/2010/main" xmlns:m="http://schemas.openxmlformats.org/officeDocument/2006/math" xmlns="" val="1"/>
+              <ma14:wrappingTextBoxFlag xmlns="" xmlns:m="http://schemas.openxmlformats.org/officeDocument/2006/math" xmlns:a14="http://schemas.microsoft.com/office/drawing/2010/main" xmlns:ma14="http://schemas.microsoft.com/office/mac/drawingml/2011/main" val="1"/>
             </a:ext>
           </a:extLst>
         </p:spPr>
@@ -11167,7 +15575,7 @@
           </a:ln>
           <a:extLst>
             <a:ext uri="{C572A759-6A51-4108-AA02-DFA0A04FC94B}">
-              <ma14:wrappingTextBoxFlag xmlns:ma14="http://schemas.microsoft.com/office/mac/drawingml/2011/main" xmlns:a14="http://schemas.microsoft.com/office/drawing/2010/main" xmlns:m="http://schemas.openxmlformats.org/officeDocument/2006/math" xmlns="" val="1"/>
+              <ma14:wrappingTextBoxFlag xmlns="" xmlns:m="http://schemas.openxmlformats.org/officeDocument/2006/math" xmlns:a14="http://schemas.microsoft.com/office/drawing/2010/main" xmlns:ma14="http://schemas.microsoft.com/office/mac/drawingml/2011/main" val="1"/>
             </a:ext>
           </a:extLst>
         </p:spPr>
@@ -11279,7 +15687,7 @@
           </a:ln>
           <a:extLst>
             <a:ext uri="{C572A759-6A51-4108-AA02-DFA0A04FC94B}">
-              <ma14:wrappingTextBoxFlag xmlns:ma14="http://schemas.microsoft.com/office/mac/drawingml/2011/main" xmlns:a14="http://schemas.microsoft.com/office/drawing/2010/main" xmlns:m="http://schemas.openxmlformats.org/officeDocument/2006/math" xmlns="" val="1"/>
+              <ma14:wrappingTextBoxFlag xmlns="" xmlns:m="http://schemas.openxmlformats.org/officeDocument/2006/math" xmlns:a14="http://schemas.microsoft.com/office/drawing/2010/main" xmlns:ma14="http://schemas.microsoft.com/office/mac/drawingml/2011/main" val="1"/>
             </a:ext>
           </a:extLst>
         </p:spPr>
@@ -11339,7 +15747,7 @@
             <a:effectLst/>
             <a:extLst>
               <a:ext uri="{C572A759-6A51-4108-AA02-DFA0A04FC94B}">
-                <ma14:wrappingTextBoxFlag xmlns:ma14="http://schemas.microsoft.com/office/mac/drawingml/2011/main" xmlns:a14="http://schemas.microsoft.com/office/drawing/2010/main" xmlns:m="http://schemas.openxmlformats.org/officeDocument/2006/math" xmlns="" val="1"/>
+                <ma14:wrappingTextBoxFlag xmlns="" xmlns:m="http://schemas.openxmlformats.org/officeDocument/2006/math" xmlns:a14="http://schemas.microsoft.com/office/drawing/2010/main" xmlns:ma14="http://schemas.microsoft.com/office/mac/drawingml/2011/main" val="1"/>
               </a:ext>
             </a:extLst>
           </p:spPr>
@@ -11389,7 +15797,7 @@
             <a:effectLst/>
             <a:extLst>
               <a:ext uri="{C572A759-6A51-4108-AA02-DFA0A04FC94B}">
-                <ma14:wrappingTextBoxFlag xmlns:ma14="http://schemas.microsoft.com/office/mac/drawingml/2011/main" xmlns:a14="http://schemas.microsoft.com/office/drawing/2010/main" xmlns:m="http://schemas.openxmlformats.org/officeDocument/2006/math" xmlns="" val="1"/>
+                <ma14:wrappingTextBoxFlag xmlns="" xmlns:m="http://schemas.openxmlformats.org/officeDocument/2006/math" xmlns:a14="http://schemas.microsoft.com/office/drawing/2010/main" xmlns:ma14="http://schemas.microsoft.com/office/mac/drawingml/2011/main" val="1"/>
               </a:ext>
             </a:extLst>
           </p:spPr>
@@ -11448,7 +15856,7 @@
           </a:ln>
           <a:extLst>
             <a:ext uri="{C572A759-6A51-4108-AA02-DFA0A04FC94B}">
-              <ma14:wrappingTextBoxFlag xmlns:ma14="http://schemas.microsoft.com/office/mac/drawingml/2011/main" xmlns:a14="http://schemas.microsoft.com/office/drawing/2010/main" xmlns:m="http://schemas.openxmlformats.org/officeDocument/2006/math" xmlns="" val="1"/>
+              <ma14:wrappingTextBoxFlag xmlns="" xmlns:m="http://schemas.openxmlformats.org/officeDocument/2006/math" xmlns:a14="http://schemas.microsoft.com/office/drawing/2010/main" xmlns:ma14="http://schemas.microsoft.com/office/mac/drawingml/2011/main" val="1"/>
             </a:ext>
           </a:extLst>
         </p:spPr>
@@ -11486,7 +15894,7 @@
           <p:cNvPr id="13" name="TextBox 23">
             <a:extLst>
               <a:ext uri="{FF2B5EF4-FFF2-40B4-BE49-F238E27FC236}">
-                <a16:creationId xmlns:a16="http://schemas.microsoft.com/office/drawing/2014/main" id="{E68FEF9F-639C-484C-A523-61BE25120B91}"/>
+                <a16:creationId xmlns:a16="http://schemas.microsoft.com/office/drawing/2014/main" xmlns="" id="{E68FEF9F-639C-484C-A523-61BE25120B91}"/>
               </a:ext>
             </a:extLst>
           </p:cNvPr>
@@ -11506,7 +15914,7 @@
           </a:ln>
           <a:extLst>
             <a:ext uri="{C572A759-6A51-4108-AA02-DFA0A04FC94B}">
-              <ma14:wrappingTextBoxFlag xmlns="" xmlns:m="http://schemas.openxmlformats.org/officeDocument/2006/math" xmlns:a14="http://schemas.microsoft.com/office/drawing/2010/main" xmlns:ma14="http://schemas.microsoft.com/office/mac/drawingml/2011/main" val="1"/>
+              <ma14:wrappingTextBoxFlag xmlns:ma14="http://schemas.microsoft.com/office/mac/drawingml/2011/main" xmlns:a14="http://schemas.microsoft.com/office/drawing/2010/main" xmlns:m="http://schemas.openxmlformats.org/officeDocument/2006/math" xmlns="" val="1"/>
             </a:ext>
           </a:extLst>
         </p:spPr>
@@ -11553,7 +15961,7 @@
           <p:cNvPr id="14" name="TextBox 24">
             <a:extLst>
               <a:ext uri="{FF2B5EF4-FFF2-40B4-BE49-F238E27FC236}">
-                <a16:creationId xmlns:a16="http://schemas.microsoft.com/office/drawing/2014/main" id="{4DB1C401-C317-4429-9CD4-0B6425A83D4D}"/>
+                <a16:creationId xmlns:a16="http://schemas.microsoft.com/office/drawing/2014/main" xmlns="" id="{4DB1C401-C317-4429-9CD4-0B6425A83D4D}"/>
               </a:ext>
             </a:extLst>
           </p:cNvPr>
@@ -11573,7 +15981,7 @@
           </a:ln>
           <a:extLst>
             <a:ext uri="{C572A759-6A51-4108-AA02-DFA0A04FC94B}">
-              <ma14:wrappingTextBoxFlag xmlns="" xmlns:m="http://schemas.openxmlformats.org/officeDocument/2006/math" xmlns:a14="http://schemas.microsoft.com/office/drawing/2010/main" xmlns:ma14="http://schemas.microsoft.com/office/mac/drawingml/2011/main" val="1"/>
+              <ma14:wrappingTextBoxFlag xmlns:ma14="http://schemas.microsoft.com/office/mac/drawingml/2011/main" xmlns:a14="http://schemas.microsoft.com/office/drawing/2010/main" xmlns:m="http://schemas.openxmlformats.org/officeDocument/2006/math" xmlns="" val="1"/>
             </a:ext>
           </a:extLst>
         </p:spPr>
@@ -11770,7 +16178,7 @@
           <p:cNvPr id="15" name="TextBox 14">
             <a:extLst>
               <a:ext uri="{FF2B5EF4-FFF2-40B4-BE49-F238E27FC236}">
-                <a16:creationId xmlns:a16="http://schemas.microsoft.com/office/drawing/2014/main" id="{9FB10F62-E21E-4BC8-B4DB-5915D5B14021}"/>
+                <a16:creationId xmlns:a16="http://schemas.microsoft.com/office/drawing/2014/main" xmlns="" id="{9FB10F62-E21E-4BC8-B4DB-5915D5B14021}"/>
               </a:ext>
             </a:extLst>
           </p:cNvPr>
@@ -11964,6 +16372,92 @@
               <a:t>)</a:t>
             </a:r>
             <a:endParaRPr kumimoji="0" lang="ko-KR" altLang="en-US" sz="1600" b="0" i="0" u="none" strike="noStrike" cap="none" spc="0" normalizeH="0" baseline="0">
+              <a:ln>
+                <a:noFill/>
+              </a:ln>
+              <a:solidFill>
+                <a:srgbClr val="3A3838"/>
+              </a:solidFill>
+              <a:effectLst/>
+              <a:uFillTx/>
+              <a:latin typeface="Arial"/>
+              <a:ea typeface="Arial"/>
+              <a:cs typeface="Arial"/>
+              <a:sym typeface="Arial"/>
+            </a:endParaRPr>
+          </a:p>
+        </p:txBody>
+      </p:sp>
+      <p:sp>
+        <p:nvSpPr>
+          <p:cNvPr id="16" name="직사각형 15"/>
+          <p:cNvSpPr/>
+          <p:nvPr/>
+        </p:nvSpPr>
+        <p:spPr>
+          <a:xfrm>
+            <a:off x="1344646" y="1186269"/>
+            <a:ext cx="3257115" cy="5091520"/>
+          </a:xfrm>
+          <a:prstGeom prst="rect">
+            <a:avLst/>
+          </a:prstGeom>
+          <a:blipFill dpi="0" rotWithShape="1">
+            <a:blip r:embed="rId2">
+              <a:extLst>
+                <a:ext uri="{28A0092B-C50C-407E-A947-70E740481C1C}">
+                  <a14:useLocalDpi xmlns:a14="http://schemas.microsoft.com/office/drawing/2010/main" val="0"/>
+                </a:ext>
+              </a:extLst>
+            </a:blip>
+            <a:srcRect/>
+            <a:stretch>
+              <a:fillRect/>
+            </a:stretch>
+          </a:blipFill>
+          <a:ln w="12700" cap="flat">
+            <a:noFill/>
+            <a:prstDash val="solid"/>
+            <a:miter lim="800000"/>
+          </a:ln>
+          <a:effectLst/>
+          <a:sp3d/>
+        </p:spPr>
+        <p:style>
+          <a:lnRef idx="0">
+            <a:scrgbClr r="0" g="0" b="0"/>
+          </a:lnRef>
+          <a:fillRef idx="0">
+            <a:scrgbClr r="0" g="0" b="0"/>
+          </a:fillRef>
+          <a:effectRef idx="0">
+            <a:scrgbClr r="0" g="0" b="0"/>
+          </a:effectRef>
+          <a:fontRef idx="none"/>
+        </p:style>
+        <p:txBody>
+          <a:bodyPr rot="0" spcFirstLastPara="1" vertOverflow="overflow" horzOverflow="overflow" vert="horz" wrap="square" lIns="45719" tIns="45719" rIns="45719" bIns="45719" numCol="1" spcCol="38100" rtlCol="0" anchor="ctr">
+            <a:spAutoFit/>
+          </a:bodyPr>
+          <a:lstStyle/>
+          <a:p>
+            <a:pPr marL="0" marR="0" indent="0" algn="l" defTabSz="914400" rtl="0" fontAlgn="auto" latinLnBrk="0" hangingPunct="0">
+              <a:lnSpc>
+                <a:spcPct val="100000"/>
+              </a:lnSpc>
+              <a:spcBef>
+                <a:spcPts val="0"/>
+              </a:spcBef>
+              <a:spcAft>
+                <a:spcPts val="0"/>
+              </a:spcAft>
+              <a:buClrTx/>
+              <a:buSzTx/>
+              <a:buFontTx/>
+              <a:buNone/>
+              <a:tabLst/>
+            </a:pPr>
+            <a:endParaRPr kumimoji="0" lang="ko-KR" altLang="en-US" sz="1800" b="0" i="0" u="none" strike="noStrike" cap="none" spc="0" normalizeH="0" baseline="0">
               <a:ln>
                 <a:noFill/>
               </a:ln>
@@ -12025,7 +16519,7 @@
           </a:ln>
           <a:extLst>
             <a:ext uri="{C572A759-6A51-4108-AA02-DFA0A04FC94B}">
-              <ma14:wrappingTextBoxFlag xmlns:ma14="http://schemas.microsoft.com/office/mac/drawingml/2011/main" xmlns:a14="http://schemas.microsoft.com/office/drawing/2010/main" xmlns:m="http://schemas.openxmlformats.org/officeDocument/2006/math" xmlns="" val="1"/>
+              <ma14:wrappingTextBoxFlag xmlns="" xmlns:m="http://schemas.openxmlformats.org/officeDocument/2006/math" xmlns:a14="http://schemas.microsoft.com/office/drawing/2010/main" xmlns:ma14="http://schemas.microsoft.com/office/mac/drawingml/2011/main" val="1"/>
             </a:ext>
           </a:extLst>
         </p:spPr>
@@ -12068,7 +16562,7 @@
           </a:ln>
           <a:extLst>
             <a:ext uri="{C572A759-6A51-4108-AA02-DFA0A04FC94B}">
-              <ma14:wrappingTextBoxFlag xmlns:ma14="http://schemas.microsoft.com/office/mac/drawingml/2011/main" xmlns:a14="http://schemas.microsoft.com/office/drawing/2010/main" xmlns:m="http://schemas.openxmlformats.org/officeDocument/2006/math" xmlns="" val="1"/>
+              <ma14:wrappingTextBoxFlag xmlns="" xmlns:m="http://schemas.openxmlformats.org/officeDocument/2006/math" xmlns:a14="http://schemas.microsoft.com/office/drawing/2010/main" xmlns:ma14="http://schemas.microsoft.com/office/mac/drawingml/2011/main" val="1"/>
             </a:ext>
           </a:extLst>
         </p:spPr>
@@ -12117,7 +16611,7 @@
           </a:ln>
           <a:extLst>
             <a:ext uri="{C572A759-6A51-4108-AA02-DFA0A04FC94B}">
-              <ma14:wrappingTextBoxFlag xmlns:ma14="http://schemas.microsoft.com/office/mac/drawingml/2011/main" xmlns:a14="http://schemas.microsoft.com/office/drawing/2010/main" xmlns:m="http://schemas.openxmlformats.org/officeDocument/2006/math" xmlns="" val="1"/>
+              <ma14:wrappingTextBoxFlag xmlns="" xmlns:m="http://schemas.openxmlformats.org/officeDocument/2006/math" xmlns:a14="http://schemas.microsoft.com/office/drawing/2010/main" xmlns:ma14="http://schemas.microsoft.com/office/mac/drawingml/2011/main" val="1"/>
             </a:ext>
           </a:extLst>
         </p:spPr>
@@ -12193,7 +16687,7 @@
           </a:ln>
           <a:extLst>
             <a:ext uri="{C572A759-6A51-4108-AA02-DFA0A04FC94B}">
-              <ma14:wrappingTextBoxFlag xmlns:ma14="http://schemas.microsoft.com/office/mac/drawingml/2011/main" xmlns:a14="http://schemas.microsoft.com/office/drawing/2010/main" xmlns:m="http://schemas.openxmlformats.org/officeDocument/2006/math" xmlns="" val="1"/>
+              <ma14:wrappingTextBoxFlag xmlns="" xmlns:m="http://schemas.openxmlformats.org/officeDocument/2006/math" xmlns:a14="http://schemas.microsoft.com/office/drawing/2010/main" xmlns:ma14="http://schemas.microsoft.com/office/mac/drawingml/2011/main" val="1"/>
             </a:ext>
           </a:extLst>
         </p:spPr>
@@ -12397,7 +16891,7 @@
           </a:ln>
           <a:extLst>
             <a:ext uri="{C572A759-6A51-4108-AA02-DFA0A04FC94B}">
-              <ma14:wrappingTextBoxFlag xmlns:ma14="http://schemas.microsoft.com/office/mac/drawingml/2011/main" xmlns:a14="http://schemas.microsoft.com/office/drawing/2010/main" xmlns:m="http://schemas.openxmlformats.org/officeDocument/2006/math" xmlns="" val="1"/>
+              <ma14:wrappingTextBoxFlag xmlns="" xmlns:m="http://schemas.openxmlformats.org/officeDocument/2006/math" xmlns:a14="http://schemas.microsoft.com/office/drawing/2010/main" xmlns:ma14="http://schemas.microsoft.com/office/mac/drawingml/2011/main" val="1"/>
             </a:ext>
           </a:extLst>
         </p:spPr>
@@ -12442,7 +16936,7 @@
           </a:ln>
           <a:extLst>
             <a:ext uri="{C572A759-6A51-4108-AA02-DFA0A04FC94B}">
-              <ma14:wrappingTextBoxFlag xmlns:ma14="http://schemas.microsoft.com/office/mac/drawingml/2011/main" xmlns:a14="http://schemas.microsoft.com/office/drawing/2010/main" xmlns:m="http://schemas.openxmlformats.org/officeDocument/2006/math" xmlns="" val="1"/>
+              <ma14:wrappingTextBoxFlag xmlns="" xmlns:m="http://schemas.openxmlformats.org/officeDocument/2006/math" xmlns:a14="http://schemas.microsoft.com/office/drawing/2010/main" xmlns:ma14="http://schemas.microsoft.com/office/mac/drawingml/2011/main" val="1"/>
             </a:ext>
           </a:extLst>
         </p:spPr>
@@ -12475,7 +16969,7 @@
           <p:cNvPr id="25" name="그룹 15">
             <a:extLst>
               <a:ext uri="{FF2B5EF4-FFF2-40B4-BE49-F238E27FC236}">
-                <a16:creationId xmlns:a16="http://schemas.microsoft.com/office/drawing/2014/main" id="{0B1AE4F2-4011-4D8B-860A-F59E1590DCDE}"/>
+                <a16:creationId xmlns:a16="http://schemas.microsoft.com/office/drawing/2014/main" xmlns="" id="{0B1AE4F2-4011-4D8B-860A-F59E1590DCDE}"/>
               </a:ext>
             </a:extLst>
           </p:cNvPr>
@@ -12495,7 +16989,7 @@
             <p:cNvPr id="26" name="타원 1">
               <a:extLst>
                 <a:ext uri="{FF2B5EF4-FFF2-40B4-BE49-F238E27FC236}">
-                  <a16:creationId xmlns:a16="http://schemas.microsoft.com/office/drawing/2014/main" id="{A8CD949E-08E2-4268-9DEA-0873C2605A6A}"/>
+                  <a16:creationId xmlns:a16="http://schemas.microsoft.com/office/drawing/2014/main" xmlns="" id="{A8CD949E-08E2-4268-9DEA-0873C2605A6A}"/>
                 </a:ext>
               </a:extLst>
             </p:cNvPr>
@@ -12543,7 +17037,7 @@
             <p:cNvPr id="27" name="타원 5">
               <a:extLst>
                 <a:ext uri="{FF2B5EF4-FFF2-40B4-BE49-F238E27FC236}">
-                  <a16:creationId xmlns:a16="http://schemas.microsoft.com/office/drawing/2014/main" id="{AFE04FA6-FEBA-48BD-A9FE-46496C320D5E}"/>
+                  <a16:creationId xmlns:a16="http://schemas.microsoft.com/office/drawing/2014/main" xmlns="" id="{AFE04FA6-FEBA-48BD-A9FE-46496C320D5E}"/>
                 </a:ext>
               </a:extLst>
             </p:cNvPr>
@@ -12591,7 +17085,7 @@
             <p:cNvPr id="28" name="타원 11">
               <a:extLst>
                 <a:ext uri="{FF2B5EF4-FFF2-40B4-BE49-F238E27FC236}">
-                  <a16:creationId xmlns:a16="http://schemas.microsoft.com/office/drawing/2014/main" id="{C93D3F15-C45D-4B60-9BFD-91B7BF5CCD3F}"/>
+                  <a16:creationId xmlns:a16="http://schemas.microsoft.com/office/drawing/2014/main" xmlns="" id="{C93D3F15-C45D-4B60-9BFD-91B7BF5CCD3F}"/>
                 </a:ext>
               </a:extLst>
             </p:cNvPr>
@@ -12640,7 +17134,7 @@
           <p:cNvPr id="29" name="그룹 12">
             <a:extLst>
               <a:ext uri="{FF2B5EF4-FFF2-40B4-BE49-F238E27FC236}">
-                <a16:creationId xmlns:a16="http://schemas.microsoft.com/office/drawing/2014/main" id="{324D0FF3-8508-4C4D-B081-BFE544B4FF03}"/>
+                <a16:creationId xmlns:a16="http://schemas.microsoft.com/office/drawing/2014/main" xmlns="" id="{324D0FF3-8508-4C4D-B081-BFE544B4FF03}"/>
               </a:ext>
             </a:extLst>
           </p:cNvPr>
@@ -12660,7 +17154,7 @@
             <p:cNvPr id="30" name="TextBox 13">
               <a:extLst>
                 <a:ext uri="{FF2B5EF4-FFF2-40B4-BE49-F238E27FC236}">
-                  <a16:creationId xmlns:a16="http://schemas.microsoft.com/office/drawing/2014/main" id="{D8739639-1028-4D2D-BF24-880D3E24BC0C}"/>
+                  <a16:creationId xmlns:a16="http://schemas.microsoft.com/office/drawing/2014/main" xmlns="" id="{D8739639-1028-4D2D-BF24-880D3E24BC0C}"/>
                 </a:ext>
               </a:extLst>
             </p:cNvPr>
@@ -12683,7 +17177,7 @@
             <a:effectLst/>
             <a:extLst>
               <a:ext uri="{C572A759-6A51-4108-AA02-DFA0A04FC94B}">
-                <ma14:wrappingTextBoxFlag xmlns="" xmlns:m="http://schemas.openxmlformats.org/officeDocument/2006/math" xmlns:a14="http://schemas.microsoft.com/office/drawing/2010/main" xmlns:ma14="http://schemas.microsoft.com/office/mac/drawingml/2011/main" val="1"/>
+                <ma14:wrappingTextBoxFlag xmlns:ma14="http://schemas.microsoft.com/office/mac/drawingml/2011/main" xmlns:a14="http://schemas.microsoft.com/office/drawing/2010/main" xmlns:m="http://schemas.openxmlformats.org/officeDocument/2006/math" xmlns="" val="1"/>
               </a:ext>
             </a:extLst>
           </p:spPr>
@@ -12736,7 +17230,7 @@
             <p:cNvPr id="31" name="TextBox 14">
               <a:extLst>
                 <a:ext uri="{FF2B5EF4-FFF2-40B4-BE49-F238E27FC236}">
-                  <a16:creationId xmlns:a16="http://schemas.microsoft.com/office/drawing/2014/main" id="{4A546A0C-47A8-48C0-9921-551DFCFF8782}"/>
+                  <a16:creationId xmlns:a16="http://schemas.microsoft.com/office/drawing/2014/main" xmlns="" id="{4A546A0C-47A8-48C0-9921-551DFCFF8782}"/>
                 </a:ext>
               </a:extLst>
             </p:cNvPr>
@@ -12759,7 +17253,7 @@
             <a:effectLst/>
             <a:extLst>
               <a:ext uri="{C572A759-6A51-4108-AA02-DFA0A04FC94B}">
-                <ma14:wrappingTextBoxFlag xmlns="" xmlns:m="http://schemas.openxmlformats.org/officeDocument/2006/math" xmlns:a14="http://schemas.microsoft.com/office/drawing/2010/main" xmlns:ma14="http://schemas.microsoft.com/office/mac/drawingml/2011/main" val="1"/>
+                <ma14:wrappingTextBoxFlag xmlns:ma14="http://schemas.microsoft.com/office/mac/drawingml/2011/main" xmlns:a14="http://schemas.microsoft.com/office/drawing/2010/main" xmlns:m="http://schemas.openxmlformats.org/officeDocument/2006/math" xmlns="" val="1"/>
               </a:ext>
             </a:extLst>
           </p:spPr>
@@ -12857,7 +17351,7 @@
           <p:cNvPr id="32" name="그룹 20">
             <a:extLst>
               <a:ext uri="{FF2B5EF4-FFF2-40B4-BE49-F238E27FC236}">
-                <a16:creationId xmlns:a16="http://schemas.microsoft.com/office/drawing/2014/main" id="{5282BC63-84DA-4EDF-AC0C-E87D64A498D4}"/>
+                <a16:creationId xmlns:a16="http://schemas.microsoft.com/office/drawing/2014/main" xmlns="" id="{5282BC63-84DA-4EDF-AC0C-E87D64A498D4}"/>
               </a:ext>
             </a:extLst>
           </p:cNvPr>
@@ -12877,7 +17371,7 @@
             <p:cNvPr id="33" name="TextBox 21">
               <a:extLst>
                 <a:ext uri="{FF2B5EF4-FFF2-40B4-BE49-F238E27FC236}">
-                  <a16:creationId xmlns:a16="http://schemas.microsoft.com/office/drawing/2014/main" id="{4F4CE13A-7CC2-4662-AF74-E1B19B7ECE4B}"/>
+                  <a16:creationId xmlns:a16="http://schemas.microsoft.com/office/drawing/2014/main" xmlns="" id="{4F4CE13A-7CC2-4662-AF74-E1B19B7ECE4B}"/>
                 </a:ext>
               </a:extLst>
             </p:cNvPr>
@@ -12900,7 +17394,7 @@
             <a:effectLst/>
             <a:extLst>
               <a:ext uri="{C572A759-6A51-4108-AA02-DFA0A04FC94B}">
-                <ma14:wrappingTextBoxFlag xmlns="" xmlns:m="http://schemas.openxmlformats.org/officeDocument/2006/math" xmlns:a14="http://schemas.microsoft.com/office/drawing/2010/main" xmlns:ma14="http://schemas.microsoft.com/office/mac/drawingml/2011/main" val="1"/>
+                <ma14:wrappingTextBoxFlag xmlns:ma14="http://schemas.microsoft.com/office/mac/drawingml/2011/main" xmlns:a14="http://schemas.microsoft.com/office/drawing/2010/main" xmlns:m="http://schemas.openxmlformats.org/officeDocument/2006/math" xmlns="" val="1"/>
               </a:ext>
             </a:extLst>
           </p:spPr>
@@ -12949,7 +17443,7 @@
             <p:cNvPr id="34" name="TextBox 22">
               <a:extLst>
                 <a:ext uri="{FF2B5EF4-FFF2-40B4-BE49-F238E27FC236}">
-                  <a16:creationId xmlns:a16="http://schemas.microsoft.com/office/drawing/2014/main" id="{8D4CA600-4AE9-4F2E-AA26-55BE6E1A04DB}"/>
+                  <a16:creationId xmlns:a16="http://schemas.microsoft.com/office/drawing/2014/main" xmlns="" id="{8D4CA600-4AE9-4F2E-AA26-55BE6E1A04DB}"/>
                 </a:ext>
               </a:extLst>
             </p:cNvPr>
@@ -12972,7 +17466,7 @@
             <a:effectLst/>
             <a:extLst>
               <a:ext uri="{C572A759-6A51-4108-AA02-DFA0A04FC94B}">
-                <ma14:wrappingTextBoxFlag xmlns="" xmlns:m="http://schemas.openxmlformats.org/officeDocument/2006/math" xmlns:a14="http://schemas.microsoft.com/office/drawing/2010/main" xmlns:ma14="http://schemas.microsoft.com/office/mac/drawingml/2011/main" val="1"/>
+                <ma14:wrappingTextBoxFlag xmlns:ma14="http://schemas.microsoft.com/office/mac/drawingml/2011/main" xmlns:a14="http://schemas.microsoft.com/office/drawing/2010/main" xmlns:m="http://schemas.openxmlformats.org/officeDocument/2006/math" xmlns="" val="1"/>
               </a:ext>
             </a:extLst>
           </p:spPr>
@@ -13016,7 +17510,7 @@
           <p:cNvPr id="35" name="그룹 23">
             <a:extLst>
               <a:ext uri="{FF2B5EF4-FFF2-40B4-BE49-F238E27FC236}">
-                <a16:creationId xmlns:a16="http://schemas.microsoft.com/office/drawing/2014/main" id="{DEBC432D-CCA3-4A86-8C79-5E14D38084A5}"/>
+                <a16:creationId xmlns:a16="http://schemas.microsoft.com/office/drawing/2014/main" xmlns="" id="{DEBC432D-CCA3-4A86-8C79-5E14D38084A5}"/>
               </a:ext>
             </a:extLst>
           </p:cNvPr>
@@ -13036,7 +17530,7 @@
             <p:cNvPr id="36" name="TextBox 24">
               <a:extLst>
                 <a:ext uri="{FF2B5EF4-FFF2-40B4-BE49-F238E27FC236}">
-                  <a16:creationId xmlns:a16="http://schemas.microsoft.com/office/drawing/2014/main" id="{6D8191A6-BE70-4305-B10E-C96F5C1D9E73}"/>
+                  <a16:creationId xmlns:a16="http://schemas.microsoft.com/office/drawing/2014/main" xmlns="" id="{6D8191A6-BE70-4305-B10E-C96F5C1D9E73}"/>
                 </a:ext>
               </a:extLst>
             </p:cNvPr>
@@ -13059,7 +17553,7 @@
             <a:effectLst/>
             <a:extLst>
               <a:ext uri="{C572A759-6A51-4108-AA02-DFA0A04FC94B}">
-                <ma14:wrappingTextBoxFlag xmlns="" xmlns:m="http://schemas.openxmlformats.org/officeDocument/2006/math" xmlns:a14="http://schemas.microsoft.com/office/drawing/2010/main" xmlns:ma14="http://schemas.microsoft.com/office/mac/drawingml/2011/main" val="1"/>
+                <ma14:wrappingTextBoxFlag xmlns:ma14="http://schemas.microsoft.com/office/mac/drawingml/2011/main" xmlns:a14="http://schemas.microsoft.com/office/drawing/2010/main" xmlns:m="http://schemas.openxmlformats.org/officeDocument/2006/math" xmlns="" val="1"/>
               </a:ext>
             </a:extLst>
           </p:spPr>
@@ -13097,7 +17591,7 @@
             <p:cNvPr id="37" name="TextBox 25">
               <a:extLst>
                 <a:ext uri="{FF2B5EF4-FFF2-40B4-BE49-F238E27FC236}">
-                  <a16:creationId xmlns:a16="http://schemas.microsoft.com/office/drawing/2014/main" id="{B6FD8642-BEC8-4348-986F-49A1EDB5DC8B}"/>
+                  <a16:creationId xmlns:a16="http://schemas.microsoft.com/office/drawing/2014/main" xmlns="" id="{B6FD8642-BEC8-4348-986F-49A1EDB5DC8B}"/>
                 </a:ext>
               </a:extLst>
             </p:cNvPr>
@@ -13120,7 +17614,7 @@
             <a:effectLst/>
             <a:extLst>
               <a:ext uri="{C572A759-6A51-4108-AA02-DFA0A04FC94B}">
-                <ma14:wrappingTextBoxFlag xmlns="" xmlns:m="http://schemas.openxmlformats.org/officeDocument/2006/math" xmlns:a14="http://schemas.microsoft.com/office/drawing/2010/main" xmlns:ma14="http://schemas.microsoft.com/office/mac/drawingml/2011/main" val="1"/>
+                <ma14:wrappingTextBoxFlag xmlns:ma14="http://schemas.microsoft.com/office/mac/drawingml/2011/main" xmlns:a14="http://schemas.microsoft.com/office/drawing/2010/main" xmlns:m="http://schemas.openxmlformats.org/officeDocument/2006/math" xmlns="" val="1"/>
               </a:ext>
             </a:extLst>
           </p:spPr>
@@ -13177,7 +17671,7 @@
           <p:cNvPr id="38" name="직선 연결선 28">
             <a:extLst>
               <a:ext uri="{FF2B5EF4-FFF2-40B4-BE49-F238E27FC236}">
-                <a16:creationId xmlns:a16="http://schemas.microsoft.com/office/drawing/2014/main" id="{AEEC274E-D2B2-49E0-A819-DDEDF36D34BD}"/>
+                <a16:creationId xmlns:a16="http://schemas.microsoft.com/office/drawing/2014/main" xmlns="" id="{AEEC274E-D2B2-49E0-A819-DDEDF36D34BD}"/>
               </a:ext>
             </a:extLst>
           </p:cNvPr>
@@ -13212,7 +17706,7 @@
           <p:cNvPr id="39" name="직선 연결선 29">
             <a:extLst>
               <a:ext uri="{FF2B5EF4-FFF2-40B4-BE49-F238E27FC236}">
-                <a16:creationId xmlns:a16="http://schemas.microsoft.com/office/drawing/2014/main" id="{24A46059-7796-4BA4-8A73-637BCA571AFE}"/>
+                <a16:creationId xmlns:a16="http://schemas.microsoft.com/office/drawing/2014/main" xmlns="" id="{24A46059-7796-4BA4-8A73-637BCA571AFE}"/>
               </a:ext>
             </a:extLst>
           </p:cNvPr>
@@ -13247,7 +17741,7 @@
           <p:cNvPr id="40" name="직선 연결선 30">
             <a:extLst>
               <a:ext uri="{FF2B5EF4-FFF2-40B4-BE49-F238E27FC236}">
-                <a16:creationId xmlns:a16="http://schemas.microsoft.com/office/drawing/2014/main" id="{58B17A4B-7B46-4B29-91C9-D8838A575727}"/>
+                <a16:creationId xmlns:a16="http://schemas.microsoft.com/office/drawing/2014/main" xmlns="" id="{58B17A4B-7B46-4B29-91C9-D8838A575727}"/>
               </a:ext>
             </a:extLst>
           </p:cNvPr>
@@ -13282,7 +17776,7 @@
           <p:cNvPr id="41" name="그룹 14">
             <a:extLst>
               <a:ext uri="{FF2B5EF4-FFF2-40B4-BE49-F238E27FC236}">
-                <a16:creationId xmlns:a16="http://schemas.microsoft.com/office/drawing/2014/main" id="{B65C5A68-93B3-48DE-81F2-C68C5C259B94}"/>
+                <a16:creationId xmlns:a16="http://schemas.microsoft.com/office/drawing/2014/main" xmlns="" id="{B65C5A68-93B3-48DE-81F2-C68C5C259B94}"/>
               </a:ext>
             </a:extLst>
           </p:cNvPr>
@@ -13302,7 +17796,7 @@
             <p:cNvPr id="42" name="TextBox 17">
               <a:extLst>
                 <a:ext uri="{FF2B5EF4-FFF2-40B4-BE49-F238E27FC236}">
-                  <a16:creationId xmlns:a16="http://schemas.microsoft.com/office/drawing/2014/main" id="{EC6A32A6-471B-4AA6-AABE-68E0AED7D2E9}"/>
+                  <a16:creationId xmlns:a16="http://schemas.microsoft.com/office/drawing/2014/main" xmlns="" id="{EC6A32A6-471B-4AA6-AABE-68E0AED7D2E9}"/>
                 </a:ext>
               </a:extLst>
             </p:cNvPr>
@@ -13325,7 +17819,7 @@
             <a:effectLst/>
             <a:extLst>
               <a:ext uri="{C572A759-6A51-4108-AA02-DFA0A04FC94B}">
-                <ma14:wrappingTextBoxFlag xmlns:ma14="http://schemas.microsoft.com/office/mac/drawingml/2011/main" xmlns:a14="http://schemas.microsoft.com/office/drawing/2010/main" xmlns:m="http://schemas.openxmlformats.org/officeDocument/2006/math" xmlns="" val="1"/>
+                <ma14:wrappingTextBoxFlag xmlns="" xmlns:m="http://schemas.openxmlformats.org/officeDocument/2006/math" xmlns:a14="http://schemas.microsoft.com/office/drawing/2010/main" xmlns:ma14="http://schemas.microsoft.com/office/mac/drawingml/2011/main" val="1"/>
               </a:ext>
             </a:extLst>
           </p:spPr>
@@ -13371,7 +17865,7 @@
             <p:cNvPr id="43" name="TextBox 18">
               <a:extLst>
                 <a:ext uri="{FF2B5EF4-FFF2-40B4-BE49-F238E27FC236}">
-                  <a16:creationId xmlns:a16="http://schemas.microsoft.com/office/drawing/2014/main" id="{D9A5D050-6ED0-4767-B708-D980766D185C}"/>
+                  <a16:creationId xmlns:a16="http://schemas.microsoft.com/office/drawing/2014/main" xmlns="" id="{D9A5D050-6ED0-4767-B708-D980766D185C}"/>
                 </a:ext>
               </a:extLst>
             </p:cNvPr>
@@ -13394,7 +17888,7 @@
             <a:effectLst/>
             <a:extLst>
               <a:ext uri="{C572A759-6A51-4108-AA02-DFA0A04FC94B}">
-                <ma14:wrappingTextBoxFlag xmlns:ma14="http://schemas.microsoft.com/office/mac/drawingml/2011/main" xmlns:a14="http://schemas.microsoft.com/office/drawing/2010/main" xmlns:m="http://schemas.openxmlformats.org/officeDocument/2006/math" xmlns="" val="1"/>
+                <ma14:wrappingTextBoxFlag xmlns="" xmlns:m="http://schemas.openxmlformats.org/officeDocument/2006/math" xmlns:a14="http://schemas.microsoft.com/office/drawing/2010/main" xmlns:ma14="http://schemas.microsoft.com/office/mac/drawingml/2011/main" val="1"/>
               </a:ext>
             </a:extLst>
           </p:spPr>
@@ -13485,7 +17979,7 @@
           </a:ln>
           <a:extLst>
             <a:ext uri="{C572A759-6A51-4108-AA02-DFA0A04FC94B}">
-              <ma14:wrappingTextBoxFlag xmlns:ma14="http://schemas.microsoft.com/office/mac/drawingml/2011/main" xmlns:a14="http://schemas.microsoft.com/office/drawing/2010/main" xmlns:m="http://schemas.openxmlformats.org/officeDocument/2006/math" xmlns="" val="1"/>
+              <ma14:wrappingTextBoxFlag xmlns="" xmlns:m="http://schemas.openxmlformats.org/officeDocument/2006/math" xmlns:a14="http://schemas.microsoft.com/office/drawing/2010/main" xmlns:ma14="http://schemas.microsoft.com/office/mac/drawingml/2011/main" val="1"/>
             </a:ext>
           </a:extLst>
         </p:spPr>
@@ -13597,7 +18091,7 @@
           </a:ln>
           <a:extLst>
             <a:ext uri="{C572A759-6A51-4108-AA02-DFA0A04FC94B}">
-              <ma14:wrappingTextBoxFlag xmlns:ma14="http://schemas.microsoft.com/office/mac/drawingml/2011/main" xmlns:a14="http://schemas.microsoft.com/office/drawing/2010/main" xmlns:m="http://schemas.openxmlformats.org/officeDocument/2006/math" xmlns="" val="1"/>
+              <ma14:wrappingTextBoxFlag xmlns="" xmlns:m="http://schemas.openxmlformats.org/officeDocument/2006/math" xmlns:a14="http://schemas.microsoft.com/office/drawing/2010/main" xmlns:ma14="http://schemas.microsoft.com/office/mac/drawingml/2011/main" val="1"/>
             </a:ext>
           </a:extLst>
         </p:spPr>
@@ -13659,7 +18153,7 @@
             <a:effectLst/>
             <a:extLst>
               <a:ext uri="{C572A759-6A51-4108-AA02-DFA0A04FC94B}">
-                <ma14:wrappingTextBoxFlag xmlns:ma14="http://schemas.microsoft.com/office/mac/drawingml/2011/main" xmlns:a14="http://schemas.microsoft.com/office/drawing/2010/main" xmlns:m="http://schemas.openxmlformats.org/officeDocument/2006/math" xmlns="" val="1"/>
+                <ma14:wrappingTextBoxFlag xmlns="" xmlns:m="http://schemas.openxmlformats.org/officeDocument/2006/math" xmlns:a14="http://schemas.microsoft.com/office/drawing/2010/main" xmlns:ma14="http://schemas.microsoft.com/office/mac/drawingml/2011/main" val="1"/>
               </a:ext>
             </a:extLst>
           </p:spPr>
@@ -13722,7 +18216,7 @@
             <a:effectLst/>
             <a:extLst>
               <a:ext uri="{C572A759-6A51-4108-AA02-DFA0A04FC94B}">
-                <ma14:wrappingTextBoxFlag xmlns:ma14="http://schemas.microsoft.com/office/mac/drawingml/2011/main" xmlns:a14="http://schemas.microsoft.com/office/drawing/2010/main" xmlns:m="http://schemas.openxmlformats.org/officeDocument/2006/math" xmlns="" val="1"/>
+                <ma14:wrappingTextBoxFlag xmlns="" xmlns:m="http://schemas.openxmlformats.org/officeDocument/2006/math" xmlns:a14="http://schemas.microsoft.com/office/drawing/2010/main" xmlns:ma14="http://schemas.microsoft.com/office/mac/drawingml/2011/main" val="1"/>
               </a:ext>
             </a:extLst>
           </p:spPr>
@@ -13773,7 +18267,7 @@
           <p:cNvPr id="2" name="표 1">
             <a:extLst>
               <a:ext uri="{FF2B5EF4-FFF2-40B4-BE49-F238E27FC236}">
-                <a16:creationId xmlns:a16="http://schemas.microsoft.com/office/drawing/2014/main" id="{37EBAD74-A618-47BE-9EB7-398D71D64CB7}"/>
+                <a16:creationId xmlns:a16="http://schemas.microsoft.com/office/drawing/2014/main" xmlns="" id="{37EBAD74-A618-47BE-9EB7-398D71D64CB7}"/>
               </a:ext>
             </a:extLst>
           </p:cNvPr>
@@ -13800,14 +18294,14 @@
                 <a:gridCol w="1083628">
                   <a:extLst>
                     <a:ext uri="{9D8B030D-6E8A-4147-A177-3AD203B41FA5}">
-                      <a16:colId xmlns:a16="http://schemas.microsoft.com/office/drawing/2014/main" val="1902489806"/>
+                      <a16:colId xmlns:a16="http://schemas.microsoft.com/office/drawing/2014/main" xmlns="" val="1902489806"/>
                     </a:ext>
                   </a:extLst>
                 </a:gridCol>
                 <a:gridCol w="9955215">
                   <a:extLst>
                     <a:ext uri="{9D8B030D-6E8A-4147-A177-3AD203B41FA5}">
-                      <a16:colId xmlns:a16="http://schemas.microsoft.com/office/drawing/2014/main" val="3673397358"/>
+                      <a16:colId xmlns:a16="http://schemas.microsoft.com/office/drawing/2014/main" xmlns="" val="3673397358"/>
                     </a:ext>
                   </a:extLst>
                 </a:gridCol>
@@ -13959,7 +18453,7 @@
                 </a:tc>
                 <a:extLst>
                   <a:ext uri="{0D108BD9-81ED-4DB2-BD59-A6C34878D82A}">
-                    <a16:rowId xmlns:a16="http://schemas.microsoft.com/office/drawing/2014/main" val="3108607188"/>
+                    <a16:rowId xmlns:a16="http://schemas.microsoft.com/office/drawing/2014/main" xmlns="" val="3108607188"/>
                   </a:ext>
                 </a:extLst>
               </a:tr>
@@ -14181,7 +18675,7 @@
                 </a:tc>
                 <a:extLst>
                   <a:ext uri="{0D108BD9-81ED-4DB2-BD59-A6C34878D82A}">
-                    <a16:rowId xmlns:a16="http://schemas.microsoft.com/office/drawing/2014/main" val="2127605802"/>
+                    <a16:rowId xmlns:a16="http://schemas.microsoft.com/office/drawing/2014/main" xmlns="" val="2127605802"/>
                   </a:ext>
                 </a:extLst>
               </a:tr>
@@ -14348,7 +18842,7 @@
                 </a:tc>
                 <a:extLst>
                   <a:ext uri="{0D108BD9-81ED-4DB2-BD59-A6C34878D82A}">
-                    <a16:rowId xmlns:a16="http://schemas.microsoft.com/office/drawing/2014/main" val="2015946701"/>
+                    <a16:rowId xmlns:a16="http://schemas.microsoft.com/office/drawing/2014/main" xmlns="" val="2015946701"/>
                   </a:ext>
                 </a:extLst>
               </a:tr>
@@ -14603,7 +19097,7 @@
                 </a:tc>
                 <a:extLst>
                   <a:ext uri="{0D108BD9-81ED-4DB2-BD59-A6C34878D82A}">
-                    <a16:rowId xmlns:a16="http://schemas.microsoft.com/office/drawing/2014/main" val="4175227250"/>
+                    <a16:rowId xmlns:a16="http://schemas.microsoft.com/office/drawing/2014/main" xmlns="" val="4175227250"/>
                   </a:ext>
                 </a:extLst>
               </a:tr>
@@ -14814,7 +19308,7 @@
                 </a:tc>
                 <a:extLst>
                   <a:ext uri="{0D108BD9-81ED-4DB2-BD59-A6C34878D82A}">
-                    <a16:rowId xmlns:a16="http://schemas.microsoft.com/office/drawing/2014/main" val="3372433075"/>
+                    <a16:rowId xmlns:a16="http://schemas.microsoft.com/office/drawing/2014/main" xmlns="" val="3372433075"/>
                   </a:ext>
                 </a:extLst>
               </a:tr>
@@ -15069,7 +19563,7 @@
                 </a:tc>
                 <a:extLst>
                   <a:ext uri="{0D108BD9-81ED-4DB2-BD59-A6C34878D82A}">
-                    <a16:rowId xmlns:a16="http://schemas.microsoft.com/office/drawing/2014/main" val="105103025"/>
+                    <a16:rowId xmlns:a16="http://schemas.microsoft.com/office/drawing/2014/main" xmlns="" val="105103025"/>
                   </a:ext>
                 </a:extLst>
               </a:tr>
@@ -15368,7 +19862,7 @@
                 </a:tc>
                 <a:extLst>
                   <a:ext uri="{0D108BD9-81ED-4DB2-BD59-A6C34878D82A}">
-                    <a16:rowId xmlns:a16="http://schemas.microsoft.com/office/drawing/2014/main" val="2184773282"/>
+                    <a16:rowId xmlns:a16="http://schemas.microsoft.com/office/drawing/2014/main" xmlns="" val="2184773282"/>
                   </a:ext>
                 </a:extLst>
               </a:tr>
@@ -15524,7 +20018,7 @@
                 </a:tc>
                 <a:extLst>
                   <a:ext uri="{0D108BD9-81ED-4DB2-BD59-A6C34878D82A}">
-                    <a16:rowId xmlns:a16="http://schemas.microsoft.com/office/drawing/2014/main" val="2138751804"/>
+                    <a16:rowId xmlns:a16="http://schemas.microsoft.com/office/drawing/2014/main" xmlns="" val="2138751804"/>
                   </a:ext>
                 </a:extLst>
               </a:tr>
@@ -15724,7 +20218,7 @@
                 </a:tc>
                 <a:extLst>
                   <a:ext uri="{0D108BD9-81ED-4DB2-BD59-A6C34878D82A}">
-                    <a16:rowId xmlns:a16="http://schemas.microsoft.com/office/drawing/2014/main" val="764936702"/>
+                    <a16:rowId xmlns:a16="http://schemas.microsoft.com/office/drawing/2014/main" xmlns="" val="764936702"/>
                   </a:ext>
                 </a:extLst>
               </a:tr>

--- a/졸업작품_구현환경 및 시스템 설명서_김다빈, 이상규, 차혜연.pptx
+++ b/졸업작품_구현환경 및 시스템 설명서_김다빈, 이상규, 차혜연.pptx
@@ -650,6 +650,7 @@
           <a:lstStyle/>
           <a:p>
             <a:fld id="{86CB4B4D-7CA3-9044-876B-883B54F8677D}" type="slidenum">
+              <a:rPr/>
               <a:t>‹#›</a:t>
             </a:fld>
             <a:endParaRPr/>
@@ -776,6 +777,7 @@
           <a:lstStyle/>
           <a:p>
             <a:fld id="{86CB4B4D-7CA3-9044-876B-883B54F8677D}" type="slidenum">
+              <a:rPr/>
               <a:t>‹#›</a:t>
             </a:fld>
             <a:endParaRPr/>
@@ -965,6 +967,7 @@
           <a:lstStyle/>
           <a:p>
             <a:fld id="{86CB4B4D-7CA3-9044-876B-883B54F8677D}" type="slidenum">
+              <a:rPr/>
               <a:t>‹#›</a:t>
             </a:fld>
             <a:endParaRPr/>
@@ -1095,6 +1098,7 @@
           <a:lstStyle/>
           <a:p>
             <a:fld id="{86CB4B4D-7CA3-9044-876B-883B54F8677D}" type="slidenum">
+              <a:rPr/>
               <a:t>‹#›</a:t>
             </a:fld>
             <a:endParaRPr/>
@@ -1293,6 +1297,7 @@
           <a:lstStyle/>
           <a:p>
             <a:fld id="{86CB4B4D-7CA3-9044-876B-883B54F8677D}" type="slidenum">
+              <a:rPr/>
               <a:t>‹#›</a:t>
             </a:fld>
             <a:endParaRPr/>
@@ -1370,6 +1375,7 @@
           <a:lstStyle/>
           <a:p>
             <a:fld id="{86CB4B4D-7CA3-9044-876B-883B54F8677D}" type="slidenum">
+              <a:rPr/>
               <a:t>‹#›</a:t>
             </a:fld>
             <a:endParaRPr/>
@@ -1422,6 +1428,7 @@
           <a:lstStyle/>
           <a:p>
             <a:fld id="{86CB4B4D-7CA3-9044-876B-883B54F8677D}" type="slidenum">
+              <a:rPr/>
               <a:t>‹#›</a:t>
             </a:fld>
             <a:endParaRPr/>
@@ -1609,6 +1616,7 @@
           <a:lstStyle/>
           <a:p>
             <a:fld id="{86CB4B4D-7CA3-9044-876B-883B54F8677D}" type="slidenum">
+              <a:rPr/>
               <a:t>‹#›</a:t>
             </a:fld>
             <a:endParaRPr/>
@@ -1807,6 +1815,7 @@
           <a:lstStyle/>
           <a:p>
             <a:fld id="{86CB4B4D-7CA3-9044-876B-883B54F8677D}" type="slidenum">
+              <a:rPr/>
               <a:t>‹#›</a:t>
             </a:fld>
             <a:endParaRPr/>
@@ -1866,7 +1875,7 @@
           </a:ln>
           <a:extLst>
             <a:ext uri="{C572A759-6A51-4108-AA02-DFA0A04FC94B}">
-              <ma14:wrappingTextBoxFlag xmlns="" xmlns:m="http://schemas.openxmlformats.org/officeDocument/2006/math" xmlns:a14="http://schemas.microsoft.com/office/drawing/2010/main" xmlns:ma14="http://schemas.microsoft.com/office/mac/drawingml/2011/main" val="1"/>
+              <ma14:wrappingTextBoxFlag xmlns:ma14="http://schemas.microsoft.com/office/mac/drawingml/2011/main" xmlns:a14="http://schemas.microsoft.com/office/drawing/2010/main" xmlns:m="http://schemas.openxmlformats.org/officeDocument/2006/math" xmlns="" val="1"/>
             </a:ext>
           </a:extLst>
         </p:spPr>
@@ -1889,6 +1898,7 @@
           </a:lstStyle>
           <a:p>
             <a:r>
+              <a:rPr/>
               <a:t>Copyrightⓒ. Saebyeol Yu. All Rights Reserved.</a:t>
             </a:r>
           </a:p>
@@ -1917,7 +1927,7 @@
           </a:ln>
           <a:extLst>
             <a:ext uri="{C572A759-6A51-4108-AA02-DFA0A04FC94B}">
-              <ma14:wrappingTextBoxFlag xmlns="" xmlns:m="http://schemas.openxmlformats.org/officeDocument/2006/math" xmlns:a14="http://schemas.microsoft.com/office/drawing/2010/main" xmlns:ma14="http://schemas.microsoft.com/office/mac/drawingml/2011/main" val="1"/>
+              <ma14:wrappingTextBoxFlag xmlns:ma14="http://schemas.microsoft.com/office/mac/drawingml/2011/main" xmlns:a14="http://schemas.microsoft.com/office/drawing/2010/main" xmlns:m="http://schemas.openxmlformats.org/officeDocument/2006/math" xmlns="" val="1"/>
             </a:ext>
           </a:extLst>
         </p:spPr>
@@ -1956,7 +1966,7 @@
           </a:ln>
           <a:extLst>
             <a:ext uri="{C572A759-6A51-4108-AA02-DFA0A04FC94B}">
-              <ma14:wrappingTextBoxFlag xmlns="" xmlns:m="http://schemas.openxmlformats.org/officeDocument/2006/math" xmlns:a14="http://schemas.microsoft.com/office/drawing/2010/main" xmlns:ma14="http://schemas.microsoft.com/office/mac/drawingml/2011/main" val="1"/>
+              <ma14:wrappingTextBoxFlag xmlns:ma14="http://schemas.microsoft.com/office/mac/drawingml/2011/main" xmlns:a14="http://schemas.microsoft.com/office/drawing/2010/main" xmlns:m="http://schemas.openxmlformats.org/officeDocument/2006/math" xmlns="" val="1"/>
             </a:ext>
           </a:extLst>
         </p:spPr>
@@ -2033,6 +2043,7 @@
           </a:lstStyle>
           <a:p>
             <a:fld id="{86CB4B4D-7CA3-9044-876B-883B54F8677D}" type="slidenum">
+              <a:rPr/>
               <a:t>‹#›</a:t>
             </a:fld>
             <a:endParaRPr/>
@@ -2901,7 +2912,7 @@
             <a:effectLst/>
             <a:extLst>
               <a:ext uri="{C572A759-6A51-4108-AA02-DFA0A04FC94B}">
-                <ma14:wrappingTextBoxFlag xmlns="" xmlns:m="http://schemas.openxmlformats.org/officeDocument/2006/math" xmlns:a14="http://schemas.microsoft.com/office/drawing/2010/main" xmlns:ma14="http://schemas.microsoft.com/office/mac/drawingml/2011/main" val="1"/>
+                <ma14:wrappingTextBoxFlag xmlns:ma14="http://schemas.microsoft.com/office/mac/drawingml/2011/main" xmlns:a14="http://schemas.microsoft.com/office/drawing/2010/main" xmlns:m="http://schemas.openxmlformats.org/officeDocument/2006/math" xmlns="" val="1"/>
               </a:ext>
             </a:extLst>
           </p:spPr>
@@ -2994,7 +3005,7 @@
             <a:effectLst/>
             <a:extLst>
               <a:ext uri="{C572A759-6A51-4108-AA02-DFA0A04FC94B}">
-                <ma14:wrappingTextBoxFlag xmlns="" xmlns:m="http://schemas.openxmlformats.org/officeDocument/2006/math" xmlns:a14="http://schemas.microsoft.com/office/drawing/2010/main" xmlns:ma14="http://schemas.microsoft.com/office/mac/drawingml/2011/main" val="1"/>
+                <ma14:wrappingTextBoxFlag xmlns:ma14="http://schemas.microsoft.com/office/mac/drawingml/2011/main" xmlns:a14="http://schemas.microsoft.com/office/drawing/2010/main" xmlns:m="http://schemas.openxmlformats.org/officeDocument/2006/math" xmlns="" val="1"/>
               </a:ext>
             </a:extLst>
           </p:spPr>
@@ -3014,6 +3025,7 @@
                 </a:defRPr>
               </a:pPr>
               <a:r>
+                <a:rPr/>
                 <a:t> </a:t>
               </a:r>
               <a:r>
@@ -3088,7 +3100,7 @@
           </a:ln>
           <a:extLst>
             <a:ext uri="{C572A759-6A51-4108-AA02-DFA0A04FC94B}">
-              <ma14:wrappingTextBoxFlag xmlns="" xmlns:m="http://schemas.openxmlformats.org/officeDocument/2006/math" xmlns:a14="http://schemas.microsoft.com/office/drawing/2010/main" xmlns:ma14="http://schemas.microsoft.com/office/mac/drawingml/2011/main" val="1"/>
+              <ma14:wrappingTextBoxFlag xmlns:ma14="http://schemas.microsoft.com/office/mac/drawingml/2011/main" xmlns:a14="http://schemas.microsoft.com/office/drawing/2010/main" xmlns:m="http://schemas.openxmlformats.org/officeDocument/2006/math" xmlns="" val="1"/>
             </a:ext>
           </a:extLst>
         </p:spPr>
@@ -3111,6 +3123,7 @@
           </a:lstStyle>
           <a:p>
             <a:r>
+              <a:rPr/>
               <a:t>Copyrightⓒ. Saebyeol Yu. All Rights Reserved.</a:t>
             </a:r>
           </a:p>
@@ -3234,7 +3247,7 @@
           </a:ln>
           <a:extLst>
             <a:ext uri="{C572A759-6A51-4108-AA02-DFA0A04FC94B}">
-              <ma14:wrappingTextBoxFlag xmlns="" xmlns:m="http://schemas.openxmlformats.org/officeDocument/2006/math" xmlns:a14="http://schemas.microsoft.com/office/drawing/2010/main" xmlns:ma14="http://schemas.microsoft.com/office/mac/drawingml/2011/main" val="1"/>
+              <ma14:wrappingTextBoxFlag xmlns:ma14="http://schemas.microsoft.com/office/mac/drawingml/2011/main" xmlns:a14="http://schemas.microsoft.com/office/drawing/2010/main" xmlns:m="http://schemas.openxmlformats.org/officeDocument/2006/math" xmlns="" val="1"/>
             </a:ext>
           </a:extLst>
         </p:spPr>
@@ -3256,6 +3269,7 @@
               </a:defRPr>
             </a:pPr>
             <a:r>
+              <a:rPr/>
               <a:t>김다빈, 이상규, 차혜연</a:t>
             </a:r>
           </a:p>
@@ -3266,7 +3280,7 @@
           <p:cNvPr id="2" name="TextBox 1">
             <a:extLst>
               <a:ext uri="{FF2B5EF4-FFF2-40B4-BE49-F238E27FC236}">
-                <a16:creationId xmlns:a16="http://schemas.microsoft.com/office/drawing/2014/main" xmlns="" id="{980C68D5-E815-4250-95DB-DB8517E26E9F}"/>
+                <a16:creationId xmlns="" xmlns:a16="http://schemas.microsoft.com/office/drawing/2014/main" id="{980C68D5-E815-4250-95DB-DB8517E26E9F}"/>
               </a:ext>
             </a:extLst>
           </p:cNvPr>
@@ -3388,7 +3402,7 @@
           </a:ln>
           <a:extLst>
             <a:ext uri="{C572A759-6A51-4108-AA02-DFA0A04FC94B}">
-              <ma14:wrappingTextBoxFlag xmlns="" xmlns:m="http://schemas.openxmlformats.org/officeDocument/2006/math" xmlns:a14="http://schemas.microsoft.com/office/drawing/2010/main" xmlns:ma14="http://schemas.microsoft.com/office/mac/drawingml/2011/main" val="1"/>
+              <ma14:wrappingTextBoxFlag xmlns:ma14="http://schemas.microsoft.com/office/mac/drawingml/2011/main" xmlns:a14="http://schemas.microsoft.com/office/drawing/2010/main" xmlns:m="http://schemas.openxmlformats.org/officeDocument/2006/math" xmlns="" val="1"/>
             </a:ext>
           </a:extLst>
         </p:spPr>
@@ -3411,6 +3425,7 @@
           </a:lstStyle>
           <a:p>
             <a:r>
+              <a:rPr/>
               <a:t>Copyrightⓒ. Saebyeol Yu. All Rights Reserved.</a:t>
             </a:r>
           </a:p>
@@ -3500,7 +3515,7 @@
           </a:ln>
           <a:extLst>
             <a:ext uri="{C572A759-6A51-4108-AA02-DFA0A04FC94B}">
-              <ma14:wrappingTextBoxFlag xmlns="" xmlns:m="http://schemas.openxmlformats.org/officeDocument/2006/math" xmlns:a14="http://schemas.microsoft.com/office/drawing/2010/main" xmlns:ma14="http://schemas.microsoft.com/office/mac/drawingml/2011/main" val="1"/>
+              <ma14:wrappingTextBoxFlag xmlns:ma14="http://schemas.microsoft.com/office/mac/drawingml/2011/main" xmlns:a14="http://schemas.microsoft.com/office/drawing/2010/main" xmlns:m="http://schemas.openxmlformats.org/officeDocument/2006/math" xmlns="" val="1"/>
             </a:ext>
           </a:extLst>
         </p:spPr>
@@ -3562,7 +3577,7 @@
             <a:effectLst/>
             <a:extLst>
               <a:ext uri="{C572A759-6A51-4108-AA02-DFA0A04FC94B}">
-                <ma14:wrappingTextBoxFlag xmlns="" xmlns:m="http://schemas.openxmlformats.org/officeDocument/2006/math" xmlns:a14="http://schemas.microsoft.com/office/drawing/2010/main" xmlns:ma14="http://schemas.microsoft.com/office/mac/drawingml/2011/main" val="1"/>
+                <ma14:wrappingTextBoxFlag xmlns:ma14="http://schemas.microsoft.com/office/mac/drawingml/2011/main" xmlns:a14="http://schemas.microsoft.com/office/drawing/2010/main" xmlns:m="http://schemas.openxmlformats.org/officeDocument/2006/math" xmlns="" val="1"/>
               </a:ext>
             </a:extLst>
           </p:spPr>
@@ -3576,6 +3591,7 @@
                 <a:defRPr sz="1200"/>
               </a:pPr>
               <a:r>
+                <a:rPr/>
                 <a:t>00</a:t>
               </a:r>
               <a:r>
@@ -3583,6 +3599,7 @@
                 <a:t>2</a:t>
               </a:r>
               <a:r>
+                <a:rPr/>
                 <a:t> </a:t>
               </a:r>
               <a:r>
@@ -3625,7 +3642,7 @@
             <a:effectLst/>
             <a:extLst>
               <a:ext uri="{C572A759-6A51-4108-AA02-DFA0A04FC94B}">
-                <ma14:wrappingTextBoxFlag xmlns="" xmlns:m="http://schemas.openxmlformats.org/officeDocument/2006/math" xmlns:a14="http://schemas.microsoft.com/office/drawing/2010/main" xmlns:ma14="http://schemas.microsoft.com/office/mac/drawingml/2011/main" val="1"/>
+                <ma14:wrappingTextBoxFlag xmlns:ma14="http://schemas.microsoft.com/office/mac/drawingml/2011/main" xmlns:a14="http://schemas.microsoft.com/office/drawing/2010/main" xmlns:m="http://schemas.openxmlformats.org/officeDocument/2006/math" xmlns="" val="1"/>
               </a:ext>
             </a:extLst>
           </p:spPr>
@@ -3676,7 +3693,7 @@
           <p:cNvPr id="3" name="표 2">
             <a:extLst>
               <a:ext uri="{FF2B5EF4-FFF2-40B4-BE49-F238E27FC236}">
-                <a16:creationId xmlns:a16="http://schemas.microsoft.com/office/drawing/2014/main" xmlns="" id="{A0762A3C-62EF-4EE4-8584-0AD76B4133B9}"/>
+                <a16:creationId xmlns="" xmlns:a16="http://schemas.microsoft.com/office/drawing/2014/main" id="{A0762A3C-62EF-4EE4-8584-0AD76B4133B9}"/>
               </a:ext>
             </a:extLst>
           </p:cNvPr>
@@ -3703,14 +3720,14 @@
                 <a:gridCol w="1070272">
                   <a:extLst>
                     <a:ext uri="{9D8B030D-6E8A-4147-A177-3AD203B41FA5}">
-                      <a16:colId xmlns:a16="http://schemas.microsoft.com/office/drawing/2014/main" xmlns="" val="3418167760"/>
+                      <a16:colId xmlns="" xmlns:a16="http://schemas.microsoft.com/office/drawing/2014/main" val="3418167760"/>
                     </a:ext>
                   </a:extLst>
                 </a:gridCol>
                 <a:gridCol w="9832524">
                   <a:extLst>
                     <a:ext uri="{9D8B030D-6E8A-4147-A177-3AD203B41FA5}">
-                      <a16:colId xmlns:a16="http://schemas.microsoft.com/office/drawing/2014/main" xmlns="" val="4062239330"/>
+                      <a16:colId xmlns="" xmlns:a16="http://schemas.microsoft.com/office/drawing/2014/main" val="4062239330"/>
                     </a:ext>
                   </a:extLst>
                 </a:gridCol>
@@ -3733,7 +3750,7 @@
                         </a:spcAft>
                       </a:pPr>
                       <a:r>
-                        <a:rPr lang="ko-KR" altLang="en-US" sz="1600" b="1" kern="0" spc="0" dirty="0">
+                        <a:rPr lang="ko-KR" altLang="en-US" sz="1600" b="1" kern="0" spc="0">
                           <a:solidFill>
                             <a:srgbClr val="000000"/>
                           </a:solidFill>
@@ -3743,7 +3760,7 @@
                         </a:rPr>
                         <a:t>주</a:t>
                       </a:r>
-                      <a:endParaRPr lang="ko-KR" altLang="en-US" sz="4400" b="1" kern="0" spc="0" dirty="0">
+                      <a:endParaRPr lang="ko-KR" altLang="en-US" sz="4400" b="1" kern="0" spc="0">
                         <a:solidFill>
                           <a:srgbClr val="000000"/>
                         </a:solidFill>
@@ -3862,7 +3879,7 @@
                 </a:tc>
                 <a:extLst>
                   <a:ext uri="{0D108BD9-81ED-4DB2-BD59-A6C34878D82A}">
-                    <a16:rowId xmlns:a16="http://schemas.microsoft.com/office/drawing/2014/main" xmlns="" val="4186682237"/>
+                    <a16:rowId xmlns="" xmlns:a16="http://schemas.microsoft.com/office/drawing/2014/main" val="4186682237"/>
                   </a:ext>
                 </a:extLst>
               </a:tr>
@@ -4051,7 +4068,7 @@
                 </a:tc>
                 <a:extLst>
                   <a:ext uri="{0D108BD9-81ED-4DB2-BD59-A6C34878D82A}">
-                    <a16:rowId xmlns:a16="http://schemas.microsoft.com/office/drawing/2014/main" xmlns="" val="1409265322"/>
+                    <a16:rowId xmlns="" xmlns:a16="http://schemas.microsoft.com/office/drawing/2014/main" val="1409265322"/>
                   </a:ext>
                 </a:extLst>
               </a:tr>
@@ -4273,7 +4290,7 @@
                 </a:tc>
                 <a:extLst>
                   <a:ext uri="{0D108BD9-81ED-4DB2-BD59-A6C34878D82A}">
-                    <a16:rowId xmlns:a16="http://schemas.microsoft.com/office/drawing/2014/main" xmlns="" val="4230519475"/>
+                    <a16:rowId xmlns="" xmlns:a16="http://schemas.microsoft.com/office/drawing/2014/main" val="4230519475"/>
                   </a:ext>
                 </a:extLst>
               </a:tr>
@@ -4484,7 +4501,7 @@
                 </a:tc>
                 <a:extLst>
                   <a:ext uri="{0D108BD9-81ED-4DB2-BD59-A6C34878D82A}">
-                    <a16:rowId xmlns:a16="http://schemas.microsoft.com/office/drawing/2014/main" xmlns="" val="1945485398"/>
+                    <a16:rowId xmlns="" xmlns:a16="http://schemas.microsoft.com/office/drawing/2014/main" val="1945485398"/>
                   </a:ext>
                 </a:extLst>
               </a:tr>
@@ -4629,7 +4646,7 @@
                 </a:tc>
                 <a:extLst>
                   <a:ext uri="{0D108BD9-81ED-4DB2-BD59-A6C34878D82A}">
-                    <a16:rowId xmlns:a16="http://schemas.microsoft.com/office/drawing/2014/main" xmlns="" val="2283638117"/>
+                    <a16:rowId xmlns="" xmlns:a16="http://schemas.microsoft.com/office/drawing/2014/main" val="2283638117"/>
                   </a:ext>
                 </a:extLst>
               </a:tr>
@@ -4774,7 +4791,7 @@
                 </a:tc>
                 <a:extLst>
                   <a:ext uri="{0D108BD9-81ED-4DB2-BD59-A6C34878D82A}">
-                    <a16:rowId xmlns:a16="http://schemas.microsoft.com/office/drawing/2014/main" xmlns="" val="185733533"/>
+                    <a16:rowId xmlns="" xmlns:a16="http://schemas.microsoft.com/office/drawing/2014/main" val="185733533"/>
                   </a:ext>
                 </a:extLst>
               </a:tr>
@@ -4796,7 +4813,7 @@
                         </a:spcAft>
                       </a:pPr>
                       <a:r>
-                        <a:rPr lang="en-US" sz="1400" kern="0" spc="-70" dirty="0">
+                        <a:rPr lang="en-US" sz="1400" kern="0" spc="-70">
                           <a:solidFill>
                             <a:srgbClr val="000000"/>
                           </a:solidFill>
@@ -4806,7 +4823,7 @@
                         </a:rPr>
                         <a:t>14</a:t>
                       </a:r>
-                      <a:endParaRPr lang="en-US" sz="1600" kern="0" spc="0" dirty="0">
+                      <a:endParaRPr lang="en-US" sz="1600" kern="0" spc="0">
                         <a:solidFill>
                           <a:srgbClr val="000000"/>
                         </a:solidFill>
@@ -4865,7 +4882,7 @@
                         </a:spcAft>
                       </a:pPr>
                       <a:r>
-                        <a:rPr lang="ko-KR" altLang="en-US" sz="1400" kern="0" spc="-70" dirty="0">
+                        <a:rPr lang="ko-KR" altLang="en-US" sz="1400" kern="0" spc="-70">
                           <a:solidFill>
                             <a:srgbClr val="000000"/>
                           </a:solidFill>
@@ -4876,7 +4893,7 @@
                         <a:t>로그인 시스템이 불필요하다고 판단하여 </a:t>
                       </a:r>
                       <a:r>
-                        <a:rPr lang="ko-KR" altLang="en-US" sz="1400" kern="0" spc="-70" dirty="0" err="1">
+                        <a:rPr lang="ko-KR" altLang="en-US" sz="1400" kern="0" spc="-70" err="1">
                           <a:solidFill>
                             <a:srgbClr val="000000"/>
                           </a:solidFill>
@@ -4887,7 +4904,7 @@
                         <a:t>파이어베이스</a:t>
                       </a:r>
                       <a:r>
-                        <a:rPr lang="ko-KR" altLang="en-US" sz="1400" kern="0" spc="-70" dirty="0">
+                        <a:rPr lang="ko-KR" altLang="en-US" sz="1400" kern="0" spc="-70">
                           <a:solidFill>
                             <a:srgbClr val="000000"/>
                           </a:solidFill>
@@ -4898,7 +4915,7 @@
                         <a:t> 인증기능을 제거하고 </a:t>
                       </a:r>
                       <a:r>
-                        <a:rPr lang="en-US" altLang="ko-KR" sz="1400" kern="0" spc="-70" dirty="0">
+                        <a:rPr lang="en-US" altLang="ko-KR" sz="1400" kern="0" spc="-70">
                           <a:solidFill>
                             <a:srgbClr val="000000"/>
                           </a:solidFill>
@@ -4909,7 +4926,7 @@
                         <a:t>API</a:t>
                       </a:r>
                       <a:r>
-                        <a:rPr lang="ko-KR" altLang="en-US" sz="1400" kern="0" spc="-70" dirty="0">
+                        <a:rPr lang="ko-KR" altLang="en-US" sz="1400" kern="0" spc="-70">
                           <a:solidFill>
                             <a:srgbClr val="000000"/>
                           </a:solidFill>
@@ -4920,7 +4937,7 @@
                         <a:t>정보를 </a:t>
                       </a:r>
                       <a:r>
-                        <a:rPr lang="en-US" altLang="ko-KR" sz="1400" kern="0" spc="-70" dirty="0">
+                        <a:rPr lang="en-US" altLang="ko-KR" sz="1400" kern="0" spc="-70">
                           <a:solidFill>
                             <a:srgbClr val="000000"/>
                           </a:solidFill>
@@ -4931,7 +4948,7 @@
                         <a:t>DB</a:t>
                       </a:r>
                       <a:r>
-                        <a:rPr lang="ko-KR" altLang="en-US" sz="1400" kern="0" spc="-70" dirty="0">
+                        <a:rPr lang="ko-KR" altLang="en-US" sz="1400" kern="0" spc="-70">
                           <a:solidFill>
                             <a:srgbClr val="000000"/>
                           </a:solidFill>
@@ -4941,7 +4958,7 @@
                         </a:rPr>
                         <a:t>화하여 받아오는 형식으로 사용하는 방향으로 수정</a:t>
                       </a:r>
-                      <a:endParaRPr lang="ko-KR" altLang="en-US" sz="1600" kern="0" spc="0" dirty="0">
+                      <a:endParaRPr lang="ko-KR" altLang="en-US" sz="1600" kern="0" spc="0">
                         <a:solidFill>
                           <a:srgbClr val="000000"/>
                         </a:solidFill>
@@ -4985,7 +5002,7 @@
                 </a:tc>
                 <a:extLst>
                   <a:ext uri="{0D108BD9-81ED-4DB2-BD59-A6C34878D82A}">
-                    <a16:rowId xmlns:a16="http://schemas.microsoft.com/office/drawing/2014/main" xmlns="" val="3215638020"/>
+                    <a16:rowId xmlns="" xmlns:a16="http://schemas.microsoft.com/office/drawing/2014/main" val="3215638020"/>
                   </a:ext>
                 </a:extLst>
               </a:tr>
@@ -5007,7 +5024,7 @@
                         </a:spcAft>
                       </a:pPr>
                       <a:r>
-                        <a:rPr lang="en-US" sz="1400" kern="0" spc="-70" dirty="0">
+                        <a:rPr lang="en-US" sz="1400" kern="0" spc="-70">
                           <a:solidFill>
                             <a:srgbClr val="000000"/>
                           </a:solidFill>
@@ -5017,7 +5034,7 @@
                         </a:rPr>
                         <a:t>15</a:t>
                       </a:r>
-                      <a:endParaRPr lang="en-US" sz="1600" kern="0" spc="0" dirty="0">
+                      <a:endParaRPr lang="en-US" sz="1600" kern="0" spc="0">
                         <a:solidFill>
                           <a:srgbClr val="000000"/>
                         </a:solidFill>
@@ -5076,7 +5093,7 @@
                         </a:spcAft>
                       </a:pPr>
                       <a:r>
-                        <a:rPr lang="en-US" altLang="ko-KR" sz="1400" kern="0" spc="-70" dirty="0">
+                        <a:rPr lang="en-US" altLang="ko-KR" sz="1400" kern="0" spc="-70">
                           <a:solidFill>
                             <a:srgbClr val="000000"/>
                           </a:solidFill>
@@ -5087,7 +5104,7 @@
                         <a:t>API</a:t>
                       </a:r>
                       <a:r>
-                        <a:rPr lang="ko-KR" altLang="en-US" sz="1400" kern="0" spc="-70" dirty="0">
+                        <a:rPr lang="ko-KR" altLang="en-US" sz="1400" kern="0" spc="-70">
                           <a:solidFill>
                             <a:srgbClr val="000000"/>
                           </a:solidFill>
@@ -5098,7 +5115,7 @@
                         <a:t>의 정보를 </a:t>
                       </a:r>
                       <a:r>
-                        <a:rPr lang="en-US" altLang="ko-KR" sz="1400" kern="0" spc="-70" dirty="0">
+                        <a:rPr lang="en-US" altLang="ko-KR" sz="1400" kern="0" spc="-70">
                           <a:solidFill>
                             <a:srgbClr val="000000"/>
                           </a:solidFill>
@@ -5109,7 +5126,7 @@
                         <a:t>DB</a:t>
                       </a:r>
                       <a:r>
-                        <a:rPr lang="ko-KR" altLang="en-US" sz="1400" kern="0" spc="-70" dirty="0">
+                        <a:rPr lang="ko-KR" altLang="en-US" sz="1400" kern="0" spc="-70">
                           <a:solidFill>
                             <a:srgbClr val="000000"/>
                           </a:solidFill>
@@ -5120,7 +5137,7 @@
                         <a:t>화하여 </a:t>
                       </a:r>
                       <a:r>
-                        <a:rPr lang="en-US" altLang="ko-KR" sz="1400" kern="0" spc="-70" dirty="0">
+                        <a:rPr lang="en-US" altLang="ko-KR" sz="1400" kern="0" spc="-70">
                           <a:solidFill>
                             <a:srgbClr val="000000"/>
                           </a:solidFill>
@@ -5131,7 +5148,7 @@
                         <a:t>Firebase</a:t>
                       </a:r>
                       <a:r>
-                        <a:rPr lang="ko-KR" altLang="en-US" sz="1400" kern="0" spc="-70" dirty="0">
+                        <a:rPr lang="ko-KR" altLang="en-US" sz="1400" kern="0" spc="-70">
                           <a:solidFill>
                             <a:srgbClr val="000000"/>
                           </a:solidFill>
@@ -5142,7 +5159,7 @@
                         <a:t>에 저장하고 </a:t>
                       </a:r>
                       <a:r>
-                        <a:rPr lang="ko-KR" altLang="en-US" sz="1400" kern="0" spc="-70" dirty="0" err="1">
+                        <a:rPr lang="ko-KR" altLang="en-US" sz="1400" kern="0" spc="-70" err="1">
                           <a:solidFill>
                             <a:srgbClr val="000000"/>
                           </a:solidFill>
@@ -5153,7 +5170,7 @@
                         <a:t>어플</a:t>
                       </a:r>
                       <a:r>
-                        <a:rPr lang="ko-KR" altLang="en-US" sz="1400" kern="0" spc="-70" dirty="0">
+                        <a:rPr lang="ko-KR" altLang="en-US" sz="1400" kern="0" spc="-70">
                           <a:solidFill>
                             <a:srgbClr val="000000"/>
                           </a:solidFill>
@@ -5164,7 +5181,7 @@
                         <a:t> 최종 시연 및 디버깅 </a:t>
                       </a:r>
                       <a:r>
-                        <a:rPr lang="ko-KR" altLang="en-US" sz="1400" kern="0" spc="-70" dirty="0" smtClean="0">
+                        <a:rPr lang="ko-KR" altLang="en-US" sz="1400" kern="0" spc="-70" smtClean="0">
                           <a:solidFill>
                             <a:srgbClr val="000000"/>
                           </a:solidFill>
@@ -5174,7 +5191,7 @@
                         </a:rPr>
                         <a:t>진행</a:t>
                       </a:r>
-                      <a:endParaRPr lang="ko-KR" altLang="en-US" sz="1600" kern="0" spc="0" dirty="0">
+                      <a:endParaRPr lang="ko-KR" altLang="en-US" sz="1600" kern="0" spc="0">
                         <a:solidFill>
                           <a:srgbClr val="000000"/>
                         </a:solidFill>
@@ -5218,7 +5235,7 @@
                 </a:tc>
                 <a:extLst>
                   <a:ext uri="{0D108BD9-81ED-4DB2-BD59-A6C34878D82A}">
-                    <a16:rowId xmlns:a16="http://schemas.microsoft.com/office/drawing/2014/main" xmlns="" val="1996921101"/>
+                    <a16:rowId xmlns="" xmlns:a16="http://schemas.microsoft.com/office/drawing/2014/main" val="1996921101"/>
                   </a:ext>
                 </a:extLst>
               </a:tr>
@@ -5240,7 +5257,7 @@
                         </a:spcAft>
                       </a:pPr>
                       <a:r>
-                        <a:rPr lang="en-US" sz="1400" kern="0" spc="-70" dirty="0" smtClean="0">
+                        <a:rPr lang="en-US" sz="1400" kern="0" spc="-70" smtClean="0">
                           <a:solidFill>
                             <a:srgbClr val="000000"/>
                           </a:solidFill>
@@ -5250,7 +5267,7 @@
                         </a:rPr>
                         <a:t>16</a:t>
                       </a:r>
-                      <a:endParaRPr lang="en-US" sz="1600" kern="0" spc="0" dirty="0">
+                      <a:endParaRPr lang="en-US" sz="1600" kern="0" spc="0">
                         <a:solidFill>
                           <a:srgbClr val="000000"/>
                         </a:solidFill>
@@ -5315,7 +5332,7 @@
                         </a:spcAft>
                       </a:pPr>
                       <a:r>
-                        <a:rPr lang="ko-KR" altLang="en-US" sz="1400" kern="0" spc="-70" dirty="0" smtClean="0">
+                        <a:rPr lang="ko-KR" altLang="en-US" sz="1400" kern="0" spc="-70" smtClean="0">
                           <a:solidFill>
                             <a:srgbClr val="000000"/>
                           </a:solidFill>
@@ -5326,7 +5343,7 @@
                         <a:t>로그인 다시 생성</a:t>
                       </a:r>
                       <a:r>
-                        <a:rPr lang="en-US" altLang="ko-KR" sz="1400" kern="0" spc="-70" dirty="0" smtClean="0">
+                        <a:rPr lang="en-US" altLang="ko-KR" sz="1400" kern="0" spc="-70" smtClean="0">
                           <a:solidFill>
                             <a:srgbClr val="000000"/>
                           </a:solidFill>
@@ -5337,7 +5354,7 @@
                         <a:t>,</a:t>
                       </a:r>
                       <a:r>
-                        <a:rPr lang="en-US" altLang="ko-KR" sz="1400" kern="0" spc="-70" baseline="0" dirty="0" smtClean="0">
+                        <a:rPr lang="en-US" altLang="ko-KR" sz="1400" kern="0" spc="-70" baseline="0" smtClean="0">
                           <a:solidFill>
                             <a:srgbClr val="000000"/>
                           </a:solidFill>
@@ -5348,7 +5365,7 @@
                         <a:t> </a:t>
                       </a:r>
                       <a:r>
-                        <a:rPr lang="ko-KR" altLang="en-US" sz="1400" kern="0" spc="-70" baseline="0" dirty="0" smtClean="0">
+                        <a:rPr lang="ko-KR" altLang="en-US" sz="1400" kern="0" spc="-70" baseline="0" smtClean="0">
                           <a:solidFill>
                             <a:srgbClr val="000000"/>
                           </a:solidFill>
@@ -5359,7 +5376,7 @@
                         <a:t>지도 페이지 </a:t>
                       </a:r>
                       <a:r>
-                        <a:rPr lang="en-US" altLang="ko-KR" sz="1400" kern="0" spc="-70" baseline="0" dirty="0" smtClean="0">
+                        <a:rPr lang="en-US" altLang="ko-KR" sz="1400" kern="0" spc="-70" baseline="0" smtClean="0">
                           <a:solidFill>
                             <a:srgbClr val="000000"/>
                           </a:solidFill>
@@ -5370,7 +5387,7 @@
                         <a:t>&gt;&gt; </a:t>
                       </a:r>
                       <a:r>
-                        <a:rPr lang="ko-KR" altLang="en-US" sz="1400" kern="0" spc="-70" baseline="0" dirty="0" smtClean="0">
+                        <a:rPr lang="ko-KR" altLang="en-US" sz="1400" kern="0" spc="-70" baseline="0" smtClean="0">
                           <a:solidFill>
                             <a:srgbClr val="000000"/>
                           </a:solidFill>
@@ -5380,7 +5397,7 @@
                         </a:rPr>
                         <a:t>지역 선택 페이지로 변경 </a:t>
                       </a:r>
-                      <a:endParaRPr lang="ko-KR" altLang="en-US" sz="1600" kern="0" spc="0" dirty="0">
+                      <a:endParaRPr lang="ko-KR" altLang="en-US" sz="1600" kern="0" spc="0">
                         <a:solidFill>
                           <a:srgbClr val="000000"/>
                         </a:solidFill>
@@ -5483,7 +5500,7 @@
           </a:ln>
           <a:extLst>
             <a:ext uri="{C572A759-6A51-4108-AA02-DFA0A04FC94B}">
-              <ma14:wrappingTextBoxFlag xmlns="" xmlns:m="http://schemas.openxmlformats.org/officeDocument/2006/math" xmlns:a14="http://schemas.microsoft.com/office/drawing/2010/main" xmlns:ma14="http://schemas.microsoft.com/office/mac/drawingml/2011/main" val="1"/>
+              <ma14:wrappingTextBoxFlag xmlns:ma14="http://schemas.microsoft.com/office/mac/drawingml/2011/main" xmlns:a14="http://schemas.microsoft.com/office/drawing/2010/main" xmlns:m="http://schemas.openxmlformats.org/officeDocument/2006/math" xmlns="" val="1"/>
             </a:ext>
           </a:extLst>
         </p:spPr>
@@ -5502,6 +5519,7 @@
           </a:lstStyle>
           <a:p>
             <a:r>
+              <a:rPr/>
               <a:t>003</a:t>
             </a:r>
           </a:p>
@@ -5526,7 +5544,7 @@
           </a:ln>
           <a:extLst>
             <a:ext uri="{C572A759-6A51-4108-AA02-DFA0A04FC94B}">
-              <ma14:wrappingTextBoxFlag xmlns="" xmlns:m="http://schemas.openxmlformats.org/officeDocument/2006/math" xmlns:a14="http://schemas.microsoft.com/office/drawing/2010/main" xmlns:ma14="http://schemas.microsoft.com/office/mac/drawingml/2011/main" val="1"/>
+              <ma14:wrappingTextBoxFlag xmlns:ma14="http://schemas.microsoft.com/office/mac/drawingml/2011/main" xmlns:a14="http://schemas.microsoft.com/office/drawing/2010/main" xmlns:m="http://schemas.openxmlformats.org/officeDocument/2006/math" xmlns="" val="1"/>
             </a:ext>
           </a:extLst>
         </p:spPr>
@@ -5575,7 +5593,7 @@
           </a:ln>
           <a:extLst>
             <a:ext uri="{C572A759-6A51-4108-AA02-DFA0A04FC94B}">
-              <ma14:wrappingTextBoxFlag xmlns="" xmlns:m="http://schemas.openxmlformats.org/officeDocument/2006/math" xmlns:a14="http://schemas.microsoft.com/office/drawing/2010/main" xmlns:ma14="http://schemas.microsoft.com/office/mac/drawingml/2011/main" val="1"/>
+              <ma14:wrappingTextBoxFlag xmlns:ma14="http://schemas.microsoft.com/office/mac/drawingml/2011/main" xmlns:a14="http://schemas.microsoft.com/office/drawing/2010/main" xmlns:m="http://schemas.openxmlformats.org/officeDocument/2006/math" xmlns="" val="1"/>
             </a:ext>
           </a:extLst>
         </p:spPr>
@@ -5598,6 +5616,7 @@
           </a:lstStyle>
           <a:p>
             <a:r>
+              <a:rPr/>
               <a:t>Copyrightⓒ. Saebyeol Yu. All Rights Reserved.</a:t>
             </a:r>
           </a:p>
@@ -5651,7 +5670,7 @@
           </a:ln>
           <a:extLst>
             <a:ext uri="{C572A759-6A51-4108-AA02-DFA0A04FC94B}">
-              <ma14:wrappingTextBoxFlag xmlns="" xmlns:m="http://schemas.openxmlformats.org/officeDocument/2006/math" xmlns:a14="http://schemas.microsoft.com/office/drawing/2010/main" xmlns:ma14="http://schemas.microsoft.com/office/mac/drawingml/2011/main" val="1"/>
+              <ma14:wrappingTextBoxFlag xmlns:ma14="http://schemas.microsoft.com/office/mac/drawingml/2011/main" xmlns:a14="http://schemas.microsoft.com/office/drawing/2010/main" xmlns:m="http://schemas.openxmlformats.org/officeDocument/2006/math" xmlns="" val="1"/>
             </a:ext>
           </a:extLst>
         </p:spPr>
@@ -5665,7 +5684,7 @@
             </a:lvl1pPr>
           </a:lstStyle>
           <a:p>
-            <a:endParaRPr dirty="0"/>
+            <a:endParaRPr/>
           </a:p>
         </p:txBody>
       </p:sp>
@@ -5848,7 +5867,7 @@
           </a:ln>
           <a:extLst>
             <a:ext uri="{C572A759-6A51-4108-AA02-DFA0A04FC94B}">
-              <ma14:wrappingTextBoxFlag xmlns="" xmlns:m="http://schemas.openxmlformats.org/officeDocument/2006/math" xmlns:a14="http://schemas.microsoft.com/office/drawing/2010/main" xmlns:ma14="http://schemas.microsoft.com/office/mac/drawingml/2011/main" val="1"/>
+              <ma14:wrappingTextBoxFlag xmlns:ma14="http://schemas.microsoft.com/office/mac/drawingml/2011/main" xmlns:a14="http://schemas.microsoft.com/office/drawing/2010/main" xmlns:m="http://schemas.openxmlformats.org/officeDocument/2006/math" xmlns="" val="1"/>
             </a:ext>
           </a:extLst>
         </p:spPr>
@@ -5871,6 +5890,7 @@
           </a:lstStyle>
           <a:p>
             <a:r>
+              <a:rPr/>
               <a:t>Copyrightⓒ. Saebyeol Yu. All Rights Reserved.</a:t>
             </a:r>
           </a:p>
@@ -5960,7 +5980,7 @@
           </a:ln>
           <a:extLst>
             <a:ext uri="{C572A759-6A51-4108-AA02-DFA0A04FC94B}">
-              <ma14:wrappingTextBoxFlag xmlns="" xmlns:m="http://schemas.openxmlformats.org/officeDocument/2006/math" xmlns:a14="http://schemas.microsoft.com/office/drawing/2010/main" xmlns:ma14="http://schemas.microsoft.com/office/mac/drawingml/2011/main" val="1"/>
+              <ma14:wrappingTextBoxFlag xmlns:ma14="http://schemas.microsoft.com/office/mac/drawingml/2011/main" xmlns:a14="http://schemas.microsoft.com/office/drawing/2010/main" xmlns:m="http://schemas.openxmlformats.org/officeDocument/2006/math" xmlns="" val="1"/>
             </a:ext>
           </a:extLst>
         </p:spPr>
@@ -6022,7 +6042,7 @@
             <a:effectLst/>
             <a:extLst>
               <a:ext uri="{C572A759-6A51-4108-AA02-DFA0A04FC94B}">
-                <ma14:wrappingTextBoxFlag xmlns="" xmlns:m="http://schemas.openxmlformats.org/officeDocument/2006/math" xmlns:a14="http://schemas.microsoft.com/office/drawing/2010/main" xmlns:ma14="http://schemas.microsoft.com/office/mac/drawingml/2011/main" val="1"/>
+                <ma14:wrappingTextBoxFlag xmlns:ma14="http://schemas.microsoft.com/office/mac/drawingml/2011/main" xmlns:a14="http://schemas.microsoft.com/office/drawing/2010/main" xmlns:m="http://schemas.openxmlformats.org/officeDocument/2006/math" xmlns="" val="1"/>
               </a:ext>
             </a:extLst>
           </p:spPr>
@@ -6036,6 +6056,7 @@
                 <a:defRPr sz="1200"/>
               </a:pPr>
               <a:r>
+                <a:rPr/>
                 <a:t>00</a:t>
               </a:r>
               <a:r>
@@ -6077,7 +6098,7 @@
             <a:effectLst/>
             <a:extLst>
               <a:ext uri="{C572A759-6A51-4108-AA02-DFA0A04FC94B}">
-                <ma14:wrappingTextBoxFlag xmlns="" xmlns:m="http://schemas.openxmlformats.org/officeDocument/2006/math" xmlns:a14="http://schemas.microsoft.com/office/drawing/2010/main" xmlns:ma14="http://schemas.microsoft.com/office/mac/drawingml/2011/main" val="1"/>
+                <ma14:wrappingTextBoxFlag xmlns:ma14="http://schemas.microsoft.com/office/mac/drawingml/2011/main" xmlns:a14="http://schemas.microsoft.com/office/drawing/2010/main" xmlns:m="http://schemas.openxmlformats.org/officeDocument/2006/math" xmlns="" val="1"/>
               </a:ext>
             </a:extLst>
           </p:spPr>
@@ -6142,7 +6163,7 @@
           </a:ln>
           <a:extLst>
             <a:ext uri="{C572A759-6A51-4108-AA02-DFA0A04FC94B}">
-              <ma14:wrappingTextBoxFlag xmlns="" xmlns:m="http://schemas.openxmlformats.org/officeDocument/2006/math" xmlns:a14="http://schemas.microsoft.com/office/drawing/2010/main" xmlns:ma14="http://schemas.microsoft.com/office/mac/drawingml/2011/main" val="1"/>
+              <ma14:wrappingTextBoxFlag xmlns:ma14="http://schemas.microsoft.com/office/mac/drawingml/2011/main" xmlns:a14="http://schemas.microsoft.com/office/drawing/2010/main" xmlns:m="http://schemas.openxmlformats.org/officeDocument/2006/math" xmlns="" val="1"/>
             </a:ext>
           </a:extLst>
         </p:spPr>
@@ -6200,7 +6221,7 @@
           </a:ln>
           <a:extLst>
             <a:ext uri="{C572A759-6A51-4108-AA02-DFA0A04FC94B}">
-              <ma14:wrappingTextBoxFlag xmlns="" xmlns:m="http://schemas.openxmlformats.org/officeDocument/2006/math" xmlns:a14="http://schemas.microsoft.com/office/drawing/2010/main" xmlns:ma14="http://schemas.microsoft.com/office/mac/drawingml/2011/main" val="1"/>
+              <ma14:wrappingTextBoxFlag xmlns:ma14="http://schemas.microsoft.com/office/mac/drawingml/2011/main" xmlns:a14="http://schemas.microsoft.com/office/drawing/2010/main" xmlns:m="http://schemas.openxmlformats.org/officeDocument/2006/math" xmlns="" val="1"/>
             </a:ext>
           </a:extLst>
         </p:spPr>
@@ -6258,7 +6279,7 @@
           </a:ln>
           <a:extLst>
             <a:ext uri="{C572A759-6A51-4108-AA02-DFA0A04FC94B}">
-              <ma14:wrappingTextBoxFlag xmlns="" xmlns:m="http://schemas.openxmlformats.org/officeDocument/2006/math" xmlns:a14="http://schemas.microsoft.com/office/drawing/2010/main" xmlns:ma14="http://schemas.microsoft.com/office/mac/drawingml/2011/main" val="1"/>
+              <ma14:wrappingTextBoxFlag xmlns:ma14="http://schemas.microsoft.com/office/mac/drawingml/2011/main" xmlns:a14="http://schemas.microsoft.com/office/drawing/2010/main" xmlns:m="http://schemas.openxmlformats.org/officeDocument/2006/math" xmlns="" val="1"/>
             </a:ext>
           </a:extLst>
         </p:spPr>
@@ -6672,7 +6693,7 @@
               <a:tabLst/>
             </a:pPr>
             <a:r>
-              <a:rPr kumimoji="0" lang="ko-KR" altLang="en-US" sz="1800" b="0" i="0" u="none" strike="noStrike" cap="none" spc="0" normalizeH="0" baseline="0" dirty="0" smtClean="0">
+              <a:rPr kumimoji="0" lang="ko-KR" altLang="en-US" sz="1800" b="0" i="0" u="none" strike="noStrike" cap="none" spc="0" normalizeH="0" baseline="0" smtClean="0">
                 <a:ln>
                   <a:noFill/>
                 </a:ln>
@@ -6688,7 +6709,7 @@
               </a:rPr>
               <a:t>클릭</a:t>
             </a:r>
-            <a:endParaRPr kumimoji="0" lang="ko-KR" altLang="en-US" sz="1800" b="0" i="0" u="none" strike="noStrike" cap="none" spc="0" normalizeH="0" baseline="0" dirty="0">
+            <a:endParaRPr kumimoji="0" lang="ko-KR" altLang="en-US" sz="1800" b="0" i="0" u="none" strike="noStrike" cap="none" spc="0" normalizeH="0" baseline="0">
               <a:ln>
                 <a:noFill/>
               </a:ln>
@@ -6877,7 +6898,7 @@
               <a:tabLst/>
             </a:pPr>
             <a:r>
-              <a:rPr kumimoji="0" lang="ko-KR" altLang="en-US" sz="1800" b="0" i="0" u="none" strike="noStrike" cap="none" spc="0" normalizeH="0" baseline="0" dirty="0" smtClean="0">
+              <a:rPr kumimoji="0" lang="ko-KR" altLang="en-US" sz="1800" b="0" i="0" u="none" strike="noStrike" cap="none" spc="0" normalizeH="0" baseline="0" smtClean="0">
                 <a:ln>
                   <a:noFill/>
                 </a:ln>
@@ -6893,7 +6914,7 @@
               </a:rPr>
               <a:t>클릭 시</a:t>
             </a:r>
-            <a:endParaRPr kumimoji="0" lang="en-US" altLang="ko-KR" sz="1800" b="0" i="0" u="none" strike="noStrike" cap="none" spc="0" normalizeH="0" baseline="0" dirty="0" smtClean="0">
+            <a:endParaRPr kumimoji="0" lang="en-US" altLang="ko-KR" sz="1800" b="0" i="0" u="none" strike="noStrike" cap="none" spc="0" normalizeH="0" baseline="0" smtClean="0">
               <a:ln>
                 <a:noFill/>
               </a:ln>
@@ -6926,10 +6947,10 @@
               <a:tabLst/>
             </a:pPr>
             <a:r>
-              <a:rPr lang="ko-KR" altLang="en-US" dirty="0" smtClean="0"/>
+              <a:rPr lang="ko-KR" altLang="en-US" smtClean="0"/>
               <a:t>상세 페이지로</a:t>
             </a:r>
-            <a:endParaRPr lang="en-US" altLang="ko-KR" dirty="0" smtClean="0"/>
+            <a:endParaRPr lang="en-US" altLang="ko-KR" smtClean="0"/>
           </a:p>
           <a:p>
             <a:pPr marL="0" marR="0" indent="0" algn="l" defTabSz="914400" rtl="0" fontAlgn="auto" latinLnBrk="0" hangingPunct="0">
@@ -6949,7 +6970,7 @@
               <a:tabLst/>
             </a:pPr>
             <a:r>
-              <a:rPr kumimoji="0" lang="ko-KR" altLang="en-US" sz="1800" b="0" i="0" u="none" strike="noStrike" cap="none" spc="0" normalizeH="0" baseline="0" dirty="0" smtClean="0">
+              <a:rPr kumimoji="0" lang="ko-KR" altLang="en-US" sz="1800" b="0" i="0" u="none" strike="noStrike" cap="none" spc="0" normalizeH="0" baseline="0" smtClean="0">
                 <a:ln>
                   <a:noFill/>
                 </a:ln>
@@ -6965,7 +6986,7 @@
               </a:rPr>
               <a:t>이동</a:t>
             </a:r>
-            <a:endParaRPr kumimoji="0" lang="ko-KR" altLang="en-US" sz="1800" b="0" i="0" u="none" strike="noStrike" cap="none" spc="0" normalizeH="0" baseline="0" dirty="0">
+            <a:endParaRPr kumimoji="0" lang="ko-KR" altLang="en-US" sz="1800" b="0" i="0" u="none" strike="noStrike" cap="none" spc="0" normalizeH="0" baseline="0">
               <a:ln>
                 <a:noFill/>
               </a:ln>
@@ -7154,7 +7175,7 @@
               <a:tabLst/>
             </a:pPr>
             <a:r>
-              <a:rPr kumimoji="0" lang="ko-KR" altLang="en-US" sz="1800" b="0" i="0" u="none" strike="noStrike" cap="none" spc="0" normalizeH="0" baseline="0" dirty="0" smtClean="0">
+              <a:rPr kumimoji="0" lang="ko-KR" altLang="en-US" sz="1800" b="0" i="0" u="none" strike="noStrike" cap="none" spc="0" normalizeH="0" baseline="0" smtClean="0">
                 <a:ln>
                   <a:noFill/>
                 </a:ln>
@@ -7170,7 +7191,7 @@
               </a:rPr>
               <a:t>클릭 시</a:t>
             </a:r>
-            <a:endParaRPr kumimoji="0" lang="en-US" altLang="ko-KR" sz="1800" b="0" i="0" u="none" strike="noStrike" cap="none" spc="0" normalizeH="0" baseline="0" dirty="0" smtClean="0">
+            <a:endParaRPr kumimoji="0" lang="en-US" altLang="ko-KR" sz="1800" b="0" i="0" u="none" strike="noStrike" cap="none" spc="0" normalizeH="0" baseline="0" smtClean="0">
               <a:ln>
                 <a:noFill/>
               </a:ln>
@@ -7203,18 +7224,18 @@
               <a:tabLst/>
             </a:pPr>
             <a:r>
-              <a:rPr lang="en-US" altLang="ko-KR" dirty="0" smtClean="0"/>
+              <a:rPr lang="en-US" altLang="ko-KR" smtClean="0"/>
               <a:t>(</a:t>
             </a:r>
             <a:r>
-              <a:rPr lang="ko-KR" altLang="en-US" dirty="0" smtClean="0"/>
+              <a:rPr lang="ko-KR" altLang="en-US" smtClean="0"/>
               <a:t>붉게 변경</a:t>
             </a:r>
             <a:r>
-              <a:rPr lang="en-US" altLang="ko-KR" dirty="0" smtClean="0"/>
+              <a:rPr lang="en-US" altLang="ko-KR" smtClean="0"/>
               <a:t>)</a:t>
             </a:r>
-            <a:endParaRPr kumimoji="0" lang="en-US" altLang="ko-KR" sz="1800" b="0" i="0" u="none" strike="noStrike" cap="none" spc="0" normalizeH="0" baseline="0" dirty="0" smtClean="0">
+            <a:endParaRPr kumimoji="0" lang="en-US" altLang="ko-KR" sz="1800" b="0" i="0" u="none" strike="noStrike" cap="none" spc="0" normalizeH="0" baseline="0" smtClean="0">
               <a:ln>
                 <a:noFill/>
               </a:ln>
@@ -7247,14 +7268,14 @@
               <a:tabLst/>
             </a:pPr>
             <a:r>
-              <a:rPr lang="en-US" altLang="ko-KR" dirty="0" err="1" smtClean="0"/>
+              <a:rPr lang="en-US" altLang="ko-KR" err="1" smtClean="0"/>
               <a:t>Firestore</a:t>
             </a:r>
             <a:r>
-              <a:rPr lang="ko-KR" altLang="en-US" dirty="0" smtClean="0"/>
+              <a:rPr lang="ko-KR" altLang="en-US" smtClean="0"/>
               <a:t>에</a:t>
             </a:r>
-            <a:endParaRPr lang="en-US" altLang="ko-KR" dirty="0" smtClean="0"/>
+            <a:endParaRPr lang="en-US" altLang="ko-KR" smtClean="0"/>
           </a:p>
           <a:p>
             <a:pPr marL="0" marR="0" indent="0" algn="l" defTabSz="914400" rtl="0" fontAlgn="auto" latinLnBrk="0" hangingPunct="0">
@@ -7274,7 +7295,7 @@
               <a:tabLst/>
             </a:pPr>
             <a:r>
-              <a:rPr kumimoji="0" lang="ko-KR" altLang="en-US" sz="1800" b="0" i="0" u="none" strike="noStrike" cap="none" spc="0" normalizeH="0" baseline="0" dirty="0" smtClean="0">
+              <a:rPr kumimoji="0" lang="ko-KR" altLang="en-US" sz="1800" b="0" i="0" u="none" strike="noStrike" cap="none" spc="0" normalizeH="0" baseline="0" smtClean="0">
                 <a:ln>
                   <a:noFill/>
                 </a:ln>
@@ -7290,7 +7311,7 @@
               </a:rPr>
               <a:t>저장</a:t>
             </a:r>
-            <a:endParaRPr kumimoji="0" lang="ko-KR" altLang="en-US" sz="1800" b="0" i="0" u="none" strike="noStrike" cap="none" spc="0" normalizeH="0" baseline="0" dirty="0">
+            <a:endParaRPr kumimoji="0" lang="ko-KR" altLang="en-US" sz="1800" b="0" i="0" u="none" strike="noStrike" cap="none" spc="0" normalizeH="0" baseline="0">
               <a:ln>
                 <a:noFill/>
               </a:ln>
@@ -7352,7 +7373,7 @@
           </a:ln>
           <a:extLst>
             <a:ext uri="{C572A759-6A51-4108-AA02-DFA0A04FC94B}">
-              <ma14:wrappingTextBoxFlag xmlns="" xmlns:m="http://schemas.openxmlformats.org/officeDocument/2006/math" xmlns:a14="http://schemas.microsoft.com/office/drawing/2010/main" xmlns:ma14="http://schemas.microsoft.com/office/mac/drawingml/2011/main" val="1"/>
+              <ma14:wrappingTextBoxFlag xmlns:ma14="http://schemas.microsoft.com/office/mac/drawingml/2011/main" xmlns:a14="http://schemas.microsoft.com/office/drawing/2010/main" xmlns:m="http://schemas.openxmlformats.org/officeDocument/2006/math" xmlns="" val="1"/>
             </a:ext>
           </a:extLst>
         </p:spPr>
@@ -7375,6 +7396,7 @@
           </a:lstStyle>
           <a:p>
             <a:r>
+              <a:rPr/>
               <a:t>Copyrightⓒ. Saebyeol Yu. All Rights Reserved.</a:t>
             </a:r>
           </a:p>
@@ -7464,7 +7486,7 @@
           </a:ln>
           <a:extLst>
             <a:ext uri="{C572A759-6A51-4108-AA02-DFA0A04FC94B}">
-              <ma14:wrappingTextBoxFlag xmlns="" xmlns:m="http://schemas.openxmlformats.org/officeDocument/2006/math" xmlns:a14="http://schemas.microsoft.com/office/drawing/2010/main" xmlns:ma14="http://schemas.microsoft.com/office/mac/drawingml/2011/main" val="1"/>
+              <ma14:wrappingTextBoxFlag xmlns:ma14="http://schemas.microsoft.com/office/mac/drawingml/2011/main" xmlns:a14="http://schemas.microsoft.com/office/drawing/2010/main" xmlns:m="http://schemas.openxmlformats.org/officeDocument/2006/math" xmlns="" val="1"/>
             </a:ext>
           </a:extLst>
         </p:spPr>
@@ -7526,7 +7548,7 @@
             <a:effectLst/>
             <a:extLst>
               <a:ext uri="{C572A759-6A51-4108-AA02-DFA0A04FC94B}">
-                <ma14:wrappingTextBoxFlag xmlns="" xmlns:m="http://schemas.openxmlformats.org/officeDocument/2006/math" xmlns:a14="http://schemas.microsoft.com/office/drawing/2010/main" xmlns:ma14="http://schemas.microsoft.com/office/mac/drawingml/2011/main" val="1"/>
+                <ma14:wrappingTextBoxFlag xmlns:ma14="http://schemas.microsoft.com/office/mac/drawingml/2011/main" xmlns:a14="http://schemas.microsoft.com/office/drawing/2010/main" xmlns:m="http://schemas.openxmlformats.org/officeDocument/2006/math" xmlns="" val="1"/>
               </a:ext>
             </a:extLst>
           </p:spPr>
@@ -7540,6 +7562,7 @@
                 <a:defRPr sz="1200"/>
               </a:pPr>
               <a:r>
+                <a:rPr/>
                 <a:t>00</a:t>
               </a:r>
               <a:r>
@@ -7581,7 +7604,7 @@
             <a:effectLst/>
             <a:extLst>
               <a:ext uri="{C572A759-6A51-4108-AA02-DFA0A04FC94B}">
-                <ma14:wrappingTextBoxFlag xmlns="" xmlns:m="http://schemas.openxmlformats.org/officeDocument/2006/math" xmlns:a14="http://schemas.microsoft.com/office/drawing/2010/main" xmlns:ma14="http://schemas.microsoft.com/office/mac/drawingml/2011/main" val="1"/>
+                <ma14:wrappingTextBoxFlag xmlns:ma14="http://schemas.microsoft.com/office/mac/drawingml/2011/main" xmlns:a14="http://schemas.microsoft.com/office/drawing/2010/main" xmlns:m="http://schemas.openxmlformats.org/officeDocument/2006/math" xmlns="" val="1"/>
               </a:ext>
             </a:extLst>
           </p:spPr>
@@ -7712,7 +7735,7 @@
           </a:ln>
           <a:extLst>
             <a:ext uri="{C572A759-6A51-4108-AA02-DFA0A04FC94B}">
-              <ma14:wrappingTextBoxFlag xmlns="" xmlns:m="http://schemas.openxmlformats.org/officeDocument/2006/math" xmlns:a14="http://schemas.microsoft.com/office/drawing/2010/main" xmlns:ma14="http://schemas.microsoft.com/office/mac/drawingml/2011/main" val="1"/>
+              <ma14:wrappingTextBoxFlag xmlns:ma14="http://schemas.microsoft.com/office/mac/drawingml/2011/main" xmlns:a14="http://schemas.microsoft.com/office/drawing/2010/main" xmlns:m="http://schemas.openxmlformats.org/officeDocument/2006/math" xmlns="" val="1"/>
             </a:ext>
           </a:extLst>
         </p:spPr>
@@ -7740,7 +7763,7 @@
               </a:defRPr>
             </a:pPr>
             <a:r>
-              <a:rPr lang="en-US" altLang="ko-KR" dirty="0" smtClean="0">
+              <a:rPr lang="en-US" altLang="ko-KR" smtClean="0">
                 <a:latin typeface="나눔스퀘어라운드 Regular"/>
                 <a:ea typeface="나눔스퀘어라운드 Regular"/>
                 <a:cs typeface="나눔스퀘어라운드 Regular"/>
@@ -7749,7 +7772,7 @@
               <a:t>Like </a:t>
             </a:r>
             <a:r>
-              <a:rPr lang="ko-KR" altLang="en-US" dirty="0" smtClean="0">
+              <a:rPr lang="ko-KR" altLang="en-US" smtClean="0">
                 <a:latin typeface="나눔스퀘어라운드 Regular"/>
                 <a:ea typeface="나눔스퀘어라운드 Regular"/>
                 <a:cs typeface="나눔스퀘어라운드 Regular"/>
@@ -7757,7 +7780,7 @@
               </a:rPr>
               <a:t>클릭</a:t>
             </a:r>
-            <a:endParaRPr dirty="0">
+            <a:endParaRPr>
               <a:latin typeface="나눔스퀘어라운드 Regular"/>
               <a:ea typeface="나눔스퀘어라운드 Regular"/>
               <a:cs typeface="나눔스퀘어라운드 Regular"/>
@@ -7785,7 +7808,7 @@
           </a:ln>
           <a:extLst>
             <a:ext uri="{C572A759-6A51-4108-AA02-DFA0A04FC94B}">
-              <ma14:wrappingTextBoxFlag xmlns="" xmlns:m="http://schemas.openxmlformats.org/officeDocument/2006/math" xmlns:a14="http://schemas.microsoft.com/office/drawing/2010/main" xmlns:ma14="http://schemas.microsoft.com/office/mac/drawingml/2011/main" val="1"/>
+              <ma14:wrappingTextBoxFlag xmlns:ma14="http://schemas.microsoft.com/office/mac/drawingml/2011/main" xmlns:a14="http://schemas.microsoft.com/office/drawing/2010/main" xmlns:m="http://schemas.openxmlformats.org/officeDocument/2006/math" xmlns="" val="1"/>
             </a:ext>
           </a:extLst>
         </p:spPr>
@@ -7813,14 +7836,14 @@
               </a:defRPr>
             </a:pPr>
             <a:r>
-              <a:rPr lang="en-US" dirty="0" smtClean="0"/>
+              <a:rPr lang="en-US" smtClean="0"/>
               <a:t>More </a:t>
             </a:r>
             <a:r>
-              <a:rPr lang="ko-KR" altLang="en-US" dirty="0" smtClean="0"/>
+              <a:rPr lang="ko-KR" altLang="en-US" smtClean="0"/>
               <a:t>클릭</a:t>
             </a:r>
-            <a:endParaRPr dirty="0">
+            <a:endParaRPr>
               <a:latin typeface="나눔스퀘어라운드 Regular"/>
               <a:ea typeface="나눔스퀘어라운드 Regular"/>
               <a:cs typeface="나눔스퀘어라운드 Regular"/>
@@ -7848,7 +7871,7 @@
           </a:ln>
           <a:extLst>
             <a:ext uri="{C572A759-6A51-4108-AA02-DFA0A04FC94B}">
-              <ma14:wrappingTextBoxFlag xmlns="" xmlns:m="http://schemas.openxmlformats.org/officeDocument/2006/math" xmlns:a14="http://schemas.microsoft.com/office/drawing/2010/main" xmlns:ma14="http://schemas.microsoft.com/office/mac/drawingml/2011/main" val="1"/>
+              <ma14:wrappingTextBoxFlag xmlns:ma14="http://schemas.microsoft.com/office/mac/drawingml/2011/main" xmlns:a14="http://schemas.microsoft.com/office/drawing/2010/main" xmlns:m="http://schemas.openxmlformats.org/officeDocument/2006/math" xmlns="" val="1"/>
             </a:ext>
           </a:extLst>
         </p:spPr>
@@ -7876,10 +7899,10 @@
               </a:defRPr>
             </a:pPr>
             <a:r>
-              <a:rPr lang="en-US" altLang="ko-KR" dirty="0" err="1" smtClean="0"/>
+              <a:rPr lang="en-US" altLang="ko-KR" err="1" smtClean="0"/>
               <a:t>NavigationDrawar</a:t>
             </a:r>
-            <a:endParaRPr dirty="0">
+            <a:endParaRPr>
               <a:latin typeface="나눔스퀘어라운드 Regular"/>
               <a:ea typeface="나눔스퀘어라운드 Regular"/>
               <a:cs typeface="나눔스퀘어라운드 Regular"/>
@@ -8024,7 +8047,7 @@
           </a:ln>
           <a:extLst>
             <a:ext uri="{C572A759-6A51-4108-AA02-DFA0A04FC94B}">
-              <ma14:wrappingTextBoxFlag xmlns="" xmlns:m="http://schemas.openxmlformats.org/officeDocument/2006/math" xmlns:a14="http://schemas.microsoft.com/office/drawing/2010/main" xmlns:ma14="http://schemas.microsoft.com/office/mac/drawingml/2011/main" val="1"/>
+              <ma14:wrappingTextBoxFlag xmlns:ma14="http://schemas.microsoft.com/office/mac/drawingml/2011/main" xmlns:a14="http://schemas.microsoft.com/office/drawing/2010/main" xmlns:m="http://schemas.openxmlformats.org/officeDocument/2006/math" xmlns="" val="1"/>
             </a:ext>
           </a:extLst>
         </p:spPr>
@@ -8047,6 +8070,7 @@
           </a:lstStyle>
           <a:p>
             <a:r>
+              <a:rPr/>
               <a:t>Copyrightⓒ. Saebyeol Yu. All Rights Reserved.</a:t>
             </a:r>
           </a:p>
@@ -8136,7 +8160,7 @@
           </a:ln>
           <a:extLst>
             <a:ext uri="{C572A759-6A51-4108-AA02-DFA0A04FC94B}">
-              <ma14:wrappingTextBoxFlag xmlns="" xmlns:m="http://schemas.openxmlformats.org/officeDocument/2006/math" xmlns:a14="http://schemas.microsoft.com/office/drawing/2010/main" xmlns:ma14="http://schemas.microsoft.com/office/mac/drawingml/2011/main" val="1"/>
+              <ma14:wrappingTextBoxFlag xmlns:ma14="http://schemas.microsoft.com/office/mac/drawingml/2011/main" xmlns:a14="http://schemas.microsoft.com/office/drawing/2010/main" xmlns:m="http://schemas.openxmlformats.org/officeDocument/2006/math" xmlns="" val="1"/>
             </a:ext>
           </a:extLst>
         </p:spPr>
@@ -8198,7 +8222,7 @@
             <a:effectLst/>
             <a:extLst>
               <a:ext uri="{C572A759-6A51-4108-AA02-DFA0A04FC94B}">
-                <ma14:wrappingTextBoxFlag xmlns="" xmlns:m="http://schemas.openxmlformats.org/officeDocument/2006/math" xmlns:a14="http://schemas.microsoft.com/office/drawing/2010/main" xmlns:ma14="http://schemas.microsoft.com/office/mac/drawingml/2011/main" val="1"/>
+                <ma14:wrappingTextBoxFlag xmlns:ma14="http://schemas.microsoft.com/office/mac/drawingml/2011/main" xmlns:a14="http://schemas.microsoft.com/office/drawing/2010/main" xmlns:m="http://schemas.openxmlformats.org/officeDocument/2006/math" xmlns="" val="1"/>
               </a:ext>
             </a:extLst>
           </p:spPr>
@@ -8212,6 +8236,7 @@
                 <a:defRPr sz="1200"/>
               </a:pPr>
               <a:r>
+                <a:rPr/>
                 <a:t>00</a:t>
               </a:r>
               <a:r>
@@ -8253,7 +8278,7 @@
             <a:effectLst/>
             <a:extLst>
               <a:ext uri="{C572A759-6A51-4108-AA02-DFA0A04FC94B}">
-                <ma14:wrappingTextBoxFlag xmlns="" xmlns:m="http://schemas.openxmlformats.org/officeDocument/2006/math" xmlns:a14="http://schemas.microsoft.com/office/drawing/2010/main" xmlns:ma14="http://schemas.microsoft.com/office/mac/drawingml/2011/main" val="1"/>
+                <ma14:wrappingTextBoxFlag xmlns:ma14="http://schemas.microsoft.com/office/mac/drawingml/2011/main" xmlns:a14="http://schemas.microsoft.com/office/drawing/2010/main" xmlns:m="http://schemas.openxmlformats.org/officeDocument/2006/math" xmlns="" val="1"/>
               </a:ext>
             </a:extLst>
           </p:spPr>
@@ -8384,7 +8409,7 @@
           </a:ln>
           <a:extLst>
             <a:ext uri="{C572A759-6A51-4108-AA02-DFA0A04FC94B}">
-              <ma14:wrappingTextBoxFlag xmlns="" xmlns:m="http://schemas.openxmlformats.org/officeDocument/2006/math" xmlns:a14="http://schemas.microsoft.com/office/drawing/2010/main" xmlns:ma14="http://schemas.microsoft.com/office/mac/drawingml/2011/main" val="1"/>
+              <ma14:wrappingTextBoxFlag xmlns:ma14="http://schemas.microsoft.com/office/mac/drawingml/2011/main" xmlns:a14="http://schemas.microsoft.com/office/drawing/2010/main" xmlns:m="http://schemas.openxmlformats.org/officeDocument/2006/math" xmlns="" val="1"/>
             </a:ext>
           </a:extLst>
         </p:spPr>
@@ -8412,7 +8437,7 @@
               </a:defRPr>
             </a:pPr>
             <a:r>
-              <a:rPr lang="en-US" altLang="ko-KR" dirty="0" err="1" smtClean="0">
+              <a:rPr lang="en-US" altLang="ko-KR" err="1" smtClean="0">
                 <a:latin typeface="나눔스퀘어라운드 Regular"/>
                 <a:ea typeface="나눔스퀘어라운드 Regular"/>
                 <a:cs typeface="나눔스퀘어라운드 Regular"/>
@@ -8420,7 +8445,7 @@
               </a:rPr>
               <a:t>MyFestival</a:t>
             </a:r>
-            <a:endParaRPr dirty="0">
+            <a:endParaRPr>
               <a:latin typeface="나눔스퀘어라운드 Regular"/>
               <a:ea typeface="나눔스퀘어라운드 Regular"/>
               <a:cs typeface="나눔스퀘어라운드 Regular"/>
@@ -8448,7 +8473,7 @@
           </a:ln>
           <a:extLst>
             <a:ext uri="{C572A759-6A51-4108-AA02-DFA0A04FC94B}">
-              <ma14:wrappingTextBoxFlag xmlns="" xmlns:m="http://schemas.openxmlformats.org/officeDocument/2006/math" xmlns:a14="http://schemas.microsoft.com/office/drawing/2010/main" xmlns:ma14="http://schemas.microsoft.com/office/mac/drawingml/2011/main" val="1"/>
+              <ma14:wrappingTextBoxFlag xmlns:ma14="http://schemas.microsoft.com/office/mac/drawingml/2011/main" xmlns:a14="http://schemas.microsoft.com/office/drawing/2010/main" xmlns:m="http://schemas.openxmlformats.org/officeDocument/2006/math" xmlns="" val="1"/>
             </a:ext>
           </a:extLst>
         </p:spPr>
@@ -8476,14 +8501,14 @@
               </a:defRPr>
             </a:pPr>
             <a:r>
-              <a:rPr lang="ko-KR" altLang="en-US" dirty="0" smtClean="0">
+              <a:rPr lang="ko-KR" altLang="en-US" smtClean="0">
                 <a:latin typeface="Arial"/>
                 <a:cs typeface="Arial"/>
                 <a:sym typeface="Arial"/>
               </a:rPr>
               <a:t>로그아웃 클릭</a:t>
             </a:r>
-            <a:endParaRPr dirty="0">
+            <a:endParaRPr>
               <a:latin typeface="나눔스퀘어라운드 Regular"/>
               <a:ea typeface="나눔스퀘어라운드 Regular"/>
               <a:cs typeface="나눔스퀘어라운드 Regular"/>
@@ -8542,7 +8567,7 @@
           </a:ln>
           <a:extLst>
             <a:ext uri="{C572A759-6A51-4108-AA02-DFA0A04FC94B}">
-              <ma14:wrappingTextBoxFlag xmlns="" xmlns:m="http://schemas.openxmlformats.org/officeDocument/2006/math" xmlns:a14="http://schemas.microsoft.com/office/drawing/2010/main" xmlns:ma14="http://schemas.microsoft.com/office/mac/drawingml/2011/main" val="1"/>
+              <ma14:wrappingTextBoxFlag xmlns:ma14="http://schemas.microsoft.com/office/mac/drawingml/2011/main" xmlns:a14="http://schemas.microsoft.com/office/drawing/2010/main" xmlns:m="http://schemas.openxmlformats.org/officeDocument/2006/math" xmlns="" val="1"/>
             </a:ext>
           </a:extLst>
         </p:spPr>
@@ -8565,6 +8590,7 @@
           </a:lstStyle>
           <a:p>
             <a:r>
+              <a:rPr/>
               <a:t>Copyrightⓒ. Saebyeol Yu. All Rights Reserved.</a:t>
             </a:r>
           </a:p>
@@ -8654,7 +8680,7 @@
           </a:ln>
           <a:extLst>
             <a:ext uri="{C572A759-6A51-4108-AA02-DFA0A04FC94B}">
-              <ma14:wrappingTextBoxFlag xmlns="" xmlns:m="http://schemas.openxmlformats.org/officeDocument/2006/math" xmlns:a14="http://schemas.microsoft.com/office/drawing/2010/main" xmlns:ma14="http://schemas.microsoft.com/office/mac/drawingml/2011/main" val="1"/>
+              <ma14:wrappingTextBoxFlag xmlns:ma14="http://schemas.microsoft.com/office/mac/drawingml/2011/main" xmlns:a14="http://schemas.microsoft.com/office/drawing/2010/main" xmlns:m="http://schemas.openxmlformats.org/officeDocument/2006/math" xmlns="" val="1"/>
             </a:ext>
           </a:extLst>
         </p:spPr>
@@ -8716,7 +8742,7 @@
             <a:effectLst/>
             <a:extLst>
               <a:ext uri="{C572A759-6A51-4108-AA02-DFA0A04FC94B}">
-                <ma14:wrappingTextBoxFlag xmlns="" xmlns:m="http://schemas.openxmlformats.org/officeDocument/2006/math" xmlns:a14="http://schemas.microsoft.com/office/drawing/2010/main" xmlns:ma14="http://schemas.microsoft.com/office/mac/drawingml/2011/main" val="1"/>
+                <ma14:wrappingTextBoxFlag xmlns:ma14="http://schemas.microsoft.com/office/mac/drawingml/2011/main" xmlns:a14="http://schemas.microsoft.com/office/drawing/2010/main" xmlns:m="http://schemas.openxmlformats.org/officeDocument/2006/math" xmlns="" val="1"/>
               </a:ext>
             </a:extLst>
           </p:spPr>
@@ -8730,6 +8756,7 @@
                 <a:defRPr sz="1200"/>
               </a:pPr>
               <a:r>
+                <a:rPr/>
                 <a:t>00</a:t>
               </a:r>
               <a:r>
@@ -8771,7 +8798,7 @@
             <a:effectLst/>
             <a:extLst>
               <a:ext uri="{C572A759-6A51-4108-AA02-DFA0A04FC94B}">
-                <ma14:wrappingTextBoxFlag xmlns="" xmlns:m="http://schemas.openxmlformats.org/officeDocument/2006/math" xmlns:a14="http://schemas.microsoft.com/office/drawing/2010/main" xmlns:ma14="http://schemas.microsoft.com/office/mac/drawingml/2011/main" val="1"/>
+                <ma14:wrappingTextBoxFlag xmlns:ma14="http://schemas.microsoft.com/office/mac/drawingml/2011/main" xmlns:a14="http://schemas.microsoft.com/office/drawing/2010/main" xmlns:m="http://schemas.openxmlformats.org/officeDocument/2006/math" xmlns="" val="1"/>
               </a:ext>
             </a:extLst>
           </p:spPr>
@@ -8872,7 +8899,7 @@
         </p:blipFill>
         <p:spPr>
           <a:xfrm>
-            <a:off x="4874751" y="1194090"/>
+            <a:off x="5092632" y="1194090"/>
             <a:ext cx="2706108" cy="4778727"/>
           </a:xfrm>
           <a:prstGeom prst="rect">
@@ -8902,7 +8929,7 @@
           </a:ln>
           <a:extLst>
             <a:ext uri="{C572A759-6A51-4108-AA02-DFA0A04FC94B}">
-              <ma14:wrappingTextBoxFlag xmlns="" xmlns:m="http://schemas.openxmlformats.org/officeDocument/2006/math" xmlns:a14="http://schemas.microsoft.com/office/drawing/2010/main" xmlns:ma14="http://schemas.microsoft.com/office/mac/drawingml/2011/main" val="1"/>
+              <ma14:wrappingTextBoxFlag xmlns:ma14="http://schemas.microsoft.com/office/mac/drawingml/2011/main" xmlns:a14="http://schemas.microsoft.com/office/drawing/2010/main" xmlns:m="http://schemas.openxmlformats.org/officeDocument/2006/math" xmlns="" val="1"/>
             </a:ext>
           </a:extLst>
         </p:spPr>
@@ -8930,7 +8957,7 @@
               </a:defRPr>
             </a:pPr>
             <a:r>
-              <a:rPr lang="ko-KR" altLang="en-US" dirty="0" smtClean="0">
+              <a:rPr lang="ko-KR" altLang="en-US" smtClean="0">
                 <a:latin typeface="나눔스퀘어라운드 Regular"/>
                 <a:ea typeface="나눔스퀘어라운드 Regular"/>
                 <a:cs typeface="나눔스퀘어라운드 Regular"/>
@@ -8938,7 +8965,7 @@
               </a:rPr>
               <a:t>지역별 선택 페이지</a:t>
             </a:r>
-            <a:endParaRPr dirty="0">
+            <a:endParaRPr>
               <a:latin typeface="나눔스퀘어라운드 Regular"/>
               <a:ea typeface="나눔스퀘어라운드 Regular"/>
               <a:cs typeface="나눔스퀘어라운드 Regular"/>
@@ -8955,7 +8982,7 @@
         </p:nvSpPr>
         <p:spPr>
           <a:xfrm>
-            <a:off x="5526330" y="6081813"/>
+            <a:off x="5744211" y="6081813"/>
             <a:ext cx="1554270" cy="369332"/>
           </a:xfrm>
           <a:prstGeom prst="rect">
@@ -8966,7 +8993,7 @@
           </a:ln>
           <a:extLst>
             <a:ext uri="{C572A759-6A51-4108-AA02-DFA0A04FC94B}">
-              <ma14:wrappingTextBoxFlag xmlns="" xmlns:m="http://schemas.openxmlformats.org/officeDocument/2006/math" xmlns:a14="http://schemas.microsoft.com/office/drawing/2010/main" xmlns:ma14="http://schemas.microsoft.com/office/mac/drawingml/2011/main" val="1"/>
+              <ma14:wrappingTextBoxFlag xmlns:ma14="http://schemas.microsoft.com/office/mac/drawingml/2011/main" xmlns:a14="http://schemas.microsoft.com/office/drawing/2010/main" xmlns:m="http://schemas.openxmlformats.org/officeDocument/2006/math" xmlns="" val="1"/>
             </a:ext>
           </a:extLst>
         </p:spPr>
@@ -8994,7 +9021,7 @@
               </a:defRPr>
             </a:pPr>
             <a:r>
-              <a:rPr lang="ko-KR" altLang="en-US" dirty="0" smtClean="0">
+              <a:rPr lang="ko-KR" altLang="en-US" smtClean="0">
                 <a:latin typeface="나눔스퀘어라운드 Regular"/>
                 <a:ea typeface="나눔스퀘어라운드 Regular"/>
                 <a:cs typeface="나눔스퀘어라운드 Regular"/>
@@ -9002,7 +9029,7 @@
               </a:rPr>
               <a:t>캘린더 페이지</a:t>
             </a:r>
-            <a:endParaRPr dirty="0">
+            <a:endParaRPr>
               <a:latin typeface="나눔스퀘어라운드 Regular"/>
               <a:ea typeface="나눔스퀘어라운드 Regular"/>
               <a:cs typeface="나눔스퀘어라운드 Regular"/>
@@ -9030,7 +9057,7 @@
           </a:ln>
           <a:extLst>
             <a:ext uri="{C572A759-6A51-4108-AA02-DFA0A04FC94B}">
-              <ma14:wrappingTextBoxFlag xmlns="" xmlns:m="http://schemas.openxmlformats.org/officeDocument/2006/math" xmlns:a14="http://schemas.microsoft.com/office/drawing/2010/main" xmlns:ma14="http://schemas.microsoft.com/office/mac/drawingml/2011/main" val="1"/>
+              <ma14:wrappingTextBoxFlag xmlns:ma14="http://schemas.microsoft.com/office/mac/drawingml/2011/main" xmlns:a14="http://schemas.microsoft.com/office/drawing/2010/main" xmlns:m="http://schemas.openxmlformats.org/officeDocument/2006/math" xmlns="" val="1"/>
             </a:ext>
           </a:extLst>
         </p:spPr>
@@ -9058,7 +9085,7 @@
               </a:defRPr>
             </a:pPr>
             <a:r>
-              <a:rPr lang="ko-KR" altLang="en-US" dirty="0" smtClean="0">
+              <a:rPr lang="ko-KR" altLang="en-US" smtClean="0">
                 <a:latin typeface="나눔스퀘어라운드 Regular"/>
                 <a:ea typeface="나눔스퀘어라운드 Regular"/>
                 <a:cs typeface="나눔스퀘어라운드 Regular"/>
@@ -9066,7 +9093,7 @@
               </a:rPr>
               <a:t>캘린더 클릭</a:t>
             </a:r>
-            <a:endParaRPr dirty="0">
+            <a:endParaRPr>
               <a:latin typeface="나눔스퀘어라운드 Regular"/>
               <a:ea typeface="나눔스퀘어라운드 Regular"/>
               <a:cs typeface="나눔스퀘어라운드 Regular"/>
@@ -9294,7 +9321,7 @@
               <a:tabLst/>
             </a:pPr>
             <a:r>
-              <a:rPr kumimoji="0" lang="ko-KR" altLang="en-US" sz="1800" b="0" i="0" u="none" strike="noStrike" cap="none" spc="0" normalizeH="0" baseline="0" dirty="0" smtClean="0">
+              <a:rPr kumimoji="0" lang="ko-KR" altLang="en-US" sz="1800" b="0" i="0" u="none" strike="noStrike" cap="none" spc="0" normalizeH="0" baseline="0" smtClean="0">
                 <a:ln>
                   <a:noFill/>
                 </a:ln>
@@ -9310,7 +9337,7 @@
               </a:rPr>
               <a:t>클릭</a:t>
             </a:r>
-            <a:endParaRPr kumimoji="0" lang="ko-KR" altLang="en-US" sz="1800" b="0" i="0" u="none" strike="noStrike" cap="none" spc="0" normalizeH="0" baseline="0" dirty="0">
+            <a:endParaRPr kumimoji="0" lang="ko-KR" altLang="en-US" sz="1800" b="0" i="0" u="none" strike="noStrike" cap="none" spc="0" normalizeH="0" baseline="0">
               <a:ln>
                 <a:noFill/>
               </a:ln>
@@ -9460,7 +9487,7 @@
               <a:tabLst/>
             </a:pPr>
             <a:r>
-              <a:rPr kumimoji="0" lang="ko-KR" altLang="en-US" sz="1800" b="0" i="0" u="none" strike="noStrike" cap="none" spc="0" normalizeH="0" baseline="0" dirty="0" smtClean="0">
+              <a:rPr kumimoji="0" lang="ko-KR" altLang="en-US" sz="1800" b="0" i="0" u="none" strike="noStrike" cap="none" spc="0" normalizeH="0" baseline="0" smtClean="0">
                 <a:ln>
                   <a:noFill/>
                 </a:ln>
@@ -9476,7 +9503,7 @@
               </a:rPr>
               <a:t>클릭 시 </a:t>
             </a:r>
-            <a:endParaRPr kumimoji="0" lang="en-US" altLang="ko-KR" sz="1800" b="0" i="0" u="none" strike="noStrike" cap="none" spc="0" normalizeH="0" baseline="0" dirty="0" smtClean="0">
+            <a:endParaRPr kumimoji="0" lang="en-US" altLang="ko-KR" sz="1800" b="0" i="0" u="none" strike="noStrike" cap="none" spc="0" normalizeH="0" baseline="0" smtClean="0">
               <a:ln>
                 <a:noFill/>
               </a:ln>
@@ -9509,14 +9536,14 @@
               <a:tabLst/>
             </a:pPr>
             <a:r>
-              <a:rPr lang="en-US" altLang="ko-KR" dirty="0" smtClean="0"/>
+              <a:rPr lang="en-US" altLang="ko-KR" smtClean="0"/>
               <a:t>More </a:t>
             </a:r>
             <a:r>
-              <a:rPr lang="ko-KR" altLang="en-US" dirty="0" smtClean="0"/>
+              <a:rPr lang="ko-KR" altLang="en-US" smtClean="0"/>
               <a:t>페이지로</a:t>
             </a:r>
-            <a:endParaRPr lang="en-US" altLang="ko-KR" dirty="0" smtClean="0"/>
+            <a:endParaRPr lang="en-US" altLang="ko-KR" smtClean="0"/>
           </a:p>
           <a:p>
             <a:pPr marL="0" marR="0" indent="0" algn="l" defTabSz="914400" rtl="0" fontAlgn="auto" latinLnBrk="0" hangingPunct="0">
@@ -9536,7 +9563,7 @@
               <a:tabLst/>
             </a:pPr>
             <a:r>
-              <a:rPr kumimoji="0" lang="ko-KR" altLang="en-US" sz="1800" b="0" i="0" u="none" strike="noStrike" cap="none" spc="0" normalizeH="0" baseline="0" dirty="0" smtClean="0">
+              <a:rPr kumimoji="0" lang="ko-KR" altLang="en-US" sz="1800" b="0" i="0" u="none" strike="noStrike" cap="none" spc="0" normalizeH="0" baseline="0" smtClean="0">
                 <a:ln>
                   <a:noFill/>
                 </a:ln>
@@ -9552,7 +9579,7 @@
               </a:rPr>
               <a:t>이동</a:t>
             </a:r>
-            <a:endParaRPr kumimoji="0" lang="ko-KR" altLang="en-US" sz="1800" b="0" i="0" u="none" strike="noStrike" cap="none" spc="0" normalizeH="0" baseline="0" dirty="0">
+            <a:endParaRPr kumimoji="0" lang="ko-KR" altLang="en-US" sz="1800" b="0" i="0" u="none" strike="noStrike" cap="none" spc="0" normalizeH="0" baseline="0">
               <a:ln>
                 <a:noFill/>
               </a:ln>
@@ -9687,13 +9714,15 @@
       <p:cxnSp>
         <p:nvCxnSpPr>
           <p:cNvPr id="9" name="직선 화살표 연결선 8"/>
-          <p:cNvCxnSpPr/>
+          <p:cNvCxnSpPr>
+            <a:endCxn id="10" idx="1"/>
+          </p:cNvCxnSpPr>
           <p:nvPr/>
         </p:nvCxnSpPr>
         <p:spPr>
           <a:xfrm flipV="1">
-            <a:off x="1715589" y="908019"/>
-            <a:ext cx="1733005" cy="894655"/>
+            <a:off x="1707939" y="1695466"/>
+            <a:ext cx="1740655" cy="220420"/>
           </a:xfrm>
           <a:prstGeom prst="straightConnector1">
             <a:avLst/>
@@ -9731,7 +9760,7 @@
         </p:nvSpPr>
         <p:spPr>
           <a:xfrm>
-            <a:off x="3448594" y="412008"/>
+            <a:off x="3448594" y="1233802"/>
             <a:ext cx="1644038" cy="923328"/>
           </a:xfrm>
           <a:prstGeom prst="rect">
@@ -9780,7 +9809,7 @@
               <a:tabLst/>
             </a:pPr>
             <a:r>
-              <a:rPr kumimoji="0" lang="ko-KR" altLang="en-US" sz="1800" b="0" i="0" u="none" strike="noStrike" cap="none" spc="0" normalizeH="0" baseline="0" dirty="0" smtClean="0">
+              <a:rPr kumimoji="0" lang="ko-KR" altLang="en-US" sz="1800" b="0" i="0" u="none" strike="noStrike" cap="none" spc="0" normalizeH="0" baseline="0" smtClean="0">
                 <a:ln>
                   <a:noFill/>
                 </a:ln>
@@ -9796,7 +9825,7 @@
               </a:rPr>
               <a:t>클릭 시 </a:t>
             </a:r>
-            <a:endParaRPr kumimoji="0" lang="en-US" altLang="ko-KR" sz="1800" b="0" i="0" u="none" strike="noStrike" cap="none" spc="0" normalizeH="0" baseline="0" dirty="0" smtClean="0">
+            <a:endParaRPr kumimoji="0" lang="en-US" altLang="ko-KR" sz="1800" b="0" i="0" u="none" strike="noStrike" cap="none" spc="0" normalizeH="0" baseline="0" smtClean="0">
               <a:ln>
                 <a:noFill/>
               </a:ln>
@@ -9829,22 +9858,22 @@
               <a:tabLst/>
             </a:pPr>
             <a:r>
-              <a:rPr lang="en-US" altLang="ko-KR" dirty="0" smtClean="0"/>
+              <a:rPr lang="en-US" altLang="ko-KR" smtClean="0"/>
               <a:t>‘</a:t>
             </a:r>
             <a:r>
-              <a:rPr lang="ko-KR" altLang="en-US" dirty="0" smtClean="0"/>
+              <a:rPr lang="ko-KR" altLang="en-US" smtClean="0"/>
               <a:t>서울</a:t>
             </a:r>
             <a:r>
-              <a:rPr lang="en-US" altLang="ko-KR" dirty="0" smtClean="0"/>
+              <a:rPr lang="en-US" altLang="ko-KR" smtClean="0"/>
               <a:t>’ </a:t>
             </a:r>
             <a:r>
-              <a:rPr lang="ko-KR" altLang="en-US" dirty="0" smtClean="0"/>
+              <a:rPr lang="ko-KR" altLang="en-US" smtClean="0"/>
               <a:t>지역별로</a:t>
             </a:r>
-            <a:endParaRPr lang="en-US" altLang="ko-KR" dirty="0" smtClean="0"/>
+            <a:endParaRPr lang="en-US" altLang="ko-KR" smtClean="0"/>
           </a:p>
           <a:p>
             <a:pPr marL="0" marR="0" indent="0" algn="l" defTabSz="914400" rtl="0" fontAlgn="auto" latinLnBrk="0" hangingPunct="0">
@@ -9864,10 +9893,10 @@
               <a:tabLst/>
             </a:pPr>
             <a:r>
-              <a:rPr lang="ko-KR" altLang="en-US" dirty="0" smtClean="0"/>
+              <a:rPr lang="ko-KR" altLang="en-US" smtClean="0"/>
               <a:t>데이터 분류</a:t>
             </a:r>
-            <a:endParaRPr kumimoji="0" lang="ko-KR" altLang="en-US" sz="1800" b="0" i="0" u="none" strike="noStrike" cap="none" spc="0" normalizeH="0" baseline="0" dirty="0">
+            <a:endParaRPr kumimoji="0" lang="ko-KR" altLang="en-US" sz="1800" b="0" i="0" u="none" strike="noStrike" cap="none" spc="0" normalizeH="0" baseline="0">
               <a:ln>
                 <a:noFill/>
               </a:ln>
@@ -9892,7 +9921,7 @@
         </p:nvSpPr>
         <p:spPr>
           <a:xfrm>
-            <a:off x="5320936" y="2926080"/>
+            <a:off x="5538817" y="2926080"/>
             <a:ext cx="296091" cy="313508"/>
           </a:xfrm>
           <a:prstGeom prst="ellipse">
@@ -9968,7 +9997,7 @@
         </p:nvCxnSpPr>
         <p:spPr>
           <a:xfrm flipH="1">
-            <a:off x="4580709" y="3156857"/>
+            <a:off x="4798590" y="3156857"/>
             <a:ext cx="740227" cy="426595"/>
           </a:xfrm>
           <a:prstGeom prst="straightConnector1">
@@ -10056,7 +10085,7 @@
               <a:tabLst/>
             </a:pPr>
             <a:r>
-              <a:rPr kumimoji="0" lang="en-US" altLang="ko-KR" sz="1800" b="0" i="0" u="none" strike="noStrike" cap="none" spc="0" normalizeH="0" baseline="0" dirty="0" smtClean="0">
+              <a:rPr kumimoji="0" lang="en-US" altLang="ko-KR" sz="1800" b="0" i="0" u="none" strike="noStrike" cap="none" spc="0" normalizeH="0" baseline="0" smtClean="0">
                 <a:ln>
                   <a:noFill/>
                 </a:ln>
@@ -10073,7 +10102,7 @@
               <a:t>Like </a:t>
             </a:r>
             <a:r>
-              <a:rPr kumimoji="0" lang="ko-KR" altLang="en-US" sz="1800" b="0" i="0" u="none" strike="noStrike" cap="none" spc="0" normalizeH="0" baseline="0" dirty="0" smtClean="0">
+              <a:rPr kumimoji="0" lang="ko-KR" altLang="en-US" sz="1800" b="0" i="0" u="none" strike="noStrike" cap="none" spc="0" normalizeH="0" baseline="0" smtClean="0">
                 <a:ln>
                   <a:noFill/>
                 </a:ln>
@@ -10089,7 +10118,7 @@
               </a:rPr>
               <a:t>눌렀던</a:t>
             </a:r>
-            <a:endParaRPr kumimoji="0" lang="en-US" altLang="ko-KR" sz="1800" b="0" i="0" u="none" strike="noStrike" cap="none" spc="0" normalizeH="0" baseline="0" dirty="0" smtClean="0">
+            <a:endParaRPr kumimoji="0" lang="en-US" altLang="ko-KR" sz="1800" b="0" i="0" u="none" strike="noStrike" cap="none" spc="0" normalizeH="0" baseline="0" smtClean="0">
               <a:ln>
                 <a:noFill/>
               </a:ln>
@@ -10122,10 +10151,10 @@
               <a:tabLst/>
             </a:pPr>
             <a:r>
-              <a:rPr lang="ko-KR" altLang="en-US" dirty="0" smtClean="0"/>
+              <a:rPr lang="ko-KR" altLang="en-US" smtClean="0"/>
               <a:t>정보</a:t>
             </a:r>
-            <a:endParaRPr kumimoji="0" lang="ko-KR" altLang="en-US" sz="1800" b="0" i="0" u="none" strike="noStrike" cap="none" spc="0" normalizeH="0" baseline="0" dirty="0">
+            <a:endParaRPr kumimoji="0" lang="ko-KR" altLang="en-US" sz="1800" b="0" i="0" u="none" strike="noStrike" cap="none" spc="0" normalizeH="0" baseline="0">
               <a:ln>
                 <a:noFill/>
               </a:ln>
@@ -10150,7 +10179,7 @@
         </p:nvCxnSpPr>
         <p:spPr>
           <a:xfrm>
-            <a:off x="5617027" y="3000103"/>
+            <a:off x="5834908" y="3000103"/>
             <a:ext cx="2943499" cy="0"/>
           </a:xfrm>
           <a:prstGeom prst="straightConnector1">
@@ -10189,7 +10218,7 @@
         </p:nvSpPr>
         <p:spPr>
           <a:xfrm>
-            <a:off x="7794171" y="2621280"/>
+            <a:off x="7967927" y="2621280"/>
             <a:ext cx="553996" cy="369330"/>
           </a:xfrm>
           <a:prstGeom prst="rect">
@@ -10238,7 +10267,7 @@
               <a:tabLst/>
             </a:pPr>
             <a:r>
-              <a:rPr kumimoji="0" lang="ko-KR" altLang="en-US" sz="1800" b="0" i="0" u="none" strike="noStrike" cap="none" spc="0" normalizeH="0" baseline="0" dirty="0" smtClean="0">
+              <a:rPr kumimoji="0" lang="ko-KR" altLang="en-US" sz="1800" b="0" i="0" u="none" strike="noStrike" cap="none" spc="0" normalizeH="0" baseline="0" smtClean="0">
                 <a:ln>
                   <a:noFill/>
                 </a:ln>
@@ -10254,7 +10283,7 @@
               </a:rPr>
               <a:t>클릭</a:t>
             </a:r>
-            <a:endParaRPr kumimoji="0" lang="ko-KR" altLang="en-US" sz="1800" b="0" i="0" u="none" strike="noStrike" cap="none" spc="0" normalizeH="0" baseline="0" dirty="0">
+            <a:endParaRPr kumimoji="0" lang="ko-KR" altLang="en-US" sz="1800" b="0" i="0" u="none" strike="noStrike" cap="none" spc="0" normalizeH="0" baseline="0">
               <a:ln>
                 <a:noFill/>
               </a:ln>
@@ -10279,7 +10308,7 @@
         </p:nvSpPr>
         <p:spPr>
           <a:xfrm>
-            <a:off x="6776065" y="5024846"/>
+            <a:off x="7002122" y="5039587"/>
             <a:ext cx="609069" cy="557349"/>
           </a:xfrm>
           <a:prstGeom prst="ellipse">
@@ -10355,7 +10384,7 @@
         </p:nvSpPr>
         <p:spPr>
           <a:xfrm>
-            <a:off x="6811778" y="4670257"/>
+            <a:off x="7029659" y="4670257"/>
             <a:ext cx="553996" cy="369330"/>
           </a:xfrm>
           <a:prstGeom prst="rect">
@@ -10404,7 +10433,7 @@
               <a:tabLst/>
             </a:pPr>
             <a:r>
-              <a:rPr kumimoji="0" lang="ko-KR" altLang="en-US" sz="1800" b="0" i="0" u="none" strike="noStrike" cap="none" spc="0" normalizeH="0" baseline="0" dirty="0" smtClean="0">
+              <a:rPr kumimoji="0" lang="ko-KR" altLang="en-US" sz="1800" b="0" i="0" u="none" strike="noStrike" cap="none" spc="0" normalizeH="0" baseline="0" smtClean="0">
                 <a:ln>
                   <a:noFill/>
                 </a:ln>
@@ -10420,7 +10449,7 @@
               </a:rPr>
               <a:t>클릭</a:t>
             </a:r>
-            <a:endParaRPr kumimoji="0" lang="ko-KR" altLang="en-US" sz="1800" b="0" i="0" u="none" strike="noStrike" cap="none" spc="0" normalizeH="0" baseline="0" dirty="0">
+            <a:endParaRPr kumimoji="0" lang="ko-KR" altLang="en-US" sz="1800" b="0" i="0" u="none" strike="noStrike" cap="none" spc="0" normalizeH="0" baseline="0">
               <a:ln>
                 <a:noFill/>
               </a:ln>
@@ -10487,7 +10516,7 @@
           </a:ln>
           <a:extLst>
             <a:ext uri="{C572A759-6A51-4108-AA02-DFA0A04FC94B}">
-              <ma14:wrappingTextBoxFlag xmlns="" xmlns:m="http://schemas.openxmlformats.org/officeDocument/2006/math" xmlns:a14="http://schemas.microsoft.com/office/drawing/2010/main" xmlns:ma14="http://schemas.microsoft.com/office/mac/drawingml/2011/main" val="1"/>
+              <ma14:wrappingTextBoxFlag xmlns:ma14="http://schemas.microsoft.com/office/mac/drawingml/2011/main" xmlns:a14="http://schemas.microsoft.com/office/drawing/2010/main" xmlns:m="http://schemas.openxmlformats.org/officeDocument/2006/math" xmlns="" val="1"/>
             </a:ext>
           </a:extLst>
         </p:spPr>
@@ -10510,6 +10539,7 @@
           </a:lstStyle>
           <a:p>
             <a:r>
+              <a:rPr/>
               <a:t>Copyrightⓒ. Saebyeol Yu. All Rights Reserved.</a:t>
             </a:r>
           </a:p>
@@ -10733,7 +10763,7 @@
           </a:ln>
           <a:extLst>
             <a:ext uri="{C572A759-6A51-4108-AA02-DFA0A04FC94B}">
-              <ma14:wrappingTextBoxFlag xmlns="" xmlns:m="http://schemas.openxmlformats.org/officeDocument/2006/math" xmlns:a14="http://schemas.microsoft.com/office/drawing/2010/main" xmlns:ma14="http://schemas.microsoft.com/office/mac/drawingml/2011/main" val="1"/>
+              <ma14:wrappingTextBoxFlag xmlns:ma14="http://schemas.microsoft.com/office/mac/drawingml/2011/main" xmlns:a14="http://schemas.microsoft.com/office/drawing/2010/main" xmlns:m="http://schemas.openxmlformats.org/officeDocument/2006/math" xmlns="" val="1"/>
             </a:ext>
           </a:extLst>
         </p:spPr>
@@ -10850,7 +10880,7 @@
           </a:ln>
           <a:extLst>
             <a:ext uri="{C572A759-6A51-4108-AA02-DFA0A04FC94B}">
-              <ma14:wrappingTextBoxFlag xmlns="" xmlns:m="http://schemas.openxmlformats.org/officeDocument/2006/math" xmlns:a14="http://schemas.microsoft.com/office/drawing/2010/main" xmlns:ma14="http://schemas.microsoft.com/office/mac/drawingml/2011/main" val="1"/>
+              <ma14:wrappingTextBoxFlag xmlns:ma14="http://schemas.microsoft.com/office/mac/drawingml/2011/main" xmlns:a14="http://schemas.microsoft.com/office/drawing/2010/main" xmlns:m="http://schemas.openxmlformats.org/officeDocument/2006/math" xmlns="" val="1"/>
             </a:ext>
           </a:extLst>
         </p:spPr>
@@ -10895,7 +10925,7 @@
           </a:ln>
           <a:extLst>
             <a:ext uri="{C572A759-6A51-4108-AA02-DFA0A04FC94B}">
-              <ma14:wrappingTextBoxFlag xmlns="" xmlns:m="http://schemas.openxmlformats.org/officeDocument/2006/math" xmlns:a14="http://schemas.microsoft.com/office/drawing/2010/main" xmlns:ma14="http://schemas.microsoft.com/office/mac/drawingml/2011/main" val="1"/>
+              <ma14:wrappingTextBoxFlag xmlns:ma14="http://schemas.microsoft.com/office/mac/drawingml/2011/main" xmlns:a14="http://schemas.microsoft.com/office/drawing/2010/main" xmlns:m="http://schemas.openxmlformats.org/officeDocument/2006/math" xmlns="" val="1"/>
             </a:ext>
           </a:extLst>
         </p:spPr>
@@ -11019,7 +11049,7 @@
           </a:ln>
           <a:extLst>
             <a:ext uri="{C572A759-6A51-4108-AA02-DFA0A04FC94B}">
-              <ma14:wrappingTextBoxFlag xmlns="" xmlns:m="http://schemas.openxmlformats.org/officeDocument/2006/math" xmlns:a14="http://schemas.microsoft.com/office/drawing/2010/main" xmlns:ma14="http://schemas.microsoft.com/office/mac/drawingml/2011/main" val="1"/>
+              <ma14:wrappingTextBoxFlag xmlns:ma14="http://schemas.microsoft.com/office/mac/drawingml/2011/main" xmlns:a14="http://schemas.microsoft.com/office/drawing/2010/main" xmlns:m="http://schemas.openxmlformats.org/officeDocument/2006/math" xmlns="" val="1"/>
             </a:ext>
           </a:extLst>
         </p:spPr>
@@ -11175,7 +11205,7 @@
           </a:ln>
           <a:extLst>
             <a:ext uri="{C572A759-6A51-4108-AA02-DFA0A04FC94B}">
-              <ma14:wrappingTextBoxFlag xmlns="" xmlns:m="http://schemas.openxmlformats.org/officeDocument/2006/math" xmlns:a14="http://schemas.microsoft.com/office/drawing/2010/main" xmlns:ma14="http://schemas.microsoft.com/office/mac/drawingml/2011/main" val="1"/>
+              <ma14:wrappingTextBoxFlag xmlns:ma14="http://schemas.microsoft.com/office/mac/drawingml/2011/main" xmlns:a14="http://schemas.microsoft.com/office/drawing/2010/main" xmlns:m="http://schemas.openxmlformats.org/officeDocument/2006/math" xmlns="" val="1"/>
             </a:ext>
           </a:extLst>
         </p:spPr>
@@ -11405,7 +11435,7 @@
           </a:ln>
           <a:extLst>
             <a:ext uri="{C572A759-6A51-4108-AA02-DFA0A04FC94B}">
-              <ma14:wrappingTextBoxFlag xmlns="" xmlns:m="http://schemas.openxmlformats.org/officeDocument/2006/math" xmlns:a14="http://schemas.microsoft.com/office/drawing/2010/main" xmlns:ma14="http://schemas.microsoft.com/office/mac/drawingml/2011/main" val="1"/>
+              <ma14:wrappingTextBoxFlag xmlns:ma14="http://schemas.microsoft.com/office/mac/drawingml/2011/main" xmlns:a14="http://schemas.microsoft.com/office/drawing/2010/main" xmlns:m="http://schemas.openxmlformats.org/officeDocument/2006/math" xmlns="" val="1"/>
             </a:ext>
           </a:extLst>
         </p:spPr>
@@ -11424,6 +11454,7 @@
           </a:lstStyle>
           <a:p>
             <a:r>
+              <a:rPr/>
               <a:t>3</a:t>
             </a:r>
           </a:p>
@@ -11465,7 +11496,7 @@
             <a:effectLst/>
             <a:extLst>
               <a:ext uri="{C572A759-6A51-4108-AA02-DFA0A04FC94B}">
-                <ma14:wrappingTextBoxFlag xmlns="" xmlns:m="http://schemas.openxmlformats.org/officeDocument/2006/math" xmlns:a14="http://schemas.microsoft.com/office/drawing/2010/main" xmlns:ma14="http://schemas.microsoft.com/office/mac/drawingml/2011/main" val="1"/>
+                <ma14:wrappingTextBoxFlag xmlns:ma14="http://schemas.microsoft.com/office/mac/drawingml/2011/main" xmlns:a14="http://schemas.microsoft.com/office/drawing/2010/main" xmlns:m="http://schemas.openxmlformats.org/officeDocument/2006/math" xmlns="" val="1"/>
               </a:ext>
             </a:extLst>
           </p:spPr>
@@ -11479,6 +11510,7 @@
                 <a:defRPr sz="1200"/>
               </a:pPr>
               <a:r>
+                <a:rPr/>
                 <a:t>003 </a:t>
               </a:r>
               <a:r>
@@ -11521,7 +11553,7 @@
             <a:effectLst/>
             <a:extLst>
               <a:ext uri="{C572A759-6A51-4108-AA02-DFA0A04FC94B}">
-                <ma14:wrappingTextBoxFlag xmlns="" xmlns:m="http://schemas.openxmlformats.org/officeDocument/2006/math" xmlns:a14="http://schemas.microsoft.com/office/drawing/2010/main" xmlns:ma14="http://schemas.microsoft.com/office/mac/drawingml/2011/main" val="1"/>
+                <ma14:wrappingTextBoxFlag xmlns:ma14="http://schemas.microsoft.com/office/mac/drawingml/2011/main" xmlns:a14="http://schemas.microsoft.com/office/drawing/2010/main" xmlns:m="http://schemas.openxmlformats.org/officeDocument/2006/math" xmlns="" val="1"/>
               </a:ext>
             </a:extLst>
           </p:spPr>
@@ -11549,7 +11581,7 @@
                 </a:defRPr>
               </a:pPr>
               <a:r>
-                <a:rPr lang="ko-KR" altLang="en-US" dirty="0">
+                <a:rPr lang="ko-KR" altLang="en-US">
                   <a:latin typeface="나눔스퀘어라운드 Regular"/>
                   <a:ea typeface="나눔스퀘어라운드 Regular"/>
                   <a:cs typeface="나눔스퀘어라운드 Regular"/>
@@ -11558,7 +11590,7 @@
                 <a:t>시스템 </a:t>
               </a:r>
               <a:r>
-                <a:rPr lang="ko-KR" altLang="en-US" dirty="0" smtClean="0">
+                <a:rPr lang="ko-KR" altLang="en-US" smtClean="0">
                   <a:latin typeface="나눔스퀘어라운드 Regular"/>
                   <a:ea typeface="나눔스퀘어라운드 Regular"/>
                   <a:cs typeface="나눔스퀘어라운드 Regular"/>
@@ -11567,7 +11599,7 @@
                 <a:t>설명서</a:t>
               </a:r>
               <a:r>
-                <a:rPr lang="en-US" altLang="ko-KR" dirty="0" smtClean="0">
+                <a:rPr lang="en-US" altLang="ko-KR" smtClean="0">
                   <a:latin typeface="나눔스퀘어라운드 Regular"/>
                   <a:ea typeface="나눔스퀘어라운드 Regular"/>
                   <a:cs typeface="나눔스퀘어라운드 Regular"/>
@@ -11576,7 +11608,7 @@
                 <a:t>_</a:t>
               </a:r>
               <a:r>
-                <a:rPr lang="ko-KR" altLang="en-US" dirty="0" smtClean="0">
+                <a:rPr lang="ko-KR" altLang="en-US" smtClean="0">
                   <a:latin typeface="나눔스퀘어라운드 Regular"/>
                   <a:ea typeface="나눔스퀘어라운드 Regular"/>
                   <a:cs typeface="나눔스퀘어라운드 Regular"/>
@@ -11584,7 +11616,7 @@
                 </a:rPr>
                 <a:t>정리</a:t>
               </a:r>
-              <a:endParaRPr dirty="0">
+              <a:endParaRPr>
                 <a:latin typeface="나눔스퀘어라운드 Regular"/>
                 <a:ea typeface="나눔스퀘어라운드 Regular"/>
                 <a:cs typeface="나눔스퀘어라운드 Regular"/>
@@ -11599,7 +11631,7 @@
           <p:cNvPr id="23" name="TextBox 21">
             <a:extLst>
               <a:ext uri="{FF2B5EF4-FFF2-40B4-BE49-F238E27FC236}">
-                <a16:creationId xmlns:a16="http://schemas.microsoft.com/office/drawing/2014/main" xmlns="" id="{5139C88C-041B-4EFA-8802-566364E01A67}"/>
+                <a16:creationId xmlns="" xmlns:a16="http://schemas.microsoft.com/office/drawing/2014/main" id="{5139C88C-041B-4EFA-8802-566364E01A67}"/>
               </a:ext>
             </a:extLst>
           </p:cNvPr>
@@ -11619,7 +11651,7 @@
           </a:ln>
           <a:extLst>
             <a:ext uri="{C572A759-6A51-4108-AA02-DFA0A04FC94B}">
-              <ma14:wrappingTextBoxFlag xmlns="" xmlns:m="http://schemas.openxmlformats.org/officeDocument/2006/math" xmlns:a14="http://schemas.microsoft.com/office/drawing/2010/main" xmlns:ma14="http://schemas.microsoft.com/office/mac/drawingml/2011/main" val="1"/>
+              <ma14:wrappingTextBoxFlag xmlns:ma14="http://schemas.microsoft.com/office/mac/drawingml/2011/main" xmlns:a14="http://schemas.microsoft.com/office/drawing/2010/main" xmlns:m="http://schemas.openxmlformats.org/officeDocument/2006/math" xmlns="" val="1"/>
             </a:ext>
           </a:extLst>
         </p:spPr>
@@ -11824,7 +11856,7 @@
             <a:effectLst/>
             <a:extLst>
               <a:ext uri="{C572A759-6A51-4108-AA02-DFA0A04FC94B}">
-                <ma14:wrappingTextBoxFlag xmlns="" xmlns:m="http://schemas.openxmlformats.org/officeDocument/2006/math" xmlns:a14="http://schemas.microsoft.com/office/drawing/2010/main" xmlns:ma14="http://schemas.microsoft.com/office/mac/drawingml/2011/main" val="1"/>
+                <ma14:wrappingTextBoxFlag xmlns:ma14="http://schemas.microsoft.com/office/mac/drawingml/2011/main" xmlns:a14="http://schemas.microsoft.com/office/drawing/2010/main" xmlns:m="http://schemas.openxmlformats.org/officeDocument/2006/math" xmlns="" val="1"/>
               </a:ext>
             </a:extLst>
           </p:spPr>
@@ -11845,6 +11877,7 @@
             </a:lstStyle>
             <a:p>
               <a:r>
+                <a:rPr/>
                 <a:t>A</a:t>
               </a:r>
             </a:p>
@@ -11872,7 +11905,7 @@
             <a:effectLst/>
             <a:extLst>
               <a:ext uri="{C572A759-6A51-4108-AA02-DFA0A04FC94B}">
-                <ma14:wrappingTextBoxFlag xmlns="" xmlns:m="http://schemas.openxmlformats.org/officeDocument/2006/math" xmlns:a14="http://schemas.microsoft.com/office/drawing/2010/main" xmlns:ma14="http://schemas.microsoft.com/office/mac/drawingml/2011/main" val="1"/>
+                <ma14:wrappingTextBoxFlag xmlns:ma14="http://schemas.microsoft.com/office/mac/drawingml/2011/main" xmlns:a14="http://schemas.microsoft.com/office/drawing/2010/main" xmlns:m="http://schemas.openxmlformats.org/officeDocument/2006/math" xmlns="" val="1"/>
               </a:ext>
             </a:extLst>
           </p:spPr>
@@ -11893,6 +11926,7 @@
             </a:lstStyle>
             <a:p>
               <a:r>
+                <a:rPr/>
                 <a:t>A</a:t>
               </a:r>
             </a:p>
@@ -11918,7 +11952,7 @@
           </a:ln>
           <a:extLst>
             <a:ext uri="{C572A759-6A51-4108-AA02-DFA0A04FC94B}">
-              <ma14:wrappingTextBoxFlag xmlns="" xmlns:m="http://schemas.openxmlformats.org/officeDocument/2006/math" xmlns:a14="http://schemas.microsoft.com/office/drawing/2010/main" xmlns:ma14="http://schemas.microsoft.com/office/mac/drawingml/2011/main" val="1"/>
+              <ma14:wrappingTextBoxFlag xmlns:ma14="http://schemas.microsoft.com/office/mac/drawingml/2011/main" xmlns:a14="http://schemas.microsoft.com/office/drawing/2010/main" xmlns:m="http://schemas.openxmlformats.org/officeDocument/2006/math" xmlns="" val="1"/>
             </a:ext>
           </a:extLst>
         </p:spPr>
@@ -11937,6 +11971,7 @@
           </a:lstStyle>
           <a:p>
             <a:r>
+              <a:rPr/>
               <a:t>00</a:t>
             </a:r>
             <a:r>
@@ -11966,7 +12001,7 @@
           </a:ln>
           <a:extLst>
             <a:ext uri="{C572A759-6A51-4108-AA02-DFA0A04FC94B}">
-              <ma14:wrappingTextBoxFlag xmlns="" xmlns:m="http://schemas.openxmlformats.org/officeDocument/2006/math" xmlns:a14="http://schemas.microsoft.com/office/drawing/2010/main" xmlns:ma14="http://schemas.microsoft.com/office/mac/drawingml/2011/main" val="1"/>
+              <ma14:wrappingTextBoxFlag xmlns:ma14="http://schemas.microsoft.com/office/mac/drawingml/2011/main" xmlns:a14="http://schemas.microsoft.com/office/drawing/2010/main" xmlns:m="http://schemas.openxmlformats.org/officeDocument/2006/math" xmlns="" val="1"/>
             </a:ext>
           </a:extLst>
         </p:spPr>
@@ -11989,6 +12024,7 @@
           </a:lstStyle>
           <a:p>
             <a:r>
+              <a:rPr/>
               <a:t>QnA</a:t>
             </a:r>
           </a:p>
@@ -12013,7 +12049,7 @@
           </a:ln>
           <a:extLst>
             <a:ext uri="{C572A759-6A51-4108-AA02-DFA0A04FC94B}">
-              <ma14:wrappingTextBoxFlag xmlns="" xmlns:m="http://schemas.openxmlformats.org/officeDocument/2006/math" xmlns:a14="http://schemas.microsoft.com/office/drawing/2010/main" xmlns:ma14="http://schemas.microsoft.com/office/mac/drawingml/2011/main" val="1"/>
+              <ma14:wrappingTextBoxFlag xmlns:ma14="http://schemas.microsoft.com/office/mac/drawingml/2011/main" xmlns:a14="http://schemas.microsoft.com/office/drawing/2010/main" xmlns:m="http://schemas.openxmlformats.org/officeDocument/2006/math" xmlns="" val="1"/>
             </a:ext>
           </a:extLst>
         </p:spPr>
@@ -12036,6 +12072,7 @@
           </a:lstStyle>
           <a:p>
             <a:r>
+              <a:rPr/>
               <a:t>Copyrightⓒ. Saebyeol Yu. All Rights Reserved.</a:t>
             </a:r>
           </a:p>
@@ -12089,7 +12126,7 @@
           </a:ln>
           <a:extLst>
             <a:ext uri="{C572A759-6A51-4108-AA02-DFA0A04FC94B}">
-              <ma14:wrappingTextBoxFlag xmlns="" xmlns:m="http://schemas.openxmlformats.org/officeDocument/2006/math" xmlns:a14="http://schemas.microsoft.com/office/drawing/2010/main" xmlns:ma14="http://schemas.microsoft.com/office/mac/drawingml/2011/main" val="1"/>
+              <ma14:wrappingTextBoxFlag xmlns:ma14="http://schemas.microsoft.com/office/mac/drawingml/2011/main" xmlns:a14="http://schemas.microsoft.com/office/drawing/2010/main" xmlns:m="http://schemas.openxmlformats.org/officeDocument/2006/math" xmlns="" val="1"/>
             </a:ext>
           </a:extLst>
         </p:spPr>
@@ -12103,7 +12140,7 @@
             </a:lvl1pPr>
           </a:lstStyle>
           <a:p>
-            <a:endParaRPr dirty="0"/>
+            <a:endParaRPr/>
           </a:p>
         </p:txBody>
       </p:sp>
@@ -12169,7 +12206,7 @@
             <a:effectLst/>
             <a:extLst>
               <a:ext uri="{C572A759-6A51-4108-AA02-DFA0A04FC94B}">
-                <ma14:wrappingTextBoxFlag xmlns="" xmlns:m="http://schemas.openxmlformats.org/officeDocument/2006/math" xmlns:a14="http://schemas.microsoft.com/office/drawing/2010/main" xmlns:ma14="http://schemas.microsoft.com/office/mac/drawingml/2011/main" val="1"/>
+                <ma14:wrappingTextBoxFlag xmlns:ma14="http://schemas.microsoft.com/office/mac/drawingml/2011/main" xmlns:a14="http://schemas.microsoft.com/office/drawing/2010/main" xmlns:m="http://schemas.openxmlformats.org/officeDocument/2006/math" xmlns="" val="1"/>
               </a:ext>
             </a:extLst>
           </p:spPr>
@@ -12235,7 +12272,7 @@
             <a:effectLst/>
             <a:extLst>
               <a:ext uri="{C572A759-6A51-4108-AA02-DFA0A04FC94B}">
-                <ma14:wrappingTextBoxFlag xmlns="" xmlns:m="http://schemas.openxmlformats.org/officeDocument/2006/math" xmlns:a14="http://schemas.microsoft.com/office/drawing/2010/main" xmlns:ma14="http://schemas.microsoft.com/office/mac/drawingml/2011/main" val="1"/>
+                <ma14:wrappingTextBoxFlag xmlns:ma14="http://schemas.microsoft.com/office/mac/drawingml/2011/main" xmlns:a14="http://schemas.microsoft.com/office/drawing/2010/main" xmlns:m="http://schemas.openxmlformats.org/officeDocument/2006/math" xmlns="" val="1"/>
               </a:ext>
             </a:extLst>
           </p:spPr>
@@ -12299,7 +12336,7 @@
           </a:ln>
           <a:extLst>
             <a:ext uri="{C572A759-6A51-4108-AA02-DFA0A04FC94B}">
-              <ma14:wrappingTextBoxFlag xmlns="" xmlns:m="http://schemas.openxmlformats.org/officeDocument/2006/math" xmlns:a14="http://schemas.microsoft.com/office/drawing/2010/main" xmlns:ma14="http://schemas.microsoft.com/office/mac/drawingml/2011/main" val="1"/>
+              <ma14:wrappingTextBoxFlag xmlns:ma14="http://schemas.microsoft.com/office/mac/drawingml/2011/main" xmlns:a14="http://schemas.microsoft.com/office/drawing/2010/main" xmlns:m="http://schemas.openxmlformats.org/officeDocument/2006/math" xmlns="" val="1"/>
             </a:ext>
           </a:extLst>
         </p:spPr>
@@ -12322,6 +12359,7 @@
           </a:lstStyle>
           <a:p>
             <a:r>
+              <a:rPr/>
               <a:t>Copyrightⓒ. Saebyeol Yu. All Rights Reserved.</a:t>
             </a:r>
           </a:p>
@@ -12380,7 +12418,7 @@
           </a:ln>
           <a:extLst>
             <a:ext uri="{C572A759-6A51-4108-AA02-DFA0A04FC94B}">
-              <ma14:wrappingTextBoxFlag xmlns="" xmlns:m="http://schemas.openxmlformats.org/officeDocument/2006/math" xmlns:a14="http://schemas.microsoft.com/office/drawing/2010/main" xmlns:ma14="http://schemas.microsoft.com/office/mac/drawingml/2011/main" val="1"/>
+              <ma14:wrappingTextBoxFlag xmlns:ma14="http://schemas.microsoft.com/office/mac/drawingml/2011/main" xmlns:a14="http://schemas.microsoft.com/office/drawing/2010/main" xmlns:m="http://schemas.openxmlformats.org/officeDocument/2006/math" xmlns="" val="1"/>
             </a:ext>
           </a:extLst>
         </p:spPr>
@@ -12399,6 +12437,7 @@
           </a:lstStyle>
           <a:p>
             <a:r>
+              <a:rPr/>
               <a:t>Contents</a:t>
             </a:r>
           </a:p>
@@ -12440,7 +12479,7 @@
             <a:effectLst/>
             <a:extLst>
               <a:ext uri="{C572A759-6A51-4108-AA02-DFA0A04FC94B}">
-                <ma14:wrappingTextBoxFlag xmlns="" xmlns:m="http://schemas.openxmlformats.org/officeDocument/2006/math" xmlns:a14="http://schemas.microsoft.com/office/drawing/2010/main" xmlns:ma14="http://schemas.microsoft.com/office/mac/drawingml/2011/main" val="1"/>
+                <ma14:wrappingTextBoxFlag xmlns:ma14="http://schemas.microsoft.com/office/mac/drawingml/2011/main" xmlns:a14="http://schemas.microsoft.com/office/drawing/2010/main" xmlns:m="http://schemas.openxmlformats.org/officeDocument/2006/math" xmlns="" val="1"/>
               </a:ext>
             </a:extLst>
           </p:spPr>
@@ -12556,7 +12595,7 @@
             <a:effectLst/>
             <a:extLst>
               <a:ext uri="{C572A759-6A51-4108-AA02-DFA0A04FC94B}">
-                <ma14:wrappingTextBoxFlag xmlns="" xmlns:m="http://schemas.openxmlformats.org/officeDocument/2006/math" xmlns:a14="http://schemas.microsoft.com/office/drawing/2010/main" xmlns:ma14="http://schemas.microsoft.com/office/mac/drawingml/2011/main" val="1"/>
+                <ma14:wrappingTextBoxFlag xmlns:ma14="http://schemas.microsoft.com/office/mac/drawingml/2011/main" xmlns:a14="http://schemas.microsoft.com/office/drawing/2010/main" xmlns:m="http://schemas.openxmlformats.org/officeDocument/2006/math" xmlns="" val="1"/>
               </a:ext>
             </a:extLst>
           </p:spPr>
@@ -12626,7 +12665,7 @@
               <a:effectLst/>
               <a:extLst>
                 <a:ext uri="{C572A759-6A51-4108-AA02-DFA0A04FC94B}">
-                  <ma14:wrappingTextBoxFlag xmlns="" xmlns:m="http://schemas.openxmlformats.org/officeDocument/2006/math" xmlns:a14="http://schemas.microsoft.com/office/drawing/2010/main" xmlns:ma14="http://schemas.microsoft.com/office/mac/drawingml/2011/main" val="1"/>
+                  <ma14:wrappingTextBoxFlag xmlns:ma14="http://schemas.microsoft.com/office/mac/drawingml/2011/main" xmlns:a14="http://schemas.microsoft.com/office/drawing/2010/main" xmlns:m="http://schemas.openxmlformats.org/officeDocument/2006/math" xmlns="" val="1"/>
                 </a:ext>
               </a:extLst>
             </p:spPr>
@@ -12673,7 +12712,7 @@
               <a:effectLst/>
               <a:extLst>
                 <a:ext uri="{C572A759-6A51-4108-AA02-DFA0A04FC94B}">
-                  <ma14:wrappingTextBoxFlag xmlns="" xmlns:m="http://schemas.openxmlformats.org/officeDocument/2006/math" xmlns:a14="http://schemas.microsoft.com/office/drawing/2010/main" xmlns:ma14="http://schemas.microsoft.com/office/mac/drawingml/2011/main" val="1"/>
+                  <ma14:wrappingTextBoxFlag xmlns:ma14="http://schemas.microsoft.com/office/mac/drawingml/2011/main" xmlns:a14="http://schemas.microsoft.com/office/drawing/2010/main" xmlns:m="http://schemas.openxmlformats.org/officeDocument/2006/math" xmlns="" val="1"/>
                 </a:ext>
               </a:extLst>
             </p:spPr>
@@ -12752,7 +12791,7 @@
               <a:effectLst/>
               <a:extLst>
                 <a:ext uri="{C572A759-6A51-4108-AA02-DFA0A04FC94B}">
-                  <ma14:wrappingTextBoxFlag xmlns="" xmlns:m="http://schemas.openxmlformats.org/officeDocument/2006/math" xmlns:a14="http://schemas.microsoft.com/office/drawing/2010/main" xmlns:ma14="http://schemas.microsoft.com/office/mac/drawingml/2011/main" val="1"/>
+                  <ma14:wrappingTextBoxFlag xmlns:ma14="http://schemas.microsoft.com/office/mac/drawingml/2011/main" xmlns:a14="http://schemas.microsoft.com/office/drawing/2010/main" xmlns:m="http://schemas.openxmlformats.org/officeDocument/2006/math" xmlns="" val="1"/>
                 </a:ext>
               </a:extLst>
             </p:spPr>
@@ -12799,7 +12838,7 @@
               <a:effectLst/>
               <a:extLst>
                 <a:ext uri="{C572A759-6A51-4108-AA02-DFA0A04FC94B}">
-                  <ma14:wrappingTextBoxFlag xmlns="" xmlns:m="http://schemas.openxmlformats.org/officeDocument/2006/math" xmlns:a14="http://schemas.microsoft.com/office/drawing/2010/main" xmlns:ma14="http://schemas.microsoft.com/office/mac/drawingml/2011/main" val="1"/>
+                  <ma14:wrappingTextBoxFlag xmlns:ma14="http://schemas.microsoft.com/office/mac/drawingml/2011/main" xmlns:a14="http://schemas.microsoft.com/office/drawing/2010/main" xmlns:m="http://schemas.openxmlformats.org/officeDocument/2006/math" xmlns="" val="1"/>
                 </a:ext>
               </a:extLst>
             </p:spPr>
@@ -12888,7 +12927,7 @@
               <a:effectLst/>
               <a:extLst>
                 <a:ext uri="{C572A759-6A51-4108-AA02-DFA0A04FC94B}">
-                  <ma14:wrappingTextBoxFlag xmlns="" xmlns:m="http://schemas.openxmlformats.org/officeDocument/2006/math" xmlns:a14="http://schemas.microsoft.com/office/drawing/2010/main" xmlns:ma14="http://schemas.microsoft.com/office/mac/drawingml/2011/main" val="1"/>
+                  <ma14:wrappingTextBoxFlag xmlns:ma14="http://schemas.microsoft.com/office/mac/drawingml/2011/main" xmlns:a14="http://schemas.microsoft.com/office/drawing/2010/main" xmlns:m="http://schemas.openxmlformats.org/officeDocument/2006/math" xmlns="" val="1"/>
                 </a:ext>
               </a:extLst>
             </p:spPr>
@@ -12935,7 +12974,7 @@
               <a:effectLst/>
               <a:extLst>
                 <a:ext uri="{C572A759-6A51-4108-AA02-DFA0A04FC94B}">
-                  <ma14:wrappingTextBoxFlag xmlns="" xmlns:m="http://schemas.openxmlformats.org/officeDocument/2006/math" xmlns:a14="http://schemas.microsoft.com/office/drawing/2010/main" xmlns:ma14="http://schemas.microsoft.com/office/mac/drawingml/2011/main" val="1"/>
+                  <ma14:wrappingTextBoxFlag xmlns:ma14="http://schemas.microsoft.com/office/mac/drawingml/2011/main" xmlns:a14="http://schemas.microsoft.com/office/drawing/2010/main" xmlns:m="http://schemas.openxmlformats.org/officeDocument/2006/math" xmlns="" val="1"/>
                 </a:ext>
               </a:extLst>
             </p:spPr>
@@ -13001,7 +13040,7 @@
             <a:effectLst/>
             <a:extLst>
               <a:ext uri="{C572A759-6A51-4108-AA02-DFA0A04FC94B}">
-                <ma14:wrappingTextBoxFlag xmlns="" xmlns:m="http://schemas.openxmlformats.org/officeDocument/2006/math" xmlns:a14="http://schemas.microsoft.com/office/drawing/2010/main" xmlns:ma14="http://schemas.microsoft.com/office/mac/drawingml/2011/main" val="1"/>
+                <ma14:wrappingTextBoxFlag xmlns:ma14="http://schemas.microsoft.com/office/mac/drawingml/2011/main" xmlns:a14="http://schemas.microsoft.com/office/drawing/2010/main" xmlns:m="http://schemas.openxmlformats.org/officeDocument/2006/math" xmlns="" val="1"/>
               </a:ext>
             </a:extLst>
           </p:spPr>
@@ -13245,7 +13284,7 @@
           </a:ln>
           <a:extLst>
             <a:ext uri="{C572A759-6A51-4108-AA02-DFA0A04FC94B}">
-              <ma14:wrappingTextBoxFlag xmlns="" xmlns:m="http://schemas.openxmlformats.org/officeDocument/2006/math" xmlns:a14="http://schemas.microsoft.com/office/drawing/2010/main" xmlns:ma14="http://schemas.microsoft.com/office/mac/drawingml/2011/main" val="1"/>
+              <ma14:wrappingTextBoxFlag xmlns:ma14="http://schemas.microsoft.com/office/mac/drawingml/2011/main" xmlns:a14="http://schemas.microsoft.com/office/drawing/2010/main" xmlns:m="http://schemas.openxmlformats.org/officeDocument/2006/math" xmlns="" val="1"/>
             </a:ext>
           </a:extLst>
         </p:spPr>
@@ -13264,6 +13303,7 @@
           </a:lstStyle>
           <a:p>
             <a:r>
+              <a:rPr/>
               <a:t>001</a:t>
             </a:r>
           </a:p>
@@ -13288,7 +13328,7 @@
           </a:ln>
           <a:extLst>
             <a:ext uri="{C572A759-6A51-4108-AA02-DFA0A04FC94B}">
-              <ma14:wrappingTextBoxFlag xmlns="" xmlns:m="http://schemas.openxmlformats.org/officeDocument/2006/math" xmlns:a14="http://schemas.microsoft.com/office/drawing/2010/main" xmlns:ma14="http://schemas.microsoft.com/office/mac/drawingml/2011/main" val="1"/>
+              <ma14:wrappingTextBoxFlag xmlns:ma14="http://schemas.microsoft.com/office/mac/drawingml/2011/main" xmlns:a14="http://schemas.microsoft.com/office/drawing/2010/main" xmlns:m="http://schemas.openxmlformats.org/officeDocument/2006/math" xmlns="" val="1"/>
             </a:ext>
           </a:extLst>
         </p:spPr>
@@ -13311,6 +13351,7 @@
           </a:lstStyle>
           <a:p>
             <a:r>
+              <a:rPr/>
               <a:t>어플소개</a:t>
             </a:r>
           </a:p>
@@ -13335,7 +13376,7 @@
           </a:ln>
           <a:extLst>
             <a:ext uri="{C572A759-6A51-4108-AA02-DFA0A04FC94B}">
-              <ma14:wrappingTextBoxFlag xmlns="" xmlns:m="http://schemas.openxmlformats.org/officeDocument/2006/math" xmlns:a14="http://schemas.microsoft.com/office/drawing/2010/main" xmlns:ma14="http://schemas.microsoft.com/office/mac/drawingml/2011/main" val="1"/>
+              <ma14:wrappingTextBoxFlag xmlns:ma14="http://schemas.microsoft.com/office/mac/drawingml/2011/main" xmlns:a14="http://schemas.microsoft.com/office/drawing/2010/main" xmlns:m="http://schemas.openxmlformats.org/officeDocument/2006/math" xmlns="" val="1"/>
             </a:ext>
           </a:extLst>
         </p:spPr>
@@ -13358,6 +13399,7 @@
           </a:lstStyle>
           <a:p>
             <a:r>
+              <a:rPr/>
               <a:t>Copyrightⓒ. Saebyeol Yu. All Rights Reserved.</a:t>
             </a:r>
           </a:p>
@@ -13411,7 +13453,7 @@
           </a:ln>
           <a:extLst>
             <a:ext uri="{C572A759-6A51-4108-AA02-DFA0A04FC94B}">
-              <ma14:wrappingTextBoxFlag xmlns="" xmlns:m="http://schemas.openxmlformats.org/officeDocument/2006/math" xmlns:a14="http://schemas.microsoft.com/office/drawing/2010/main" xmlns:ma14="http://schemas.microsoft.com/office/mac/drawingml/2011/main" val="1"/>
+              <ma14:wrappingTextBoxFlag xmlns:ma14="http://schemas.microsoft.com/office/mac/drawingml/2011/main" xmlns:a14="http://schemas.microsoft.com/office/drawing/2010/main" xmlns:m="http://schemas.openxmlformats.org/officeDocument/2006/math" xmlns="" val="1"/>
             </a:ext>
           </a:extLst>
         </p:spPr>
@@ -13425,7 +13467,7 @@
             </a:lvl1pPr>
           </a:lstStyle>
           <a:p>
-            <a:endParaRPr dirty="0"/>
+            <a:endParaRPr/>
           </a:p>
         </p:txBody>
       </p:sp>
@@ -13594,7 +13636,7 @@
           </a:ln>
           <a:extLst>
             <a:ext uri="{C572A759-6A51-4108-AA02-DFA0A04FC94B}">
-              <ma14:wrappingTextBoxFlag xmlns="" xmlns:m="http://schemas.openxmlformats.org/officeDocument/2006/math" xmlns:a14="http://schemas.microsoft.com/office/drawing/2010/main" xmlns:ma14="http://schemas.microsoft.com/office/mac/drawingml/2011/main" val="1"/>
+              <ma14:wrappingTextBoxFlag xmlns:ma14="http://schemas.microsoft.com/office/mac/drawingml/2011/main" xmlns:a14="http://schemas.microsoft.com/office/drawing/2010/main" xmlns:m="http://schemas.openxmlformats.org/officeDocument/2006/math" xmlns="" val="1"/>
             </a:ext>
           </a:extLst>
         </p:spPr>
@@ -13612,11 +13654,11 @@
               </a:defRPr>
             </a:pPr>
             <a:r>
-              <a:rPr lang="ko-KR" altLang="en-US" sz="1500" dirty="0"/>
+              <a:rPr lang="ko-KR" altLang="en-US" sz="1500"/>
               <a:t>전반적인 프로젝트 기획 및 레이아웃 디자인</a:t>
             </a:r>
             <a:r>
-              <a:rPr lang="en-US" altLang="ko-KR" sz="1500" dirty="0"/>
+              <a:rPr lang="en-US" altLang="ko-KR" sz="1500"/>
               <a:t>,</a:t>
             </a:r>
           </a:p>
@@ -13629,15 +13671,15 @@
               </a:defRPr>
             </a:pPr>
             <a:r>
-              <a:rPr lang="ko-KR" altLang="en-US" sz="1500" dirty="0" err="1"/>
+              <a:rPr lang="ko-KR" altLang="en-US" sz="1500" err="1"/>
               <a:t>인트로</a:t>
             </a:r>
             <a:r>
-              <a:rPr lang="ko-KR" altLang="en-US" sz="1500" dirty="0"/>
+              <a:rPr lang="ko-KR" altLang="en-US" sz="1500"/>
               <a:t> 기능 구현</a:t>
             </a:r>
             <a:r>
-              <a:rPr lang="en-US" altLang="ko-KR" sz="1500" dirty="0"/>
+              <a:rPr lang="en-US" altLang="ko-KR" sz="1500"/>
               <a:t>,</a:t>
             </a:r>
           </a:p>
@@ -13650,42 +13692,42 @@
               </a:defRPr>
             </a:pPr>
             <a:r>
-              <a:rPr lang="ko-KR" altLang="en-US" sz="1500" dirty="0" err="1"/>
+              <a:rPr lang="ko-KR" altLang="en-US" sz="1500" err="1"/>
               <a:t>드라워</a:t>
             </a:r>
             <a:r>
-              <a:rPr lang="ko-KR" altLang="en-US" sz="1500" dirty="0"/>
+              <a:rPr lang="ko-KR" altLang="en-US" sz="1500"/>
               <a:t> </a:t>
             </a:r>
             <a:r>
-              <a:rPr lang="ko-KR" altLang="en-US" sz="1500" dirty="0" err="1"/>
+              <a:rPr lang="ko-KR" altLang="en-US" sz="1500" err="1"/>
               <a:t>내비게이션</a:t>
             </a:r>
             <a:r>
-              <a:rPr lang="ko-KR" altLang="en-US" sz="1500" dirty="0"/>
+              <a:rPr lang="ko-KR" altLang="en-US" sz="1500"/>
               <a:t> 레이아웃 구현</a:t>
             </a:r>
             <a:r>
-              <a:rPr lang="en-US" altLang="ko-KR" sz="1500" dirty="0"/>
+              <a:rPr lang="en-US" altLang="ko-KR" sz="1500"/>
               <a:t>(</a:t>
             </a:r>
             <a:r>
-              <a:rPr lang="ko-KR" altLang="en-US" sz="1500" dirty="0" err="1"/>
+              <a:rPr lang="ko-KR" altLang="en-US" sz="1500" err="1"/>
               <a:t>마이페이지</a:t>
             </a:r>
             <a:r>
-              <a:rPr lang="en-US" altLang="ko-KR" sz="1500" dirty="0"/>
+              <a:rPr lang="en-US" altLang="ko-KR" sz="1500"/>
               <a:t>, </a:t>
             </a:r>
             <a:r>
-              <a:rPr lang="ko-KR" altLang="en-US" sz="1500" dirty="0"/>
+              <a:rPr lang="ko-KR" altLang="en-US" sz="1500"/>
               <a:t>리뷰 등 다양한 정보가 있는 메뉴로 구현 예정</a:t>
             </a:r>
             <a:r>
-              <a:rPr lang="en-US" altLang="ko-KR" sz="1500" dirty="0"/>
+              <a:rPr lang="en-US" altLang="ko-KR" sz="1500"/>
               <a:t>), </a:t>
             </a:r>
-            <a:endParaRPr sz="1500" dirty="0"/>
+            <a:endParaRPr sz="1500"/>
           </a:p>
         </p:txBody>
       </p:sp>
@@ -13708,7 +13750,7 @@
           </a:ln>
           <a:extLst>
             <a:ext uri="{C572A759-6A51-4108-AA02-DFA0A04FC94B}">
-              <ma14:wrappingTextBoxFlag xmlns="" xmlns:m="http://schemas.openxmlformats.org/officeDocument/2006/math" xmlns:a14="http://schemas.microsoft.com/office/drawing/2010/main" xmlns:ma14="http://schemas.microsoft.com/office/mac/drawingml/2011/main" val="1"/>
+              <ma14:wrappingTextBoxFlag xmlns:ma14="http://schemas.microsoft.com/office/mac/drawingml/2011/main" xmlns:a14="http://schemas.microsoft.com/office/drawing/2010/main" xmlns:m="http://schemas.openxmlformats.org/officeDocument/2006/math" xmlns="" val="1"/>
             </a:ext>
           </a:extLst>
         </p:spPr>
@@ -13726,23 +13768,23 @@
               </a:defRPr>
             </a:pPr>
             <a:r>
-              <a:rPr lang="ko-KR" altLang="en-US" sz="1500" dirty="0" err="1"/>
+              <a:rPr lang="ko-KR" altLang="en-US" sz="1500" err="1"/>
               <a:t>메인액티비티와</a:t>
             </a:r>
             <a:r>
-              <a:rPr lang="ko-KR" altLang="en-US" sz="1500" dirty="0"/>
+              <a:rPr lang="ko-KR" altLang="en-US" sz="1500"/>
               <a:t> 각 </a:t>
             </a:r>
             <a:r>
-              <a:rPr lang="ko-KR" altLang="en-US" sz="1500" dirty="0" err="1"/>
+              <a:rPr lang="ko-KR" altLang="en-US" sz="1500" err="1"/>
               <a:t>프래그먼트</a:t>
             </a:r>
             <a:r>
-              <a:rPr lang="ko-KR" altLang="en-US" sz="1500" dirty="0"/>
+              <a:rPr lang="ko-KR" altLang="en-US" sz="1500"/>
               <a:t> 연결</a:t>
             </a:r>
             <a:r>
-              <a:rPr lang="en-US" altLang="ko-KR" sz="1500" dirty="0"/>
+              <a:rPr lang="en-US" altLang="ko-KR" sz="1500"/>
               <a:t>, </a:t>
             </a:r>
           </a:p>
@@ -13755,51 +13797,51 @@
               </a:defRPr>
             </a:pPr>
             <a:r>
-              <a:rPr lang="ko-KR" altLang="en-US" sz="1500" dirty="0" err="1"/>
+              <a:rPr lang="ko-KR" altLang="en-US" sz="1500" err="1"/>
               <a:t>홈프래그먼트</a:t>
             </a:r>
             <a:r>
-              <a:rPr lang="ko-KR" altLang="en-US" sz="1500" dirty="0"/>
+              <a:rPr lang="ko-KR" altLang="en-US" sz="1500"/>
               <a:t> 디자인 및 기능 구현</a:t>
             </a:r>
             <a:r>
-              <a:rPr lang="en-US" altLang="ko-KR" sz="1500" dirty="0"/>
+              <a:rPr lang="en-US" altLang="ko-KR" sz="1500"/>
               <a:t>(</a:t>
             </a:r>
             <a:r>
-              <a:rPr lang="ko-KR" altLang="en-US" sz="1500" dirty="0" err="1"/>
+              <a:rPr lang="ko-KR" altLang="en-US" sz="1500" err="1"/>
               <a:t>리사이클러뷰와</a:t>
             </a:r>
             <a:r>
-              <a:rPr lang="ko-KR" altLang="en-US" sz="1500" dirty="0"/>
+              <a:rPr lang="ko-KR" altLang="en-US" sz="1500"/>
               <a:t> </a:t>
             </a:r>
             <a:r>
-              <a:rPr lang="ko-KR" altLang="en-US" sz="1500" dirty="0" err="1"/>
+              <a:rPr lang="ko-KR" altLang="en-US" sz="1500" err="1"/>
               <a:t>레트로핏을</a:t>
             </a:r>
             <a:r>
-              <a:rPr lang="ko-KR" altLang="en-US" sz="1500" dirty="0"/>
+              <a:rPr lang="ko-KR" altLang="en-US" sz="1500"/>
               <a:t> 이용하여 </a:t>
             </a:r>
             <a:r>
-              <a:rPr lang="en-US" altLang="ko-KR" sz="1500" dirty="0"/>
+              <a:rPr lang="en-US" altLang="ko-KR" sz="1500"/>
               <a:t>API </a:t>
             </a:r>
             <a:r>
-              <a:rPr lang="ko-KR" altLang="en-US" sz="1500" dirty="0"/>
+              <a:rPr lang="ko-KR" altLang="en-US" sz="1500"/>
               <a:t>데이터를 </a:t>
             </a:r>
             <a:r>
-              <a:rPr lang="ko-KR" altLang="en-US" sz="1500" dirty="0" err="1"/>
+              <a:rPr lang="ko-KR" altLang="en-US" sz="1500" err="1"/>
               <a:t>카드뷰</a:t>
             </a:r>
             <a:r>
-              <a:rPr lang="ko-KR" altLang="en-US" sz="1500" dirty="0"/>
+              <a:rPr lang="ko-KR" altLang="en-US" sz="1500"/>
               <a:t> 형식의 리스트로 뿌려줌</a:t>
             </a:r>
             <a:r>
-              <a:rPr lang="en-US" altLang="ko-KR" sz="1500" dirty="0"/>
+              <a:rPr lang="en-US" altLang="ko-KR" sz="1500"/>
               <a:t>), </a:t>
             </a:r>
           </a:p>
@@ -13812,43 +13854,43 @@
               </a:defRPr>
             </a:pPr>
             <a:r>
-              <a:rPr lang="ko-KR" altLang="en-US" sz="1500" dirty="0" err="1"/>
+              <a:rPr lang="ko-KR" altLang="en-US" sz="1500" err="1"/>
               <a:t>로그인액티비티</a:t>
             </a:r>
             <a:r>
-              <a:rPr lang="en-US" altLang="ko-KR" sz="1500" dirty="0"/>
+              <a:rPr lang="en-US" altLang="ko-KR" sz="1500"/>
               <a:t>(</a:t>
             </a:r>
             <a:r>
-              <a:rPr lang="ko-KR" altLang="en-US" sz="1500" dirty="0" err="1"/>
+              <a:rPr lang="ko-KR" altLang="en-US" sz="1500" err="1"/>
               <a:t>파이어베이스</a:t>
             </a:r>
             <a:r>
-              <a:rPr lang="ko-KR" altLang="en-US" sz="1500" dirty="0"/>
+              <a:rPr lang="ko-KR" altLang="en-US" sz="1500"/>
               <a:t> 인증 </a:t>
             </a:r>
             <a:r>
-              <a:rPr lang="en-US" altLang="ko-KR" sz="1500" dirty="0"/>
+              <a:rPr lang="en-US" altLang="ko-KR" sz="1500"/>
               <a:t>– </a:t>
             </a:r>
             <a:r>
-              <a:rPr lang="ko-KR" altLang="en-US" sz="1500" dirty="0" err="1"/>
+              <a:rPr lang="ko-KR" altLang="en-US" sz="1500" err="1"/>
               <a:t>이메일</a:t>
             </a:r>
             <a:r>
-              <a:rPr lang="en-US" altLang="ko-KR" sz="1500" dirty="0"/>
+              <a:rPr lang="en-US" altLang="ko-KR" sz="1500"/>
               <a:t>, </a:t>
             </a:r>
             <a:r>
-              <a:rPr lang="ko-KR" altLang="en-US" sz="1500" dirty="0" err="1"/>
+              <a:rPr lang="ko-KR" altLang="en-US" sz="1500" err="1"/>
               <a:t>구글</a:t>
             </a:r>
             <a:r>
-              <a:rPr lang="en-US" altLang="ko-KR" sz="1500" dirty="0"/>
+              <a:rPr lang="en-US" altLang="ko-KR" sz="1500"/>
               <a:t>, </a:t>
             </a:r>
             <a:r>
-              <a:rPr lang="ko-KR" altLang="en-US" sz="1500" dirty="0" err="1"/>
+              <a:rPr lang="ko-KR" altLang="en-US" sz="1500" err="1"/>
               <a:t>페이스북</a:t>
             </a:r>
             <a:r>
@@ -13905,7 +13947,7 @@
           </a:ln>
           <a:extLst>
             <a:ext uri="{C572A759-6A51-4108-AA02-DFA0A04FC94B}">
-              <ma14:wrappingTextBoxFlag xmlns="" xmlns:m="http://schemas.openxmlformats.org/officeDocument/2006/math" xmlns:a14="http://schemas.microsoft.com/office/drawing/2010/main" xmlns:ma14="http://schemas.microsoft.com/office/mac/drawingml/2011/main" val="1"/>
+              <ma14:wrappingTextBoxFlag xmlns:ma14="http://schemas.microsoft.com/office/mac/drawingml/2011/main" xmlns:a14="http://schemas.microsoft.com/office/drawing/2010/main" xmlns:m="http://schemas.openxmlformats.org/officeDocument/2006/math" xmlns="" val="1"/>
             </a:ext>
           </a:extLst>
         </p:spPr>
@@ -13923,10 +13965,10 @@
               </a:defRPr>
             </a:pPr>
             <a:r>
-              <a:rPr lang="ko-KR" altLang="en-US" sz="1500" dirty="0"/>
+              <a:rPr lang="ko-KR" altLang="en-US" sz="1500"/>
               <a:t>전반적인 프로젝트 기획</a:t>
             </a:r>
-            <a:endParaRPr lang="en-US" altLang="ko-KR" sz="1500" dirty="0"/>
+            <a:endParaRPr lang="en-US" altLang="ko-KR" sz="1500"/>
           </a:p>
           <a:p>
             <a:pPr algn="just">
@@ -13937,15 +13979,15 @@
               </a:defRPr>
             </a:pPr>
             <a:r>
-              <a:rPr lang="ko-KR" altLang="en-US" sz="1500" dirty="0" err="1"/>
+              <a:rPr lang="ko-KR" altLang="en-US" sz="1500" err="1"/>
               <a:t>커스텀</a:t>
             </a:r>
             <a:r>
-              <a:rPr lang="ko-KR" altLang="en-US" sz="1500" dirty="0"/>
+              <a:rPr lang="ko-KR" altLang="en-US" sz="1500"/>
               <a:t> 캘린더 디자인 및 기능 구현</a:t>
             </a:r>
             <a:r>
-              <a:rPr lang="en-US" altLang="ko-KR" sz="1500" dirty="0"/>
+              <a:rPr lang="en-US" altLang="ko-KR" sz="1500"/>
               <a:t>,</a:t>
             </a:r>
           </a:p>
@@ -13958,31 +14000,31 @@
               </a:defRPr>
             </a:pPr>
             <a:r>
-              <a:rPr lang="ko-KR" altLang="en-US" sz="1500" dirty="0" err="1"/>
+              <a:rPr lang="ko-KR" altLang="en-US" sz="1500" err="1"/>
               <a:t>커스텀</a:t>
             </a:r>
             <a:r>
-              <a:rPr lang="ko-KR" altLang="en-US" sz="1500" dirty="0"/>
+              <a:rPr lang="ko-KR" altLang="en-US" sz="1500"/>
               <a:t> 캘린더와 </a:t>
             </a:r>
             <a:r>
-              <a:rPr lang="ko-KR" altLang="en-US" sz="1500" dirty="0" err="1"/>
+              <a:rPr lang="ko-KR" altLang="en-US" sz="1500" err="1"/>
               <a:t>파이어베이스</a:t>
             </a:r>
             <a:r>
-              <a:rPr lang="ko-KR" altLang="en-US" sz="1500" dirty="0"/>
+              <a:rPr lang="ko-KR" altLang="en-US" sz="1500"/>
               <a:t> </a:t>
             </a:r>
             <a:r>
-              <a:rPr lang="ko-KR" altLang="en-US" sz="1500" dirty="0" err="1"/>
+              <a:rPr lang="ko-KR" altLang="en-US" sz="1500" err="1"/>
               <a:t>파이어스토어를</a:t>
             </a:r>
             <a:r>
-              <a:rPr lang="ko-KR" altLang="en-US" sz="1500" dirty="0"/>
+              <a:rPr lang="ko-KR" altLang="en-US" sz="1500"/>
               <a:t> 연동하여 데이터 저장 및 불러오기 기능 구현</a:t>
             </a:r>
             <a:r>
-              <a:rPr lang="en-US" altLang="ko-KR" sz="1500" dirty="0"/>
+              <a:rPr lang="en-US" altLang="ko-KR" sz="1500"/>
               <a:t>,</a:t>
             </a:r>
           </a:p>
@@ -14072,7 +14114,7 @@
           </a:ln>
           <a:extLst>
             <a:ext uri="{C572A759-6A51-4108-AA02-DFA0A04FC94B}">
-              <ma14:wrappingTextBoxFlag xmlns="" xmlns:m="http://schemas.openxmlformats.org/officeDocument/2006/math" xmlns:a14="http://schemas.microsoft.com/office/drawing/2010/main" xmlns:ma14="http://schemas.microsoft.com/office/mac/drawingml/2011/main" val="1"/>
+              <ma14:wrappingTextBoxFlag xmlns:ma14="http://schemas.microsoft.com/office/mac/drawingml/2011/main" xmlns:a14="http://schemas.microsoft.com/office/drawing/2010/main" xmlns:m="http://schemas.openxmlformats.org/officeDocument/2006/math" xmlns="" val="1"/>
             </a:ext>
           </a:extLst>
         </p:spPr>
@@ -14091,6 +14133,7 @@
           </a:lstStyle>
           <a:p>
             <a:r>
+              <a:rPr/>
               <a:t>1</a:t>
             </a:r>
           </a:p>
@@ -14132,7 +14175,7 @@
             <a:effectLst/>
             <a:extLst>
               <a:ext uri="{C572A759-6A51-4108-AA02-DFA0A04FC94B}">
-                <ma14:wrappingTextBoxFlag xmlns="" xmlns:m="http://schemas.openxmlformats.org/officeDocument/2006/math" xmlns:a14="http://schemas.microsoft.com/office/drawing/2010/main" xmlns:ma14="http://schemas.microsoft.com/office/mac/drawingml/2011/main" val="1"/>
+                <ma14:wrappingTextBoxFlag xmlns:ma14="http://schemas.microsoft.com/office/mac/drawingml/2011/main" xmlns:a14="http://schemas.microsoft.com/office/drawing/2010/main" xmlns:m="http://schemas.openxmlformats.org/officeDocument/2006/math" xmlns="" val="1"/>
               </a:ext>
             </a:extLst>
           </p:spPr>
@@ -14146,11 +14189,11 @@
                 <a:defRPr sz="1200"/>
               </a:pPr>
               <a:r>
-                <a:rPr dirty="0"/>
+                <a:rPr/>
                 <a:t>001 </a:t>
               </a:r>
               <a:r>
-                <a:rPr dirty="0" err="1">
+                <a:rPr err="1">
                   <a:latin typeface="나눔스퀘어라운드 Regular"/>
                   <a:ea typeface="나눔스퀘어라운드 Regular"/>
                   <a:cs typeface="나눔스퀘어라운드 Regular"/>
@@ -14158,7 +14201,7 @@
                 </a:rPr>
                 <a:t>어플소개</a:t>
               </a:r>
-              <a:endParaRPr dirty="0">
+              <a:endParaRPr>
                 <a:latin typeface="나눔스퀘어라운드 Regular"/>
                 <a:ea typeface="나눔스퀘어라운드 Regular"/>
                 <a:cs typeface="나눔스퀘어라운드 Regular"/>
@@ -14189,7 +14232,7 @@
             <a:effectLst/>
             <a:extLst>
               <a:ext uri="{C572A759-6A51-4108-AA02-DFA0A04FC94B}">
-                <ma14:wrappingTextBoxFlag xmlns="" xmlns:m="http://schemas.openxmlformats.org/officeDocument/2006/math" xmlns:a14="http://schemas.microsoft.com/office/drawing/2010/main" xmlns:ma14="http://schemas.microsoft.com/office/mac/drawingml/2011/main" val="1"/>
+                <ma14:wrappingTextBoxFlag xmlns:ma14="http://schemas.microsoft.com/office/mac/drawingml/2011/main" xmlns:a14="http://schemas.microsoft.com/office/drawing/2010/main" xmlns:m="http://schemas.openxmlformats.org/officeDocument/2006/math" xmlns="" val="1"/>
               </a:ext>
             </a:extLst>
           </p:spPr>
@@ -14217,10 +14260,10 @@
                 </a:defRPr>
               </a:pPr>
               <a:r>
-                <a:rPr lang="ko-KR" altLang="en-US" dirty="0"/>
+                <a:rPr lang="ko-KR" altLang="en-US"/>
                 <a:t>역할분담</a:t>
               </a:r>
-              <a:endParaRPr dirty="0">
+              <a:endParaRPr>
                 <a:latin typeface="나눔스퀘어라운드 Regular"/>
                 <a:ea typeface="나눔스퀘어라운드 Regular"/>
                 <a:cs typeface="나눔스퀘어라운드 Regular"/>
@@ -14249,7 +14292,7 @@
           </a:ln>
           <a:extLst>
             <a:ext uri="{C572A759-6A51-4108-AA02-DFA0A04FC94B}">
-              <ma14:wrappingTextBoxFlag xmlns="" xmlns:m="http://schemas.openxmlformats.org/officeDocument/2006/math" xmlns:a14="http://schemas.microsoft.com/office/drawing/2010/main" xmlns:ma14="http://schemas.microsoft.com/office/mac/drawingml/2011/main" val="1"/>
+              <ma14:wrappingTextBoxFlag xmlns:ma14="http://schemas.microsoft.com/office/mac/drawingml/2011/main" xmlns:a14="http://schemas.microsoft.com/office/drawing/2010/main" xmlns:m="http://schemas.openxmlformats.org/officeDocument/2006/math" xmlns="" val="1"/>
             </a:ext>
           </a:extLst>
         </p:spPr>
@@ -14280,10 +14323,10 @@
               </a:defRPr>
             </a:pPr>
             <a:r>
-              <a:rPr lang="ko-KR" altLang="en-US" dirty="0"/>
+              <a:rPr lang="ko-KR" altLang="en-US"/>
               <a:t>김다빈</a:t>
             </a:r>
-            <a:endParaRPr dirty="0">
+            <a:endParaRPr>
               <a:latin typeface="나눔스퀘어라운드 Regular"/>
               <a:ea typeface="나눔스퀘어라운드 Regular"/>
               <a:cs typeface="나눔스퀘어라운드 Regular"/>
@@ -14399,7 +14442,7 @@
           </a:ln>
           <a:extLst>
             <a:ext uri="{C572A759-6A51-4108-AA02-DFA0A04FC94B}">
-              <ma14:wrappingTextBoxFlag xmlns="" xmlns:m="http://schemas.openxmlformats.org/officeDocument/2006/math" xmlns:a14="http://schemas.microsoft.com/office/drawing/2010/main" xmlns:ma14="http://schemas.microsoft.com/office/mac/drawingml/2011/main" val="1"/>
+              <ma14:wrappingTextBoxFlag xmlns:ma14="http://schemas.microsoft.com/office/mac/drawingml/2011/main" xmlns:a14="http://schemas.microsoft.com/office/drawing/2010/main" xmlns:m="http://schemas.openxmlformats.org/officeDocument/2006/math" xmlns="" val="1"/>
             </a:ext>
           </a:extLst>
         </p:spPr>
@@ -14430,11 +14473,11 @@
               </a:defRPr>
             </a:pPr>
             <a:r>
-              <a:rPr lang="ko-KR" altLang="en-US" dirty="0"/>
+              <a:rPr lang="ko-KR" altLang="en-US"/>
               <a:t>이상규</a:t>
             </a:r>
             <a:r>
-              <a:rPr lang="en-US" altLang="ko-KR" dirty="0">
+              <a:rPr lang="en-US" altLang="ko-KR">
                 <a:latin typeface="나눔스퀘어라운드 Regular"/>
                 <a:ea typeface="나눔스퀘어라운드 Regular"/>
                 <a:cs typeface="나눔스퀘어라운드 Regular"/>
@@ -14442,7 +14485,7 @@
               </a:rPr>
               <a:t>	</a:t>
             </a:r>
-            <a:endParaRPr dirty="0">
+            <a:endParaRPr>
               <a:latin typeface="나눔스퀘어라운드 Regular"/>
               <a:ea typeface="나눔스퀘어라운드 Regular"/>
               <a:cs typeface="나눔스퀘어라운드 Regular"/>
@@ -14470,7 +14513,7 @@
           </a:ln>
           <a:extLst>
             <a:ext uri="{C572A759-6A51-4108-AA02-DFA0A04FC94B}">
-              <ma14:wrappingTextBoxFlag xmlns="" xmlns:m="http://schemas.openxmlformats.org/officeDocument/2006/math" xmlns:a14="http://schemas.microsoft.com/office/drawing/2010/main" xmlns:ma14="http://schemas.microsoft.com/office/mac/drawingml/2011/main" val="1"/>
+              <ma14:wrappingTextBoxFlag xmlns:ma14="http://schemas.microsoft.com/office/mac/drawingml/2011/main" xmlns:a14="http://schemas.microsoft.com/office/drawing/2010/main" xmlns:m="http://schemas.openxmlformats.org/officeDocument/2006/math" xmlns="" val="1"/>
             </a:ext>
           </a:extLst>
         </p:spPr>
@@ -14501,11 +14544,11 @@
               </a:defRPr>
             </a:pPr>
             <a:r>
-              <a:rPr lang="ko-KR" altLang="en-US" dirty="0"/>
+              <a:rPr lang="ko-KR" altLang="en-US"/>
               <a:t>차혜연</a:t>
             </a:r>
             <a:r>
-              <a:rPr lang="en-US" altLang="ko-KR" dirty="0">
+              <a:rPr lang="en-US" altLang="ko-KR">
                 <a:latin typeface="나눔스퀘어라운드 Regular"/>
                 <a:ea typeface="나눔스퀘어라운드 Regular"/>
                 <a:cs typeface="나눔스퀘어라운드 Regular"/>
@@ -14513,7 +14556,7 @@
               </a:rPr>
               <a:t>	</a:t>
             </a:r>
-            <a:endParaRPr dirty="0">
+            <a:endParaRPr>
               <a:latin typeface="나눔스퀘어라운드 Regular"/>
               <a:ea typeface="나눔스퀘어라운드 Regular"/>
               <a:cs typeface="나눔스퀘어라운드 Regular"/>
@@ -14719,7 +14762,7 @@
           </a:ln>
           <a:extLst>
             <a:ext uri="{C572A759-6A51-4108-AA02-DFA0A04FC94B}">
-              <ma14:wrappingTextBoxFlag xmlns="" xmlns:m="http://schemas.openxmlformats.org/officeDocument/2006/math" xmlns:a14="http://schemas.microsoft.com/office/drawing/2010/main" xmlns:ma14="http://schemas.microsoft.com/office/mac/drawingml/2011/main" val="1"/>
+              <ma14:wrappingTextBoxFlag xmlns:ma14="http://schemas.microsoft.com/office/mac/drawingml/2011/main" xmlns:a14="http://schemas.microsoft.com/office/drawing/2010/main" xmlns:m="http://schemas.openxmlformats.org/officeDocument/2006/math" xmlns="" val="1"/>
             </a:ext>
           </a:extLst>
         </p:spPr>
@@ -14780,7 +14823,7 @@
           </a:ln>
           <a:extLst>
             <a:ext uri="{C572A759-6A51-4108-AA02-DFA0A04FC94B}">
-              <ma14:wrappingTextBoxFlag xmlns="" xmlns:m="http://schemas.openxmlformats.org/officeDocument/2006/math" xmlns:a14="http://schemas.microsoft.com/office/drawing/2010/main" xmlns:ma14="http://schemas.microsoft.com/office/mac/drawingml/2011/main" val="1"/>
+              <ma14:wrappingTextBoxFlag xmlns:ma14="http://schemas.microsoft.com/office/mac/drawingml/2011/main" xmlns:a14="http://schemas.microsoft.com/office/drawing/2010/main" xmlns:m="http://schemas.openxmlformats.org/officeDocument/2006/math" xmlns="" val="1"/>
             </a:ext>
           </a:extLst>
         </p:spPr>
@@ -14841,7 +14884,7 @@
           </a:ln>
           <a:extLst>
             <a:ext uri="{C572A759-6A51-4108-AA02-DFA0A04FC94B}">
-              <ma14:wrappingTextBoxFlag xmlns="" xmlns:m="http://schemas.openxmlformats.org/officeDocument/2006/math" xmlns:a14="http://schemas.microsoft.com/office/drawing/2010/main" xmlns:ma14="http://schemas.microsoft.com/office/mac/drawingml/2011/main" val="1"/>
+              <ma14:wrappingTextBoxFlag xmlns:ma14="http://schemas.microsoft.com/office/mac/drawingml/2011/main" xmlns:a14="http://schemas.microsoft.com/office/drawing/2010/main" xmlns:m="http://schemas.openxmlformats.org/officeDocument/2006/math" xmlns="" val="1"/>
             </a:ext>
           </a:extLst>
         </p:spPr>
@@ -14962,7 +15005,7 @@
           </a:ln>
           <a:extLst>
             <a:ext uri="{C572A759-6A51-4108-AA02-DFA0A04FC94B}">
-              <ma14:wrappingTextBoxFlag xmlns="" xmlns:m="http://schemas.openxmlformats.org/officeDocument/2006/math" xmlns:a14="http://schemas.microsoft.com/office/drawing/2010/main" xmlns:ma14="http://schemas.microsoft.com/office/mac/drawingml/2011/main" val="1"/>
+              <ma14:wrappingTextBoxFlag xmlns:ma14="http://schemas.microsoft.com/office/mac/drawingml/2011/main" xmlns:a14="http://schemas.microsoft.com/office/drawing/2010/main" xmlns:m="http://schemas.openxmlformats.org/officeDocument/2006/math" xmlns="" val="1"/>
             </a:ext>
           </a:extLst>
         </p:spPr>
@@ -15040,7 +15083,7 @@
           </a:ln>
           <a:extLst>
             <a:ext uri="{C572A759-6A51-4108-AA02-DFA0A04FC94B}">
-              <ma14:wrappingTextBoxFlag xmlns="" xmlns:m="http://schemas.openxmlformats.org/officeDocument/2006/math" xmlns:a14="http://schemas.microsoft.com/office/drawing/2010/main" xmlns:ma14="http://schemas.microsoft.com/office/mac/drawingml/2011/main" val="1"/>
+              <ma14:wrappingTextBoxFlag xmlns:ma14="http://schemas.microsoft.com/office/mac/drawingml/2011/main" xmlns:a14="http://schemas.microsoft.com/office/drawing/2010/main" xmlns:m="http://schemas.openxmlformats.org/officeDocument/2006/math" xmlns="" val="1"/>
             </a:ext>
           </a:extLst>
         </p:spPr>
@@ -15092,7 +15135,7 @@
           </a:ln>
           <a:extLst>
             <a:ext uri="{C572A759-6A51-4108-AA02-DFA0A04FC94B}">
-              <ma14:wrappingTextBoxFlag xmlns="" xmlns:m="http://schemas.openxmlformats.org/officeDocument/2006/math" xmlns:a14="http://schemas.microsoft.com/office/drawing/2010/main" xmlns:ma14="http://schemas.microsoft.com/office/mac/drawingml/2011/main" val="1"/>
+              <ma14:wrappingTextBoxFlag xmlns:ma14="http://schemas.microsoft.com/office/mac/drawingml/2011/main" xmlns:a14="http://schemas.microsoft.com/office/drawing/2010/main" xmlns:m="http://schemas.openxmlformats.org/officeDocument/2006/math" xmlns="" val="1"/>
             </a:ext>
           </a:extLst>
         </p:spPr>
@@ -15222,7 +15265,7 @@
           </a:ln>
           <a:extLst>
             <a:ext uri="{C572A759-6A51-4108-AA02-DFA0A04FC94B}">
-              <ma14:wrappingTextBoxFlag xmlns="" xmlns:m="http://schemas.openxmlformats.org/officeDocument/2006/math" xmlns:a14="http://schemas.microsoft.com/office/drawing/2010/main" xmlns:ma14="http://schemas.microsoft.com/office/mac/drawingml/2011/main" val="1"/>
+              <ma14:wrappingTextBoxFlag xmlns:ma14="http://schemas.microsoft.com/office/mac/drawingml/2011/main" xmlns:a14="http://schemas.microsoft.com/office/drawing/2010/main" xmlns:m="http://schemas.openxmlformats.org/officeDocument/2006/math" xmlns="" val="1"/>
             </a:ext>
           </a:extLst>
         </p:spPr>
@@ -15241,6 +15284,7 @@
           </a:lstStyle>
           <a:p>
             <a:r>
+              <a:rPr/>
               <a:t>1</a:t>
             </a:r>
           </a:p>
@@ -15282,7 +15326,7 @@
             <a:effectLst/>
             <a:extLst>
               <a:ext uri="{C572A759-6A51-4108-AA02-DFA0A04FC94B}">
-                <ma14:wrappingTextBoxFlag xmlns="" xmlns:m="http://schemas.openxmlformats.org/officeDocument/2006/math" xmlns:a14="http://schemas.microsoft.com/office/drawing/2010/main" xmlns:ma14="http://schemas.microsoft.com/office/mac/drawingml/2011/main" val="1"/>
+                <ma14:wrappingTextBoxFlag xmlns:ma14="http://schemas.microsoft.com/office/mac/drawingml/2011/main" xmlns:a14="http://schemas.microsoft.com/office/drawing/2010/main" xmlns:m="http://schemas.openxmlformats.org/officeDocument/2006/math" xmlns="" val="1"/>
               </a:ext>
             </a:extLst>
           </p:spPr>
@@ -15296,6 +15340,7 @@
                 <a:defRPr sz="1200"/>
               </a:pPr>
               <a:r>
+                <a:rPr/>
                 <a:t>001 </a:t>
               </a:r>
               <a:r>
@@ -15332,7 +15377,7 @@
             <a:effectLst/>
             <a:extLst>
               <a:ext uri="{C572A759-6A51-4108-AA02-DFA0A04FC94B}">
-                <ma14:wrappingTextBoxFlag xmlns="" xmlns:m="http://schemas.openxmlformats.org/officeDocument/2006/math" xmlns:a14="http://schemas.microsoft.com/office/drawing/2010/main" xmlns:ma14="http://schemas.microsoft.com/office/mac/drawingml/2011/main" val="1"/>
+                <ma14:wrappingTextBoxFlag xmlns:ma14="http://schemas.microsoft.com/office/mac/drawingml/2011/main" xmlns:a14="http://schemas.microsoft.com/office/drawing/2010/main" xmlns:m="http://schemas.openxmlformats.org/officeDocument/2006/math" xmlns="" val="1"/>
               </a:ext>
             </a:extLst>
           </p:spPr>
@@ -15391,7 +15436,7 @@
           </a:ln>
           <a:extLst>
             <a:ext uri="{C572A759-6A51-4108-AA02-DFA0A04FC94B}">
-              <ma14:wrappingTextBoxFlag xmlns="" xmlns:m="http://schemas.openxmlformats.org/officeDocument/2006/math" xmlns:a14="http://schemas.microsoft.com/office/drawing/2010/main" xmlns:ma14="http://schemas.microsoft.com/office/mac/drawingml/2011/main" val="1"/>
+              <ma14:wrappingTextBoxFlag xmlns:ma14="http://schemas.microsoft.com/office/mac/drawingml/2011/main" xmlns:a14="http://schemas.microsoft.com/office/drawing/2010/main" xmlns:m="http://schemas.openxmlformats.org/officeDocument/2006/math" xmlns="" val="1"/>
             </a:ext>
           </a:extLst>
         </p:spPr>
@@ -15410,6 +15455,7 @@
           </a:lstStyle>
           <a:p>
             <a:r>
+              <a:rPr/>
               <a:t>Step1</a:t>
             </a:r>
           </a:p>
@@ -15434,7 +15480,7 @@
           </a:ln>
           <a:extLst>
             <a:ext uri="{C572A759-6A51-4108-AA02-DFA0A04FC94B}">
-              <ma14:wrappingTextBoxFlag xmlns="" xmlns:m="http://schemas.openxmlformats.org/officeDocument/2006/math" xmlns:a14="http://schemas.microsoft.com/office/drawing/2010/main" xmlns:ma14="http://schemas.microsoft.com/office/mac/drawingml/2011/main" val="1"/>
+              <ma14:wrappingTextBoxFlag xmlns:ma14="http://schemas.microsoft.com/office/mac/drawingml/2011/main" xmlns:a14="http://schemas.microsoft.com/office/drawing/2010/main" xmlns:m="http://schemas.openxmlformats.org/officeDocument/2006/math" xmlns="" val="1"/>
             </a:ext>
           </a:extLst>
         </p:spPr>
@@ -15453,6 +15499,7 @@
           </a:lstStyle>
           <a:p>
             <a:r>
+              <a:rPr/>
               <a:t>Step2</a:t>
             </a:r>
           </a:p>
@@ -15477,7 +15524,7 @@
           </a:ln>
           <a:extLst>
             <a:ext uri="{C572A759-6A51-4108-AA02-DFA0A04FC94B}">
-              <ma14:wrappingTextBoxFlag xmlns="" xmlns:m="http://schemas.openxmlformats.org/officeDocument/2006/math" xmlns:a14="http://schemas.microsoft.com/office/drawing/2010/main" xmlns:ma14="http://schemas.microsoft.com/office/mac/drawingml/2011/main" val="1"/>
+              <ma14:wrappingTextBoxFlag xmlns:ma14="http://schemas.microsoft.com/office/mac/drawingml/2011/main" xmlns:a14="http://schemas.microsoft.com/office/drawing/2010/main" xmlns:m="http://schemas.openxmlformats.org/officeDocument/2006/math" xmlns="" val="1"/>
             </a:ext>
           </a:extLst>
         </p:spPr>
@@ -15496,6 +15543,7 @@
           </a:lstStyle>
           <a:p>
             <a:r>
+              <a:rPr/>
               <a:t>Step3</a:t>
             </a:r>
           </a:p>
@@ -15575,7 +15623,7 @@
           </a:ln>
           <a:extLst>
             <a:ext uri="{C572A759-6A51-4108-AA02-DFA0A04FC94B}">
-              <ma14:wrappingTextBoxFlag xmlns="" xmlns:m="http://schemas.openxmlformats.org/officeDocument/2006/math" xmlns:a14="http://schemas.microsoft.com/office/drawing/2010/main" xmlns:ma14="http://schemas.microsoft.com/office/mac/drawingml/2011/main" val="1"/>
+              <ma14:wrappingTextBoxFlag xmlns:ma14="http://schemas.microsoft.com/office/mac/drawingml/2011/main" xmlns:a14="http://schemas.microsoft.com/office/drawing/2010/main" xmlns:m="http://schemas.openxmlformats.org/officeDocument/2006/math" xmlns="" val="1"/>
             </a:ext>
           </a:extLst>
         </p:spPr>
@@ -15598,6 +15646,7 @@
           </a:lstStyle>
           <a:p>
             <a:r>
+              <a:rPr/>
               <a:t>Copyrightⓒ. Saebyeol Yu. All Rights Reserved.</a:t>
             </a:r>
           </a:p>
@@ -15687,7 +15736,7 @@
           </a:ln>
           <a:extLst>
             <a:ext uri="{C572A759-6A51-4108-AA02-DFA0A04FC94B}">
-              <ma14:wrappingTextBoxFlag xmlns="" xmlns:m="http://schemas.openxmlformats.org/officeDocument/2006/math" xmlns:a14="http://schemas.microsoft.com/office/drawing/2010/main" xmlns:ma14="http://schemas.microsoft.com/office/mac/drawingml/2011/main" val="1"/>
+              <ma14:wrappingTextBoxFlag xmlns:ma14="http://schemas.microsoft.com/office/mac/drawingml/2011/main" xmlns:a14="http://schemas.microsoft.com/office/drawing/2010/main" xmlns:m="http://schemas.openxmlformats.org/officeDocument/2006/math" xmlns="" val="1"/>
             </a:ext>
           </a:extLst>
         </p:spPr>
@@ -15706,6 +15755,7 @@
           </a:lstStyle>
           <a:p>
             <a:r>
+              <a:rPr/>
               <a:t>1</a:t>
             </a:r>
           </a:p>
@@ -15747,7 +15797,7 @@
             <a:effectLst/>
             <a:extLst>
               <a:ext uri="{C572A759-6A51-4108-AA02-DFA0A04FC94B}">
-                <ma14:wrappingTextBoxFlag xmlns="" xmlns:m="http://schemas.openxmlformats.org/officeDocument/2006/math" xmlns:a14="http://schemas.microsoft.com/office/drawing/2010/main" xmlns:ma14="http://schemas.microsoft.com/office/mac/drawingml/2011/main" val="1"/>
+                <ma14:wrappingTextBoxFlag xmlns:ma14="http://schemas.microsoft.com/office/mac/drawingml/2011/main" xmlns:a14="http://schemas.microsoft.com/office/drawing/2010/main" xmlns:m="http://schemas.openxmlformats.org/officeDocument/2006/math" xmlns="" val="1"/>
               </a:ext>
             </a:extLst>
           </p:spPr>
@@ -15761,6 +15811,7 @@
                 <a:defRPr sz="1200"/>
               </a:pPr>
               <a:r>
+                <a:rPr/>
                 <a:t>001 </a:t>
               </a:r>
               <a:r>
@@ -15797,7 +15848,7 @@
             <a:effectLst/>
             <a:extLst>
               <a:ext uri="{C572A759-6A51-4108-AA02-DFA0A04FC94B}">
-                <ma14:wrappingTextBoxFlag xmlns="" xmlns:m="http://schemas.openxmlformats.org/officeDocument/2006/math" xmlns:a14="http://schemas.microsoft.com/office/drawing/2010/main" xmlns:ma14="http://schemas.microsoft.com/office/mac/drawingml/2011/main" val="1"/>
+                <ma14:wrappingTextBoxFlag xmlns:ma14="http://schemas.microsoft.com/office/mac/drawingml/2011/main" xmlns:a14="http://schemas.microsoft.com/office/drawing/2010/main" xmlns:m="http://schemas.openxmlformats.org/officeDocument/2006/math" xmlns="" val="1"/>
               </a:ext>
             </a:extLst>
           </p:spPr>
@@ -15856,7 +15907,7 @@
           </a:ln>
           <a:extLst>
             <a:ext uri="{C572A759-6A51-4108-AA02-DFA0A04FC94B}">
-              <ma14:wrappingTextBoxFlag xmlns="" xmlns:m="http://schemas.openxmlformats.org/officeDocument/2006/math" xmlns:a14="http://schemas.microsoft.com/office/drawing/2010/main" xmlns:ma14="http://schemas.microsoft.com/office/mac/drawingml/2011/main" val="1"/>
+              <ma14:wrappingTextBoxFlag xmlns:ma14="http://schemas.microsoft.com/office/mac/drawingml/2011/main" xmlns:a14="http://schemas.microsoft.com/office/drawing/2010/main" xmlns:m="http://schemas.openxmlformats.org/officeDocument/2006/math" xmlns="" val="1"/>
             </a:ext>
           </a:extLst>
         </p:spPr>
@@ -15894,7 +15945,7 @@
           <p:cNvPr id="13" name="TextBox 23">
             <a:extLst>
               <a:ext uri="{FF2B5EF4-FFF2-40B4-BE49-F238E27FC236}">
-                <a16:creationId xmlns:a16="http://schemas.microsoft.com/office/drawing/2014/main" xmlns="" id="{E68FEF9F-639C-484C-A523-61BE25120B91}"/>
+                <a16:creationId xmlns="" xmlns:a16="http://schemas.microsoft.com/office/drawing/2014/main" id="{E68FEF9F-639C-484C-A523-61BE25120B91}"/>
               </a:ext>
             </a:extLst>
           </p:cNvPr>
@@ -15914,7 +15965,7 @@
           </a:ln>
           <a:extLst>
             <a:ext uri="{C572A759-6A51-4108-AA02-DFA0A04FC94B}">
-              <ma14:wrappingTextBoxFlag xmlns:ma14="http://schemas.microsoft.com/office/mac/drawingml/2011/main" xmlns:a14="http://schemas.microsoft.com/office/drawing/2010/main" xmlns:m="http://schemas.openxmlformats.org/officeDocument/2006/math" xmlns="" val="1"/>
+              <ma14:wrappingTextBoxFlag xmlns="" xmlns:m="http://schemas.openxmlformats.org/officeDocument/2006/math" xmlns:a14="http://schemas.microsoft.com/office/drawing/2010/main" xmlns:ma14="http://schemas.microsoft.com/office/mac/drawingml/2011/main" val="1"/>
             </a:ext>
           </a:extLst>
         </p:spPr>
@@ -15961,7 +16012,7 @@
           <p:cNvPr id="14" name="TextBox 24">
             <a:extLst>
               <a:ext uri="{FF2B5EF4-FFF2-40B4-BE49-F238E27FC236}">
-                <a16:creationId xmlns:a16="http://schemas.microsoft.com/office/drawing/2014/main" xmlns="" id="{4DB1C401-C317-4429-9CD4-0B6425A83D4D}"/>
+                <a16:creationId xmlns="" xmlns:a16="http://schemas.microsoft.com/office/drawing/2014/main" id="{4DB1C401-C317-4429-9CD4-0B6425A83D4D}"/>
               </a:ext>
             </a:extLst>
           </p:cNvPr>
@@ -15981,7 +16032,7 @@
           </a:ln>
           <a:extLst>
             <a:ext uri="{C572A759-6A51-4108-AA02-DFA0A04FC94B}">
-              <ma14:wrappingTextBoxFlag xmlns:ma14="http://schemas.microsoft.com/office/mac/drawingml/2011/main" xmlns:a14="http://schemas.microsoft.com/office/drawing/2010/main" xmlns:m="http://schemas.openxmlformats.org/officeDocument/2006/math" xmlns="" val="1"/>
+              <ma14:wrappingTextBoxFlag xmlns="" xmlns:m="http://schemas.openxmlformats.org/officeDocument/2006/math" xmlns:a14="http://schemas.microsoft.com/office/drawing/2010/main" xmlns:ma14="http://schemas.microsoft.com/office/mac/drawingml/2011/main" val="1"/>
             </a:ext>
           </a:extLst>
         </p:spPr>
@@ -16178,7 +16229,7 @@
           <p:cNvPr id="15" name="TextBox 14">
             <a:extLst>
               <a:ext uri="{FF2B5EF4-FFF2-40B4-BE49-F238E27FC236}">
-                <a16:creationId xmlns:a16="http://schemas.microsoft.com/office/drawing/2014/main" xmlns="" id="{9FB10F62-E21E-4BC8-B4DB-5915D5B14021}"/>
+                <a16:creationId xmlns="" xmlns:a16="http://schemas.microsoft.com/office/drawing/2014/main" id="{9FB10F62-E21E-4BC8-B4DB-5915D5B14021}"/>
               </a:ext>
             </a:extLst>
           </p:cNvPr>
@@ -16519,7 +16570,7 @@
           </a:ln>
           <a:extLst>
             <a:ext uri="{C572A759-6A51-4108-AA02-DFA0A04FC94B}">
-              <ma14:wrappingTextBoxFlag xmlns="" xmlns:m="http://schemas.openxmlformats.org/officeDocument/2006/math" xmlns:a14="http://schemas.microsoft.com/office/drawing/2010/main" xmlns:ma14="http://schemas.microsoft.com/office/mac/drawingml/2011/main" val="1"/>
+              <ma14:wrappingTextBoxFlag xmlns:ma14="http://schemas.microsoft.com/office/mac/drawingml/2011/main" xmlns:a14="http://schemas.microsoft.com/office/drawing/2010/main" xmlns:m="http://schemas.openxmlformats.org/officeDocument/2006/math" xmlns="" val="1"/>
             </a:ext>
           </a:extLst>
         </p:spPr>
@@ -16538,6 +16589,7 @@
           </a:lstStyle>
           <a:p>
             <a:r>
+              <a:rPr/>
               <a:t>002</a:t>
             </a:r>
           </a:p>
@@ -16562,7 +16614,7 @@
           </a:ln>
           <a:extLst>
             <a:ext uri="{C572A759-6A51-4108-AA02-DFA0A04FC94B}">
-              <ma14:wrappingTextBoxFlag xmlns="" xmlns:m="http://schemas.openxmlformats.org/officeDocument/2006/math" xmlns:a14="http://schemas.microsoft.com/office/drawing/2010/main" xmlns:ma14="http://schemas.microsoft.com/office/mac/drawingml/2011/main" val="1"/>
+              <ma14:wrappingTextBoxFlag xmlns:ma14="http://schemas.microsoft.com/office/mac/drawingml/2011/main" xmlns:a14="http://schemas.microsoft.com/office/drawing/2010/main" xmlns:m="http://schemas.openxmlformats.org/officeDocument/2006/math" xmlns="" val="1"/>
             </a:ext>
           </a:extLst>
         </p:spPr>
@@ -16611,7 +16663,7 @@
           </a:ln>
           <a:extLst>
             <a:ext uri="{C572A759-6A51-4108-AA02-DFA0A04FC94B}">
-              <ma14:wrappingTextBoxFlag xmlns="" xmlns:m="http://schemas.openxmlformats.org/officeDocument/2006/math" xmlns:a14="http://schemas.microsoft.com/office/drawing/2010/main" xmlns:ma14="http://schemas.microsoft.com/office/mac/drawingml/2011/main" val="1"/>
+              <ma14:wrappingTextBoxFlag xmlns:ma14="http://schemas.microsoft.com/office/mac/drawingml/2011/main" xmlns:a14="http://schemas.microsoft.com/office/drawing/2010/main" xmlns:m="http://schemas.openxmlformats.org/officeDocument/2006/math" xmlns="" val="1"/>
             </a:ext>
           </a:extLst>
         </p:spPr>
@@ -16634,6 +16686,7 @@
           </a:lstStyle>
           <a:p>
             <a:r>
+              <a:rPr/>
               <a:t>Copyrightⓒ. Saebyeol Yu. All Rights Reserved.</a:t>
             </a:r>
           </a:p>
@@ -16687,7 +16740,7 @@
           </a:ln>
           <a:extLst>
             <a:ext uri="{C572A759-6A51-4108-AA02-DFA0A04FC94B}">
-              <ma14:wrappingTextBoxFlag xmlns="" xmlns:m="http://schemas.openxmlformats.org/officeDocument/2006/math" xmlns:a14="http://schemas.microsoft.com/office/drawing/2010/main" xmlns:ma14="http://schemas.microsoft.com/office/mac/drawingml/2011/main" val="1"/>
+              <ma14:wrappingTextBoxFlag xmlns:ma14="http://schemas.microsoft.com/office/mac/drawingml/2011/main" xmlns:a14="http://schemas.microsoft.com/office/drawing/2010/main" xmlns:m="http://schemas.openxmlformats.org/officeDocument/2006/math" xmlns="" val="1"/>
             </a:ext>
           </a:extLst>
         </p:spPr>
@@ -16701,7 +16754,7 @@
             </a:lvl1pPr>
           </a:lstStyle>
           <a:p>
-            <a:endParaRPr dirty="0"/>
+            <a:endParaRPr/>
           </a:p>
         </p:txBody>
       </p:sp>
@@ -16891,7 +16944,7 @@
           </a:ln>
           <a:extLst>
             <a:ext uri="{C572A759-6A51-4108-AA02-DFA0A04FC94B}">
-              <ma14:wrappingTextBoxFlag xmlns="" xmlns:m="http://schemas.openxmlformats.org/officeDocument/2006/math" xmlns:a14="http://schemas.microsoft.com/office/drawing/2010/main" xmlns:ma14="http://schemas.microsoft.com/office/mac/drawingml/2011/main" val="1"/>
+              <ma14:wrappingTextBoxFlag xmlns:ma14="http://schemas.microsoft.com/office/mac/drawingml/2011/main" xmlns:a14="http://schemas.microsoft.com/office/drawing/2010/main" xmlns:m="http://schemas.openxmlformats.org/officeDocument/2006/math" xmlns="" val="1"/>
             </a:ext>
           </a:extLst>
         </p:spPr>
@@ -16936,7 +16989,7 @@
           </a:ln>
           <a:extLst>
             <a:ext uri="{C572A759-6A51-4108-AA02-DFA0A04FC94B}">
-              <ma14:wrappingTextBoxFlag xmlns="" xmlns:m="http://schemas.openxmlformats.org/officeDocument/2006/math" xmlns:a14="http://schemas.microsoft.com/office/drawing/2010/main" xmlns:ma14="http://schemas.microsoft.com/office/mac/drawingml/2011/main" val="1"/>
+              <ma14:wrappingTextBoxFlag xmlns:ma14="http://schemas.microsoft.com/office/mac/drawingml/2011/main" xmlns:a14="http://schemas.microsoft.com/office/drawing/2010/main" xmlns:m="http://schemas.openxmlformats.org/officeDocument/2006/math" xmlns="" val="1"/>
             </a:ext>
           </a:extLst>
         </p:spPr>
@@ -16959,6 +17012,7 @@
           </a:lstStyle>
           <a:p>
             <a:r>
+              <a:rPr/>
               <a:t>Copyrightⓒ. Saebyeol Yu. All Rights Reserved.</a:t>
             </a:r>
           </a:p>
@@ -16969,7 +17023,7 @@
           <p:cNvPr id="25" name="그룹 15">
             <a:extLst>
               <a:ext uri="{FF2B5EF4-FFF2-40B4-BE49-F238E27FC236}">
-                <a16:creationId xmlns:a16="http://schemas.microsoft.com/office/drawing/2014/main" xmlns="" id="{0B1AE4F2-4011-4D8B-860A-F59E1590DCDE}"/>
+                <a16:creationId xmlns="" xmlns:a16="http://schemas.microsoft.com/office/drawing/2014/main" id="{0B1AE4F2-4011-4D8B-860A-F59E1590DCDE}"/>
               </a:ext>
             </a:extLst>
           </p:cNvPr>
@@ -16989,7 +17043,7 @@
             <p:cNvPr id="26" name="타원 1">
               <a:extLst>
                 <a:ext uri="{FF2B5EF4-FFF2-40B4-BE49-F238E27FC236}">
-                  <a16:creationId xmlns:a16="http://schemas.microsoft.com/office/drawing/2014/main" xmlns="" id="{A8CD949E-08E2-4268-9DEA-0873C2605A6A}"/>
+                  <a16:creationId xmlns="" xmlns:a16="http://schemas.microsoft.com/office/drawing/2014/main" id="{A8CD949E-08E2-4268-9DEA-0873C2605A6A}"/>
                 </a:ext>
               </a:extLst>
             </p:cNvPr>
@@ -17037,7 +17091,7 @@
             <p:cNvPr id="27" name="타원 5">
               <a:extLst>
                 <a:ext uri="{FF2B5EF4-FFF2-40B4-BE49-F238E27FC236}">
-                  <a16:creationId xmlns:a16="http://schemas.microsoft.com/office/drawing/2014/main" xmlns="" id="{AFE04FA6-FEBA-48BD-A9FE-46496C320D5E}"/>
+                  <a16:creationId xmlns="" xmlns:a16="http://schemas.microsoft.com/office/drawing/2014/main" id="{AFE04FA6-FEBA-48BD-A9FE-46496C320D5E}"/>
                 </a:ext>
               </a:extLst>
             </p:cNvPr>
@@ -17085,7 +17139,7 @@
             <p:cNvPr id="28" name="타원 11">
               <a:extLst>
                 <a:ext uri="{FF2B5EF4-FFF2-40B4-BE49-F238E27FC236}">
-                  <a16:creationId xmlns:a16="http://schemas.microsoft.com/office/drawing/2014/main" xmlns="" id="{C93D3F15-C45D-4B60-9BFD-91B7BF5CCD3F}"/>
+                  <a16:creationId xmlns="" xmlns:a16="http://schemas.microsoft.com/office/drawing/2014/main" id="{C93D3F15-C45D-4B60-9BFD-91B7BF5CCD3F}"/>
                 </a:ext>
               </a:extLst>
             </p:cNvPr>
@@ -17134,7 +17188,7 @@
           <p:cNvPr id="29" name="그룹 12">
             <a:extLst>
               <a:ext uri="{FF2B5EF4-FFF2-40B4-BE49-F238E27FC236}">
-                <a16:creationId xmlns:a16="http://schemas.microsoft.com/office/drawing/2014/main" xmlns="" id="{324D0FF3-8508-4C4D-B081-BFE544B4FF03}"/>
+                <a16:creationId xmlns="" xmlns:a16="http://schemas.microsoft.com/office/drawing/2014/main" id="{324D0FF3-8508-4C4D-B081-BFE544B4FF03}"/>
               </a:ext>
             </a:extLst>
           </p:cNvPr>
@@ -17154,7 +17208,7 @@
             <p:cNvPr id="30" name="TextBox 13">
               <a:extLst>
                 <a:ext uri="{FF2B5EF4-FFF2-40B4-BE49-F238E27FC236}">
-                  <a16:creationId xmlns:a16="http://schemas.microsoft.com/office/drawing/2014/main" xmlns="" id="{D8739639-1028-4D2D-BF24-880D3E24BC0C}"/>
+                  <a16:creationId xmlns="" xmlns:a16="http://schemas.microsoft.com/office/drawing/2014/main" id="{D8739639-1028-4D2D-BF24-880D3E24BC0C}"/>
                 </a:ext>
               </a:extLst>
             </p:cNvPr>
@@ -17177,7 +17231,7 @@
             <a:effectLst/>
             <a:extLst>
               <a:ext uri="{C572A759-6A51-4108-AA02-DFA0A04FC94B}">
-                <ma14:wrappingTextBoxFlag xmlns:ma14="http://schemas.microsoft.com/office/mac/drawingml/2011/main" xmlns:a14="http://schemas.microsoft.com/office/drawing/2010/main" xmlns:m="http://schemas.openxmlformats.org/officeDocument/2006/math" xmlns="" val="1"/>
+                <ma14:wrappingTextBoxFlag xmlns="" xmlns:m="http://schemas.openxmlformats.org/officeDocument/2006/math" xmlns:a14="http://schemas.microsoft.com/office/drawing/2010/main" xmlns:ma14="http://schemas.microsoft.com/office/mac/drawingml/2011/main" val="1"/>
               </a:ext>
             </a:extLst>
           </p:spPr>
@@ -17230,7 +17284,7 @@
             <p:cNvPr id="31" name="TextBox 14">
               <a:extLst>
                 <a:ext uri="{FF2B5EF4-FFF2-40B4-BE49-F238E27FC236}">
-                  <a16:creationId xmlns:a16="http://schemas.microsoft.com/office/drawing/2014/main" xmlns="" id="{4A546A0C-47A8-48C0-9921-551DFCFF8782}"/>
+                  <a16:creationId xmlns="" xmlns:a16="http://schemas.microsoft.com/office/drawing/2014/main" id="{4A546A0C-47A8-48C0-9921-551DFCFF8782}"/>
                 </a:ext>
               </a:extLst>
             </p:cNvPr>
@@ -17253,7 +17307,7 @@
             <a:effectLst/>
             <a:extLst>
               <a:ext uri="{C572A759-6A51-4108-AA02-DFA0A04FC94B}">
-                <ma14:wrappingTextBoxFlag xmlns:ma14="http://schemas.microsoft.com/office/mac/drawingml/2011/main" xmlns:a14="http://schemas.microsoft.com/office/drawing/2010/main" xmlns:m="http://schemas.openxmlformats.org/officeDocument/2006/math" xmlns="" val="1"/>
+                <ma14:wrappingTextBoxFlag xmlns="" xmlns:m="http://schemas.openxmlformats.org/officeDocument/2006/math" xmlns:a14="http://schemas.microsoft.com/office/drawing/2010/main" xmlns:ma14="http://schemas.microsoft.com/office/mac/drawingml/2011/main" val="1"/>
               </a:ext>
             </a:extLst>
           </p:spPr>
@@ -17351,7 +17405,7 @@
           <p:cNvPr id="32" name="그룹 20">
             <a:extLst>
               <a:ext uri="{FF2B5EF4-FFF2-40B4-BE49-F238E27FC236}">
-                <a16:creationId xmlns:a16="http://schemas.microsoft.com/office/drawing/2014/main" xmlns="" id="{5282BC63-84DA-4EDF-AC0C-E87D64A498D4}"/>
+                <a16:creationId xmlns="" xmlns:a16="http://schemas.microsoft.com/office/drawing/2014/main" id="{5282BC63-84DA-4EDF-AC0C-E87D64A498D4}"/>
               </a:ext>
             </a:extLst>
           </p:cNvPr>
@@ -17371,7 +17425,7 @@
             <p:cNvPr id="33" name="TextBox 21">
               <a:extLst>
                 <a:ext uri="{FF2B5EF4-FFF2-40B4-BE49-F238E27FC236}">
-                  <a16:creationId xmlns:a16="http://schemas.microsoft.com/office/drawing/2014/main" xmlns="" id="{4F4CE13A-7CC2-4662-AF74-E1B19B7ECE4B}"/>
+                  <a16:creationId xmlns="" xmlns:a16="http://schemas.microsoft.com/office/drawing/2014/main" id="{4F4CE13A-7CC2-4662-AF74-E1B19B7ECE4B}"/>
                 </a:ext>
               </a:extLst>
             </p:cNvPr>
@@ -17394,7 +17448,7 @@
             <a:effectLst/>
             <a:extLst>
               <a:ext uri="{C572A759-6A51-4108-AA02-DFA0A04FC94B}">
-                <ma14:wrappingTextBoxFlag xmlns:ma14="http://schemas.microsoft.com/office/mac/drawingml/2011/main" xmlns:a14="http://schemas.microsoft.com/office/drawing/2010/main" xmlns:m="http://schemas.openxmlformats.org/officeDocument/2006/math" xmlns="" val="1"/>
+                <ma14:wrappingTextBoxFlag xmlns="" xmlns:m="http://schemas.openxmlformats.org/officeDocument/2006/math" xmlns:a14="http://schemas.microsoft.com/office/drawing/2010/main" xmlns:ma14="http://schemas.microsoft.com/office/mac/drawingml/2011/main" val="1"/>
               </a:ext>
             </a:extLst>
           </p:spPr>
@@ -17443,7 +17497,7 @@
             <p:cNvPr id="34" name="TextBox 22">
               <a:extLst>
                 <a:ext uri="{FF2B5EF4-FFF2-40B4-BE49-F238E27FC236}">
-                  <a16:creationId xmlns:a16="http://schemas.microsoft.com/office/drawing/2014/main" xmlns="" id="{8D4CA600-4AE9-4F2E-AA26-55BE6E1A04DB}"/>
+                  <a16:creationId xmlns="" xmlns:a16="http://schemas.microsoft.com/office/drawing/2014/main" id="{8D4CA600-4AE9-4F2E-AA26-55BE6E1A04DB}"/>
                 </a:ext>
               </a:extLst>
             </p:cNvPr>
@@ -17466,7 +17520,7 @@
             <a:effectLst/>
             <a:extLst>
               <a:ext uri="{C572A759-6A51-4108-AA02-DFA0A04FC94B}">
-                <ma14:wrappingTextBoxFlag xmlns:ma14="http://schemas.microsoft.com/office/mac/drawingml/2011/main" xmlns:a14="http://schemas.microsoft.com/office/drawing/2010/main" xmlns:m="http://schemas.openxmlformats.org/officeDocument/2006/math" xmlns="" val="1"/>
+                <ma14:wrappingTextBoxFlag xmlns="" xmlns:m="http://schemas.openxmlformats.org/officeDocument/2006/math" xmlns:a14="http://schemas.microsoft.com/office/drawing/2010/main" xmlns:ma14="http://schemas.microsoft.com/office/mac/drawingml/2011/main" val="1"/>
               </a:ext>
             </a:extLst>
           </p:spPr>
@@ -17510,7 +17564,7 @@
           <p:cNvPr id="35" name="그룹 23">
             <a:extLst>
               <a:ext uri="{FF2B5EF4-FFF2-40B4-BE49-F238E27FC236}">
-                <a16:creationId xmlns:a16="http://schemas.microsoft.com/office/drawing/2014/main" xmlns="" id="{DEBC432D-CCA3-4A86-8C79-5E14D38084A5}"/>
+                <a16:creationId xmlns="" xmlns:a16="http://schemas.microsoft.com/office/drawing/2014/main" id="{DEBC432D-CCA3-4A86-8C79-5E14D38084A5}"/>
               </a:ext>
             </a:extLst>
           </p:cNvPr>
@@ -17530,7 +17584,7 @@
             <p:cNvPr id="36" name="TextBox 24">
               <a:extLst>
                 <a:ext uri="{FF2B5EF4-FFF2-40B4-BE49-F238E27FC236}">
-                  <a16:creationId xmlns:a16="http://schemas.microsoft.com/office/drawing/2014/main" xmlns="" id="{6D8191A6-BE70-4305-B10E-C96F5C1D9E73}"/>
+                  <a16:creationId xmlns="" xmlns:a16="http://schemas.microsoft.com/office/drawing/2014/main" id="{6D8191A6-BE70-4305-B10E-C96F5C1D9E73}"/>
                 </a:ext>
               </a:extLst>
             </p:cNvPr>
@@ -17553,7 +17607,7 @@
             <a:effectLst/>
             <a:extLst>
               <a:ext uri="{C572A759-6A51-4108-AA02-DFA0A04FC94B}">
-                <ma14:wrappingTextBoxFlag xmlns:ma14="http://schemas.microsoft.com/office/mac/drawingml/2011/main" xmlns:a14="http://schemas.microsoft.com/office/drawing/2010/main" xmlns:m="http://schemas.openxmlformats.org/officeDocument/2006/math" xmlns="" val="1"/>
+                <ma14:wrappingTextBoxFlag xmlns="" xmlns:m="http://schemas.openxmlformats.org/officeDocument/2006/math" xmlns:a14="http://schemas.microsoft.com/office/drawing/2010/main" xmlns:ma14="http://schemas.microsoft.com/office/mac/drawingml/2011/main" val="1"/>
               </a:ext>
             </a:extLst>
           </p:spPr>
@@ -17591,7 +17645,7 @@
             <p:cNvPr id="37" name="TextBox 25">
               <a:extLst>
                 <a:ext uri="{FF2B5EF4-FFF2-40B4-BE49-F238E27FC236}">
-                  <a16:creationId xmlns:a16="http://schemas.microsoft.com/office/drawing/2014/main" xmlns="" id="{B6FD8642-BEC8-4348-986F-49A1EDB5DC8B}"/>
+                  <a16:creationId xmlns="" xmlns:a16="http://schemas.microsoft.com/office/drawing/2014/main" id="{B6FD8642-BEC8-4348-986F-49A1EDB5DC8B}"/>
                 </a:ext>
               </a:extLst>
             </p:cNvPr>
@@ -17614,7 +17668,7 @@
             <a:effectLst/>
             <a:extLst>
               <a:ext uri="{C572A759-6A51-4108-AA02-DFA0A04FC94B}">
-                <ma14:wrappingTextBoxFlag xmlns:ma14="http://schemas.microsoft.com/office/mac/drawingml/2011/main" xmlns:a14="http://schemas.microsoft.com/office/drawing/2010/main" xmlns:m="http://schemas.openxmlformats.org/officeDocument/2006/math" xmlns="" val="1"/>
+                <ma14:wrappingTextBoxFlag xmlns="" xmlns:m="http://schemas.openxmlformats.org/officeDocument/2006/math" xmlns:a14="http://schemas.microsoft.com/office/drawing/2010/main" xmlns:ma14="http://schemas.microsoft.com/office/mac/drawingml/2011/main" val="1"/>
               </a:ext>
             </a:extLst>
           </p:spPr>
@@ -17671,7 +17725,7 @@
           <p:cNvPr id="38" name="직선 연결선 28">
             <a:extLst>
               <a:ext uri="{FF2B5EF4-FFF2-40B4-BE49-F238E27FC236}">
-                <a16:creationId xmlns:a16="http://schemas.microsoft.com/office/drawing/2014/main" xmlns="" id="{AEEC274E-D2B2-49E0-A819-DDEDF36D34BD}"/>
+                <a16:creationId xmlns="" xmlns:a16="http://schemas.microsoft.com/office/drawing/2014/main" id="{AEEC274E-D2B2-49E0-A819-DDEDF36D34BD}"/>
               </a:ext>
             </a:extLst>
           </p:cNvPr>
@@ -17706,7 +17760,7 @@
           <p:cNvPr id="39" name="직선 연결선 29">
             <a:extLst>
               <a:ext uri="{FF2B5EF4-FFF2-40B4-BE49-F238E27FC236}">
-                <a16:creationId xmlns:a16="http://schemas.microsoft.com/office/drawing/2014/main" xmlns="" id="{24A46059-7796-4BA4-8A73-637BCA571AFE}"/>
+                <a16:creationId xmlns="" xmlns:a16="http://schemas.microsoft.com/office/drawing/2014/main" id="{24A46059-7796-4BA4-8A73-637BCA571AFE}"/>
               </a:ext>
             </a:extLst>
           </p:cNvPr>
@@ -17741,7 +17795,7 @@
           <p:cNvPr id="40" name="직선 연결선 30">
             <a:extLst>
               <a:ext uri="{FF2B5EF4-FFF2-40B4-BE49-F238E27FC236}">
-                <a16:creationId xmlns:a16="http://schemas.microsoft.com/office/drawing/2014/main" xmlns="" id="{58B17A4B-7B46-4B29-91C9-D8838A575727}"/>
+                <a16:creationId xmlns="" xmlns:a16="http://schemas.microsoft.com/office/drawing/2014/main" id="{58B17A4B-7B46-4B29-91C9-D8838A575727}"/>
               </a:ext>
             </a:extLst>
           </p:cNvPr>
@@ -17776,7 +17830,7 @@
           <p:cNvPr id="41" name="그룹 14">
             <a:extLst>
               <a:ext uri="{FF2B5EF4-FFF2-40B4-BE49-F238E27FC236}">
-                <a16:creationId xmlns:a16="http://schemas.microsoft.com/office/drawing/2014/main" xmlns="" id="{B65C5A68-93B3-48DE-81F2-C68C5C259B94}"/>
+                <a16:creationId xmlns="" xmlns:a16="http://schemas.microsoft.com/office/drawing/2014/main" id="{B65C5A68-93B3-48DE-81F2-C68C5C259B94}"/>
               </a:ext>
             </a:extLst>
           </p:cNvPr>
@@ -17796,7 +17850,7 @@
             <p:cNvPr id="42" name="TextBox 17">
               <a:extLst>
                 <a:ext uri="{FF2B5EF4-FFF2-40B4-BE49-F238E27FC236}">
-                  <a16:creationId xmlns:a16="http://schemas.microsoft.com/office/drawing/2014/main" xmlns="" id="{EC6A32A6-471B-4AA6-AABE-68E0AED7D2E9}"/>
+                  <a16:creationId xmlns="" xmlns:a16="http://schemas.microsoft.com/office/drawing/2014/main" id="{EC6A32A6-471B-4AA6-AABE-68E0AED7D2E9}"/>
                 </a:ext>
               </a:extLst>
             </p:cNvPr>
@@ -17819,7 +17873,7 @@
             <a:effectLst/>
             <a:extLst>
               <a:ext uri="{C572A759-6A51-4108-AA02-DFA0A04FC94B}">
-                <ma14:wrappingTextBoxFlag xmlns="" xmlns:m="http://schemas.openxmlformats.org/officeDocument/2006/math" xmlns:a14="http://schemas.microsoft.com/office/drawing/2010/main" xmlns:ma14="http://schemas.microsoft.com/office/mac/drawingml/2011/main" val="1"/>
+                <ma14:wrappingTextBoxFlag xmlns:ma14="http://schemas.microsoft.com/office/mac/drawingml/2011/main" xmlns:a14="http://schemas.microsoft.com/office/drawing/2010/main" xmlns:m="http://schemas.openxmlformats.org/officeDocument/2006/math" xmlns="" val="1"/>
               </a:ext>
             </a:extLst>
           </p:spPr>
@@ -17833,6 +17887,7 @@
                 <a:defRPr sz="1200"/>
               </a:pPr>
               <a:r>
+                <a:rPr/>
                 <a:t>00</a:t>
               </a:r>
               <a:r>
@@ -17840,6 +17895,7 @@
                 <a:t>2</a:t>
               </a:r>
               <a:r>
+                <a:rPr/>
                 <a:t> </a:t>
               </a:r>
               <a:r>
@@ -17865,7 +17921,7 @@
             <p:cNvPr id="43" name="TextBox 18">
               <a:extLst>
                 <a:ext uri="{FF2B5EF4-FFF2-40B4-BE49-F238E27FC236}">
-                  <a16:creationId xmlns:a16="http://schemas.microsoft.com/office/drawing/2014/main" xmlns="" id="{D9A5D050-6ED0-4767-B708-D980766D185C}"/>
+                  <a16:creationId xmlns="" xmlns:a16="http://schemas.microsoft.com/office/drawing/2014/main" id="{D9A5D050-6ED0-4767-B708-D980766D185C}"/>
                 </a:ext>
               </a:extLst>
             </p:cNvPr>
@@ -17888,7 +17944,7 @@
             <a:effectLst/>
             <a:extLst>
               <a:ext uri="{C572A759-6A51-4108-AA02-DFA0A04FC94B}">
-                <ma14:wrappingTextBoxFlag xmlns="" xmlns:m="http://schemas.openxmlformats.org/officeDocument/2006/math" xmlns:a14="http://schemas.microsoft.com/office/drawing/2010/main" xmlns:ma14="http://schemas.microsoft.com/office/mac/drawingml/2011/main" val="1"/>
+                <ma14:wrappingTextBoxFlag xmlns:ma14="http://schemas.microsoft.com/office/mac/drawingml/2011/main" xmlns:a14="http://schemas.microsoft.com/office/drawing/2010/main" xmlns:m="http://schemas.openxmlformats.org/officeDocument/2006/math" xmlns="" val="1"/>
               </a:ext>
             </a:extLst>
           </p:spPr>
@@ -17979,7 +18035,7 @@
           </a:ln>
           <a:extLst>
             <a:ext uri="{C572A759-6A51-4108-AA02-DFA0A04FC94B}">
-              <ma14:wrappingTextBoxFlag xmlns="" xmlns:m="http://schemas.openxmlformats.org/officeDocument/2006/math" xmlns:a14="http://schemas.microsoft.com/office/drawing/2010/main" xmlns:ma14="http://schemas.microsoft.com/office/mac/drawingml/2011/main" val="1"/>
+              <ma14:wrappingTextBoxFlag xmlns:ma14="http://schemas.microsoft.com/office/mac/drawingml/2011/main" xmlns:a14="http://schemas.microsoft.com/office/drawing/2010/main" xmlns:m="http://schemas.openxmlformats.org/officeDocument/2006/math" xmlns="" val="1"/>
             </a:ext>
           </a:extLst>
         </p:spPr>
@@ -18002,6 +18058,7 @@
           </a:lstStyle>
           <a:p>
             <a:r>
+              <a:rPr/>
               <a:t>Copyrightⓒ. Saebyeol Yu. All Rights Reserved.</a:t>
             </a:r>
           </a:p>
@@ -18091,7 +18148,7 @@
           </a:ln>
           <a:extLst>
             <a:ext uri="{C572A759-6A51-4108-AA02-DFA0A04FC94B}">
-              <ma14:wrappingTextBoxFlag xmlns="" xmlns:m="http://schemas.openxmlformats.org/officeDocument/2006/math" xmlns:a14="http://schemas.microsoft.com/office/drawing/2010/main" xmlns:ma14="http://schemas.microsoft.com/office/mac/drawingml/2011/main" val="1"/>
+              <ma14:wrappingTextBoxFlag xmlns:ma14="http://schemas.microsoft.com/office/mac/drawingml/2011/main" xmlns:a14="http://schemas.microsoft.com/office/drawing/2010/main" xmlns:m="http://schemas.openxmlformats.org/officeDocument/2006/math" xmlns="" val="1"/>
             </a:ext>
           </a:extLst>
         </p:spPr>
@@ -18153,7 +18210,7 @@
             <a:effectLst/>
             <a:extLst>
               <a:ext uri="{C572A759-6A51-4108-AA02-DFA0A04FC94B}">
-                <ma14:wrappingTextBoxFlag xmlns="" xmlns:m="http://schemas.openxmlformats.org/officeDocument/2006/math" xmlns:a14="http://schemas.microsoft.com/office/drawing/2010/main" xmlns:ma14="http://schemas.microsoft.com/office/mac/drawingml/2011/main" val="1"/>
+                <ma14:wrappingTextBoxFlag xmlns:ma14="http://schemas.microsoft.com/office/mac/drawingml/2011/main" xmlns:a14="http://schemas.microsoft.com/office/drawing/2010/main" xmlns:m="http://schemas.openxmlformats.org/officeDocument/2006/math" xmlns="" val="1"/>
               </a:ext>
             </a:extLst>
           </p:spPr>
@@ -18167,6 +18224,7 @@
                 <a:defRPr sz="1200"/>
               </a:pPr>
               <a:r>
+                <a:rPr/>
                 <a:t>00</a:t>
               </a:r>
               <a:r>
@@ -18174,6 +18232,7 @@
                 <a:t>2</a:t>
               </a:r>
               <a:r>
+                <a:rPr/>
                 <a:t> </a:t>
               </a:r>
               <a:r>
@@ -18216,7 +18275,7 @@
             <a:effectLst/>
             <a:extLst>
               <a:ext uri="{C572A759-6A51-4108-AA02-DFA0A04FC94B}">
-                <ma14:wrappingTextBoxFlag xmlns="" xmlns:m="http://schemas.openxmlformats.org/officeDocument/2006/math" xmlns:a14="http://schemas.microsoft.com/office/drawing/2010/main" xmlns:ma14="http://schemas.microsoft.com/office/mac/drawingml/2011/main" val="1"/>
+                <ma14:wrappingTextBoxFlag xmlns:ma14="http://schemas.microsoft.com/office/mac/drawingml/2011/main" xmlns:a14="http://schemas.microsoft.com/office/drawing/2010/main" xmlns:m="http://schemas.openxmlformats.org/officeDocument/2006/math" xmlns="" val="1"/>
               </a:ext>
             </a:extLst>
           </p:spPr>
@@ -18267,7 +18326,7 @@
           <p:cNvPr id="2" name="표 1">
             <a:extLst>
               <a:ext uri="{FF2B5EF4-FFF2-40B4-BE49-F238E27FC236}">
-                <a16:creationId xmlns:a16="http://schemas.microsoft.com/office/drawing/2014/main" xmlns="" id="{37EBAD74-A618-47BE-9EB7-398D71D64CB7}"/>
+                <a16:creationId xmlns="" xmlns:a16="http://schemas.microsoft.com/office/drawing/2014/main" id="{37EBAD74-A618-47BE-9EB7-398D71D64CB7}"/>
               </a:ext>
             </a:extLst>
           </p:cNvPr>
@@ -18294,14 +18353,14 @@
                 <a:gridCol w="1083628">
                   <a:extLst>
                     <a:ext uri="{9D8B030D-6E8A-4147-A177-3AD203B41FA5}">
-                      <a16:colId xmlns:a16="http://schemas.microsoft.com/office/drawing/2014/main" xmlns="" val="1902489806"/>
+                      <a16:colId xmlns="" xmlns:a16="http://schemas.microsoft.com/office/drawing/2014/main" val="1902489806"/>
                     </a:ext>
                   </a:extLst>
                 </a:gridCol>
                 <a:gridCol w="9955215">
                   <a:extLst>
                     <a:ext uri="{9D8B030D-6E8A-4147-A177-3AD203B41FA5}">
-                      <a16:colId xmlns:a16="http://schemas.microsoft.com/office/drawing/2014/main" xmlns="" val="3673397358"/>
+                      <a16:colId xmlns="" xmlns:a16="http://schemas.microsoft.com/office/drawing/2014/main" val="3673397358"/>
                     </a:ext>
                   </a:extLst>
                 </a:gridCol>
@@ -18453,7 +18512,7 @@
                 </a:tc>
                 <a:extLst>
                   <a:ext uri="{0D108BD9-81ED-4DB2-BD59-A6C34878D82A}">
-                    <a16:rowId xmlns:a16="http://schemas.microsoft.com/office/drawing/2014/main" xmlns="" val="3108607188"/>
+                    <a16:rowId xmlns="" xmlns:a16="http://schemas.microsoft.com/office/drawing/2014/main" val="3108607188"/>
                   </a:ext>
                 </a:extLst>
               </a:tr>
@@ -18675,7 +18734,7 @@
                 </a:tc>
                 <a:extLst>
                   <a:ext uri="{0D108BD9-81ED-4DB2-BD59-A6C34878D82A}">
-                    <a16:rowId xmlns:a16="http://schemas.microsoft.com/office/drawing/2014/main" xmlns="" val="2127605802"/>
+                    <a16:rowId xmlns="" xmlns:a16="http://schemas.microsoft.com/office/drawing/2014/main" val="2127605802"/>
                   </a:ext>
                 </a:extLst>
               </a:tr>
@@ -18842,7 +18901,7 @@
                 </a:tc>
                 <a:extLst>
                   <a:ext uri="{0D108BD9-81ED-4DB2-BD59-A6C34878D82A}">
-                    <a16:rowId xmlns:a16="http://schemas.microsoft.com/office/drawing/2014/main" xmlns="" val="2015946701"/>
+                    <a16:rowId xmlns="" xmlns:a16="http://schemas.microsoft.com/office/drawing/2014/main" val="2015946701"/>
                   </a:ext>
                 </a:extLst>
               </a:tr>
@@ -19097,7 +19156,7 @@
                 </a:tc>
                 <a:extLst>
                   <a:ext uri="{0D108BD9-81ED-4DB2-BD59-A6C34878D82A}">
-                    <a16:rowId xmlns:a16="http://schemas.microsoft.com/office/drawing/2014/main" xmlns="" val="4175227250"/>
+                    <a16:rowId xmlns="" xmlns:a16="http://schemas.microsoft.com/office/drawing/2014/main" val="4175227250"/>
                   </a:ext>
                 </a:extLst>
               </a:tr>
@@ -19308,7 +19367,7 @@
                 </a:tc>
                 <a:extLst>
                   <a:ext uri="{0D108BD9-81ED-4DB2-BD59-A6C34878D82A}">
-                    <a16:rowId xmlns:a16="http://schemas.microsoft.com/office/drawing/2014/main" xmlns="" val="3372433075"/>
+                    <a16:rowId xmlns="" xmlns:a16="http://schemas.microsoft.com/office/drawing/2014/main" val="3372433075"/>
                   </a:ext>
                 </a:extLst>
               </a:tr>
@@ -19563,7 +19622,7 @@
                 </a:tc>
                 <a:extLst>
                   <a:ext uri="{0D108BD9-81ED-4DB2-BD59-A6C34878D82A}">
-                    <a16:rowId xmlns:a16="http://schemas.microsoft.com/office/drawing/2014/main" xmlns="" val="105103025"/>
+                    <a16:rowId xmlns="" xmlns:a16="http://schemas.microsoft.com/office/drawing/2014/main" val="105103025"/>
                   </a:ext>
                 </a:extLst>
               </a:tr>
@@ -19862,7 +19921,7 @@
                 </a:tc>
                 <a:extLst>
                   <a:ext uri="{0D108BD9-81ED-4DB2-BD59-A6C34878D82A}">
-                    <a16:rowId xmlns:a16="http://schemas.microsoft.com/office/drawing/2014/main" xmlns="" val="2184773282"/>
+                    <a16:rowId xmlns="" xmlns:a16="http://schemas.microsoft.com/office/drawing/2014/main" val="2184773282"/>
                   </a:ext>
                 </a:extLst>
               </a:tr>
@@ -20018,7 +20077,7 @@
                 </a:tc>
                 <a:extLst>
                   <a:ext uri="{0D108BD9-81ED-4DB2-BD59-A6C34878D82A}">
-                    <a16:rowId xmlns:a16="http://schemas.microsoft.com/office/drawing/2014/main" xmlns="" val="2138751804"/>
+                    <a16:rowId xmlns="" xmlns:a16="http://schemas.microsoft.com/office/drawing/2014/main" val="2138751804"/>
                   </a:ext>
                 </a:extLst>
               </a:tr>
@@ -20218,7 +20277,7 @@
                 </a:tc>
                 <a:extLst>
                   <a:ext uri="{0D108BD9-81ED-4DB2-BD59-A6C34878D82A}">
-                    <a16:rowId xmlns:a16="http://schemas.microsoft.com/office/drawing/2014/main" xmlns="" val="764936702"/>
+                    <a16:rowId xmlns="" xmlns:a16="http://schemas.microsoft.com/office/drawing/2014/main" val="764936702"/>
                   </a:ext>
                 </a:extLst>
               </a:tr>
